--- a/hibernate5.x.pptx
+++ b/hibernate5.x.pptx
@@ -5,35 +5,41 @@
     <p:sldMasterId id="2147483648" r:id="rId1"/>
   </p:sldMasterIdLst>
   <p:notesMasterIdLst>
-    <p:notesMasterId r:id="rId28"/>
+    <p:notesMasterId r:id="rId34"/>
   </p:notesMasterIdLst>
   <p:sldIdLst>
     <p:sldId id="256" r:id="rId2"/>
-    <p:sldId id="257" r:id="rId3"/>
-    <p:sldId id="258" r:id="rId4"/>
-    <p:sldId id="259" r:id="rId5"/>
-    <p:sldId id="260" r:id="rId6"/>
-    <p:sldId id="261" r:id="rId7"/>
-    <p:sldId id="262" r:id="rId8"/>
-    <p:sldId id="263" r:id="rId9"/>
-    <p:sldId id="264" r:id="rId10"/>
-    <p:sldId id="265" r:id="rId11"/>
-    <p:sldId id="266" r:id="rId12"/>
-    <p:sldId id="267" r:id="rId13"/>
-    <p:sldId id="268" r:id="rId14"/>
-    <p:sldId id="269" r:id="rId15"/>
-    <p:sldId id="270" r:id="rId16"/>
-    <p:sldId id="271" r:id="rId17"/>
-    <p:sldId id="276" r:id="rId18"/>
-    <p:sldId id="272" r:id="rId19"/>
-    <p:sldId id="273" r:id="rId20"/>
-    <p:sldId id="274" r:id="rId21"/>
-    <p:sldId id="275" r:id="rId22"/>
-    <p:sldId id="277" r:id="rId23"/>
-    <p:sldId id="278" r:id="rId24"/>
-    <p:sldId id="279" r:id="rId25"/>
-    <p:sldId id="280" r:id="rId26"/>
-    <p:sldId id="281" r:id="rId27"/>
+    <p:sldId id="282" r:id="rId3"/>
+    <p:sldId id="283" r:id="rId4"/>
+    <p:sldId id="284" r:id="rId5"/>
+    <p:sldId id="285" r:id="rId6"/>
+    <p:sldId id="286" r:id="rId7"/>
+    <p:sldId id="287" r:id="rId8"/>
+    <p:sldId id="257" r:id="rId9"/>
+    <p:sldId id="258" r:id="rId10"/>
+    <p:sldId id="259" r:id="rId11"/>
+    <p:sldId id="260" r:id="rId12"/>
+    <p:sldId id="261" r:id="rId13"/>
+    <p:sldId id="262" r:id="rId14"/>
+    <p:sldId id="263" r:id="rId15"/>
+    <p:sldId id="264" r:id="rId16"/>
+    <p:sldId id="265" r:id="rId17"/>
+    <p:sldId id="266" r:id="rId18"/>
+    <p:sldId id="267" r:id="rId19"/>
+    <p:sldId id="268" r:id="rId20"/>
+    <p:sldId id="269" r:id="rId21"/>
+    <p:sldId id="270" r:id="rId22"/>
+    <p:sldId id="271" r:id="rId23"/>
+    <p:sldId id="276" r:id="rId24"/>
+    <p:sldId id="272" r:id="rId25"/>
+    <p:sldId id="273" r:id="rId26"/>
+    <p:sldId id="274" r:id="rId27"/>
+    <p:sldId id="275" r:id="rId28"/>
+    <p:sldId id="277" r:id="rId29"/>
+    <p:sldId id="278" r:id="rId30"/>
+    <p:sldId id="279" r:id="rId31"/>
+    <p:sldId id="280" r:id="rId32"/>
+    <p:sldId id="281" r:id="rId33"/>
   </p:sldIdLst>
   <p:sldSz cx="12192000" cy="6858000"/>
   <p:notesSz cx="6858000" cy="9144000"/>
@@ -132,17 +138,18 @@
       </a:defRPr>
     </a:lvl9pPr>
   </p:defaultTextStyle>
+  <p:extLst>
+    <p:ext uri="{EFAFB233-063F-42B5-8137-9DF3F51BA10A}">
+      <p15:sldGuideLst xmlns:p15="http://schemas.microsoft.com/office/powerpoint/2012/main"/>
+    </p:ext>
+  </p:extLst>
 </p:presentation>
 </file>
 
 <file path=ppt/commentAuthors.xml><?xml version="1.0" encoding="utf-8"?>
 <p:cmAuthorLst xmlns:a="http://schemas.openxmlformats.org/drawingml/2006/main" xmlns:r="http://schemas.openxmlformats.org/officeDocument/2006/relationships" xmlns:p="http://schemas.openxmlformats.org/presentationml/2006/main">
   <p:cmAuthor id="1" name="김현하" initials="김" lastIdx="1" clrIdx="0">
-    <p:extLst>
-      <p:ext uri="{19B8F6BF-5375-455C-9EA6-DF929625EA0E}">
-        <p15:presenceInfo xmlns:p15="http://schemas.microsoft.com/office/powerpoint/2012/main" userId="" providerId=""/>
-      </p:ext>
-    </p:extLst>
+    <p:extLst/>
   </p:cmAuthor>
 </p:cmAuthorLst>
 </file>
@@ -243,7 +250,7 @@
           <a:p>
             <a:fld id="{1A8D353A-99F3-0F4F-82CB-38957AD40D00}" type="datetimeFigureOut">
               <a:rPr kumimoji="1" lang="ko-KR" altLang="en-US" smtClean="0"/>
-              <a:t>2017. 1. 30.</a:t>
+              <a:t>2017. 3. 26.</a:t>
             </a:fld>
             <a:endParaRPr kumimoji="1" lang="ko-KR" altLang="en-US"/>
           </a:p>
@@ -1219,7 +1226,7 @@
           <a:p>
             <a:fld id="{B86D1840-22AE-E14E-8CE5-1A090171DC54}" type="slidenum">
               <a:rPr kumimoji="1" lang="ko-KR" altLang="en-US" smtClean="0"/>
-              <a:t>2</a:t>
+              <a:t>8</a:t>
             </a:fld>
             <a:endParaRPr kumimoji="1" lang="ko-KR" altLang="en-US"/>
           </a:p>
@@ -1491,7 +1498,7 @@
           <a:p>
             <a:fld id="{B86D1840-22AE-E14E-8CE5-1A090171DC54}" type="slidenum">
               <a:rPr kumimoji="1" lang="ko-KR" altLang="en-US" smtClean="0"/>
-              <a:t>24</a:t>
+              <a:t>30</a:t>
             </a:fld>
             <a:endParaRPr kumimoji="1" lang="ko-KR" altLang="en-US"/>
           </a:p>
@@ -1718,7 +1725,7 @@
           <a:p>
             <a:fld id="{B86D1840-22AE-E14E-8CE5-1A090171DC54}" type="slidenum">
               <a:rPr kumimoji="1" lang="ko-KR" altLang="en-US" smtClean="0"/>
-              <a:t>3</a:t>
+              <a:t>9</a:t>
             </a:fld>
             <a:endParaRPr kumimoji="1" lang="ko-KR" altLang="en-US"/>
           </a:p>
@@ -1827,7 +1834,7 @@
           <a:p>
             <a:fld id="{B86D1840-22AE-E14E-8CE5-1A090171DC54}" type="slidenum">
               <a:rPr kumimoji="1" lang="ko-KR" altLang="en-US" smtClean="0"/>
-              <a:t>4</a:t>
+              <a:t>10</a:t>
             </a:fld>
             <a:endParaRPr kumimoji="1" lang="ko-KR" altLang="en-US"/>
           </a:p>
@@ -2526,7 +2533,7 @@
           <a:p>
             <a:fld id="{B86D1840-22AE-E14E-8CE5-1A090171DC54}" type="slidenum">
               <a:rPr kumimoji="1" lang="ko-KR" altLang="en-US" smtClean="0"/>
-              <a:t>6</a:t>
+              <a:t>12</a:t>
             </a:fld>
             <a:endParaRPr kumimoji="1" lang="ko-KR" altLang="en-US"/>
           </a:p>
@@ -2671,7 +2678,7 @@
           <a:p>
             <a:fld id="{B86D1840-22AE-E14E-8CE5-1A090171DC54}" type="slidenum">
               <a:rPr kumimoji="1" lang="ko-KR" altLang="en-US" smtClean="0"/>
-              <a:t>8</a:t>
+              <a:t>14</a:t>
             </a:fld>
             <a:endParaRPr kumimoji="1" lang="ko-KR" altLang="en-US"/>
           </a:p>
@@ -3967,7 +3974,7 @@
           <a:p>
             <a:fld id="{B86D1840-22AE-E14E-8CE5-1A090171DC54}" type="slidenum">
               <a:rPr kumimoji="1" lang="ko-KR" altLang="en-US" smtClean="0"/>
-              <a:t>9</a:t>
+              <a:t>15</a:t>
             </a:fld>
             <a:endParaRPr kumimoji="1" lang="ko-KR" altLang="en-US"/>
           </a:p>
@@ -5314,7 +5321,7 @@
           <a:p>
             <a:fld id="{B86D1840-22AE-E14E-8CE5-1A090171DC54}" type="slidenum">
               <a:rPr kumimoji="1" lang="ko-KR" altLang="en-US" smtClean="0"/>
-              <a:t>10</a:t>
+              <a:t>16</a:t>
             </a:fld>
             <a:endParaRPr kumimoji="1" lang="ko-KR" altLang="en-US"/>
           </a:p>
@@ -5483,7 +5490,7 @@
           <a:p>
             <a:fld id="{B86D1840-22AE-E14E-8CE5-1A090171DC54}" type="slidenum">
               <a:rPr kumimoji="1" lang="ko-KR" altLang="en-US" smtClean="0"/>
-              <a:t>13</a:t>
+              <a:t>19</a:t>
             </a:fld>
             <a:endParaRPr kumimoji="1" lang="ko-KR" altLang="en-US"/>
           </a:p>
@@ -5747,7 +5754,7 @@
           <a:p>
             <a:fld id="{B86D1840-22AE-E14E-8CE5-1A090171DC54}" type="slidenum">
               <a:rPr kumimoji="1" lang="ko-KR" altLang="en-US" smtClean="0"/>
-              <a:t>18</a:t>
+              <a:t>24</a:t>
             </a:fld>
             <a:endParaRPr kumimoji="1" lang="ko-KR" altLang="en-US"/>
           </a:p>
@@ -5897,7 +5904,7 @@
           <a:p>
             <a:fld id="{2BE5A808-77D6-5449-A32F-C7407678D76D}" type="datetimeFigureOut">
               <a:rPr kumimoji="1" lang="ko-KR" altLang="en-US" smtClean="0"/>
-              <a:t>2017. 1. 30.</a:t>
+              <a:t>2017. 3. 26.</a:t>
             </a:fld>
             <a:endParaRPr kumimoji="1" lang="ko-KR" altLang="en-US"/>
           </a:p>
@@ -6067,7 +6074,7 @@
           <a:p>
             <a:fld id="{2BE5A808-77D6-5449-A32F-C7407678D76D}" type="datetimeFigureOut">
               <a:rPr kumimoji="1" lang="ko-KR" altLang="en-US" smtClean="0"/>
-              <a:t>2017. 1. 30.</a:t>
+              <a:t>2017. 3. 26.</a:t>
             </a:fld>
             <a:endParaRPr kumimoji="1" lang="ko-KR" altLang="en-US"/>
           </a:p>
@@ -6247,7 +6254,7 @@
           <a:p>
             <a:fld id="{2BE5A808-77D6-5449-A32F-C7407678D76D}" type="datetimeFigureOut">
               <a:rPr kumimoji="1" lang="ko-KR" altLang="en-US" smtClean="0"/>
-              <a:t>2017. 1. 30.</a:t>
+              <a:t>2017. 3. 26.</a:t>
             </a:fld>
             <a:endParaRPr kumimoji="1" lang="ko-KR" altLang="en-US"/>
           </a:p>
@@ -6417,7 +6424,7 @@
           <a:p>
             <a:fld id="{2BE5A808-77D6-5449-A32F-C7407678D76D}" type="datetimeFigureOut">
               <a:rPr kumimoji="1" lang="ko-KR" altLang="en-US" smtClean="0"/>
-              <a:t>2017. 1. 30.</a:t>
+              <a:t>2017. 3. 26.</a:t>
             </a:fld>
             <a:endParaRPr kumimoji="1" lang="ko-KR" altLang="en-US"/>
           </a:p>
@@ -6663,7 +6670,7 @@
           <a:p>
             <a:fld id="{2BE5A808-77D6-5449-A32F-C7407678D76D}" type="datetimeFigureOut">
               <a:rPr kumimoji="1" lang="ko-KR" altLang="en-US" smtClean="0"/>
-              <a:t>2017. 1. 30.</a:t>
+              <a:t>2017. 3. 26.</a:t>
             </a:fld>
             <a:endParaRPr kumimoji="1" lang="ko-KR" altLang="en-US"/>
           </a:p>
@@ -6895,7 +6902,7 @@
           <a:p>
             <a:fld id="{2BE5A808-77D6-5449-A32F-C7407678D76D}" type="datetimeFigureOut">
               <a:rPr kumimoji="1" lang="ko-KR" altLang="en-US" smtClean="0"/>
-              <a:t>2017. 1. 30.</a:t>
+              <a:t>2017. 3. 26.</a:t>
             </a:fld>
             <a:endParaRPr kumimoji="1" lang="ko-KR" altLang="en-US"/>
           </a:p>
@@ -7262,7 +7269,7 @@
           <a:p>
             <a:fld id="{2BE5A808-77D6-5449-A32F-C7407678D76D}" type="datetimeFigureOut">
               <a:rPr kumimoji="1" lang="ko-KR" altLang="en-US" smtClean="0"/>
-              <a:t>2017. 1. 30.</a:t>
+              <a:t>2017. 3. 26.</a:t>
             </a:fld>
             <a:endParaRPr kumimoji="1" lang="ko-KR" altLang="en-US"/>
           </a:p>
@@ -7380,7 +7387,7 @@
           <a:p>
             <a:fld id="{2BE5A808-77D6-5449-A32F-C7407678D76D}" type="datetimeFigureOut">
               <a:rPr kumimoji="1" lang="ko-KR" altLang="en-US" smtClean="0"/>
-              <a:t>2017. 1. 30.</a:t>
+              <a:t>2017. 3. 26.</a:t>
             </a:fld>
             <a:endParaRPr kumimoji="1" lang="ko-KR" altLang="en-US"/>
           </a:p>
@@ -7475,7 +7482,7 @@
           <a:p>
             <a:fld id="{2BE5A808-77D6-5449-A32F-C7407678D76D}" type="datetimeFigureOut">
               <a:rPr kumimoji="1" lang="ko-KR" altLang="en-US" smtClean="0"/>
-              <a:t>2017. 1. 30.</a:t>
+              <a:t>2017. 3. 26.</a:t>
             </a:fld>
             <a:endParaRPr kumimoji="1" lang="ko-KR" altLang="en-US"/>
           </a:p>
@@ -7752,7 +7759,7 @@
           <a:p>
             <a:fld id="{2BE5A808-77D6-5449-A32F-C7407678D76D}" type="datetimeFigureOut">
               <a:rPr kumimoji="1" lang="ko-KR" altLang="en-US" smtClean="0"/>
-              <a:t>2017. 1. 30.</a:t>
+              <a:t>2017. 3. 26.</a:t>
             </a:fld>
             <a:endParaRPr kumimoji="1" lang="ko-KR" altLang="en-US"/>
           </a:p>
@@ -8005,7 +8012,7 @@
           <a:p>
             <a:fld id="{2BE5A808-77D6-5449-A32F-C7407678D76D}" type="datetimeFigureOut">
               <a:rPr kumimoji="1" lang="ko-KR" altLang="en-US" smtClean="0"/>
-              <a:t>2017. 1. 30.</a:t>
+              <a:t>2017. 3. 26.</a:t>
             </a:fld>
             <a:endParaRPr kumimoji="1" lang="ko-KR" altLang="en-US"/>
           </a:p>
@@ -8218,7 +8225,7 @@
           <a:p>
             <a:fld id="{2BE5A808-77D6-5449-A32F-C7407678D76D}" type="datetimeFigureOut">
               <a:rPr kumimoji="1" lang="ko-KR" altLang="en-US" smtClean="0"/>
-              <a:t>2017. 1. 30.</a:t>
+              <a:t>2017. 3. 26.</a:t>
             </a:fld>
             <a:endParaRPr kumimoji="1" lang="ko-KR" altLang="en-US"/>
           </a:p>
@@ -8824,3010 +8831,6 @@
         </p:nvSpPr>
         <p:spPr/>
         <p:txBody>
-          <a:bodyPr/>
-          <a:lstStyle/>
-          <a:p>
-            <a:endParaRPr kumimoji="1" lang="ko-KR" altLang="en-US"/>
-          </a:p>
-        </p:txBody>
-      </p:sp>
-      <p:sp>
-        <p:nvSpPr>
-          <p:cNvPr id="3" name="내용 개체 틀 2"/>
-          <p:cNvSpPr>
-            <a:spLocks noGrp="1"/>
-          </p:cNvSpPr>
-          <p:nvPr>
-            <p:ph idx="1"/>
-          </p:nvPr>
-        </p:nvSpPr>
-        <p:spPr/>
-        <p:txBody>
-          <a:bodyPr/>
-          <a:lstStyle/>
-          <a:p>
-            <a:endParaRPr kumimoji="1" lang="ko-KR" altLang="en-US"/>
-          </a:p>
-        </p:txBody>
-      </p:sp>
-      <p:pic>
-        <p:nvPicPr>
-          <p:cNvPr id="4" name="그림 3"/>
-          <p:cNvPicPr>
-            <a:picLocks noChangeAspect="1"/>
-          </p:cNvPicPr>
-          <p:nvPr/>
-        </p:nvPicPr>
-        <p:blipFill>
-          <a:blip r:embed="rId3"/>
-          <a:stretch>
-            <a:fillRect/>
-          </a:stretch>
-        </p:blipFill>
-        <p:spPr>
-          <a:xfrm>
-            <a:off x="514350" y="748812"/>
-            <a:ext cx="11163300" cy="5219700"/>
-          </a:xfrm>
-          <a:prstGeom prst="rect">
-            <a:avLst/>
-          </a:prstGeom>
-        </p:spPr>
-      </p:pic>
-    </p:spTree>
-    <p:extLst>
-      <p:ext uri="{BB962C8B-B14F-4D97-AF65-F5344CB8AC3E}">
-        <p14:creationId xmlns:p14="http://schemas.microsoft.com/office/powerpoint/2010/main" val="706031035"/>
-      </p:ext>
-    </p:extLst>
-  </p:cSld>
-  <p:clrMapOvr>
-    <a:masterClrMapping/>
-  </p:clrMapOvr>
-  <p:timing>
-    <p:tnLst>
-      <p:par>
-        <p:cTn id="1" dur="indefinite" restart="never" nodeType="tmRoot"/>
-      </p:par>
-    </p:tnLst>
-  </p:timing>
-</p:sld>
-</file>
-
-<file path=ppt/slides/slide11.xml><?xml version="1.0" encoding="utf-8"?>
-<p:sld xmlns:a="http://schemas.openxmlformats.org/drawingml/2006/main" xmlns:r="http://schemas.openxmlformats.org/officeDocument/2006/relationships" xmlns:p="http://schemas.openxmlformats.org/presentationml/2006/main">
-  <p:cSld>
-    <p:spTree>
-      <p:nvGrpSpPr>
-        <p:cNvPr id="1" name=""/>
-        <p:cNvGrpSpPr/>
-        <p:nvPr/>
-      </p:nvGrpSpPr>
-      <p:grpSpPr>
-        <a:xfrm>
-          <a:off x="0" y="0"/>
-          <a:ext cx="0" cy="0"/>
-          <a:chOff x="0" y="0"/>
-          <a:chExt cx="0" cy="0"/>
-        </a:xfrm>
-      </p:grpSpPr>
-      <p:sp>
-        <p:nvSpPr>
-          <p:cNvPr id="2" name="제목 1"/>
-          <p:cNvSpPr>
-            <a:spLocks noGrp="1"/>
-          </p:cNvSpPr>
-          <p:nvPr>
-            <p:ph type="title"/>
-          </p:nvPr>
-        </p:nvSpPr>
-        <p:spPr/>
-        <p:txBody>
-          <a:bodyPr/>
-          <a:lstStyle/>
-          <a:p>
-            <a:endParaRPr kumimoji="1" lang="ko-KR" altLang="en-US"/>
-          </a:p>
-        </p:txBody>
-      </p:sp>
-      <p:sp>
-        <p:nvSpPr>
-          <p:cNvPr id="3" name="내용 개체 틀 2"/>
-          <p:cNvSpPr>
-            <a:spLocks noGrp="1"/>
-          </p:cNvSpPr>
-          <p:nvPr>
-            <p:ph idx="1"/>
-          </p:nvPr>
-        </p:nvSpPr>
-        <p:spPr/>
-        <p:txBody>
-          <a:bodyPr/>
-          <a:lstStyle/>
-          <a:p>
-            <a:endParaRPr kumimoji="1" lang="ko-KR" altLang="en-US"/>
-          </a:p>
-        </p:txBody>
-      </p:sp>
-      <p:pic>
-        <p:nvPicPr>
-          <p:cNvPr id="5" name="그림 4"/>
-          <p:cNvPicPr>
-            <a:picLocks noChangeAspect="1"/>
-          </p:cNvPicPr>
-          <p:nvPr/>
-        </p:nvPicPr>
-        <p:blipFill>
-          <a:blip r:embed="rId2"/>
-          <a:stretch>
-            <a:fillRect/>
-          </a:stretch>
-        </p:blipFill>
-        <p:spPr>
-          <a:xfrm>
-            <a:off x="0" y="219075"/>
-            <a:ext cx="6159500" cy="3213100"/>
-          </a:xfrm>
-          <a:prstGeom prst="rect">
-            <a:avLst/>
-          </a:prstGeom>
-        </p:spPr>
-      </p:pic>
-      <p:pic>
-        <p:nvPicPr>
-          <p:cNvPr id="6" name="그림 5"/>
-          <p:cNvPicPr>
-            <a:picLocks noChangeAspect="1"/>
-          </p:cNvPicPr>
-          <p:nvPr/>
-        </p:nvPicPr>
-        <p:blipFill>
-          <a:blip r:embed="rId3"/>
-          <a:stretch>
-            <a:fillRect/>
-          </a:stretch>
-        </p:blipFill>
-        <p:spPr>
-          <a:xfrm>
-            <a:off x="4179273" y="2164730"/>
-            <a:ext cx="7984143" cy="4012233"/>
-          </a:xfrm>
-          <a:prstGeom prst="rect">
-            <a:avLst/>
-          </a:prstGeom>
-        </p:spPr>
-      </p:pic>
-    </p:spTree>
-    <p:extLst>
-      <p:ext uri="{BB962C8B-B14F-4D97-AF65-F5344CB8AC3E}">
-        <p14:creationId xmlns:p14="http://schemas.microsoft.com/office/powerpoint/2010/main" val="1462152426"/>
-      </p:ext>
-    </p:extLst>
-  </p:cSld>
-  <p:clrMapOvr>
-    <a:masterClrMapping/>
-  </p:clrMapOvr>
-  <p:timing>
-    <p:tnLst>
-      <p:par>
-        <p:cTn id="1" dur="indefinite" restart="never" nodeType="tmRoot"/>
-      </p:par>
-    </p:tnLst>
-  </p:timing>
-</p:sld>
-</file>
-
-<file path=ppt/slides/slide12.xml><?xml version="1.0" encoding="utf-8"?>
-<p:sld xmlns:a="http://schemas.openxmlformats.org/drawingml/2006/main" xmlns:r="http://schemas.openxmlformats.org/officeDocument/2006/relationships" xmlns:p="http://schemas.openxmlformats.org/presentationml/2006/main">
-  <p:cSld>
-    <p:spTree>
-      <p:nvGrpSpPr>
-        <p:cNvPr id="1" name=""/>
-        <p:cNvGrpSpPr/>
-        <p:nvPr/>
-      </p:nvGrpSpPr>
-      <p:grpSpPr>
-        <a:xfrm>
-          <a:off x="0" y="0"/>
-          <a:ext cx="0" cy="0"/>
-          <a:chOff x="0" y="0"/>
-          <a:chExt cx="0" cy="0"/>
-        </a:xfrm>
-      </p:grpSpPr>
-      <p:sp>
-        <p:nvSpPr>
-          <p:cNvPr id="2" name="제목 1"/>
-          <p:cNvSpPr>
-            <a:spLocks noGrp="1"/>
-          </p:cNvSpPr>
-          <p:nvPr>
-            <p:ph type="title"/>
-          </p:nvPr>
-        </p:nvSpPr>
-        <p:spPr/>
-        <p:txBody>
-          <a:bodyPr/>
-          <a:lstStyle/>
-          <a:p>
-            <a:endParaRPr kumimoji="1" lang="ko-KR" altLang="en-US"/>
-          </a:p>
-        </p:txBody>
-      </p:sp>
-      <p:sp>
-        <p:nvSpPr>
-          <p:cNvPr id="3" name="내용 개체 틀 2"/>
-          <p:cNvSpPr>
-            <a:spLocks noGrp="1"/>
-          </p:cNvSpPr>
-          <p:nvPr>
-            <p:ph idx="1"/>
-          </p:nvPr>
-        </p:nvSpPr>
-        <p:spPr/>
-        <p:txBody>
-          <a:bodyPr/>
-          <a:lstStyle/>
-          <a:p>
-            <a:endParaRPr kumimoji="1" lang="ko-KR" altLang="en-US"/>
-          </a:p>
-        </p:txBody>
-      </p:sp>
-      <p:pic>
-        <p:nvPicPr>
-          <p:cNvPr id="4" name="그림 3"/>
-          <p:cNvPicPr>
-            <a:picLocks noChangeAspect="1"/>
-          </p:cNvPicPr>
-          <p:nvPr/>
-        </p:nvPicPr>
-        <p:blipFill>
-          <a:blip r:embed="rId2"/>
-          <a:stretch>
-            <a:fillRect/>
-          </a:stretch>
-        </p:blipFill>
-        <p:spPr>
-          <a:xfrm>
-            <a:off x="0" y="835606"/>
-            <a:ext cx="12192000" cy="5186787"/>
-          </a:xfrm>
-          <a:prstGeom prst="rect">
-            <a:avLst/>
-          </a:prstGeom>
-        </p:spPr>
-      </p:pic>
-    </p:spTree>
-    <p:extLst>
-      <p:ext uri="{BB962C8B-B14F-4D97-AF65-F5344CB8AC3E}">
-        <p14:creationId xmlns:p14="http://schemas.microsoft.com/office/powerpoint/2010/main" val="1123731814"/>
-      </p:ext>
-    </p:extLst>
-  </p:cSld>
-  <p:clrMapOvr>
-    <a:masterClrMapping/>
-  </p:clrMapOvr>
-  <p:timing>
-    <p:tnLst>
-      <p:par>
-        <p:cTn id="1" dur="indefinite" restart="never" nodeType="tmRoot"/>
-      </p:par>
-    </p:tnLst>
-  </p:timing>
-</p:sld>
-</file>
-
-<file path=ppt/slides/slide13.xml><?xml version="1.0" encoding="utf-8"?>
-<p:sld xmlns:a="http://schemas.openxmlformats.org/drawingml/2006/main" xmlns:r="http://schemas.openxmlformats.org/officeDocument/2006/relationships" xmlns:p="http://schemas.openxmlformats.org/presentationml/2006/main">
-  <p:cSld>
-    <p:spTree>
-      <p:nvGrpSpPr>
-        <p:cNvPr id="1" name=""/>
-        <p:cNvGrpSpPr/>
-        <p:nvPr/>
-      </p:nvGrpSpPr>
-      <p:grpSpPr>
-        <a:xfrm>
-          <a:off x="0" y="0"/>
-          <a:ext cx="0" cy="0"/>
-          <a:chOff x="0" y="0"/>
-          <a:chExt cx="0" cy="0"/>
-        </a:xfrm>
-      </p:grpSpPr>
-      <p:sp>
-        <p:nvSpPr>
-          <p:cNvPr id="2" name="제목 1"/>
-          <p:cNvSpPr>
-            <a:spLocks noGrp="1"/>
-          </p:cNvSpPr>
-          <p:nvPr>
-            <p:ph type="title"/>
-          </p:nvPr>
-        </p:nvSpPr>
-        <p:spPr/>
-        <p:txBody>
-          <a:bodyPr/>
-          <a:lstStyle/>
-          <a:p>
-            <a:r>
-              <a:rPr kumimoji="1" lang="ko-KR" altLang="en-US" dirty="0" smtClean="0"/>
-              <a:t>상속 전략</a:t>
-            </a:r>
-            <a:endParaRPr kumimoji="1" lang="ko-KR" altLang="en-US" dirty="0"/>
-          </a:p>
-        </p:txBody>
-      </p:sp>
-      <p:sp>
-        <p:nvSpPr>
-          <p:cNvPr id="3" name="내용 개체 틀 2"/>
-          <p:cNvSpPr>
-            <a:spLocks noGrp="1"/>
-          </p:cNvSpPr>
-          <p:nvPr>
-            <p:ph idx="1"/>
-          </p:nvPr>
-        </p:nvSpPr>
-        <p:spPr/>
-        <p:txBody>
-          <a:bodyPr/>
-          <a:lstStyle/>
-          <a:p>
-            <a:r>
-              <a:rPr lang="en-US" altLang="ko-KR" dirty="0"/>
-              <a:t>Entity </a:t>
-            </a:r>
-            <a:r>
-              <a:rPr lang="ko-KR" altLang="en-US" dirty="0"/>
-              <a:t>상속으로 처리하는 방법이 </a:t>
-            </a:r>
-            <a:r>
-              <a:rPr lang="en-US" altLang="ko-KR" dirty="0"/>
-              <a:t>3</a:t>
-            </a:r>
-            <a:r>
-              <a:rPr lang="ko-KR" altLang="en-US" dirty="0"/>
-              <a:t>가지 있다</a:t>
-            </a:r>
-            <a:r>
-              <a:rPr lang="en-US" altLang="ko-KR" dirty="0" smtClean="0"/>
-              <a:t>.</a:t>
-            </a:r>
-            <a:br>
-              <a:rPr lang="en-US" altLang="ko-KR" dirty="0" smtClean="0"/>
-            </a:br>
-            <a:r>
-              <a:rPr lang="en-US" altLang="ko-KR" dirty="0" smtClean="0"/>
-              <a:t/>
-            </a:r>
-            <a:br>
-              <a:rPr lang="en-US" altLang="ko-KR" dirty="0" smtClean="0"/>
-            </a:br>
-            <a:r>
-              <a:rPr lang="en-US" altLang="ko-KR" dirty="0" smtClean="0"/>
-              <a:t>1</a:t>
-            </a:r>
-            <a:r>
-              <a:rPr lang="en-US" altLang="ko-KR" dirty="0"/>
-              <a:t>.     Table-per-Class </a:t>
-            </a:r>
-            <a:r>
-              <a:rPr lang="ko-KR" altLang="en-US" dirty="0" smtClean="0"/>
-              <a:t>전략</a:t>
-            </a:r>
-            <a:r>
-              <a:rPr lang="en-US" altLang="ko-KR" dirty="0" smtClean="0"/>
-              <a:t/>
-            </a:r>
-            <a:br>
-              <a:rPr lang="en-US" altLang="ko-KR" dirty="0" smtClean="0"/>
-            </a:br>
-            <a:r>
-              <a:rPr lang="en-US" altLang="ko-KR" dirty="0" smtClean="0"/>
-              <a:t/>
-            </a:r>
-            <a:br>
-              <a:rPr lang="en-US" altLang="ko-KR" dirty="0" smtClean="0"/>
-            </a:br>
-            <a:r>
-              <a:rPr lang="en-US" altLang="ko-KR" dirty="0" smtClean="0"/>
-              <a:t>2</a:t>
-            </a:r>
-            <a:r>
-              <a:rPr lang="en-US" altLang="ko-KR" dirty="0"/>
-              <a:t>.     Table-per-Subclass </a:t>
-            </a:r>
-            <a:r>
-              <a:rPr lang="ko-KR" altLang="en-US" dirty="0" smtClean="0"/>
-              <a:t>전략</a:t>
-            </a:r>
-            <a:r>
-              <a:rPr lang="en-US" altLang="ko-KR" dirty="0" smtClean="0"/>
-              <a:t/>
-            </a:r>
-            <a:br>
-              <a:rPr lang="en-US" altLang="ko-KR" dirty="0" smtClean="0"/>
-            </a:br>
-            <a:r>
-              <a:rPr lang="en-US" altLang="ko-KR" dirty="0" smtClean="0"/>
-              <a:t/>
-            </a:r>
-            <a:br>
-              <a:rPr lang="en-US" altLang="ko-KR" dirty="0" smtClean="0"/>
-            </a:br>
-            <a:r>
-              <a:rPr lang="en-US" altLang="ko-KR" dirty="0" smtClean="0"/>
-              <a:t>3</a:t>
-            </a:r>
-            <a:r>
-              <a:rPr lang="en-US" altLang="ko-KR" dirty="0"/>
-              <a:t>.     Table-per-Concrete-Class </a:t>
-            </a:r>
-            <a:r>
-              <a:rPr lang="ko-KR" altLang="en-US" dirty="0"/>
-              <a:t>전략</a:t>
-            </a:r>
-          </a:p>
-          <a:p>
-            <a:endParaRPr kumimoji="1" lang="ko-KR" altLang="en-US" dirty="0"/>
-          </a:p>
-        </p:txBody>
-      </p:sp>
-    </p:spTree>
-    <p:extLst>
-      <p:ext uri="{BB962C8B-B14F-4D97-AF65-F5344CB8AC3E}">
-        <p14:creationId xmlns:p14="http://schemas.microsoft.com/office/powerpoint/2010/main" val="812348289"/>
-      </p:ext>
-    </p:extLst>
-  </p:cSld>
-  <p:clrMapOvr>
-    <a:masterClrMapping/>
-  </p:clrMapOvr>
-  <p:timing>
-    <p:tnLst>
-      <p:par>
-        <p:cTn id="1" dur="indefinite" restart="never" nodeType="tmRoot"/>
-      </p:par>
-    </p:tnLst>
-  </p:timing>
-</p:sld>
-</file>
-
-<file path=ppt/slides/slide14.xml><?xml version="1.0" encoding="utf-8"?>
-<p:sld xmlns:a="http://schemas.openxmlformats.org/drawingml/2006/main" xmlns:r="http://schemas.openxmlformats.org/officeDocument/2006/relationships" xmlns:p="http://schemas.openxmlformats.org/presentationml/2006/main">
-  <p:cSld>
-    <p:spTree>
-      <p:nvGrpSpPr>
-        <p:cNvPr id="1" name=""/>
-        <p:cNvGrpSpPr/>
-        <p:nvPr/>
-      </p:nvGrpSpPr>
-      <p:grpSpPr>
-        <a:xfrm>
-          <a:off x="0" y="0"/>
-          <a:ext cx="0" cy="0"/>
-          <a:chOff x="0" y="0"/>
-          <a:chExt cx="0" cy="0"/>
-        </a:xfrm>
-      </p:grpSpPr>
-      <p:sp>
-        <p:nvSpPr>
-          <p:cNvPr id="2" name="제목 1"/>
-          <p:cNvSpPr>
-            <a:spLocks noGrp="1"/>
-          </p:cNvSpPr>
-          <p:nvPr>
-            <p:ph type="title"/>
-          </p:nvPr>
-        </p:nvSpPr>
-        <p:spPr/>
-        <p:txBody>
-          <a:bodyPr/>
-          <a:lstStyle/>
-          <a:p>
-            <a:endParaRPr kumimoji="1" lang="ko-KR" altLang="en-US"/>
-          </a:p>
-        </p:txBody>
-      </p:sp>
-      <p:sp>
-        <p:nvSpPr>
-          <p:cNvPr id="3" name="내용 개체 틀 2"/>
-          <p:cNvSpPr>
-            <a:spLocks noGrp="1"/>
-          </p:cNvSpPr>
-          <p:nvPr>
-            <p:ph idx="1"/>
-          </p:nvPr>
-        </p:nvSpPr>
-        <p:spPr/>
-        <p:txBody>
-          <a:bodyPr/>
-          <a:lstStyle/>
-          <a:p>
-            <a:endParaRPr kumimoji="1" lang="ko-KR" altLang="en-US"/>
-          </a:p>
-        </p:txBody>
-      </p:sp>
-      <p:pic>
-        <p:nvPicPr>
-          <p:cNvPr id="4" name="그림 3"/>
-          <p:cNvPicPr>
-            <a:picLocks noChangeAspect="1"/>
-          </p:cNvPicPr>
-          <p:nvPr/>
-        </p:nvPicPr>
-        <p:blipFill>
-          <a:blip r:embed="rId2"/>
-          <a:stretch>
-            <a:fillRect/>
-          </a:stretch>
-        </p:blipFill>
-        <p:spPr>
-          <a:xfrm>
-            <a:off x="1008256" y="0"/>
-            <a:ext cx="10175488" cy="6858000"/>
-          </a:xfrm>
-          <a:prstGeom prst="rect">
-            <a:avLst/>
-          </a:prstGeom>
-        </p:spPr>
-      </p:pic>
-      <p:pic>
-        <p:nvPicPr>
-          <p:cNvPr id="5" name="그림 4"/>
-          <p:cNvPicPr/>
-          <p:nvPr/>
-        </p:nvPicPr>
-        <p:blipFill>
-          <a:blip r:embed="rId3"/>
-          <a:stretch>
-            <a:fillRect/>
-          </a:stretch>
-        </p:blipFill>
-        <p:spPr>
-          <a:xfrm>
-            <a:off x="7111999" y="1690688"/>
-            <a:ext cx="3087077" cy="2465021"/>
-          </a:xfrm>
-          <a:prstGeom prst="rect">
-            <a:avLst/>
-          </a:prstGeom>
-        </p:spPr>
-      </p:pic>
-    </p:spTree>
-    <p:extLst>
-      <p:ext uri="{BB962C8B-B14F-4D97-AF65-F5344CB8AC3E}">
-        <p14:creationId xmlns:p14="http://schemas.microsoft.com/office/powerpoint/2010/main" val="1989608980"/>
-      </p:ext>
-    </p:extLst>
-  </p:cSld>
-  <p:clrMapOvr>
-    <a:masterClrMapping/>
-  </p:clrMapOvr>
-  <p:timing>
-    <p:tnLst>
-      <p:par>
-        <p:cTn id="1" dur="indefinite" restart="never" nodeType="tmRoot"/>
-      </p:par>
-    </p:tnLst>
-  </p:timing>
-</p:sld>
-</file>
-
-<file path=ppt/slides/slide15.xml><?xml version="1.0" encoding="utf-8"?>
-<p:sld xmlns:a="http://schemas.openxmlformats.org/drawingml/2006/main" xmlns:r="http://schemas.openxmlformats.org/officeDocument/2006/relationships" xmlns:p="http://schemas.openxmlformats.org/presentationml/2006/main">
-  <p:cSld>
-    <p:spTree>
-      <p:nvGrpSpPr>
-        <p:cNvPr id="1" name=""/>
-        <p:cNvGrpSpPr/>
-        <p:nvPr/>
-      </p:nvGrpSpPr>
-      <p:grpSpPr>
-        <a:xfrm>
-          <a:off x="0" y="0"/>
-          <a:ext cx="0" cy="0"/>
-          <a:chOff x="0" y="0"/>
-          <a:chExt cx="0" cy="0"/>
-        </a:xfrm>
-      </p:grpSpPr>
-      <p:sp>
-        <p:nvSpPr>
-          <p:cNvPr id="2" name="제목 1"/>
-          <p:cNvSpPr>
-            <a:spLocks noGrp="1"/>
-          </p:cNvSpPr>
-          <p:nvPr>
-            <p:ph type="title"/>
-          </p:nvPr>
-        </p:nvSpPr>
-        <p:spPr/>
-        <p:txBody>
-          <a:bodyPr/>
-          <a:lstStyle/>
-          <a:p>
-            <a:endParaRPr kumimoji="1" lang="ko-KR" altLang="en-US"/>
-          </a:p>
-        </p:txBody>
-      </p:sp>
-      <p:sp>
-        <p:nvSpPr>
-          <p:cNvPr id="3" name="내용 개체 틀 2"/>
-          <p:cNvSpPr>
-            <a:spLocks noGrp="1"/>
-          </p:cNvSpPr>
-          <p:nvPr>
-            <p:ph idx="1"/>
-          </p:nvPr>
-        </p:nvSpPr>
-        <p:spPr/>
-        <p:txBody>
-          <a:bodyPr/>
-          <a:lstStyle/>
-          <a:p>
-            <a:endParaRPr kumimoji="1" lang="ko-KR" altLang="en-US"/>
-          </a:p>
-        </p:txBody>
-      </p:sp>
-      <p:pic>
-        <p:nvPicPr>
-          <p:cNvPr id="4" name="그림 3"/>
-          <p:cNvPicPr>
-            <a:picLocks noChangeAspect="1"/>
-          </p:cNvPicPr>
-          <p:nvPr/>
-        </p:nvPicPr>
-        <p:blipFill>
-          <a:blip r:embed="rId2"/>
-          <a:stretch>
-            <a:fillRect/>
-          </a:stretch>
-        </p:blipFill>
-        <p:spPr>
-          <a:xfrm>
-            <a:off x="0" y="202075"/>
-            <a:ext cx="12192000" cy="6453850"/>
-          </a:xfrm>
-          <a:prstGeom prst="rect">
-            <a:avLst/>
-          </a:prstGeom>
-        </p:spPr>
-      </p:pic>
-      <p:pic>
-        <p:nvPicPr>
-          <p:cNvPr id="5" name="그림 4"/>
-          <p:cNvPicPr/>
-          <p:nvPr/>
-        </p:nvPicPr>
-        <p:blipFill>
-          <a:blip r:embed="rId3"/>
-          <a:stretch>
-            <a:fillRect/>
-          </a:stretch>
-        </p:blipFill>
-        <p:spPr>
-          <a:xfrm>
-            <a:off x="7652555" y="1690689"/>
-            <a:ext cx="4199476" cy="2310606"/>
-          </a:xfrm>
-          <a:prstGeom prst="rect">
-            <a:avLst/>
-          </a:prstGeom>
-        </p:spPr>
-      </p:pic>
-    </p:spTree>
-    <p:extLst>
-      <p:ext uri="{BB962C8B-B14F-4D97-AF65-F5344CB8AC3E}">
-        <p14:creationId xmlns:p14="http://schemas.microsoft.com/office/powerpoint/2010/main" val="805373842"/>
-      </p:ext>
-    </p:extLst>
-  </p:cSld>
-  <p:clrMapOvr>
-    <a:masterClrMapping/>
-  </p:clrMapOvr>
-  <p:timing>
-    <p:tnLst>
-      <p:par>
-        <p:cTn id="1" dur="indefinite" restart="never" nodeType="tmRoot"/>
-      </p:par>
-    </p:tnLst>
-  </p:timing>
-</p:sld>
-</file>
-
-<file path=ppt/slides/slide16.xml><?xml version="1.0" encoding="utf-8"?>
-<p:sld xmlns:a="http://schemas.openxmlformats.org/drawingml/2006/main" xmlns:r="http://schemas.openxmlformats.org/officeDocument/2006/relationships" xmlns:p="http://schemas.openxmlformats.org/presentationml/2006/main">
-  <p:cSld>
-    <p:spTree>
-      <p:nvGrpSpPr>
-        <p:cNvPr id="1" name=""/>
-        <p:cNvGrpSpPr/>
-        <p:nvPr/>
-      </p:nvGrpSpPr>
-      <p:grpSpPr>
-        <a:xfrm>
-          <a:off x="0" y="0"/>
-          <a:ext cx="0" cy="0"/>
-          <a:chOff x="0" y="0"/>
-          <a:chExt cx="0" cy="0"/>
-        </a:xfrm>
-      </p:grpSpPr>
-      <p:sp>
-        <p:nvSpPr>
-          <p:cNvPr id="2" name="제목 1"/>
-          <p:cNvSpPr>
-            <a:spLocks noGrp="1"/>
-          </p:cNvSpPr>
-          <p:nvPr>
-            <p:ph type="title"/>
-          </p:nvPr>
-        </p:nvSpPr>
-        <p:spPr/>
-        <p:txBody>
-          <a:bodyPr/>
-          <a:lstStyle/>
-          <a:p>
-            <a:endParaRPr kumimoji="1" lang="ko-KR" altLang="en-US"/>
-          </a:p>
-        </p:txBody>
-      </p:sp>
-      <p:sp>
-        <p:nvSpPr>
-          <p:cNvPr id="3" name="내용 개체 틀 2"/>
-          <p:cNvSpPr>
-            <a:spLocks noGrp="1"/>
-          </p:cNvSpPr>
-          <p:nvPr>
-            <p:ph idx="1"/>
-          </p:nvPr>
-        </p:nvSpPr>
-        <p:spPr/>
-        <p:txBody>
-          <a:bodyPr/>
-          <a:lstStyle/>
-          <a:p>
-            <a:endParaRPr kumimoji="1" lang="ko-KR" altLang="en-US"/>
-          </a:p>
-        </p:txBody>
-      </p:sp>
-      <p:pic>
-        <p:nvPicPr>
-          <p:cNvPr id="4" name="그림 3"/>
-          <p:cNvPicPr>
-            <a:picLocks noChangeAspect="1"/>
-          </p:cNvPicPr>
-          <p:nvPr/>
-        </p:nvPicPr>
-        <p:blipFill>
-          <a:blip r:embed="rId2"/>
-          <a:stretch>
-            <a:fillRect/>
-          </a:stretch>
-        </p:blipFill>
-        <p:spPr>
-          <a:xfrm>
-            <a:off x="1271476" y="0"/>
-            <a:ext cx="9649047" cy="6858000"/>
-          </a:xfrm>
-          <a:prstGeom prst="rect">
-            <a:avLst/>
-          </a:prstGeom>
-        </p:spPr>
-      </p:pic>
-      <p:pic>
-        <p:nvPicPr>
-          <p:cNvPr id="5" name="그림 4"/>
-          <p:cNvPicPr/>
-          <p:nvPr/>
-        </p:nvPicPr>
-        <p:blipFill>
-          <a:blip r:embed="rId3"/>
-          <a:stretch>
-            <a:fillRect/>
-          </a:stretch>
-        </p:blipFill>
-        <p:spPr>
-          <a:xfrm>
-            <a:off x="7326422" y="1144588"/>
-            <a:ext cx="4460653" cy="3696481"/>
-          </a:xfrm>
-          <a:prstGeom prst="rect">
-            <a:avLst/>
-          </a:prstGeom>
-        </p:spPr>
-      </p:pic>
-    </p:spTree>
-    <p:extLst>
-      <p:ext uri="{BB962C8B-B14F-4D97-AF65-F5344CB8AC3E}">
-        <p14:creationId xmlns:p14="http://schemas.microsoft.com/office/powerpoint/2010/main" val="657293607"/>
-      </p:ext>
-    </p:extLst>
-  </p:cSld>
-  <p:clrMapOvr>
-    <a:masterClrMapping/>
-  </p:clrMapOvr>
-  <p:timing>
-    <p:tnLst>
-      <p:par>
-        <p:cTn id="1" dur="indefinite" restart="never" nodeType="tmRoot"/>
-      </p:par>
-    </p:tnLst>
-  </p:timing>
-</p:sld>
-</file>
-
-<file path=ppt/slides/slide17.xml><?xml version="1.0" encoding="utf-8"?>
-<p:sld xmlns:a="http://schemas.openxmlformats.org/drawingml/2006/main" xmlns:r="http://schemas.openxmlformats.org/officeDocument/2006/relationships" xmlns:p="http://schemas.openxmlformats.org/presentationml/2006/main">
-  <p:cSld>
-    <p:spTree>
-      <p:nvGrpSpPr>
-        <p:cNvPr id="1" name=""/>
-        <p:cNvGrpSpPr/>
-        <p:nvPr/>
-      </p:nvGrpSpPr>
-      <p:grpSpPr>
-        <a:xfrm>
-          <a:off x="0" y="0"/>
-          <a:ext cx="0" cy="0"/>
-          <a:chOff x="0" y="0"/>
-          <a:chExt cx="0" cy="0"/>
-        </a:xfrm>
-      </p:grpSpPr>
-      <p:sp>
-        <p:nvSpPr>
-          <p:cNvPr id="2" name="제목 1"/>
-          <p:cNvSpPr>
-            <a:spLocks noGrp="1"/>
-          </p:cNvSpPr>
-          <p:nvPr>
-            <p:ph type="title"/>
-          </p:nvPr>
-        </p:nvSpPr>
-        <p:spPr/>
-        <p:txBody>
-          <a:bodyPr/>
-          <a:lstStyle/>
-          <a:p>
-            <a:r>
-              <a:rPr kumimoji="1" lang="ko-KR" altLang="en-US" dirty="0" smtClean="0"/>
-              <a:t>조회하기</a:t>
-            </a:r>
-            <a:endParaRPr kumimoji="1" lang="ko-KR" altLang="en-US" dirty="0"/>
-          </a:p>
-        </p:txBody>
-      </p:sp>
-      <p:sp>
-        <p:nvSpPr>
-          <p:cNvPr id="3" name="내용 개체 틀 2"/>
-          <p:cNvSpPr>
-            <a:spLocks noGrp="1"/>
-          </p:cNvSpPr>
-          <p:nvPr>
-            <p:ph idx="1"/>
-          </p:nvPr>
-        </p:nvSpPr>
-        <p:spPr>
-          <a:xfrm>
-            <a:off x="838200" y="999150"/>
-            <a:ext cx="10515600" cy="4351338"/>
-          </a:xfrm>
-        </p:spPr>
-        <p:txBody>
-          <a:bodyPr/>
-          <a:lstStyle/>
-          <a:p>
-            <a:endParaRPr kumimoji="1" lang="en-US" altLang="ko-KR" dirty="0" smtClean="0"/>
-          </a:p>
-          <a:p>
-            <a:r>
-              <a:rPr kumimoji="1" lang="en-US" altLang="ko-KR" dirty="0" smtClean="0"/>
-              <a:t>1.</a:t>
-            </a:r>
-            <a:r>
-              <a:rPr lang="en-US" altLang="ko-KR" b="1" dirty="0"/>
-              <a:t> </a:t>
-            </a:r>
-            <a:r>
-              <a:rPr lang="ko-KR" altLang="en-US" b="1" dirty="0"/>
-              <a:t>지연로딩 </a:t>
-            </a:r>
-            <a:r>
-              <a:rPr lang="en-US" altLang="ko-KR" b="1" dirty="0" err="1"/>
-              <a:t>FetchType.LAZY</a:t>
-            </a:r>
-            <a:r>
-              <a:rPr lang="en-US" altLang="ko-KR" b="1" dirty="0"/>
-              <a:t>  (</a:t>
-            </a:r>
-            <a:r>
-              <a:rPr lang="ko-KR" altLang="en-US" b="1" dirty="0"/>
-              <a:t>기본값</a:t>
-            </a:r>
-            <a:r>
-              <a:rPr lang="en-US" altLang="ko-KR" b="1" dirty="0" smtClean="0"/>
-              <a:t>)</a:t>
-            </a:r>
-          </a:p>
-          <a:p>
-            <a:pPr lvl="1"/>
-            <a:r>
-              <a:rPr lang="en-US" altLang="ko-KR" dirty="0"/>
-              <a:t>@</a:t>
-            </a:r>
-            <a:r>
-              <a:rPr lang="en-US" altLang="ko-KR" dirty="0" err="1"/>
-              <a:t>OneToMany</a:t>
-            </a:r>
-            <a:r>
-              <a:rPr lang="en-US" altLang="ko-KR" dirty="0"/>
-              <a:t>(cascade = </a:t>
-            </a:r>
-            <a:r>
-              <a:rPr lang="en-US" altLang="ko-KR" dirty="0" err="1"/>
-              <a:t>CascadeType.</a:t>
-            </a:r>
-            <a:r>
-              <a:rPr lang="en-US" altLang="ko-KR" i="1" dirty="0" err="1"/>
-              <a:t>ALL</a:t>
-            </a:r>
-            <a:r>
-              <a:rPr lang="en-US" altLang="ko-KR" dirty="0"/>
-              <a:t>, fetch = </a:t>
-            </a:r>
-            <a:r>
-              <a:rPr lang="en-US" altLang="ko-KR" dirty="0" err="1"/>
-              <a:t>FetchType.</a:t>
-            </a:r>
-            <a:r>
-              <a:rPr lang="en-US" altLang="ko-KR" i="1" dirty="0" err="1"/>
-              <a:t>LAZY</a:t>
-            </a:r>
-            <a:r>
-              <a:rPr lang="en-US" altLang="ko-KR" dirty="0" smtClean="0"/>
-              <a:t>)</a:t>
-            </a:r>
-            <a:br>
-              <a:rPr lang="en-US" altLang="ko-KR" dirty="0" smtClean="0"/>
-            </a:br>
-            <a:endParaRPr kumimoji="1" lang="en-US" altLang="ko-KR" b="1" dirty="0"/>
-          </a:p>
-          <a:p>
-            <a:r>
-              <a:rPr kumimoji="1" lang="en-US" altLang="ko-KR" dirty="0" smtClean="0"/>
-              <a:t>2.</a:t>
-            </a:r>
-            <a:r>
-              <a:rPr kumimoji="1" lang="ko-KR" altLang="en-US" dirty="0" smtClean="0"/>
-              <a:t> </a:t>
-            </a:r>
-            <a:r>
-              <a:rPr lang="ko-KR" altLang="de-DE" b="1" dirty="0"/>
-              <a:t>즉시로딩 </a:t>
-            </a:r>
-            <a:r>
-              <a:rPr lang="de-DE" altLang="ko-KR" b="1" dirty="0" err="1" smtClean="0"/>
-              <a:t>FetchType.EAGER</a:t>
-            </a:r>
-            <a:endParaRPr lang="en-US" altLang="ko-KR" b="1" dirty="0"/>
-          </a:p>
-          <a:p>
-            <a:pPr lvl="1"/>
-            <a:r>
-              <a:rPr lang="en-US" altLang="ko-KR" dirty="0"/>
-              <a:t>@</a:t>
-            </a:r>
-            <a:r>
-              <a:rPr lang="en-US" altLang="ko-KR" dirty="0" err="1"/>
-              <a:t>OneToMany</a:t>
-            </a:r>
-            <a:r>
-              <a:rPr lang="en-US" altLang="ko-KR" dirty="0"/>
-              <a:t>(cascade = </a:t>
-            </a:r>
-            <a:r>
-              <a:rPr lang="en-US" altLang="ko-KR" dirty="0" err="1"/>
-              <a:t>CascadeType.</a:t>
-            </a:r>
-            <a:r>
-              <a:rPr lang="en-US" altLang="ko-KR" i="1" dirty="0" err="1"/>
-              <a:t>ALL</a:t>
-            </a:r>
-            <a:r>
-              <a:rPr lang="en-US" altLang="ko-KR" dirty="0" err="1"/>
-              <a:t>,fetch</a:t>
-            </a:r>
-            <a:r>
-              <a:rPr lang="en-US" altLang="ko-KR" dirty="0"/>
-              <a:t> = </a:t>
-            </a:r>
-            <a:r>
-              <a:rPr lang="en-US" altLang="ko-KR" dirty="0" err="1"/>
-              <a:t>FetchType.</a:t>
-            </a:r>
-            <a:r>
-              <a:rPr lang="en-US" altLang="ko-KR" i="1" dirty="0" err="1"/>
-              <a:t>EAGER</a:t>
-            </a:r>
-            <a:r>
-              <a:rPr lang="en-US" altLang="ko-KR" dirty="0"/>
-              <a:t>)</a:t>
-            </a:r>
-            <a:endParaRPr kumimoji="1" lang="ko-KR" altLang="en-US" dirty="0"/>
-          </a:p>
-        </p:txBody>
-      </p:sp>
-      <p:pic>
-        <p:nvPicPr>
-          <p:cNvPr id="5" name="그림 4"/>
-          <p:cNvPicPr>
-            <a:picLocks noChangeAspect="1"/>
-          </p:cNvPicPr>
-          <p:nvPr/>
-        </p:nvPicPr>
-        <p:blipFill>
-          <a:blip r:embed="rId2"/>
-          <a:stretch>
-            <a:fillRect/>
-          </a:stretch>
-        </p:blipFill>
-        <p:spPr>
-          <a:xfrm>
-            <a:off x="1699844" y="3749313"/>
-            <a:ext cx="9026769" cy="3055214"/>
-          </a:xfrm>
-          <a:prstGeom prst="rect">
-            <a:avLst/>
-          </a:prstGeom>
-        </p:spPr>
-      </p:pic>
-    </p:spTree>
-    <p:extLst>
-      <p:ext uri="{BB962C8B-B14F-4D97-AF65-F5344CB8AC3E}">
-        <p14:creationId xmlns:p14="http://schemas.microsoft.com/office/powerpoint/2010/main" val="945757392"/>
-      </p:ext>
-    </p:extLst>
-  </p:cSld>
-  <p:clrMapOvr>
-    <a:masterClrMapping/>
-  </p:clrMapOvr>
-  <p:timing>
-    <p:tnLst>
-      <p:par>
-        <p:cTn id="1" dur="indefinite" restart="never" nodeType="tmRoot"/>
-      </p:par>
-    </p:tnLst>
-  </p:timing>
-</p:sld>
-</file>
-
-<file path=ppt/slides/slide18.xml><?xml version="1.0" encoding="utf-8"?>
-<p:sld xmlns:a="http://schemas.openxmlformats.org/drawingml/2006/main" xmlns:r="http://schemas.openxmlformats.org/officeDocument/2006/relationships" xmlns:p="http://schemas.openxmlformats.org/presentationml/2006/main">
-  <p:cSld>
-    <p:spTree>
-      <p:nvGrpSpPr>
-        <p:cNvPr id="1" name=""/>
-        <p:cNvGrpSpPr/>
-        <p:nvPr/>
-      </p:nvGrpSpPr>
-      <p:grpSpPr>
-        <a:xfrm>
-          <a:off x="0" y="0"/>
-          <a:ext cx="0" cy="0"/>
-          <a:chOff x="0" y="0"/>
-          <a:chExt cx="0" cy="0"/>
-        </a:xfrm>
-      </p:grpSpPr>
-      <p:sp>
-        <p:nvSpPr>
-          <p:cNvPr id="2" name="제목 1"/>
-          <p:cNvSpPr>
-            <a:spLocks noGrp="1"/>
-          </p:cNvSpPr>
-          <p:nvPr>
-            <p:ph type="title"/>
-          </p:nvPr>
-        </p:nvSpPr>
-        <p:spPr/>
-        <p:txBody>
-          <a:bodyPr/>
-          <a:lstStyle/>
-          <a:p>
-            <a:r>
-              <a:rPr lang="ko-KR" altLang="en-US" b="1" dirty="0"/>
-              <a:t>하이버네이트 질의어</a:t>
-            </a:r>
-            <a:endParaRPr kumimoji="1" lang="ko-KR" altLang="en-US" dirty="0"/>
-          </a:p>
-        </p:txBody>
-      </p:sp>
-      <p:sp>
-        <p:nvSpPr>
-          <p:cNvPr id="3" name="내용 개체 틀 2"/>
-          <p:cNvSpPr>
-            <a:spLocks noGrp="1"/>
-          </p:cNvSpPr>
-          <p:nvPr>
-            <p:ph idx="1"/>
-          </p:nvPr>
-        </p:nvSpPr>
-        <p:spPr/>
-        <p:txBody>
-          <a:bodyPr/>
-          <a:lstStyle/>
-          <a:p>
-            <a:pPr latinLnBrk="0"/>
-            <a:r>
-              <a:rPr lang="en-US" altLang="ko-KR" dirty="0"/>
-              <a:t>HQL(Hibernate Query Language)</a:t>
-            </a:r>
-            <a:r>
-              <a:rPr lang="ko-KR" altLang="en-US" dirty="0"/>
-              <a:t>에서는</a:t>
-            </a:r>
-            <a:r>
-              <a:rPr lang="en-US" altLang="ko-KR" dirty="0"/>
-              <a:t> WHERE, ORDER BY, AVG, MAX </a:t>
-            </a:r>
-            <a:r>
-              <a:rPr lang="ko-KR" altLang="en-US" dirty="0"/>
-              <a:t>등을</a:t>
-            </a:r>
-            <a:r>
-              <a:rPr lang="en-US" altLang="ko-KR" dirty="0"/>
-              <a:t> SQL</a:t>
-            </a:r>
-            <a:r>
-              <a:rPr lang="ko-KR" altLang="en-US" dirty="0"/>
-              <a:t>처럼 사용할수 있습니다</a:t>
-            </a:r>
-            <a:r>
-              <a:rPr lang="en-US" altLang="ko-KR" dirty="0"/>
-              <a:t>.</a:t>
-            </a:r>
-          </a:p>
-          <a:p>
-            <a:pPr latinLnBrk="0"/>
-            <a:r>
-              <a:rPr lang="en-US" altLang="ko-KR" dirty="0"/>
-              <a:t>HQL</a:t>
-            </a:r>
-            <a:r>
-              <a:rPr lang="ko-KR" altLang="en-US" dirty="0"/>
-              <a:t>은 객체</a:t>
-            </a:r>
-            <a:r>
-              <a:rPr lang="en-US" altLang="ko-KR" dirty="0"/>
-              <a:t>(Entity)</a:t>
-            </a:r>
-            <a:r>
-              <a:rPr lang="ko-KR" altLang="en-US" dirty="0"/>
-              <a:t>를 사용합니다</a:t>
-            </a:r>
-            <a:r>
-              <a:rPr lang="en-US" altLang="ko-KR" dirty="0"/>
-              <a:t>.  </a:t>
-            </a:r>
-            <a:r>
-              <a:rPr lang="ko-KR" altLang="en-US" dirty="0"/>
-              <a:t>테이블을 나타내는 자리에 엔티티 객체 클래스명을 사용해야 합니다</a:t>
-            </a:r>
-            <a:r>
-              <a:rPr lang="en-US" altLang="ko-KR" dirty="0"/>
-              <a:t>.</a:t>
-            </a:r>
-          </a:p>
-          <a:p>
-            <a:endParaRPr kumimoji="1" lang="ko-KR" altLang="en-US" dirty="0"/>
-          </a:p>
-        </p:txBody>
-      </p:sp>
-      <p:pic>
-        <p:nvPicPr>
-          <p:cNvPr id="5" name="그림 4"/>
-          <p:cNvPicPr>
-            <a:picLocks noChangeAspect="1"/>
-          </p:cNvPicPr>
-          <p:nvPr/>
-        </p:nvPicPr>
-        <p:blipFill>
-          <a:blip r:embed="rId3"/>
-          <a:stretch>
-            <a:fillRect/>
-          </a:stretch>
-        </p:blipFill>
-        <p:spPr>
-          <a:xfrm>
-            <a:off x="5211885" y="3829357"/>
-            <a:ext cx="6400800" cy="2209800"/>
-          </a:xfrm>
-          <a:prstGeom prst="rect">
-            <a:avLst/>
-          </a:prstGeom>
-        </p:spPr>
-      </p:pic>
-      <p:pic>
-        <p:nvPicPr>
-          <p:cNvPr id="6" name="그림 5"/>
-          <p:cNvPicPr>
-            <a:picLocks noChangeAspect="1"/>
-          </p:cNvPicPr>
-          <p:nvPr/>
-        </p:nvPicPr>
-        <p:blipFill>
-          <a:blip r:embed="rId4"/>
-          <a:stretch>
-            <a:fillRect/>
-          </a:stretch>
-        </p:blipFill>
-        <p:spPr>
-          <a:xfrm>
-            <a:off x="520700" y="3829357"/>
-            <a:ext cx="4432300" cy="1346200"/>
-          </a:xfrm>
-          <a:prstGeom prst="rect">
-            <a:avLst/>
-          </a:prstGeom>
-        </p:spPr>
-      </p:pic>
-    </p:spTree>
-    <p:extLst>
-      <p:ext uri="{BB962C8B-B14F-4D97-AF65-F5344CB8AC3E}">
-        <p14:creationId xmlns:p14="http://schemas.microsoft.com/office/powerpoint/2010/main" val="365222657"/>
-      </p:ext>
-    </p:extLst>
-  </p:cSld>
-  <p:clrMapOvr>
-    <a:masterClrMapping/>
-  </p:clrMapOvr>
-  <p:timing>
-    <p:tnLst>
-      <p:par>
-        <p:cTn id="1" dur="indefinite" restart="never" nodeType="tmRoot"/>
-      </p:par>
-    </p:tnLst>
-  </p:timing>
-</p:sld>
-</file>
-
-<file path=ppt/slides/slide19.xml><?xml version="1.0" encoding="utf-8"?>
-<p:sld xmlns:a="http://schemas.openxmlformats.org/drawingml/2006/main" xmlns:r="http://schemas.openxmlformats.org/officeDocument/2006/relationships" xmlns:p="http://schemas.openxmlformats.org/presentationml/2006/main">
-  <p:cSld>
-    <p:spTree>
-      <p:nvGrpSpPr>
-        <p:cNvPr id="1" name=""/>
-        <p:cNvGrpSpPr/>
-        <p:nvPr/>
-      </p:nvGrpSpPr>
-      <p:grpSpPr>
-        <a:xfrm>
-          <a:off x="0" y="0"/>
-          <a:ext cx="0" cy="0"/>
-          <a:chOff x="0" y="0"/>
-          <a:chExt cx="0" cy="0"/>
-        </a:xfrm>
-      </p:grpSpPr>
-      <p:sp>
-        <p:nvSpPr>
-          <p:cNvPr id="2" name="제목 1"/>
-          <p:cNvSpPr>
-            <a:spLocks noGrp="1"/>
-          </p:cNvSpPr>
-          <p:nvPr>
-            <p:ph type="title"/>
-          </p:nvPr>
-        </p:nvSpPr>
-        <p:spPr/>
-        <p:txBody>
-          <a:bodyPr/>
-          <a:lstStyle/>
-          <a:p>
-            <a:r>
-              <a:rPr lang="en-US" altLang="ko-KR" b="1" dirty="0"/>
-              <a:t>@Embedded </a:t>
-            </a:r>
-            <a:r>
-              <a:rPr lang="en-US" altLang="ko-KR" b="1" dirty="0" smtClean="0"/>
-              <a:t>Objects</a:t>
-            </a:r>
-            <a:endParaRPr kumimoji="1" lang="ko-KR" altLang="en-US" dirty="0"/>
-          </a:p>
-        </p:txBody>
-      </p:sp>
-      <p:sp>
-        <p:nvSpPr>
-          <p:cNvPr id="3" name="내용 개체 틀 2"/>
-          <p:cNvSpPr>
-            <a:spLocks noGrp="1"/>
-          </p:cNvSpPr>
-          <p:nvPr>
-            <p:ph idx="1"/>
-          </p:nvPr>
-        </p:nvSpPr>
-        <p:spPr/>
-        <p:txBody>
-          <a:bodyPr/>
-          <a:lstStyle/>
-          <a:p>
-            <a:r>
-              <a:rPr lang="en-US" altLang="ko-KR" dirty="0"/>
-              <a:t>object</a:t>
-            </a:r>
-            <a:r>
-              <a:rPr lang="ko-KR" altLang="en-US" dirty="0"/>
-              <a:t>를 하나의 </a:t>
-            </a:r>
-            <a:r>
-              <a:rPr lang="en-US" altLang="ko-KR" dirty="0"/>
-              <a:t>Entity</a:t>
-            </a:r>
-            <a:r>
-              <a:rPr lang="ko-KR" altLang="en-US" dirty="0"/>
-              <a:t>에 속해있는것처럼 할수 </a:t>
-            </a:r>
-            <a:r>
-              <a:rPr lang="ko-KR" altLang="en-US" dirty="0" smtClean="0"/>
-              <a:t>있는 방법</a:t>
-            </a:r>
-            <a:endParaRPr kumimoji="1" lang="ko-KR" altLang="en-US" dirty="0"/>
-          </a:p>
-        </p:txBody>
-      </p:sp>
-      <p:pic>
-        <p:nvPicPr>
-          <p:cNvPr id="4" name="그림 3"/>
-          <p:cNvPicPr>
-            <a:picLocks noChangeAspect="1"/>
-          </p:cNvPicPr>
-          <p:nvPr/>
-        </p:nvPicPr>
-        <p:blipFill>
-          <a:blip r:embed="rId2"/>
-          <a:stretch>
-            <a:fillRect/>
-          </a:stretch>
-        </p:blipFill>
-        <p:spPr>
-          <a:xfrm>
-            <a:off x="838200" y="2570163"/>
-            <a:ext cx="8801100" cy="3606800"/>
-          </a:xfrm>
-          <a:prstGeom prst="rect">
-            <a:avLst/>
-          </a:prstGeom>
-        </p:spPr>
-      </p:pic>
-      <p:pic>
-        <p:nvPicPr>
-          <p:cNvPr id="5" name="그림 4"/>
-          <p:cNvPicPr/>
-          <p:nvPr/>
-        </p:nvPicPr>
-        <p:blipFill>
-          <a:blip r:embed="rId3"/>
-          <a:stretch>
-            <a:fillRect/>
-          </a:stretch>
-        </p:blipFill>
-        <p:spPr>
-          <a:xfrm>
-            <a:off x="8331446" y="3253155"/>
-            <a:ext cx="3661263" cy="3058746"/>
-          </a:xfrm>
-          <a:prstGeom prst="rect">
-            <a:avLst/>
-          </a:prstGeom>
-        </p:spPr>
-      </p:pic>
-    </p:spTree>
-    <p:extLst>
-      <p:ext uri="{BB962C8B-B14F-4D97-AF65-F5344CB8AC3E}">
-        <p14:creationId xmlns:p14="http://schemas.microsoft.com/office/powerpoint/2010/main" val="2075475018"/>
-      </p:ext>
-    </p:extLst>
-  </p:cSld>
-  <p:clrMapOvr>
-    <a:masterClrMapping/>
-  </p:clrMapOvr>
-  <p:timing>
-    <p:tnLst>
-      <p:par>
-        <p:cTn id="1" dur="indefinite" restart="never" nodeType="tmRoot"/>
-      </p:par>
-    </p:tnLst>
-  </p:timing>
-</p:sld>
-</file>
-
-<file path=ppt/slides/slide2.xml><?xml version="1.0" encoding="utf-8"?>
-<p:sld xmlns:a="http://schemas.openxmlformats.org/drawingml/2006/main" xmlns:r="http://schemas.openxmlformats.org/officeDocument/2006/relationships" xmlns:p="http://schemas.openxmlformats.org/presentationml/2006/main">
-  <p:cSld>
-    <p:spTree>
-      <p:nvGrpSpPr>
-        <p:cNvPr id="1" name=""/>
-        <p:cNvGrpSpPr/>
-        <p:nvPr/>
-      </p:nvGrpSpPr>
-      <p:grpSpPr>
-        <a:xfrm>
-          <a:off x="0" y="0"/>
-          <a:ext cx="0" cy="0"/>
-          <a:chOff x="0" y="0"/>
-          <a:chExt cx="0" cy="0"/>
-        </a:xfrm>
-      </p:grpSpPr>
-      <p:sp>
-        <p:nvSpPr>
-          <p:cNvPr id="2" name="제목 1"/>
-          <p:cNvSpPr>
-            <a:spLocks noGrp="1"/>
-          </p:cNvSpPr>
-          <p:nvPr>
-            <p:ph type="title"/>
-          </p:nvPr>
-        </p:nvSpPr>
-        <p:spPr/>
-        <p:txBody>
-          <a:bodyPr/>
-          <a:lstStyle/>
-          <a:p>
-            <a:r>
-              <a:rPr kumimoji="1" lang="ko-KR" altLang="en-US" dirty="0" smtClean="0"/>
-              <a:t>왜</a:t>
-            </a:r>
-            <a:r>
-              <a:rPr kumimoji="1" lang="en-US" altLang="ko-KR" dirty="0" smtClean="0"/>
-              <a:t>?</a:t>
-            </a:r>
-            <a:r>
-              <a:rPr kumimoji="1" lang="ko-KR" altLang="en-US" dirty="0" smtClean="0"/>
-              <a:t> </a:t>
-            </a:r>
-            <a:r>
-              <a:rPr kumimoji="1" lang="en-US" altLang="ko-KR" dirty="0" smtClean="0"/>
-              <a:t>Hibernate??</a:t>
-            </a:r>
-            <a:endParaRPr kumimoji="1" lang="ko-KR" altLang="en-US" dirty="0"/>
-          </a:p>
-        </p:txBody>
-      </p:sp>
-      <p:sp>
-        <p:nvSpPr>
-          <p:cNvPr id="3" name="내용 개체 틀 2"/>
-          <p:cNvSpPr>
-            <a:spLocks noGrp="1"/>
-          </p:cNvSpPr>
-          <p:nvPr>
-            <p:ph idx="1"/>
-          </p:nvPr>
-        </p:nvSpPr>
-        <p:spPr/>
-        <p:txBody>
-          <a:bodyPr>
-            <a:normAutofit/>
-          </a:bodyPr>
-          <a:lstStyle/>
-          <a:p>
-            <a:pPr marL="0" marR="0" lvl="0" indent="0" defTabSz="914400" eaLnBrk="1" fontAlgn="auto" latinLnBrk="0" hangingPunct="1">
-              <a:lnSpc>
-                <a:spcPct val="100000"/>
-              </a:lnSpc>
-              <a:spcBef>
-                <a:spcPts val="0"/>
-              </a:spcBef>
-              <a:spcAft>
-                <a:spcPts val="0"/>
-              </a:spcAft>
-              <a:buClrTx/>
-              <a:buSzTx/>
-              <a:buFontTx/>
-              <a:buNone/>
-              <a:tabLst/>
-              <a:defRPr/>
-            </a:pPr>
-            <a:r>
-              <a:rPr kumimoji="1" lang="en-US" altLang="ko-KR" sz="4800" dirty="0" smtClean="0"/>
-              <a:t>1.</a:t>
-            </a:r>
-            <a:r>
-              <a:rPr kumimoji="1" lang="ko-KR" altLang="en-US" sz="4800" dirty="0" smtClean="0"/>
-              <a:t> </a:t>
-            </a:r>
-            <a:r>
-              <a:rPr kumimoji="1" lang="en-US" altLang="ko-KR" sz="4800" dirty="0" smtClean="0"/>
-              <a:t>SQL </a:t>
-            </a:r>
-            <a:r>
-              <a:rPr kumimoji="1" lang="ko-KR" altLang="en-US" sz="4800" dirty="0" smtClean="0"/>
-              <a:t>짜기 싫어</a:t>
-            </a:r>
-            <a:r>
-              <a:rPr kumimoji="1" lang="en-US" altLang="ko-KR" sz="4800" dirty="0" smtClean="0"/>
-              <a:t>!~</a:t>
-            </a:r>
-            <a:r>
-              <a:rPr kumimoji="1" lang="ko-KR" altLang="en-US" sz="4800" dirty="0" smtClean="0"/>
-              <a:t>ㅠㅠ</a:t>
-            </a:r>
-            <a:endParaRPr kumimoji="1" lang="en-US" altLang="ko-KR" sz="4800" dirty="0" smtClean="0"/>
-          </a:p>
-          <a:p>
-            <a:pPr marL="0" marR="0" lvl="0" indent="0" defTabSz="914400" eaLnBrk="1" fontAlgn="auto" latinLnBrk="0" hangingPunct="1">
-              <a:lnSpc>
-                <a:spcPct val="100000"/>
-              </a:lnSpc>
-              <a:spcBef>
-                <a:spcPts val="0"/>
-              </a:spcBef>
-              <a:spcAft>
-                <a:spcPts val="0"/>
-              </a:spcAft>
-              <a:buClrTx/>
-              <a:buSzTx/>
-              <a:buFontTx/>
-              <a:buNone/>
-              <a:tabLst/>
-              <a:defRPr/>
-            </a:pPr>
-            <a:endParaRPr kumimoji="1" lang="en-US" altLang="ko-KR" sz="4800" dirty="0"/>
-          </a:p>
-          <a:p>
-            <a:pPr marL="0" marR="0" lvl="0" indent="0" defTabSz="914400" eaLnBrk="1" fontAlgn="auto" latinLnBrk="0" hangingPunct="1">
-              <a:lnSpc>
-                <a:spcPct val="100000"/>
-              </a:lnSpc>
-              <a:spcBef>
-                <a:spcPts val="0"/>
-              </a:spcBef>
-              <a:spcAft>
-                <a:spcPts val="0"/>
-              </a:spcAft>
-              <a:buClrTx/>
-              <a:buSzTx/>
-              <a:buFontTx/>
-              <a:buNone/>
-              <a:tabLst/>
-              <a:defRPr/>
-            </a:pPr>
-            <a:r>
-              <a:rPr kumimoji="1" lang="en-US" altLang="ko-KR" sz="4800" dirty="0" smtClean="0"/>
-              <a:t>2.</a:t>
-            </a:r>
-            <a:r>
-              <a:rPr kumimoji="1" lang="ko-KR" altLang="en-US" sz="4800" dirty="0" smtClean="0"/>
-              <a:t> 매번 객체 맵핑 시키는거 귀찮아</a:t>
-            </a:r>
-            <a:r>
-              <a:rPr kumimoji="1" lang="en-US" altLang="ko-KR" sz="4800" dirty="0" smtClean="0"/>
-              <a:t>~</a:t>
-            </a:r>
-          </a:p>
-          <a:p>
-            <a:pPr marL="0" marR="0" lvl="0" indent="0" defTabSz="914400" eaLnBrk="1" fontAlgn="auto" latinLnBrk="0" hangingPunct="1">
-              <a:lnSpc>
-                <a:spcPct val="100000"/>
-              </a:lnSpc>
-              <a:spcBef>
-                <a:spcPts val="0"/>
-              </a:spcBef>
-              <a:spcAft>
-                <a:spcPts val="0"/>
-              </a:spcAft>
-              <a:buClrTx/>
-              <a:buSzTx/>
-              <a:buFontTx/>
-              <a:buNone/>
-              <a:tabLst/>
-              <a:defRPr/>
-            </a:pPr>
-            <a:endParaRPr kumimoji="1" lang="en-US" altLang="ko-KR" sz="4800" dirty="0" smtClean="0"/>
-          </a:p>
-          <a:p>
-            <a:pPr marL="0" marR="0" lvl="0" indent="0" defTabSz="914400" eaLnBrk="1" fontAlgn="auto" latinLnBrk="0" hangingPunct="1">
-              <a:lnSpc>
-                <a:spcPct val="100000"/>
-              </a:lnSpc>
-              <a:spcBef>
-                <a:spcPts val="0"/>
-              </a:spcBef>
-              <a:spcAft>
-                <a:spcPts val="0"/>
-              </a:spcAft>
-              <a:buClrTx/>
-              <a:buSzTx/>
-              <a:buFontTx/>
-              <a:buNone/>
-              <a:tabLst/>
-              <a:defRPr/>
-            </a:pPr>
-            <a:r>
-              <a:rPr kumimoji="1" lang="en-US" altLang="ko-KR" sz="4800" dirty="0" smtClean="0"/>
-              <a:t>3.</a:t>
-            </a:r>
-            <a:r>
-              <a:rPr kumimoji="1" lang="ko-KR" altLang="en-US" sz="4800" dirty="0" smtClean="0"/>
-              <a:t> 나는 비지니스 로직에 집중할꺼야</a:t>
-            </a:r>
-            <a:r>
-              <a:rPr kumimoji="1" lang="en-US" altLang="ko-KR" sz="4800" dirty="0" smtClean="0"/>
-              <a:t>~</a:t>
-            </a:r>
-            <a:endParaRPr kumimoji="1" lang="ko-KR" altLang="en-US" sz="4800" dirty="0"/>
-          </a:p>
-        </p:txBody>
-      </p:sp>
-    </p:spTree>
-    <p:extLst>
-      <p:ext uri="{BB962C8B-B14F-4D97-AF65-F5344CB8AC3E}">
-        <p14:creationId xmlns:p14="http://schemas.microsoft.com/office/powerpoint/2010/main" val="773826462"/>
-      </p:ext>
-    </p:extLst>
-  </p:cSld>
-  <p:clrMapOvr>
-    <a:masterClrMapping/>
-  </p:clrMapOvr>
-  <p:timing>
-    <p:tnLst>
-      <p:par>
-        <p:cTn id="1" dur="indefinite" restart="never" nodeType="tmRoot"/>
-      </p:par>
-    </p:tnLst>
-  </p:timing>
-</p:sld>
-</file>
-
-<file path=ppt/slides/slide20.xml><?xml version="1.0" encoding="utf-8"?>
-<p:sld xmlns:a="http://schemas.openxmlformats.org/drawingml/2006/main" xmlns:r="http://schemas.openxmlformats.org/officeDocument/2006/relationships" xmlns:p="http://schemas.openxmlformats.org/presentationml/2006/main">
-  <p:cSld>
-    <p:spTree>
-      <p:nvGrpSpPr>
-        <p:cNvPr id="1" name=""/>
-        <p:cNvGrpSpPr/>
-        <p:nvPr/>
-      </p:nvGrpSpPr>
-      <p:grpSpPr>
-        <a:xfrm>
-          <a:off x="0" y="0"/>
-          <a:ext cx="0" cy="0"/>
-          <a:chOff x="0" y="0"/>
-          <a:chExt cx="0" cy="0"/>
-        </a:xfrm>
-      </p:grpSpPr>
-      <p:sp>
-        <p:nvSpPr>
-          <p:cNvPr id="2" name="제목 1"/>
-          <p:cNvSpPr>
-            <a:spLocks noGrp="1"/>
-          </p:cNvSpPr>
-          <p:nvPr>
-            <p:ph type="title"/>
-          </p:nvPr>
-        </p:nvSpPr>
-        <p:spPr/>
-        <p:txBody>
-          <a:bodyPr/>
-          <a:lstStyle/>
-          <a:p>
-            <a:r>
-              <a:rPr lang="en-US" altLang="ko-KR" b="1" dirty="0" err="1"/>
-              <a:t>ElementCollection</a:t>
-            </a:r>
-            <a:endParaRPr kumimoji="1" lang="ko-KR" altLang="en-US" dirty="0"/>
-          </a:p>
-        </p:txBody>
-      </p:sp>
-      <p:sp>
-        <p:nvSpPr>
-          <p:cNvPr id="3" name="내용 개체 틀 2"/>
-          <p:cNvSpPr>
-            <a:spLocks noGrp="1"/>
-          </p:cNvSpPr>
-          <p:nvPr>
-            <p:ph idx="1"/>
-          </p:nvPr>
-        </p:nvSpPr>
-        <p:spPr>
-          <a:xfrm>
-            <a:off x="838200" y="1192581"/>
-            <a:ext cx="10515600" cy="4351338"/>
-          </a:xfrm>
-        </p:spPr>
-        <p:txBody>
-          <a:bodyPr/>
-          <a:lstStyle/>
-          <a:p>
-            <a:r>
-              <a:rPr lang="ko-KR" altLang="en-US" dirty="0"/>
-              <a:t>별도의 </a:t>
-            </a:r>
-            <a:r>
-              <a:rPr lang="en-US" altLang="ko-KR" dirty="0"/>
-              <a:t>Entity</a:t>
-            </a:r>
-            <a:r>
-              <a:rPr lang="ko-KR" altLang="en-US" dirty="0"/>
-              <a:t>를 만들지 않고 </a:t>
-            </a:r>
-            <a:r>
-              <a:rPr lang="en-US" altLang="ko-KR" dirty="0"/>
-              <a:t>Collection</a:t>
-            </a:r>
-            <a:r>
-              <a:rPr lang="ko-KR" altLang="en-US" dirty="0"/>
-              <a:t>을 테이블로 사용하자</a:t>
-            </a:r>
-            <a:r>
-              <a:rPr lang="en-US" altLang="ko-KR" dirty="0"/>
-              <a:t>.</a:t>
-            </a:r>
-            <a:endParaRPr kumimoji="1" lang="ko-KR" altLang="en-US" dirty="0"/>
-          </a:p>
-        </p:txBody>
-      </p:sp>
-      <p:pic>
-        <p:nvPicPr>
-          <p:cNvPr id="4" name="그림 3"/>
-          <p:cNvPicPr>
-            <a:picLocks noChangeAspect="1"/>
-          </p:cNvPicPr>
-          <p:nvPr/>
-        </p:nvPicPr>
-        <p:blipFill>
-          <a:blip r:embed="rId2"/>
-          <a:stretch>
-            <a:fillRect/>
-          </a:stretch>
-        </p:blipFill>
-        <p:spPr>
-          <a:xfrm>
-            <a:off x="838200" y="1636625"/>
-            <a:ext cx="10908323" cy="5218804"/>
-          </a:xfrm>
-          <a:prstGeom prst="rect">
-            <a:avLst/>
-          </a:prstGeom>
-        </p:spPr>
-      </p:pic>
-      <p:pic>
-        <p:nvPicPr>
-          <p:cNvPr id="5" name="그림 4"/>
-          <p:cNvPicPr/>
-          <p:nvPr/>
-        </p:nvPicPr>
-        <p:blipFill>
-          <a:blip r:embed="rId3"/>
-          <a:stretch>
-            <a:fillRect/>
-          </a:stretch>
-        </p:blipFill>
-        <p:spPr>
-          <a:xfrm>
-            <a:off x="8106508" y="3657599"/>
-            <a:ext cx="3640015" cy="2819285"/>
-          </a:xfrm>
-          <a:prstGeom prst="rect">
-            <a:avLst/>
-          </a:prstGeom>
-        </p:spPr>
-      </p:pic>
-    </p:spTree>
-    <p:extLst>
-      <p:ext uri="{BB962C8B-B14F-4D97-AF65-F5344CB8AC3E}">
-        <p14:creationId xmlns:p14="http://schemas.microsoft.com/office/powerpoint/2010/main" val="664183506"/>
-      </p:ext>
-    </p:extLst>
-  </p:cSld>
-  <p:clrMapOvr>
-    <a:masterClrMapping/>
-  </p:clrMapOvr>
-  <p:timing>
-    <p:tnLst>
-      <p:par>
-        <p:cTn id="1" dur="indefinite" restart="never" nodeType="tmRoot"/>
-      </p:par>
-    </p:tnLst>
-  </p:timing>
-</p:sld>
-</file>
-
-<file path=ppt/slides/slide21.xml><?xml version="1.0" encoding="utf-8"?>
-<p:sld xmlns:a="http://schemas.openxmlformats.org/drawingml/2006/main" xmlns:r="http://schemas.openxmlformats.org/officeDocument/2006/relationships" xmlns:p="http://schemas.openxmlformats.org/presentationml/2006/main">
-  <p:cSld>
-    <p:spTree>
-      <p:nvGrpSpPr>
-        <p:cNvPr id="1" name=""/>
-        <p:cNvGrpSpPr/>
-        <p:nvPr/>
-      </p:nvGrpSpPr>
-      <p:grpSpPr>
-        <a:xfrm>
-          <a:off x="0" y="0"/>
-          <a:ext cx="0" cy="0"/>
-          <a:chOff x="0" y="0"/>
-          <a:chExt cx="0" cy="0"/>
-        </a:xfrm>
-      </p:grpSpPr>
-      <p:sp>
-        <p:nvSpPr>
-          <p:cNvPr id="2" name="제목 1"/>
-          <p:cNvSpPr>
-            <a:spLocks noGrp="1"/>
-          </p:cNvSpPr>
-          <p:nvPr>
-            <p:ph type="title"/>
-          </p:nvPr>
-        </p:nvSpPr>
-        <p:spPr/>
-        <p:txBody>
-          <a:bodyPr/>
-          <a:lstStyle/>
-          <a:p>
-            <a:r>
-              <a:rPr lang="ko-KR" altLang="en-US" b="1" dirty="0"/>
-              <a:t>페이지네이션</a:t>
-            </a:r>
-            <a:endParaRPr kumimoji="1" lang="ko-KR" altLang="en-US" dirty="0"/>
-          </a:p>
-        </p:txBody>
-      </p:sp>
-      <p:sp>
-        <p:nvSpPr>
-          <p:cNvPr id="3" name="내용 개체 틀 2"/>
-          <p:cNvSpPr>
-            <a:spLocks noGrp="1"/>
-          </p:cNvSpPr>
-          <p:nvPr>
-            <p:ph idx="1"/>
-          </p:nvPr>
-        </p:nvSpPr>
-        <p:spPr/>
-        <p:txBody>
-          <a:bodyPr/>
-          <a:lstStyle/>
-          <a:p>
-            <a:r>
-              <a:rPr lang="ko-KR" altLang="en-US" dirty="0"/>
-              <a:t>몇 개의 레코드만 가져오려면 </a:t>
-            </a:r>
-            <a:r>
-              <a:rPr lang="en-US" altLang="ko-KR" dirty="0" err="1"/>
-              <a:t>setMaxResults</a:t>
-            </a:r>
-            <a:r>
-              <a:rPr lang="en-US" altLang="ko-KR" dirty="0"/>
-              <a:t>() </a:t>
-            </a:r>
-            <a:r>
-              <a:rPr lang="en-US" altLang="ko-KR" dirty="0" smtClean="0"/>
-              <a:t/>
-            </a:r>
-            <a:br>
-              <a:rPr lang="en-US" altLang="ko-KR" dirty="0" smtClean="0"/>
-            </a:br>
-            <a:r>
-              <a:rPr lang="ko-KR" altLang="en-US" dirty="0" smtClean="0"/>
-              <a:t>메소드에 </a:t>
-            </a:r>
-            <a:r>
-              <a:rPr lang="ko-KR" altLang="en-US" dirty="0"/>
-              <a:t>한계치와 함께 호출함으 로써 페이지네이션</a:t>
-            </a:r>
-            <a:r>
-              <a:rPr lang="en-US" altLang="ko-KR" dirty="0"/>
-              <a:t>Pagination </a:t>
-            </a:r>
-            <a:r>
-              <a:rPr lang="ko-KR" altLang="en-US" dirty="0"/>
-              <a:t>기능을 사용할 수 있다</a:t>
-            </a:r>
-            <a:endParaRPr kumimoji="1" lang="ko-KR" altLang="en-US" dirty="0"/>
-          </a:p>
-        </p:txBody>
-      </p:sp>
-      <p:pic>
-        <p:nvPicPr>
-          <p:cNvPr id="4" name="그림 3"/>
-          <p:cNvPicPr>
-            <a:picLocks noChangeAspect="1"/>
-          </p:cNvPicPr>
-          <p:nvPr/>
-        </p:nvPicPr>
-        <p:blipFill>
-          <a:blip r:embed="rId2"/>
-          <a:stretch>
-            <a:fillRect/>
-          </a:stretch>
-        </p:blipFill>
-        <p:spPr>
-          <a:xfrm>
-            <a:off x="838200" y="3937794"/>
-            <a:ext cx="4152900" cy="1397000"/>
-          </a:xfrm>
-          <a:prstGeom prst="rect">
-            <a:avLst/>
-          </a:prstGeom>
-        </p:spPr>
-      </p:pic>
-      <p:pic>
-        <p:nvPicPr>
-          <p:cNvPr id="5" name="그림 4"/>
-          <p:cNvPicPr>
-            <a:picLocks noChangeAspect="1"/>
-          </p:cNvPicPr>
-          <p:nvPr/>
-        </p:nvPicPr>
-        <p:blipFill>
-          <a:blip r:embed="rId3"/>
-          <a:stretch>
-            <a:fillRect/>
-          </a:stretch>
-        </p:blipFill>
-        <p:spPr>
-          <a:xfrm>
-            <a:off x="5734050" y="3302794"/>
-            <a:ext cx="4876800" cy="2667000"/>
-          </a:xfrm>
-          <a:prstGeom prst="rect">
-            <a:avLst/>
-          </a:prstGeom>
-        </p:spPr>
-      </p:pic>
-    </p:spTree>
-    <p:extLst>
-      <p:ext uri="{BB962C8B-B14F-4D97-AF65-F5344CB8AC3E}">
-        <p14:creationId xmlns:p14="http://schemas.microsoft.com/office/powerpoint/2010/main" val="646557779"/>
-      </p:ext>
-    </p:extLst>
-  </p:cSld>
-  <p:clrMapOvr>
-    <a:masterClrMapping/>
-  </p:clrMapOvr>
-  <p:timing>
-    <p:tnLst>
-      <p:par>
-        <p:cTn id="1" dur="indefinite" restart="never" nodeType="tmRoot"/>
-      </p:par>
-    </p:tnLst>
-  </p:timing>
-</p:sld>
-</file>
-
-<file path=ppt/slides/slide22.xml><?xml version="1.0" encoding="utf-8"?>
-<p:sld xmlns:a="http://schemas.openxmlformats.org/drawingml/2006/main" xmlns:r="http://schemas.openxmlformats.org/officeDocument/2006/relationships" xmlns:p="http://schemas.openxmlformats.org/presentationml/2006/main">
-  <p:cSld>
-    <p:spTree>
-      <p:nvGrpSpPr>
-        <p:cNvPr id="1" name=""/>
-        <p:cNvGrpSpPr/>
-        <p:nvPr/>
-      </p:nvGrpSpPr>
-      <p:grpSpPr>
-        <a:xfrm>
-          <a:off x="0" y="0"/>
-          <a:ext cx="0" cy="0"/>
-          <a:chOff x="0" y="0"/>
-          <a:chExt cx="0" cy="0"/>
-        </a:xfrm>
-      </p:grpSpPr>
-      <p:sp>
-        <p:nvSpPr>
-          <p:cNvPr id="2" name="제목 1"/>
-          <p:cNvSpPr>
-            <a:spLocks noGrp="1"/>
-          </p:cNvSpPr>
-          <p:nvPr>
-            <p:ph type="title"/>
-          </p:nvPr>
-        </p:nvSpPr>
-        <p:spPr/>
-        <p:txBody>
-          <a:bodyPr/>
-          <a:lstStyle/>
-          <a:p>
-            <a:r>
-              <a:rPr lang="en-US" altLang="ko-KR" b="1" dirty="0"/>
-              <a:t>Criteria</a:t>
-            </a:r>
-            <a:endParaRPr kumimoji="1" lang="ko-KR" altLang="en-US" dirty="0"/>
-          </a:p>
-        </p:txBody>
-      </p:sp>
-      <p:sp>
-        <p:nvSpPr>
-          <p:cNvPr id="3" name="내용 개체 틀 2"/>
-          <p:cNvSpPr>
-            <a:spLocks noGrp="1"/>
-          </p:cNvSpPr>
-          <p:nvPr>
-            <p:ph idx="1"/>
-          </p:nvPr>
-        </p:nvSpPr>
-        <p:spPr/>
-        <p:txBody>
-          <a:bodyPr/>
-          <a:lstStyle/>
-          <a:p>
-            <a:r>
-              <a:rPr lang="ko-KR" altLang="en-US" dirty="0"/>
-              <a:t>하이버네이트에서는 </a:t>
-            </a:r>
-            <a:r>
-              <a:rPr lang="en-US" altLang="ko-KR" dirty="0"/>
-              <a:t>criteria</a:t>
-            </a:r>
-            <a:r>
-              <a:rPr lang="ko-KR" altLang="en-US" dirty="0"/>
-              <a:t>를 도입하여 필터링의 또 다른 방법을 제공합니다</a:t>
-            </a:r>
-            <a:r>
-              <a:rPr lang="en-US" altLang="ko-KR" dirty="0"/>
-              <a:t>.</a:t>
-            </a:r>
-            <a:endParaRPr lang="ko-KR" altLang="en-US" dirty="0"/>
-          </a:p>
-          <a:p>
-            <a:r>
-              <a:rPr lang="en-US" altLang="ko-KR" dirty="0"/>
-              <a:t>Criteria</a:t>
-            </a:r>
-            <a:r>
-              <a:rPr lang="ko-KR" altLang="en-US" dirty="0"/>
-              <a:t>와 </a:t>
-            </a:r>
-            <a:r>
-              <a:rPr lang="en-US" altLang="ko-KR" dirty="0"/>
-              <a:t>Restrictions </a:t>
-            </a:r>
-            <a:r>
-              <a:rPr lang="ko-KR" altLang="en-US" dirty="0"/>
-              <a:t>클래스를 이용하여 좀더 편하게 필터링을 해보자구요</a:t>
-            </a:r>
-            <a:r>
-              <a:rPr lang="en-US" altLang="ko-KR" dirty="0"/>
-              <a:t>~</a:t>
-            </a:r>
-            <a:endParaRPr lang="ko-KR" altLang="en-US" dirty="0"/>
-          </a:p>
-          <a:p>
-            <a:endParaRPr kumimoji="1" lang="ko-KR" altLang="en-US" dirty="0"/>
-          </a:p>
-        </p:txBody>
-      </p:sp>
-      <p:pic>
-        <p:nvPicPr>
-          <p:cNvPr id="4" name="그림 3"/>
-          <p:cNvPicPr>
-            <a:picLocks noChangeAspect="1"/>
-          </p:cNvPicPr>
-          <p:nvPr/>
-        </p:nvPicPr>
-        <p:blipFill>
-          <a:blip r:embed="rId2"/>
-          <a:stretch>
-            <a:fillRect/>
-          </a:stretch>
-        </p:blipFill>
-        <p:spPr>
-          <a:xfrm>
-            <a:off x="524607" y="3581399"/>
-            <a:ext cx="7107116" cy="3068333"/>
-          </a:xfrm>
-          <a:prstGeom prst="rect">
-            <a:avLst/>
-          </a:prstGeom>
-        </p:spPr>
-      </p:pic>
-      <p:pic>
-        <p:nvPicPr>
-          <p:cNvPr id="5" name="그림 4"/>
-          <p:cNvPicPr>
-            <a:picLocks noChangeAspect="1"/>
-          </p:cNvPicPr>
-          <p:nvPr/>
-        </p:nvPicPr>
-        <p:blipFill>
-          <a:blip r:embed="rId3"/>
-          <a:stretch>
-            <a:fillRect/>
-          </a:stretch>
-        </p:blipFill>
-        <p:spPr>
-          <a:xfrm>
-            <a:off x="7743093" y="3431215"/>
-            <a:ext cx="3845170" cy="3148233"/>
-          </a:xfrm>
-          <a:prstGeom prst="rect">
-            <a:avLst/>
-          </a:prstGeom>
-        </p:spPr>
-      </p:pic>
-      <p:sp>
-        <p:nvSpPr>
-          <p:cNvPr id="6" name="텍스트 상자 5"/>
-          <p:cNvSpPr txBox="1"/>
-          <p:nvPr/>
-        </p:nvSpPr>
-        <p:spPr>
-          <a:xfrm>
-            <a:off x="8169745" y="6394782"/>
-            <a:ext cx="4022255" cy="369332"/>
-          </a:xfrm>
-          <a:prstGeom prst="rect">
-            <a:avLst/>
-          </a:prstGeom>
-          <a:noFill/>
-        </p:spPr>
-        <p:txBody>
-          <a:bodyPr wrap="none" rtlCol="0">
-            <a:spAutoFit/>
-          </a:bodyPr>
-          <a:lstStyle/>
-          <a:p>
-            <a:r>
-              <a:rPr kumimoji="1" lang="ko-KR" altLang="en-US" dirty="0" smtClean="0"/>
-              <a:t>더복잡하게 느껴지는건 기분탓인가</a:t>
-            </a:r>
-            <a:r>
-              <a:rPr kumimoji="1" lang="en-US" altLang="ko-KR" dirty="0" smtClean="0"/>
-              <a:t>??</a:t>
-            </a:r>
-            <a:endParaRPr kumimoji="1" lang="ko-KR" altLang="en-US" dirty="0"/>
-          </a:p>
-        </p:txBody>
-      </p:sp>
-    </p:spTree>
-    <p:extLst>
-      <p:ext uri="{BB962C8B-B14F-4D97-AF65-F5344CB8AC3E}">
-        <p14:creationId xmlns:p14="http://schemas.microsoft.com/office/powerpoint/2010/main" val="602109120"/>
-      </p:ext>
-    </p:extLst>
-  </p:cSld>
-  <p:clrMapOvr>
-    <a:masterClrMapping/>
-  </p:clrMapOvr>
-  <p:timing>
-    <p:tnLst>
-      <p:par>
-        <p:cTn id="1" dur="indefinite" restart="never" nodeType="tmRoot"/>
-      </p:par>
-    </p:tnLst>
-  </p:timing>
-</p:sld>
-</file>
-
-<file path=ppt/slides/slide23.xml><?xml version="1.0" encoding="utf-8"?>
-<p:sld xmlns:a="http://schemas.openxmlformats.org/drawingml/2006/main" xmlns:r="http://schemas.openxmlformats.org/officeDocument/2006/relationships" xmlns:p="http://schemas.openxmlformats.org/presentationml/2006/main">
-  <p:cSld>
-    <p:spTree>
-      <p:nvGrpSpPr>
-        <p:cNvPr id="1" name=""/>
-        <p:cNvGrpSpPr/>
-        <p:nvPr/>
-      </p:nvGrpSpPr>
-      <p:grpSpPr>
-        <a:xfrm>
-          <a:off x="0" y="0"/>
-          <a:ext cx="0" cy="0"/>
-          <a:chOff x="0" y="0"/>
-          <a:chExt cx="0" cy="0"/>
-        </a:xfrm>
-      </p:grpSpPr>
-      <p:sp>
-        <p:nvSpPr>
-          <p:cNvPr id="2" name="제목 1"/>
-          <p:cNvSpPr>
-            <a:spLocks noGrp="1"/>
-          </p:cNvSpPr>
-          <p:nvPr>
-            <p:ph type="title"/>
-          </p:nvPr>
-        </p:nvSpPr>
-        <p:spPr/>
-        <p:txBody>
-          <a:bodyPr/>
-          <a:lstStyle/>
-          <a:p>
-            <a:r>
-              <a:rPr lang="ko-KR" altLang="en-US" b="1" dirty="0"/>
-              <a:t>네임드 쿼리</a:t>
-            </a:r>
-            <a:endParaRPr kumimoji="1" lang="ko-KR" altLang="en-US" dirty="0"/>
-          </a:p>
-        </p:txBody>
-      </p:sp>
-      <p:sp>
-        <p:nvSpPr>
-          <p:cNvPr id="3" name="내용 개체 틀 2"/>
-          <p:cNvSpPr>
-            <a:spLocks noGrp="1"/>
-          </p:cNvSpPr>
-          <p:nvPr>
-            <p:ph idx="1"/>
-          </p:nvPr>
-        </p:nvSpPr>
-        <p:spPr>
-          <a:xfrm>
-            <a:off x="-123092" y="2599744"/>
-            <a:ext cx="11816862" cy="4351338"/>
-          </a:xfrm>
-        </p:spPr>
-        <p:txBody>
-          <a:bodyPr/>
-          <a:lstStyle/>
-          <a:p>
-            <a:r>
-              <a:rPr lang="ko-KR" altLang="en-US" dirty="0" smtClean="0"/>
-              <a:t>클래스 레벨에서 엔티티의</a:t>
-            </a:r>
-            <a:r>
-              <a:rPr lang="en-US" altLang="ko-KR" dirty="0" smtClean="0"/>
-              <a:t/>
-            </a:r>
-            <a:br>
-              <a:rPr lang="en-US" altLang="ko-KR" dirty="0" smtClean="0"/>
-            </a:br>
-            <a:r>
-              <a:rPr lang="ko-KR" altLang="en-US" dirty="0" smtClean="0"/>
-              <a:t>쿼리를 사용하기 위해 </a:t>
-            </a:r>
-            <a:r>
-              <a:rPr lang="en-US" altLang="ko-KR" dirty="0" smtClean="0"/>
-              <a:t/>
-            </a:r>
-            <a:br>
-              <a:rPr lang="en-US" altLang="ko-KR" dirty="0" smtClean="0"/>
-            </a:br>
-            <a:r>
-              <a:rPr lang="en-US" altLang="ko-KR" dirty="0" smtClean="0"/>
-              <a:t>@</a:t>
-            </a:r>
-            <a:r>
-              <a:rPr lang="en-US" altLang="ko-KR" dirty="0" err="1" smtClean="0"/>
-              <a:t>NamedQuery</a:t>
-            </a:r>
-            <a:r>
-              <a:rPr lang="ko-KR" altLang="en-US" dirty="0" smtClean="0"/>
-              <a:t>이용</a:t>
-            </a:r>
-            <a:r>
-              <a:rPr lang="en-US" altLang="ko-KR" dirty="0" smtClean="0"/>
-              <a:t/>
-            </a:r>
-            <a:br>
-              <a:rPr lang="en-US" altLang="ko-KR" dirty="0" smtClean="0"/>
-            </a:br>
-            <a:r>
-              <a:rPr lang="en-US" altLang="ko-KR" dirty="0" smtClean="0"/>
-              <a:t/>
-            </a:r>
-            <a:br>
-              <a:rPr lang="en-US" altLang="ko-KR" dirty="0" smtClean="0"/>
-            </a:br>
-            <a:r>
-              <a:rPr lang="ko-KR" altLang="en-US" dirty="0" smtClean="0"/>
-              <a:t>매핑 파일에 선언</a:t>
-            </a:r>
-            <a:r>
-              <a:rPr lang="en-US" altLang="ko-KR" dirty="0" smtClean="0"/>
-              <a:t/>
-            </a:r>
-            <a:br>
-              <a:rPr lang="en-US" altLang="ko-KR" dirty="0" smtClean="0"/>
-            </a:br>
-            <a:r>
-              <a:rPr lang="ko-KR" altLang="en-US" dirty="0" smtClean="0"/>
-              <a:t>사용할수 있다</a:t>
-            </a:r>
-            <a:r>
-              <a:rPr lang="en-US" altLang="ko-KR" dirty="0" smtClean="0"/>
-              <a:t>.</a:t>
-            </a:r>
-            <a:endParaRPr kumimoji="1" lang="ko-KR" altLang="en-US" dirty="0"/>
-          </a:p>
-        </p:txBody>
-      </p:sp>
-      <p:pic>
-        <p:nvPicPr>
-          <p:cNvPr id="4" name="그림 3"/>
-          <p:cNvPicPr>
-            <a:picLocks noChangeAspect="1"/>
-          </p:cNvPicPr>
-          <p:nvPr/>
-        </p:nvPicPr>
-        <p:blipFill>
-          <a:blip r:embed="rId2"/>
-          <a:stretch>
-            <a:fillRect/>
-          </a:stretch>
-        </p:blipFill>
-        <p:spPr>
-          <a:xfrm>
-            <a:off x="4765432" y="1498174"/>
-            <a:ext cx="7325458" cy="5006240"/>
-          </a:xfrm>
-          <a:prstGeom prst="rect">
-            <a:avLst/>
-          </a:prstGeom>
-        </p:spPr>
-      </p:pic>
-    </p:spTree>
-    <p:extLst>
-      <p:ext uri="{BB962C8B-B14F-4D97-AF65-F5344CB8AC3E}">
-        <p14:creationId xmlns:p14="http://schemas.microsoft.com/office/powerpoint/2010/main" val="40028449"/>
-      </p:ext>
-    </p:extLst>
-  </p:cSld>
-  <p:clrMapOvr>
-    <a:masterClrMapping/>
-  </p:clrMapOvr>
-  <p:timing>
-    <p:tnLst>
-      <p:par>
-        <p:cTn id="1" dur="indefinite" restart="never" nodeType="tmRoot"/>
-      </p:par>
-    </p:tnLst>
-  </p:timing>
-</p:sld>
-</file>
-
-<file path=ppt/slides/slide24.xml><?xml version="1.0" encoding="utf-8"?>
-<p:sld xmlns:a="http://schemas.openxmlformats.org/drawingml/2006/main" xmlns:r="http://schemas.openxmlformats.org/officeDocument/2006/relationships" xmlns:p="http://schemas.openxmlformats.org/presentationml/2006/main">
-  <p:cSld>
-    <p:spTree>
-      <p:nvGrpSpPr>
-        <p:cNvPr id="1" name=""/>
-        <p:cNvGrpSpPr/>
-        <p:nvPr/>
-      </p:nvGrpSpPr>
-      <p:grpSpPr>
-        <a:xfrm>
-          <a:off x="0" y="0"/>
-          <a:ext cx="0" cy="0"/>
-          <a:chOff x="0" y="0"/>
-          <a:chExt cx="0" cy="0"/>
-        </a:xfrm>
-      </p:grpSpPr>
-      <p:sp>
-        <p:nvSpPr>
-          <p:cNvPr id="2" name="제목 1"/>
-          <p:cNvSpPr>
-            <a:spLocks noGrp="1"/>
-          </p:cNvSpPr>
-          <p:nvPr>
-            <p:ph type="title"/>
-          </p:nvPr>
-        </p:nvSpPr>
-        <p:spPr/>
-        <p:txBody>
-          <a:bodyPr/>
-          <a:lstStyle/>
-          <a:p>
-            <a:r>
-              <a:rPr lang="ko-KR" altLang="en-US" b="1" dirty="0"/>
-              <a:t>네이티브 쿼리</a:t>
-            </a:r>
-            <a:endParaRPr kumimoji="1" lang="ko-KR" altLang="en-US" dirty="0"/>
-          </a:p>
-        </p:txBody>
-      </p:sp>
-      <p:sp>
-        <p:nvSpPr>
-          <p:cNvPr id="4" name="텍스트 상자 3"/>
-          <p:cNvSpPr txBox="1"/>
-          <p:nvPr/>
-        </p:nvSpPr>
-        <p:spPr>
-          <a:xfrm>
-            <a:off x="-1037492" y="5029200"/>
-            <a:ext cx="184731" cy="369332"/>
-          </a:xfrm>
-          <a:prstGeom prst="rect">
-            <a:avLst/>
-          </a:prstGeom>
-          <a:noFill/>
-        </p:spPr>
-        <p:txBody>
-          <a:bodyPr wrap="none" rtlCol="0">
-            <a:spAutoFit/>
-          </a:bodyPr>
-          <a:lstStyle/>
-          <a:p>
-            <a:endParaRPr kumimoji="1" lang="ko-KR" altLang="en-US" dirty="0"/>
-          </a:p>
-        </p:txBody>
-      </p:sp>
-      <p:pic>
-        <p:nvPicPr>
-          <p:cNvPr id="5" name="그림 4"/>
-          <p:cNvPicPr>
-            <a:picLocks noChangeAspect="1"/>
-          </p:cNvPicPr>
-          <p:nvPr/>
-        </p:nvPicPr>
-        <p:blipFill>
-          <a:blip r:embed="rId3"/>
-          <a:stretch>
-            <a:fillRect/>
-          </a:stretch>
-        </p:blipFill>
-        <p:spPr>
-          <a:xfrm>
-            <a:off x="2338754" y="1485784"/>
-            <a:ext cx="9533792" cy="5372216"/>
-          </a:xfrm>
-          <a:prstGeom prst="rect">
-            <a:avLst/>
-          </a:prstGeom>
-        </p:spPr>
-      </p:pic>
-      <p:sp>
-        <p:nvSpPr>
-          <p:cNvPr id="6" name="내용 개체 틀 5"/>
-          <p:cNvSpPr>
-            <a:spLocks noGrp="1"/>
-          </p:cNvSpPr>
-          <p:nvPr>
-            <p:ph idx="1"/>
-          </p:nvPr>
-        </p:nvSpPr>
-        <p:spPr/>
-        <p:txBody>
-          <a:bodyPr/>
-          <a:lstStyle/>
-          <a:p>
-            <a:endParaRPr kumimoji="1" lang="ko-KR" altLang="en-US"/>
-          </a:p>
-        </p:txBody>
-      </p:sp>
-    </p:spTree>
-    <p:extLst>
-      <p:ext uri="{BB962C8B-B14F-4D97-AF65-F5344CB8AC3E}">
-        <p14:creationId xmlns:p14="http://schemas.microsoft.com/office/powerpoint/2010/main" val="265548289"/>
-      </p:ext>
-    </p:extLst>
-  </p:cSld>
-  <p:clrMapOvr>
-    <a:masterClrMapping/>
-  </p:clrMapOvr>
-  <p:timing>
-    <p:tnLst>
-      <p:par>
-        <p:cTn id="1" dur="indefinite" restart="never" nodeType="tmRoot"/>
-      </p:par>
-    </p:tnLst>
-  </p:timing>
-</p:sld>
-</file>
-
-<file path=ppt/slides/slide25.xml><?xml version="1.0" encoding="utf-8"?>
-<p:sld xmlns:a="http://schemas.openxmlformats.org/drawingml/2006/main" xmlns:r="http://schemas.openxmlformats.org/officeDocument/2006/relationships" xmlns:p="http://schemas.openxmlformats.org/presentationml/2006/main">
-  <p:cSld>
-    <p:spTree>
-      <p:nvGrpSpPr>
-        <p:cNvPr id="1" name=""/>
-        <p:cNvGrpSpPr/>
-        <p:nvPr/>
-      </p:nvGrpSpPr>
-      <p:grpSpPr>
-        <a:xfrm>
-          <a:off x="0" y="0"/>
-          <a:ext cx="0" cy="0"/>
-          <a:chOff x="0" y="0"/>
-          <a:chExt cx="0" cy="0"/>
-        </a:xfrm>
-      </p:grpSpPr>
-      <p:sp>
-        <p:nvSpPr>
-          <p:cNvPr id="2" name="제목 1"/>
-          <p:cNvSpPr>
-            <a:spLocks noGrp="1"/>
-          </p:cNvSpPr>
-          <p:nvPr>
-            <p:ph type="title"/>
-          </p:nvPr>
-        </p:nvSpPr>
-        <p:spPr/>
-        <p:txBody>
-          <a:bodyPr/>
-          <a:lstStyle/>
-          <a:p>
-            <a:r>
-              <a:rPr lang="en-US" altLang="ko-KR" b="1" dirty="0"/>
-              <a:t>Groovy Template </a:t>
-            </a:r>
-            <a:r>
-              <a:rPr lang="ko-KR" altLang="en-US" b="1" dirty="0"/>
-              <a:t>이용하여</a:t>
-            </a:r>
-            <a:r>
-              <a:rPr lang="en-US" altLang="ko-KR" b="1" dirty="0"/>
-              <a:t> Dynamic Query </a:t>
-            </a:r>
-            <a:r>
-              <a:rPr lang="ko-KR" altLang="en-US" b="1" dirty="0"/>
-              <a:t>사용하기</a:t>
-            </a:r>
-            <a:endParaRPr kumimoji="1" lang="ko-KR" altLang="en-US" dirty="0"/>
-          </a:p>
-        </p:txBody>
-      </p:sp>
-      <p:sp>
-        <p:nvSpPr>
-          <p:cNvPr id="3" name="내용 개체 틀 2"/>
-          <p:cNvSpPr>
-            <a:spLocks noGrp="1"/>
-          </p:cNvSpPr>
-          <p:nvPr>
-            <p:ph idx="1"/>
-          </p:nvPr>
-        </p:nvSpPr>
-        <p:spPr/>
-        <p:txBody>
-          <a:bodyPr/>
-          <a:lstStyle/>
-          <a:p>
-            <a:endParaRPr kumimoji="1" lang="ko-KR" altLang="en-US"/>
-          </a:p>
-        </p:txBody>
-      </p:sp>
-      <p:pic>
-        <p:nvPicPr>
-          <p:cNvPr id="4" name="그림 3"/>
-          <p:cNvPicPr>
-            <a:picLocks noChangeAspect="1"/>
-          </p:cNvPicPr>
-          <p:nvPr/>
-        </p:nvPicPr>
-        <p:blipFill>
-          <a:blip r:embed="rId2"/>
-          <a:stretch>
-            <a:fillRect/>
-          </a:stretch>
-        </p:blipFill>
-        <p:spPr>
-          <a:xfrm>
-            <a:off x="0" y="2816102"/>
-            <a:ext cx="4064000" cy="2425700"/>
-          </a:xfrm>
-          <a:prstGeom prst="rect">
-            <a:avLst/>
-          </a:prstGeom>
-        </p:spPr>
-      </p:pic>
-      <p:pic>
-        <p:nvPicPr>
-          <p:cNvPr id="5" name="그림 4"/>
-          <p:cNvPicPr>
-            <a:picLocks noChangeAspect="1"/>
-          </p:cNvPicPr>
-          <p:nvPr/>
-        </p:nvPicPr>
-        <p:blipFill>
-          <a:blip r:embed="rId3"/>
-          <a:stretch>
-            <a:fillRect/>
-          </a:stretch>
-        </p:blipFill>
-        <p:spPr>
-          <a:xfrm>
-            <a:off x="4178300" y="2766463"/>
-            <a:ext cx="8013700" cy="2413000"/>
-          </a:xfrm>
-          <a:prstGeom prst="rect">
-            <a:avLst/>
-          </a:prstGeom>
-        </p:spPr>
-      </p:pic>
-    </p:spTree>
-    <p:extLst>
-      <p:ext uri="{BB962C8B-B14F-4D97-AF65-F5344CB8AC3E}">
-        <p14:creationId xmlns:p14="http://schemas.microsoft.com/office/powerpoint/2010/main" val="19181881"/>
-      </p:ext>
-    </p:extLst>
-  </p:cSld>
-  <p:clrMapOvr>
-    <a:masterClrMapping/>
-  </p:clrMapOvr>
-  <p:timing>
-    <p:tnLst>
-      <p:par>
-        <p:cTn id="1" dur="indefinite" restart="never" nodeType="tmRoot"/>
-      </p:par>
-    </p:tnLst>
-  </p:timing>
-</p:sld>
-</file>
-
-<file path=ppt/slides/slide26.xml><?xml version="1.0" encoding="utf-8"?>
-<p:sld xmlns:a="http://schemas.openxmlformats.org/drawingml/2006/main" xmlns:r="http://schemas.openxmlformats.org/officeDocument/2006/relationships" xmlns:p="http://schemas.openxmlformats.org/presentationml/2006/main">
-  <p:cSld>
-    <p:spTree>
-      <p:nvGrpSpPr>
-        <p:cNvPr id="1" name=""/>
-        <p:cNvGrpSpPr/>
-        <p:nvPr/>
-      </p:nvGrpSpPr>
-      <p:grpSpPr>
-        <a:xfrm>
-          <a:off x="0" y="0"/>
-          <a:ext cx="0" cy="0"/>
-          <a:chOff x="0" y="0"/>
-          <a:chExt cx="0" cy="0"/>
-        </a:xfrm>
-      </p:grpSpPr>
-      <p:sp>
-        <p:nvSpPr>
-          <p:cNvPr id="2" name="제목 1"/>
-          <p:cNvSpPr>
-            <a:spLocks noGrp="1"/>
-          </p:cNvSpPr>
-          <p:nvPr>
-            <p:ph type="title"/>
-          </p:nvPr>
-        </p:nvSpPr>
-        <p:spPr/>
-        <p:txBody>
-          <a:bodyPr/>
-          <a:lstStyle/>
-          <a:p>
-            <a:endParaRPr kumimoji="1" lang="ko-KR" altLang="en-US"/>
-          </a:p>
-        </p:txBody>
-      </p:sp>
-      <p:sp>
-        <p:nvSpPr>
-          <p:cNvPr id="3" name="내용 개체 틀 2"/>
-          <p:cNvSpPr>
-            <a:spLocks noGrp="1"/>
-          </p:cNvSpPr>
-          <p:nvPr>
-            <p:ph idx="1"/>
-          </p:nvPr>
-        </p:nvSpPr>
-        <p:spPr/>
-        <p:txBody>
-          <a:bodyPr/>
-          <a:lstStyle/>
-          <a:p>
-            <a:pPr marL="0" marR="0" lvl="0" indent="0" defTabSz="914400" eaLnBrk="1" fontAlgn="auto" latinLnBrk="0" hangingPunct="1">
-              <a:lnSpc>
-                <a:spcPct val="100000"/>
-              </a:lnSpc>
-              <a:spcBef>
-                <a:spcPts val="0"/>
-              </a:spcBef>
-              <a:spcAft>
-                <a:spcPts val="0"/>
-              </a:spcAft>
-              <a:buClrTx/>
-              <a:buSzTx/>
-              <a:buFontTx/>
-              <a:buNone/>
-              <a:tabLst/>
-              <a:defRPr/>
-            </a:pPr>
-            <a:r>
-              <a:rPr kumimoji="1" lang="ko-KR" altLang="en-US" dirty="0" smtClean="0"/>
-              <a:t>감사합니다</a:t>
-            </a:r>
-            <a:r>
-              <a:rPr kumimoji="1" lang="en-US" altLang="ko-KR" dirty="0" smtClean="0"/>
-              <a:t>.</a:t>
-            </a:r>
-            <a:endParaRPr kumimoji="1" lang="ko-KR" altLang="en-US" dirty="0"/>
-          </a:p>
-        </p:txBody>
-      </p:sp>
-    </p:spTree>
-    <p:extLst>
-      <p:ext uri="{BB962C8B-B14F-4D97-AF65-F5344CB8AC3E}">
-        <p14:creationId xmlns:p14="http://schemas.microsoft.com/office/powerpoint/2010/main" val="829611489"/>
-      </p:ext>
-    </p:extLst>
-  </p:cSld>
-  <p:clrMapOvr>
-    <a:masterClrMapping/>
-  </p:clrMapOvr>
-  <p:timing>
-    <p:tnLst>
-      <p:par>
-        <p:cTn id="1" dur="indefinite" restart="never" nodeType="tmRoot"/>
-      </p:par>
-    </p:tnLst>
-  </p:timing>
-</p:sld>
-</file>
-
-<file path=ppt/slides/slide3.xml><?xml version="1.0" encoding="utf-8"?>
-<p:sld xmlns:a="http://schemas.openxmlformats.org/drawingml/2006/main" xmlns:r="http://schemas.openxmlformats.org/officeDocument/2006/relationships" xmlns:p="http://schemas.openxmlformats.org/presentationml/2006/main">
-  <p:cSld>
-    <p:spTree>
-      <p:nvGrpSpPr>
-        <p:cNvPr id="1" name=""/>
-        <p:cNvGrpSpPr/>
-        <p:nvPr/>
-      </p:nvGrpSpPr>
-      <p:grpSpPr>
-        <a:xfrm>
-          <a:off x="0" y="0"/>
-          <a:ext cx="0" cy="0"/>
-          <a:chOff x="0" y="0"/>
-          <a:chExt cx="0" cy="0"/>
-        </a:xfrm>
-      </p:grpSpPr>
-      <p:sp>
-        <p:nvSpPr>
-          <p:cNvPr id="2" name="제목 1"/>
-          <p:cNvSpPr>
-            <a:spLocks noGrp="1"/>
-          </p:cNvSpPr>
-          <p:nvPr>
-            <p:ph type="title"/>
-          </p:nvPr>
-        </p:nvSpPr>
-        <p:spPr/>
-        <p:txBody>
-          <a:bodyPr/>
-          <a:lstStyle/>
-          <a:p>
-            <a:r>
-              <a:rPr kumimoji="1" lang="ko-KR" altLang="en-US" dirty="0" smtClean="0"/>
-              <a:t>엔티티 생명주기</a:t>
-            </a:r>
-            <a:endParaRPr kumimoji="1" lang="ko-KR" altLang="en-US" dirty="0"/>
-          </a:p>
-        </p:txBody>
-      </p:sp>
-      <p:pic>
-        <p:nvPicPr>
-          <p:cNvPr id="4" name="그림 3"/>
-          <p:cNvPicPr>
-            <a:picLocks noChangeAspect="1"/>
-          </p:cNvPicPr>
-          <p:nvPr/>
-        </p:nvPicPr>
-        <p:blipFill>
-          <a:blip r:embed="rId3"/>
-          <a:stretch>
-            <a:fillRect/>
-          </a:stretch>
-        </p:blipFill>
-        <p:spPr>
-          <a:xfrm>
-            <a:off x="5930640" y="247650"/>
-            <a:ext cx="2179638" cy="966844"/>
-          </a:xfrm>
-          <a:prstGeom prst="rect">
-            <a:avLst/>
-          </a:prstGeom>
-        </p:spPr>
-      </p:pic>
-      <p:pic>
-        <p:nvPicPr>
-          <p:cNvPr id="8" name="그림 7" descr="2016-07-11_13-38-11"/>
-          <p:cNvPicPr/>
-          <p:nvPr/>
-        </p:nvPicPr>
-        <p:blipFill>
-          <a:blip r:embed="rId4">
-            <a:extLst>
-              <a:ext uri="{28A0092B-C50C-407E-A947-70E740481C1C}">
-                <a14:useLocalDpi xmlns:a14="http://schemas.microsoft.com/office/drawing/2010/main" val="0"/>
-              </a:ext>
-            </a:extLst>
-          </a:blip>
-          <a:srcRect/>
-          <a:stretch>
-            <a:fillRect/>
-          </a:stretch>
-        </p:blipFill>
-        <p:spPr bwMode="auto">
-          <a:xfrm>
-            <a:off x="546848" y="1572353"/>
-            <a:ext cx="10501255" cy="5032841"/>
-          </a:xfrm>
-          <a:prstGeom prst="rect">
-            <a:avLst/>
-          </a:prstGeom>
-          <a:noFill/>
-          <a:ln>
-            <a:noFill/>
-          </a:ln>
-        </p:spPr>
-      </p:pic>
-      <p:sp>
-        <p:nvSpPr>
-          <p:cNvPr id="5" name="텍스트 상자 4"/>
-          <p:cNvSpPr txBox="1"/>
-          <p:nvPr/>
-        </p:nvSpPr>
-        <p:spPr>
-          <a:xfrm>
-            <a:off x="2796987" y="3904107"/>
-            <a:ext cx="1054249" cy="369332"/>
-          </a:xfrm>
-          <a:prstGeom prst="rect">
-            <a:avLst/>
-          </a:prstGeom>
-          <a:noFill/>
-        </p:spPr>
-        <p:txBody>
-          <a:bodyPr wrap="square" rtlCol="0">
-            <a:spAutoFit/>
-          </a:bodyPr>
-          <a:lstStyle/>
-          <a:p>
-            <a:r>
-              <a:rPr kumimoji="1" lang="en-US" altLang="ko-KR" dirty="0" smtClean="0"/>
-              <a:t>(</a:t>
-            </a:r>
-            <a:r>
-              <a:rPr kumimoji="1" lang="ko-KR" altLang="en-US" dirty="0" smtClean="0"/>
-              <a:t>비영속</a:t>
-            </a:r>
-            <a:r>
-              <a:rPr kumimoji="1" lang="en-US" altLang="ko-KR" dirty="0" smtClean="0"/>
-              <a:t>)</a:t>
-            </a:r>
-            <a:endParaRPr kumimoji="1" lang="ko-KR" altLang="en-US" dirty="0"/>
-          </a:p>
-        </p:txBody>
-      </p:sp>
-      <p:sp>
-        <p:nvSpPr>
-          <p:cNvPr id="10" name="텍스트 상자 9"/>
-          <p:cNvSpPr txBox="1"/>
-          <p:nvPr/>
-        </p:nvSpPr>
-        <p:spPr>
-          <a:xfrm>
-            <a:off x="6160546" y="3871834"/>
-            <a:ext cx="1054249" cy="369332"/>
-          </a:xfrm>
-          <a:prstGeom prst="rect">
-            <a:avLst/>
-          </a:prstGeom>
-          <a:noFill/>
-        </p:spPr>
-        <p:txBody>
-          <a:bodyPr wrap="square" rtlCol="0">
-            <a:spAutoFit/>
-          </a:bodyPr>
-          <a:lstStyle/>
-          <a:p>
-            <a:r>
-              <a:rPr kumimoji="1" lang="en-US" altLang="ko-KR" dirty="0" smtClean="0"/>
-              <a:t>(</a:t>
-            </a:r>
-            <a:r>
-              <a:rPr kumimoji="1" lang="ko-KR" altLang="en-US" dirty="0" smtClean="0"/>
-              <a:t>영속</a:t>
-            </a:r>
-            <a:r>
-              <a:rPr kumimoji="1" lang="en-US" altLang="ko-KR" dirty="0" smtClean="0"/>
-              <a:t>)</a:t>
-            </a:r>
-            <a:endParaRPr kumimoji="1" lang="ko-KR" altLang="en-US" dirty="0"/>
-          </a:p>
-        </p:txBody>
-      </p:sp>
-      <p:sp>
-        <p:nvSpPr>
-          <p:cNvPr id="13" name="텍스트 상자 12"/>
-          <p:cNvSpPr txBox="1"/>
-          <p:nvPr/>
-        </p:nvSpPr>
-        <p:spPr>
-          <a:xfrm>
-            <a:off x="9495417" y="3904107"/>
-            <a:ext cx="1054249" cy="369332"/>
-          </a:xfrm>
-          <a:prstGeom prst="rect">
-            <a:avLst/>
-          </a:prstGeom>
-          <a:noFill/>
-        </p:spPr>
-        <p:txBody>
-          <a:bodyPr wrap="square" rtlCol="0">
-            <a:spAutoFit/>
-          </a:bodyPr>
-          <a:lstStyle/>
-          <a:p>
-            <a:r>
-              <a:rPr kumimoji="1" lang="en-US" altLang="ko-KR" dirty="0" smtClean="0"/>
-              <a:t>(</a:t>
-            </a:r>
-            <a:r>
-              <a:rPr kumimoji="1" lang="ko-KR" altLang="en-US" dirty="0" smtClean="0"/>
-              <a:t>준영속</a:t>
-            </a:r>
-            <a:r>
-              <a:rPr kumimoji="1" lang="en-US" altLang="ko-KR" dirty="0" smtClean="0"/>
-              <a:t>)</a:t>
-            </a:r>
-            <a:endParaRPr kumimoji="1" lang="ko-KR" altLang="en-US" dirty="0"/>
-          </a:p>
-        </p:txBody>
-      </p:sp>
-      <p:pic>
-        <p:nvPicPr>
-          <p:cNvPr id="14" name="그림 13" descr="http://cfs13.tistory.com/image/12/tistory/2008/12/08/20/54/493d0af9b9002"/>
-          <p:cNvPicPr/>
-          <p:nvPr/>
-        </p:nvPicPr>
-        <p:blipFill>
-          <a:blip r:embed="rId5">
-            <a:extLst>
-              <a:ext uri="{28A0092B-C50C-407E-A947-70E740481C1C}">
-                <a14:useLocalDpi xmlns:a14="http://schemas.microsoft.com/office/drawing/2010/main" val="0"/>
-              </a:ext>
-            </a:extLst>
-          </a:blip>
-          <a:srcRect/>
-          <a:stretch>
-            <a:fillRect/>
-          </a:stretch>
-        </p:blipFill>
-        <p:spPr bwMode="auto">
-          <a:xfrm>
-            <a:off x="0" y="5186362"/>
-            <a:ext cx="2796987" cy="1603801"/>
-          </a:xfrm>
-          <a:prstGeom prst="rect">
-            <a:avLst/>
-          </a:prstGeom>
-          <a:noFill/>
-          <a:ln>
-            <a:noFill/>
-          </a:ln>
-        </p:spPr>
-      </p:pic>
-    </p:spTree>
-    <p:extLst>
-      <p:ext uri="{BB962C8B-B14F-4D97-AF65-F5344CB8AC3E}">
-        <p14:creationId xmlns:p14="http://schemas.microsoft.com/office/powerpoint/2010/main" val="234630020"/>
-      </p:ext>
-    </p:extLst>
-  </p:cSld>
-  <p:clrMapOvr>
-    <a:masterClrMapping/>
-  </p:clrMapOvr>
-  <p:timing>
-    <p:tnLst>
-      <p:par>
-        <p:cTn id="1" dur="indefinite" restart="never" nodeType="tmRoot"/>
-      </p:par>
-    </p:tnLst>
-  </p:timing>
-</p:sld>
-</file>
-
-<file path=ppt/slides/slide4.xml><?xml version="1.0" encoding="utf-8"?>
-<p:sld xmlns:a="http://schemas.openxmlformats.org/drawingml/2006/main" xmlns:r="http://schemas.openxmlformats.org/officeDocument/2006/relationships" xmlns:p="http://schemas.openxmlformats.org/presentationml/2006/main">
-  <p:cSld>
-    <p:spTree>
-      <p:nvGrpSpPr>
-        <p:cNvPr id="1" name=""/>
-        <p:cNvGrpSpPr/>
-        <p:nvPr/>
-      </p:nvGrpSpPr>
-      <p:grpSpPr>
-        <a:xfrm>
-          <a:off x="0" y="0"/>
-          <a:ext cx="0" cy="0"/>
-          <a:chOff x="0" y="0"/>
-          <a:chExt cx="0" cy="0"/>
-        </a:xfrm>
-      </p:grpSpPr>
-      <p:sp>
-        <p:nvSpPr>
-          <p:cNvPr id="2" name="제목 1"/>
-          <p:cNvSpPr>
-            <a:spLocks noGrp="1"/>
-          </p:cNvSpPr>
-          <p:nvPr>
-            <p:ph type="title"/>
-          </p:nvPr>
-        </p:nvSpPr>
-        <p:spPr/>
-        <p:txBody>
           <a:bodyPr>
             <a:normAutofit fontScale="90000"/>
           </a:bodyPr>
@@ -11969,7 +8972,7 @@
 </p:sld>
 </file>
 
-<file path=ppt/slides/slide5.xml><?xml version="1.0" encoding="utf-8"?>
+<file path=ppt/slides/slide11.xml><?xml version="1.0" encoding="utf-8"?>
 <p:sld xmlns:a="http://schemas.openxmlformats.org/drawingml/2006/main" xmlns:r="http://schemas.openxmlformats.org/officeDocument/2006/relationships" xmlns:p="http://schemas.openxmlformats.org/presentationml/2006/main">
   <p:cSld>
     <p:spTree>
@@ -12110,7 +9113,7 @@
 </p:sld>
 </file>
 
-<file path=ppt/slides/slide6.xml><?xml version="1.0" encoding="utf-8"?>
+<file path=ppt/slides/slide12.xml><?xml version="1.0" encoding="utf-8"?>
 <p:sld xmlns:a="http://schemas.openxmlformats.org/drawingml/2006/main" xmlns:r="http://schemas.openxmlformats.org/officeDocument/2006/relationships" xmlns:p="http://schemas.openxmlformats.org/presentationml/2006/main">
   <p:cSld>
     <p:spTree>
@@ -12396,7 +9399,7 @@
 </p:sld>
 </file>
 
-<file path=ppt/slides/slide7.xml><?xml version="1.0" encoding="utf-8"?>
+<file path=ppt/slides/slide13.xml><?xml version="1.0" encoding="utf-8"?>
 <p:sld xmlns:a="http://schemas.openxmlformats.org/drawingml/2006/main" xmlns:r="http://schemas.openxmlformats.org/officeDocument/2006/relationships" xmlns:p="http://schemas.openxmlformats.org/presentationml/2006/main">
   <p:cSld>
     <p:spTree>
@@ -12829,7 +9832,7 @@
 </p:sld>
 </file>
 
-<file path=ppt/slides/slide8.xml><?xml version="1.0" encoding="utf-8"?>
+<file path=ppt/slides/slide14.xml><?xml version="1.0" encoding="utf-8"?>
 <p:sld xmlns:a="http://schemas.openxmlformats.org/drawingml/2006/main" xmlns:r="http://schemas.openxmlformats.org/officeDocument/2006/relationships" xmlns:p="http://schemas.openxmlformats.org/presentationml/2006/main">
   <p:cSld>
     <p:spTree>
@@ -12976,6 +9979,4525 @@
 </p:sld>
 </file>
 
+<file path=ppt/slides/slide15.xml><?xml version="1.0" encoding="utf-8"?>
+<p:sld xmlns:a="http://schemas.openxmlformats.org/drawingml/2006/main" xmlns:r="http://schemas.openxmlformats.org/officeDocument/2006/relationships" xmlns:p="http://schemas.openxmlformats.org/presentationml/2006/main">
+  <p:cSld>
+    <p:spTree>
+      <p:nvGrpSpPr>
+        <p:cNvPr id="1" name=""/>
+        <p:cNvGrpSpPr/>
+        <p:nvPr/>
+      </p:nvGrpSpPr>
+      <p:grpSpPr>
+        <a:xfrm>
+          <a:off x="0" y="0"/>
+          <a:ext cx="0" cy="0"/>
+          <a:chOff x="0" y="0"/>
+          <a:chExt cx="0" cy="0"/>
+        </a:xfrm>
+      </p:grpSpPr>
+      <p:sp>
+        <p:nvSpPr>
+          <p:cNvPr id="2" name="제목 1"/>
+          <p:cNvSpPr>
+            <a:spLocks noGrp="1"/>
+          </p:cNvSpPr>
+          <p:nvPr>
+            <p:ph type="title"/>
+          </p:nvPr>
+        </p:nvSpPr>
+        <p:spPr/>
+        <p:txBody>
+          <a:bodyPr/>
+          <a:lstStyle/>
+          <a:p>
+            <a:r>
+              <a:rPr lang="en-US" altLang="ko-KR" b="1" dirty="0"/>
+              <a:t>Join </a:t>
+            </a:r>
+            <a:r>
+              <a:rPr lang="ko-KR" altLang="en-US" b="1" dirty="0"/>
+              <a:t>조인</a:t>
+            </a:r>
+            <a:endParaRPr kumimoji="1" lang="ko-KR" altLang="en-US" dirty="0"/>
+          </a:p>
+        </p:txBody>
+      </p:sp>
+      <p:sp>
+        <p:nvSpPr>
+          <p:cNvPr id="3" name="내용 개체 틀 2"/>
+          <p:cNvSpPr>
+            <a:spLocks noGrp="1"/>
+          </p:cNvSpPr>
+          <p:nvPr>
+            <p:ph idx="1"/>
+          </p:nvPr>
+        </p:nvSpPr>
+        <p:spPr>
+          <a:xfrm>
+            <a:off x="838200" y="1948717"/>
+            <a:ext cx="10515600" cy="4351338"/>
+          </a:xfrm>
+        </p:spPr>
+        <p:txBody>
+          <a:bodyPr>
+            <a:normAutofit/>
+          </a:bodyPr>
+          <a:lstStyle/>
+          <a:p>
+            <a:r>
+              <a:rPr kumimoji="1" lang="en-US" altLang="ko-KR" sz="3000" dirty="0" smtClean="0"/>
+              <a:t>1:1</a:t>
+            </a:r>
+          </a:p>
+          <a:p>
+            <a:endParaRPr kumimoji="1" lang="en-US" altLang="ko-KR" sz="3000" dirty="0"/>
+          </a:p>
+          <a:p>
+            <a:r>
+              <a:rPr kumimoji="1" lang="en-US" altLang="ko-KR" sz="3000" dirty="0" smtClean="0"/>
+              <a:t>1:N, N:1</a:t>
+            </a:r>
+          </a:p>
+          <a:p>
+            <a:endParaRPr kumimoji="1" lang="en-US" altLang="ko-KR" sz="3000" dirty="0"/>
+          </a:p>
+          <a:p>
+            <a:r>
+              <a:rPr kumimoji="1" lang="en-US" altLang="ko-KR" sz="3000" dirty="0" smtClean="0"/>
+              <a:t>N:N</a:t>
+            </a:r>
+          </a:p>
+        </p:txBody>
+      </p:sp>
+      <p:sp>
+        <p:nvSpPr>
+          <p:cNvPr id="4" name="텍스트 상자 3"/>
+          <p:cNvSpPr txBox="1"/>
+          <p:nvPr/>
+        </p:nvSpPr>
+        <p:spPr>
+          <a:xfrm>
+            <a:off x="1037492" y="5416061"/>
+            <a:ext cx="10550770" cy="584775"/>
+          </a:xfrm>
+          <a:prstGeom prst="rect">
+            <a:avLst/>
+          </a:prstGeom>
+          <a:noFill/>
+        </p:spPr>
+        <p:txBody>
+          <a:bodyPr wrap="square" rtlCol="0">
+            <a:spAutoFit/>
+          </a:bodyPr>
+          <a:lstStyle/>
+          <a:p>
+            <a:r>
+              <a:rPr kumimoji="1" lang="ko-KR" altLang="en-US" sz="3200" dirty="0" smtClean="0"/>
+              <a:t>하이버네이트는 다중성과 방향성을 모두 지원한다</a:t>
+            </a:r>
+            <a:r>
+              <a:rPr kumimoji="1" lang="en-US" altLang="ko-KR" sz="3200" dirty="0" smtClean="0"/>
+              <a:t>.</a:t>
+            </a:r>
+            <a:endParaRPr kumimoji="1" lang="ko-KR" altLang="en-US" sz="3200" dirty="0"/>
+          </a:p>
+        </p:txBody>
+      </p:sp>
+    </p:spTree>
+    <p:extLst>
+      <p:ext uri="{BB962C8B-B14F-4D97-AF65-F5344CB8AC3E}">
+        <p14:creationId xmlns:p14="http://schemas.microsoft.com/office/powerpoint/2010/main" val="2007666699"/>
+      </p:ext>
+    </p:extLst>
+  </p:cSld>
+  <p:clrMapOvr>
+    <a:masterClrMapping/>
+  </p:clrMapOvr>
+  <p:timing>
+    <p:tnLst>
+      <p:par>
+        <p:cTn id="1" dur="indefinite" restart="never" nodeType="tmRoot"/>
+      </p:par>
+    </p:tnLst>
+  </p:timing>
+</p:sld>
+</file>
+
+<file path=ppt/slides/slide16.xml><?xml version="1.0" encoding="utf-8"?>
+<p:sld xmlns:a="http://schemas.openxmlformats.org/drawingml/2006/main" xmlns:r="http://schemas.openxmlformats.org/officeDocument/2006/relationships" xmlns:p="http://schemas.openxmlformats.org/presentationml/2006/main">
+  <p:cSld>
+    <p:spTree>
+      <p:nvGrpSpPr>
+        <p:cNvPr id="1" name=""/>
+        <p:cNvGrpSpPr/>
+        <p:nvPr/>
+      </p:nvGrpSpPr>
+      <p:grpSpPr>
+        <a:xfrm>
+          <a:off x="0" y="0"/>
+          <a:ext cx="0" cy="0"/>
+          <a:chOff x="0" y="0"/>
+          <a:chExt cx="0" cy="0"/>
+        </a:xfrm>
+      </p:grpSpPr>
+      <p:sp>
+        <p:nvSpPr>
+          <p:cNvPr id="2" name="제목 1"/>
+          <p:cNvSpPr>
+            <a:spLocks noGrp="1"/>
+          </p:cNvSpPr>
+          <p:nvPr>
+            <p:ph type="title"/>
+          </p:nvPr>
+        </p:nvSpPr>
+        <p:spPr/>
+        <p:txBody>
+          <a:bodyPr/>
+          <a:lstStyle/>
+          <a:p>
+            <a:endParaRPr kumimoji="1" lang="ko-KR" altLang="en-US"/>
+          </a:p>
+        </p:txBody>
+      </p:sp>
+      <p:sp>
+        <p:nvSpPr>
+          <p:cNvPr id="3" name="내용 개체 틀 2"/>
+          <p:cNvSpPr>
+            <a:spLocks noGrp="1"/>
+          </p:cNvSpPr>
+          <p:nvPr>
+            <p:ph idx="1"/>
+          </p:nvPr>
+        </p:nvSpPr>
+        <p:spPr/>
+        <p:txBody>
+          <a:bodyPr/>
+          <a:lstStyle/>
+          <a:p>
+            <a:endParaRPr kumimoji="1" lang="ko-KR" altLang="en-US"/>
+          </a:p>
+        </p:txBody>
+      </p:sp>
+      <p:pic>
+        <p:nvPicPr>
+          <p:cNvPr id="4" name="그림 3"/>
+          <p:cNvPicPr>
+            <a:picLocks noChangeAspect="1"/>
+          </p:cNvPicPr>
+          <p:nvPr/>
+        </p:nvPicPr>
+        <p:blipFill>
+          <a:blip r:embed="rId3"/>
+          <a:stretch>
+            <a:fillRect/>
+          </a:stretch>
+        </p:blipFill>
+        <p:spPr>
+          <a:xfrm>
+            <a:off x="514350" y="748812"/>
+            <a:ext cx="11163300" cy="5219700"/>
+          </a:xfrm>
+          <a:prstGeom prst="rect">
+            <a:avLst/>
+          </a:prstGeom>
+        </p:spPr>
+      </p:pic>
+    </p:spTree>
+    <p:extLst>
+      <p:ext uri="{BB962C8B-B14F-4D97-AF65-F5344CB8AC3E}">
+        <p14:creationId xmlns:p14="http://schemas.microsoft.com/office/powerpoint/2010/main" val="706031035"/>
+      </p:ext>
+    </p:extLst>
+  </p:cSld>
+  <p:clrMapOvr>
+    <a:masterClrMapping/>
+  </p:clrMapOvr>
+  <p:timing>
+    <p:tnLst>
+      <p:par>
+        <p:cTn id="1" dur="indefinite" restart="never" nodeType="tmRoot"/>
+      </p:par>
+    </p:tnLst>
+  </p:timing>
+</p:sld>
+</file>
+
+<file path=ppt/slides/slide17.xml><?xml version="1.0" encoding="utf-8"?>
+<p:sld xmlns:a="http://schemas.openxmlformats.org/drawingml/2006/main" xmlns:r="http://schemas.openxmlformats.org/officeDocument/2006/relationships" xmlns:p="http://schemas.openxmlformats.org/presentationml/2006/main">
+  <p:cSld>
+    <p:spTree>
+      <p:nvGrpSpPr>
+        <p:cNvPr id="1" name=""/>
+        <p:cNvGrpSpPr/>
+        <p:nvPr/>
+      </p:nvGrpSpPr>
+      <p:grpSpPr>
+        <a:xfrm>
+          <a:off x="0" y="0"/>
+          <a:ext cx="0" cy="0"/>
+          <a:chOff x="0" y="0"/>
+          <a:chExt cx="0" cy="0"/>
+        </a:xfrm>
+      </p:grpSpPr>
+      <p:sp>
+        <p:nvSpPr>
+          <p:cNvPr id="2" name="제목 1"/>
+          <p:cNvSpPr>
+            <a:spLocks noGrp="1"/>
+          </p:cNvSpPr>
+          <p:nvPr>
+            <p:ph type="title"/>
+          </p:nvPr>
+        </p:nvSpPr>
+        <p:spPr/>
+        <p:txBody>
+          <a:bodyPr/>
+          <a:lstStyle/>
+          <a:p>
+            <a:endParaRPr kumimoji="1" lang="ko-KR" altLang="en-US"/>
+          </a:p>
+        </p:txBody>
+      </p:sp>
+      <p:sp>
+        <p:nvSpPr>
+          <p:cNvPr id="3" name="내용 개체 틀 2"/>
+          <p:cNvSpPr>
+            <a:spLocks noGrp="1"/>
+          </p:cNvSpPr>
+          <p:nvPr>
+            <p:ph idx="1"/>
+          </p:nvPr>
+        </p:nvSpPr>
+        <p:spPr/>
+        <p:txBody>
+          <a:bodyPr/>
+          <a:lstStyle/>
+          <a:p>
+            <a:endParaRPr kumimoji="1" lang="ko-KR" altLang="en-US"/>
+          </a:p>
+        </p:txBody>
+      </p:sp>
+      <p:pic>
+        <p:nvPicPr>
+          <p:cNvPr id="5" name="그림 4"/>
+          <p:cNvPicPr>
+            <a:picLocks noChangeAspect="1"/>
+          </p:cNvPicPr>
+          <p:nvPr/>
+        </p:nvPicPr>
+        <p:blipFill>
+          <a:blip r:embed="rId2"/>
+          <a:stretch>
+            <a:fillRect/>
+          </a:stretch>
+        </p:blipFill>
+        <p:spPr>
+          <a:xfrm>
+            <a:off x="0" y="219075"/>
+            <a:ext cx="6159500" cy="3213100"/>
+          </a:xfrm>
+          <a:prstGeom prst="rect">
+            <a:avLst/>
+          </a:prstGeom>
+        </p:spPr>
+      </p:pic>
+      <p:pic>
+        <p:nvPicPr>
+          <p:cNvPr id="6" name="그림 5"/>
+          <p:cNvPicPr>
+            <a:picLocks noChangeAspect="1"/>
+          </p:cNvPicPr>
+          <p:nvPr/>
+        </p:nvPicPr>
+        <p:blipFill>
+          <a:blip r:embed="rId3"/>
+          <a:stretch>
+            <a:fillRect/>
+          </a:stretch>
+        </p:blipFill>
+        <p:spPr>
+          <a:xfrm>
+            <a:off x="4179273" y="2164730"/>
+            <a:ext cx="7984143" cy="4012233"/>
+          </a:xfrm>
+          <a:prstGeom prst="rect">
+            <a:avLst/>
+          </a:prstGeom>
+        </p:spPr>
+      </p:pic>
+    </p:spTree>
+    <p:extLst>
+      <p:ext uri="{BB962C8B-B14F-4D97-AF65-F5344CB8AC3E}">
+        <p14:creationId xmlns:p14="http://schemas.microsoft.com/office/powerpoint/2010/main" val="1462152426"/>
+      </p:ext>
+    </p:extLst>
+  </p:cSld>
+  <p:clrMapOvr>
+    <a:masterClrMapping/>
+  </p:clrMapOvr>
+  <p:timing>
+    <p:tnLst>
+      <p:par>
+        <p:cTn id="1" dur="indefinite" restart="never" nodeType="tmRoot"/>
+      </p:par>
+    </p:tnLst>
+  </p:timing>
+</p:sld>
+</file>
+
+<file path=ppt/slides/slide18.xml><?xml version="1.0" encoding="utf-8"?>
+<p:sld xmlns:a="http://schemas.openxmlformats.org/drawingml/2006/main" xmlns:r="http://schemas.openxmlformats.org/officeDocument/2006/relationships" xmlns:p="http://schemas.openxmlformats.org/presentationml/2006/main">
+  <p:cSld>
+    <p:spTree>
+      <p:nvGrpSpPr>
+        <p:cNvPr id="1" name=""/>
+        <p:cNvGrpSpPr/>
+        <p:nvPr/>
+      </p:nvGrpSpPr>
+      <p:grpSpPr>
+        <a:xfrm>
+          <a:off x="0" y="0"/>
+          <a:ext cx="0" cy="0"/>
+          <a:chOff x="0" y="0"/>
+          <a:chExt cx="0" cy="0"/>
+        </a:xfrm>
+      </p:grpSpPr>
+      <p:sp>
+        <p:nvSpPr>
+          <p:cNvPr id="2" name="제목 1"/>
+          <p:cNvSpPr>
+            <a:spLocks noGrp="1"/>
+          </p:cNvSpPr>
+          <p:nvPr>
+            <p:ph type="title"/>
+          </p:nvPr>
+        </p:nvSpPr>
+        <p:spPr/>
+        <p:txBody>
+          <a:bodyPr/>
+          <a:lstStyle/>
+          <a:p>
+            <a:endParaRPr kumimoji="1" lang="ko-KR" altLang="en-US"/>
+          </a:p>
+        </p:txBody>
+      </p:sp>
+      <p:sp>
+        <p:nvSpPr>
+          <p:cNvPr id="3" name="내용 개체 틀 2"/>
+          <p:cNvSpPr>
+            <a:spLocks noGrp="1"/>
+          </p:cNvSpPr>
+          <p:nvPr>
+            <p:ph idx="1"/>
+          </p:nvPr>
+        </p:nvSpPr>
+        <p:spPr/>
+        <p:txBody>
+          <a:bodyPr/>
+          <a:lstStyle/>
+          <a:p>
+            <a:endParaRPr kumimoji="1" lang="ko-KR" altLang="en-US"/>
+          </a:p>
+        </p:txBody>
+      </p:sp>
+      <p:pic>
+        <p:nvPicPr>
+          <p:cNvPr id="4" name="그림 3"/>
+          <p:cNvPicPr>
+            <a:picLocks noChangeAspect="1"/>
+          </p:cNvPicPr>
+          <p:nvPr/>
+        </p:nvPicPr>
+        <p:blipFill>
+          <a:blip r:embed="rId2"/>
+          <a:stretch>
+            <a:fillRect/>
+          </a:stretch>
+        </p:blipFill>
+        <p:spPr>
+          <a:xfrm>
+            <a:off x="0" y="835606"/>
+            <a:ext cx="12192000" cy="5186787"/>
+          </a:xfrm>
+          <a:prstGeom prst="rect">
+            <a:avLst/>
+          </a:prstGeom>
+        </p:spPr>
+      </p:pic>
+    </p:spTree>
+    <p:extLst>
+      <p:ext uri="{BB962C8B-B14F-4D97-AF65-F5344CB8AC3E}">
+        <p14:creationId xmlns:p14="http://schemas.microsoft.com/office/powerpoint/2010/main" val="1123731814"/>
+      </p:ext>
+    </p:extLst>
+  </p:cSld>
+  <p:clrMapOvr>
+    <a:masterClrMapping/>
+  </p:clrMapOvr>
+  <p:timing>
+    <p:tnLst>
+      <p:par>
+        <p:cTn id="1" dur="indefinite" restart="never" nodeType="tmRoot"/>
+      </p:par>
+    </p:tnLst>
+  </p:timing>
+</p:sld>
+</file>
+
+<file path=ppt/slides/slide19.xml><?xml version="1.0" encoding="utf-8"?>
+<p:sld xmlns:a="http://schemas.openxmlformats.org/drawingml/2006/main" xmlns:r="http://schemas.openxmlformats.org/officeDocument/2006/relationships" xmlns:p="http://schemas.openxmlformats.org/presentationml/2006/main">
+  <p:cSld>
+    <p:spTree>
+      <p:nvGrpSpPr>
+        <p:cNvPr id="1" name=""/>
+        <p:cNvGrpSpPr/>
+        <p:nvPr/>
+      </p:nvGrpSpPr>
+      <p:grpSpPr>
+        <a:xfrm>
+          <a:off x="0" y="0"/>
+          <a:ext cx="0" cy="0"/>
+          <a:chOff x="0" y="0"/>
+          <a:chExt cx="0" cy="0"/>
+        </a:xfrm>
+      </p:grpSpPr>
+      <p:sp>
+        <p:nvSpPr>
+          <p:cNvPr id="2" name="제목 1"/>
+          <p:cNvSpPr>
+            <a:spLocks noGrp="1"/>
+          </p:cNvSpPr>
+          <p:nvPr>
+            <p:ph type="title"/>
+          </p:nvPr>
+        </p:nvSpPr>
+        <p:spPr/>
+        <p:txBody>
+          <a:bodyPr/>
+          <a:lstStyle/>
+          <a:p>
+            <a:r>
+              <a:rPr kumimoji="1" lang="ko-KR" altLang="en-US" dirty="0" smtClean="0"/>
+              <a:t>상속 전략</a:t>
+            </a:r>
+            <a:endParaRPr kumimoji="1" lang="ko-KR" altLang="en-US" dirty="0"/>
+          </a:p>
+        </p:txBody>
+      </p:sp>
+      <p:sp>
+        <p:nvSpPr>
+          <p:cNvPr id="3" name="내용 개체 틀 2"/>
+          <p:cNvSpPr>
+            <a:spLocks noGrp="1"/>
+          </p:cNvSpPr>
+          <p:nvPr>
+            <p:ph idx="1"/>
+          </p:nvPr>
+        </p:nvSpPr>
+        <p:spPr/>
+        <p:txBody>
+          <a:bodyPr/>
+          <a:lstStyle/>
+          <a:p>
+            <a:r>
+              <a:rPr lang="en-US" altLang="ko-KR" dirty="0"/>
+              <a:t>Entity </a:t>
+            </a:r>
+            <a:r>
+              <a:rPr lang="ko-KR" altLang="en-US" dirty="0"/>
+              <a:t>상속으로 처리하는 방법이 </a:t>
+            </a:r>
+            <a:r>
+              <a:rPr lang="en-US" altLang="ko-KR" dirty="0"/>
+              <a:t>3</a:t>
+            </a:r>
+            <a:r>
+              <a:rPr lang="ko-KR" altLang="en-US" dirty="0"/>
+              <a:t>가지 있다</a:t>
+            </a:r>
+            <a:r>
+              <a:rPr lang="en-US" altLang="ko-KR" dirty="0" smtClean="0"/>
+              <a:t>.</a:t>
+            </a:r>
+            <a:br>
+              <a:rPr lang="en-US" altLang="ko-KR" dirty="0" smtClean="0"/>
+            </a:br>
+            <a:r>
+              <a:rPr lang="en-US" altLang="ko-KR" dirty="0" smtClean="0"/>
+              <a:t/>
+            </a:r>
+            <a:br>
+              <a:rPr lang="en-US" altLang="ko-KR" dirty="0" smtClean="0"/>
+            </a:br>
+            <a:r>
+              <a:rPr lang="en-US" altLang="ko-KR" dirty="0" smtClean="0"/>
+              <a:t>1</a:t>
+            </a:r>
+            <a:r>
+              <a:rPr lang="en-US" altLang="ko-KR" dirty="0"/>
+              <a:t>.     Table-per-Class </a:t>
+            </a:r>
+            <a:r>
+              <a:rPr lang="ko-KR" altLang="en-US" dirty="0" smtClean="0"/>
+              <a:t>전략</a:t>
+            </a:r>
+            <a:r>
+              <a:rPr lang="en-US" altLang="ko-KR" dirty="0" smtClean="0"/>
+              <a:t/>
+            </a:r>
+            <a:br>
+              <a:rPr lang="en-US" altLang="ko-KR" dirty="0" smtClean="0"/>
+            </a:br>
+            <a:r>
+              <a:rPr lang="en-US" altLang="ko-KR" dirty="0" smtClean="0"/>
+              <a:t/>
+            </a:r>
+            <a:br>
+              <a:rPr lang="en-US" altLang="ko-KR" dirty="0" smtClean="0"/>
+            </a:br>
+            <a:r>
+              <a:rPr lang="en-US" altLang="ko-KR" dirty="0" smtClean="0"/>
+              <a:t>2</a:t>
+            </a:r>
+            <a:r>
+              <a:rPr lang="en-US" altLang="ko-KR" dirty="0"/>
+              <a:t>.     Table-per-Subclass </a:t>
+            </a:r>
+            <a:r>
+              <a:rPr lang="ko-KR" altLang="en-US" dirty="0" smtClean="0"/>
+              <a:t>전략</a:t>
+            </a:r>
+            <a:r>
+              <a:rPr lang="en-US" altLang="ko-KR" dirty="0" smtClean="0"/>
+              <a:t/>
+            </a:r>
+            <a:br>
+              <a:rPr lang="en-US" altLang="ko-KR" dirty="0" smtClean="0"/>
+            </a:br>
+            <a:r>
+              <a:rPr lang="en-US" altLang="ko-KR" dirty="0" smtClean="0"/>
+              <a:t/>
+            </a:r>
+            <a:br>
+              <a:rPr lang="en-US" altLang="ko-KR" dirty="0" smtClean="0"/>
+            </a:br>
+            <a:r>
+              <a:rPr lang="en-US" altLang="ko-KR" dirty="0" smtClean="0"/>
+              <a:t>3</a:t>
+            </a:r>
+            <a:r>
+              <a:rPr lang="en-US" altLang="ko-KR" dirty="0"/>
+              <a:t>.     Table-per-Concrete-Class </a:t>
+            </a:r>
+            <a:r>
+              <a:rPr lang="ko-KR" altLang="en-US" dirty="0"/>
+              <a:t>전략</a:t>
+            </a:r>
+          </a:p>
+          <a:p>
+            <a:endParaRPr kumimoji="1" lang="ko-KR" altLang="en-US" dirty="0"/>
+          </a:p>
+        </p:txBody>
+      </p:sp>
+    </p:spTree>
+    <p:extLst>
+      <p:ext uri="{BB962C8B-B14F-4D97-AF65-F5344CB8AC3E}">
+        <p14:creationId xmlns:p14="http://schemas.microsoft.com/office/powerpoint/2010/main" val="812348289"/>
+      </p:ext>
+    </p:extLst>
+  </p:cSld>
+  <p:clrMapOvr>
+    <a:masterClrMapping/>
+  </p:clrMapOvr>
+  <p:timing>
+    <p:tnLst>
+      <p:par>
+        <p:cTn id="1" dur="indefinite" restart="never" nodeType="tmRoot"/>
+      </p:par>
+    </p:tnLst>
+  </p:timing>
+</p:sld>
+</file>
+
+<file path=ppt/slides/slide2.xml><?xml version="1.0" encoding="utf-8"?>
+<p:sld xmlns:a="http://schemas.openxmlformats.org/drawingml/2006/main" xmlns:r="http://schemas.openxmlformats.org/officeDocument/2006/relationships" xmlns:p="http://schemas.openxmlformats.org/presentationml/2006/main">
+  <p:cSld>
+    <p:spTree>
+      <p:nvGrpSpPr>
+        <p:cNvPr id="1" name=""/>
+        <p:cNvGrpSpPr/>
+        <p:nvPr/>
+      </p:nvGrpSpPr>
+      <p:grpSpPr>
+        <a:xfrm>
+          <a:off x="0" y="0"/>
+          <a:ext cx="0" cy="0"/>
+          <a:chOff x="0" y="0"/>
+          <a:chExt cx="0" cy="0"/>
+        </a:xfrm>
+      </p:grpSpPr>
+      <p:sp>
+        <p:nvSpPr>
+          <p:cNvPr id="2" name="제목 1"/>
+          <p:cNvSpPr>
+            <a:spLocks noGrp="1"/>
+          </p:cNvSpPr>
+          <p:nvPr>
+            <p:ph type="title"/>
+          </p:nvPr>
+        </p:nvSpPr>
+        <p:spPr/>
+        <p:txBody>
+          <a:bodyPr/>
+          <a:lstStyle/>
+          <a:p>
+            <a:r>
+              <a:rPr lang="ko-KR" altLang="ko-KR" b="1" dirty="0"/>
+              <a:t>왜 </a:t>
+            </a:r>
+            <a:r>
+              <a:rPr lang="en-US" altLang="ko-KR" b="1" dirty="0"/>
+              <a:t>JPA</a:t>
+            </a:r>
+            <a:r>
+              <a:rPr lang="ko-KR" altLang="ko-KR" b="1" dirty="0"/>
+              <a:t>를 쓰는가</a:t>
+            </a:r>
+            <a:r>
+              <a:rPr lang="en-US" altLang="ko-KR" b="1" dirty="0" smtClean="0"/>
+              <a:t>?</a:t>
+            </a:r>
+            <a:endParaRPr kumimoji="1" lang="ko-KR" altLang="en-US" dirty="0"/>
+          </a:p>
+        </p:txBody>
+      </p:sp>
+      <p:sp>
+        <p:nvSpPr>
+          <p:cNvPr id="3" name="내용 개체 틀 2"/>
+          <p:cNvSpPr>
+            <a:spLocks noGrp="1"/>
+          </p:cNvSpPr>
+          <p:nvPr>
+            <p:ph idx="1"/>
+          </p:nvPr>
+        </p:nvSpPr>
+        <p:spPr/>
+        <p:txBody>
+          <a:bodyPr/>
+          <a:lstStyle/>
+          <a:p>
+            <a:r>
+              <a:rPr lang="en-US" altLang="ko-KR" b="1" dirty="0"/>
+              <a:t>1. </a:t>
+            </a:r>
+            <a:r>
+              <a:rPr lang="ko-KR" altLang="ko-KR" b="1" dirty="0"/>
+              <a:t>기존 </a:t>
+            </a:r>
+            <a:r>
+              <a:rPr lang="en-US" altLang="ko-KR" b="1" dirty="0"/>
+              <a:t>SQL </a:t>
+            </a:r>
+            <a:r>
+              <a:rPr lang="ko-KR" altLang="ko-KR" b="1" dirty="0"/>
+              <a:t>중심적인 개발시 </a:t>
+            </a:r>
+            <a:r>
+              <a:rPr lang="ko-KR" altLang="ko-KR" b="1" dirty="0" smtClean="0"/>
+              <a:t>불편하다</a:t>
+            </a:r>
+            <a:endParaRPr lang="en-US" altLang="ko-KR" b="1" dirty="0" smtClean="0"/>
+          </a:p>
+          <a:p>
+            <a:endParaRPr lang="ko-KR" altLang="ko-KR" b="1" dirty="0"/>
+          </a:p>
+          <a:p>
+            <a:pPr lvl="1" latinLnBrk="0"/>
+            <a:r>
+              <a:rPr lang="ko-KR" altLang="ko-KR" dirty="0"/>
+              <a:t>쿼리가 변경되면 이에따른 프로그램 소스 </a:t>
+            </a:r>
+            <a:r>
+              <a:rPr lang="en-US" altLang="ko-KR" dirty="0"/>
+              <a:t>DTO</a:t>
+            </a:r>
+            <a:r>
+              <a:rPr lang="ko-KR" altLang="ko-KR" dirty="0"/>
+              <a:t>객체의 변경도 불가피하게 </a:t>
+            </a:r>
+            <a:r>
+              <a:rPr lang="ko-KR" altLang="ko-KR" dirty="0" smtClean="0"/>
+              <a:t>일어난다</a:t>
+            </a:r>
+            <a:endParaRPr lang="en-US" altLang="ko-KR" dirty="0" smtClean="0"/>
+          </a:p>
+          <a:p>
+            <a:pPr lvl="1" latinLnBrk="0"/>
+            <a:endParaRPr lang="ko-KR" altLang="ko-KR" dirty="0"/>
+          </a:p>
+          <a:p>
+            <a:pPr lvl="1" latinLnBrk="0"/>
+            <a:r>
+              <a:rPr lang="ko-KR" altLang="ko-KR" dirty="0"/>
+              <a:t>데이터를 가져와 객체지향적으로 관계를 </a:t>
+            </a:r>
+            <a:r>
+              <a:rPr lang="en-US" altLang="ko-KR" dirty="0"/>
+              <a:t>Mapping</a:t>
+            </a:r>
+            <a:r>
+              <a:rPr lang="ko-KR" altLang="ko-KR" dirty="0"/>
+              <a:t>하는 일이 매번 </a:t>
+            </a:r>
+            <a:r>
+              <a:rPr lang="ko-KR" altLang="ko-KR" dirty="0" smtClean="0"/>
+              <a:t>일어난다</a:t>
+            </a:r>
+            <a:endParaRPr lang="en-US" altLang="ko-KR" dirty="0" smtClean="0"/>
+          </a:p>
+          <a:p>
+            <a:pPr lvl="1" latinLnBrk="0"/>
+            <a:endParaRPr lang="ko-KR" altLang="ko-KR" dirty="0"/>
+          </a:p>
+          <a:p>
+            <a:pPr lvl="1" latinLnBrk="0"/>
+            <a:r>
+              <a:rPr lang="en-US" altLang="ko-KR" dirty="0"/>
+              <a:t>!!SQL</a:t>
+            </a:r>
+            <a:r>
+              <a:rPr lang="ko-KR" altLang="ko-KR" dirty="0"/>
+              <a:t>의존적인 개발이 이루어진다</a:t>
+            </a:r>
+            <a:r>
+              <a:rPr lang="en-US" altLang="ko-KR" dirty="0"/>
+              <a:t>.</a:t>
+            </a:r>
+            <a:endParaRPr lang="ko-KR" altLang="ko-KR" dirty="0"/>
+          </a:p>
+          <a:p>
+            <a:endParaRPr kumimoji="1" lang="ko-KR" altLang="en-US" dirty="0"/>
+          </a:p>
+        </p:txBody>
+      </p:sp>
+    </p:spTree>
+    <p:extLst>
+      <p:ext uri="{BB962C8B-B14F-4D97-AF65-F5344CB8AC3E}">
+        <p14:creationId xmlns:p14="http://schemas.microsoft.com/office/powerpoint/2010/main" val="847635124"/>
+      </p:ext>
+    </p:extLst>
+  </p:cSld>
+  <p:clrMapOvr>
+    <a:masterClrMapping/>
+  </p:clrMapOvr>
+  <p:timing>
+    <p:tnLst>
+      <p:par>
+        <p:cTn id="1" dur="indefinite" restart="never" nodeType="tmRoot"/>
+      </p:par>
+    </p:tnLst>
+  </p:timing>
+</p:sld>
+</file>
+
+<file path=ppt/slides/slide20.xml><?xml version="1.0" encoding="utf-8"?>
+<p:sld xmlns:a="http://schemas.openxmlformats.org/drawingml/2006/main" xmlns:r="http://schemas.openxmlformats.org/officeDocument/2006/relationships" xmlns:p="http://schemas.openxmlformats.org/presentationml/2006/main">
+  <p:cSld>
+    <p:spTree>
+      <p:nvGrpSpPr>
+        <p:cNvPr id="1" name=""/>
+        <p:cNvGrpSpPr/>
+        <p:nvPr/>
+      </p:nvGrpSpPr>
+      <p:grpSpPr>
+        <a:xfrm>
+          <a:off x="0" y="0"/>
+          <a:ext cx="0" cy="0"/>
+          <a:chOff x="0" y="0"/>
+          <a:chExt cx="0" cy="0"/>
+        </a:xfrm>
+      </p:grpSpPr>
+      <p:sp>
+        <p:nvSpPr>
+          <p:cNvPr id="2" name="제목 1"/>
+          <p:cNvSpPr>
+            <a:spLocks noGrp="1"/>
+          </p:cNvSpPr>
+          <p:nvPr>
+            <p:ph type="title"/>
+          </p:nvPr>
+        </p:nvSpPr>
+        <p:spPr/>
+        <p:txBody>
+          <a:bodyPr/>
+          <a:lstStyle/>
+          <a:p>
+            <a:endParaRPr kumimoji="1" lang="ko-KR" altLang="en-US"/>
+          </a:p>
+        </p:txBody>
+      </p:sp>
+      <p:sp>
+        <p:nvSpPr>
+          <p:cNvPr id="3" name="내용 개체 틀 2"/>
+          <p:cNvSpPr>
+            <a:spLocks noGrp="1"/>
+          </p:cNvSpPr>
+          <p:nvPr>
+            <p:ph idx="1"/>
+          </p:nvPr>
+        </p:nvSpPr>
+        <p:spPr/>
+        <p:txBody>
+          <a:bodyPr/>
+          <a:lstStyle/>
+          <a:p>
+            <a:endParaRPr kumimoji="1" lang="ko-KR" altLang="en-US"/>
+          </a:p>
+        </p:txBody>
+      </p:sp>
+      <p:pic>
+        <p:nvPicPr>
+          <p:cNvPr id="4" name="그림 3"/>
+          <p:cNvPicPr>
+            <a:picLocks noChangeAspect="1"/>
+          </p:cNvPicPr>
+          <p:nvPr/>
+        </p:nvPicPr>
+        <p:blipFill>
+          <a:blip r:embed="rId2"/>
+          <a:stretch>
+            <a:fillRect/>
+          </a:stretch>
+        </p:blipFill>
+        <p:spPr>
+          <a:xfrm>
+            <a:off x="1008256" y="0"/>
+            <a:ext cx="10175488" cy="6858000"/>
+          </a:xfrm>
+          <a:prstGeom prst="rect">
+            <a:avLst/>
+          </a:prstGeom>
+        </p:spPr>
+      </p:pic>
+      <p:pic>
+        <p:nvPicPr>
+          <p:cNvPr id="5" name="그림 4"/>
+          <p:cNvPicPr/>
+          <p:nvPr/>
+        </p:nvPicPr>
+        <p:blipFill>
+          <a:blip r:embed="rId3"/>
+          <a:stretch>
+            <a:fillRect/>
+          </a:stretch>
+        </p:blipFill>
+        <p:spPr>
+          <a:xfrm>
+            <a:off x="7111999" y="1690688"/>
+            <a:ext cx="3087077" cy="2465021"/>
+          </a:xfrm>
+          <a:prstGeom prst="rect">
+            <a:avLst/>
+          </a:prstGeom>
+        </p:spPr>
+      </p:pic>
+    </p:spTree>
+    <p:extLst>
+      <p:ext uri="{BB962C8B-B14F-4D97-AF65-F5344CB8AC3E}">
+        <p14:creationId xmlns:p14="http://schemas.microsoft.com/office/powerpoint/2010/main" val="1989608980"/>
+      </p:ext>
+    </p:extLst>
+  </p:cSld>
+  <p:clrMapOvr>
+    <a:masterClrMapping/>
+  </p:clrMapOvr>
+  <p:timing>
+    <p:tnLst>
+      <p:par>
+        <p:cTn id="1" dur="indefinite" restart="never" nodeType="tmRoot"/>
+      </p:par>
+    </p:tnLst>
+  </p:timing>
+</p:sld>
+</file>
+
+<file path=ppt/slides/slide21.xml><?xml version="1.0" encoding="utf-8"?>
+<p:sld xmlns:a="http://schemas.openxmlformats.org/drawingml/2006/main" xmlns:r="http://schemas.openxmlformats.org/officeDocument/2006/relationships" xmlns:p="http://schemas.openxmlformats.org/presentationml/2006/main">
+  <p:cSld>
+    <p:spTree>
+      <p:nvGrpSpPr>
+        <p:cNvPr id="1" name=""/>
+        <p:cNvGrpSpPr/>
+        <p:nvPr/>
+      </p:nvGrpSpPr>
+      <p:grpSpPr>
+        <a:xfrm>
+          <a:off x="0" y="0"/>
+          <a:ext cx="0" cy="0"/>
+          <a:chOff x="0" y="0"/>
+          <a:chExt cx="0" cy="0"/>
+        </a:xfrm>
+      </p:grpSpPr>
+      <p:sp>
+        <p:nvSpPr>
+          <p:cNvPr id="2" name="제목 1"/>
+          <p:cNvSpPr>
+            <a:spLocks noGrp="1"/>
+          </p:cNvSpPr>
+          <p:nvPr>
+            <p:ph type="title"/>
+          </p:nvPr>
+        </p:nvSpPr>
+        <p:spPr/>
+        <p:txBody>
+          <a:bodyPr/>
+          <a:lstStyle/>
+          <a:p>
+            <a:endParaRPr kumimoji="1" lang="ko-KR" altLang="en-US"/>
+          </a:p>
+        </p:txBody>
+      </p:sp>
+      <p:sp>
+        <p:nvSpPr>
+          <p:cNvPr id="3" name="내용 개체 틀 2"/>
+          <p:cNvSpPr>
+            <a:spLocks noGrp="1"/>
+          </p:cNvSpPr>
+          <p:nvPr>
+            <p:ph idx="1"/>
+          </p:nvPr>
+        </p:nvSpPr>
+        <p:spPr/>
+        <p:txBody>
+          <a:bodyPr/>
+          <a:lstStyle/>
+          <a:p>
+            <a:endParaRPr kumimoji="1" lang="ko-KR" altLang="en-US"/>
+          </a:p>
+        </p:txBody>
+      </p:sp>
+      <p:pic>
+        <p:nvPicPr>
+          <p:cNvPr id="4" name="그림 3"/>
+          <p:cNvPicPr>
+            <a:picLocks noChangeAspect="1"/>
+          </p:cNvPicPr>
+          <p:nvPr/>
+        </p:nvPicPr>
+        <p:blipFill>
+          <a:blip r:embed="rId2"/>
+          <a:stretch>
+            <a:fillRect/>
+          </a:stretch>
+        </p:blipFill>
+        <p:spPr>
+          <a:xfrm>
+            <a:off x="0" y="202075"/>
+            <a:ext cx="12192000" cy="6453850"/>
+          </a:xfrm>
+          <a:prstGeom prst="rect">
+            <a:avLst/>
+          </a:prstGeom>
+        </p:spPr>
+      </p:pic>
+      <p:pic>
+        <p:nvPicPr>
+          <p:cNvPr id="5" name="그림 4"/>
+          <p:cNvPicPr/>
+          <p:nvPr/>
+        </p:nvPicPr>
+        <p:blipFill>
+          <a:blip r:embed="rId3"/>
+          <a:stretch>
+            <a:fillRect/>
+          </a:stretch>
+        </p:blipFill>
+        <p:spPr>
+          <a:xfrm>
+            <a:off x="7652555" y="1690689"/>
+            <a:ext cx="4199476" cy="2310606"/>
+          </a:xfrm>
+          <a:prstGeom prst="rect">
+            <a:avLst/>
+          </a:prstGeom>
+        </p:spPr>
+      </p:pic>
+    </p:spTree>
+    <p:extLst>
+      <p:ext uri="{BB962C8B-B14F-4D97-AF65-F5344CB8AC3E}">
+        <p14:creationId xmlns:p14="http://schemas.microsoft.com/office/powerpoint/2010/main" val="805373842"/>
+      </p:ext>
+    </p:extLst>
+  </p:cSld>
+  <p:clrMapOvr>
+    <a:masterClrMapping/>
+  </p:clrMapOvr>
+  <p:timing>
+    <p:tnLst>
+      <p:par>
+        <p:cTn id="1" dur="indefinite" restart="never" nodeType="tmRoot"/>
+      </p:par>
+    </p:tnLst>
+  </p:timing>
+</p:sld>
+</file>
+
+<file path=ppt/slides/slide22.xml><?xml version="1.0" encoding="utf-8"?>
+<p:sld xmlns:a="http://schemas.openxmlformats.org/drawingml/2006/main" xmlns:r="http://schemas.openxmlformats.org/officeDocument/2006/relationships" xmlns:p="http://schemas.openxmlformats.org/presentationml/2006/main">
+  <p:cSld>
+    <p:spTree>
+      <p:nvGrpSpPr>
+        <p:cNvPr id="1" name=""/>
+        <p:cNvGrpSpPr/>
+        <p:nvPr/>
+      </p:nvGrpSpPr>
+      <p:grpSpPr>
+        <a:xfrm>
+          <a:off x="0" y="0"/>
+          <a:ext cx="0" cy="0"/>
+          <a:chOff x="0" y="0"/>
+          <a:chExt cx="0" cy="0"/>
+        </a:xfrm>
+      </p:grpSpPr>
+      <p:sp>
+        <p:nvSpPr>
+          <p:cNvPr id="2" name="제목 1"/>
+          <p:cNvSpPr>
+            <a:spLocks noGrp="1"/>
+          </p:cNvSpPr>
+          <p:nvPr>
+            <p:ph type="title"/>
+          </p:nvPr>
+        </p:nvSpPr>
+        <p:spPr/>
+        <p:txBody>
+          <a:bodyPr/>
+          <a:lstStyle/>
+          <a:p>
+            <a:endParaRPr kumimoji="1" lang="ko-KR" altLang="en-US"/>
+          </a:p>
+        </p:txBody>
+      </p:sp>
+      <p:sp>
+        <p:nvSpPr>
+          <p:cNvPr id="3" name="내용 개체 틀 2"/>
+          <p:cNvSpPr>
+            <a:spLocks noGrp="1"/>
+          </p:cNvSpPr>
+          <p:nvPr>
+            <p:ph idx="1"/>
+          </p:nvPr>
+        </p:nvSpPr>
+        <p:spPr/>
+        <p:txBody>
+          <a:bodyPr/>
+          <a:lstStyle/>
+          <a:p>
+            <a:endParaRPr kumimoji="1" lang="ko-KR" altLang="en-US"/>
+          </a:p>
+        </p:txBody>
+      </p:sp>
+      <p:pic>
+        <p:nvPicPr>
+          <p:cNvPr id="4" name="그림 3"/>
+          <p:cNvPicPr>
+            <a:picLocks noChangeAspect="1"/>
+          </p:cNvPicPr>
+          <p:nvPr/>
+        </p:nvPicPr>
+        <p:blipFill>
+          <a:blip r:embed="rId2"/>
+          <a:stretch>
+            <a:fillRect/>
+          </a:stretch>
+        </p:blipFill>
+        <p:spPr>
+          <a:xfrm>
+            <a:off x="1271476" y="0"/>
+            <a:ext cx="9649047" cy="6858000"/>
+          </a:xfrm>
+          <a:prstGeom prst="rect">
+            <a:avLst/>
+          </a:prstGeom>
+        </p:spPr>
+      </p:pic>
+      <p:pic>
+        <p:nvPicPr>
+          <p:cNvPr id="5" name="그림 4"/>
+          <p:cNvPicPr/>
+          <p:nvPr/>
+        </p:nvPicPr>
+        <p:blipFill>
+          <a:blip r:embed="rId3"/>
+          <a:stretch>
+            <a:fillRect/>
+          </a:stretch>
+        </p:blipFill>
+        <p:spPr>
+          <a:xfrm>
+            <a:off x="7326422" y="1144588"/>
+            <a:ext cx="4460653" cy="3696481"/>
+          </a:xfrm>
+          <a:prstGeom prst="rect">
+            <a:avLst/>
+          </a:prstGeom>
+        </p:spPr>
+      </p:pic>
+    </p:spTree>
+    <p:extLst>
+      <p:ext uri="{BB962C8B-B14F-4D97-AF65-F5344CB8AC3E}">
+        <p14:creationId xmlns:p14="http://schemas.microsoft.com/office/powerpoint/2010/main" val="657293607"/>
+      </p:ext>
+    </p:extLst>
+  </p:cSld>
+  <p:clrMapOvr>
+    <a:masterClrMapping/>
+  </p:clrMapOvr>
+  <p:timing>
+    <p:tnLst>
+      <p:par>
+        <p:cTn id="1" dur="indefinite" restart="never" nodeType="tmRoot"/>
+      </p:par>
+    </p:tnLst>
+  </p:timing>
+</p:sld>
+</file>
+
+<file path=ppt/slides/slide23.xml><?xml version="1.0" encoding="utf-8"?>
+<p:sld xmlns:a="http://schemas.openxmlformats.org/drawingml/2006/main" xmlns:r="http://schemas.openxmlformats.org/officeDocument/2006/relationships" xmlns:p="http://schemas.openxmlformats.org/presentationml/2006/main">
+  <p:cSld>
+    <p:spTree>
+      <p:nvGrpSpPr>
+        <p:cNvPr id="1" name=""/>
+        <p:cNvGrpSpPr/>
+        <p:nvPr/>
+      </p:nvGrpSpPr>
+      <p:grpSpPr>
+        <a:xfrm>
+          <a:off x="0" y="0"/>
+          <a:ext cx="0" cy="0"/>
+          <a:chOff x="0" y="0"/>
+          <a:chExt cx="0" cy="0"/>
+        </a:xfrm>
+      </p:grpSpPr>
+      <p:sp>
+        <p:nvSpPr>
+          <p:cNvPr id="2" name="제목 1"/>
+          <p:cNvSpPr>
+            <a:spLocks noGrp="1"/>
+          </p:cNvSpPr>
+          <p:nvPr>
+            <p:ph type="title"/>
+          </p:nvPr>
+        </p:nvSpPr>
+        <p:spPr/>
+        <p:txBody>
+          <a:bodyPr/>
+          <a:lstStyle/>
+          <a:p>
+            <a:r>
+              <a:rPr kumimoji="1" lang="ko-KR" altLang="en-US" dirty="0" smtClean="0"/>
+              <a:t>조회하기</a:t>
+            </a:r>
+            <a:endParaRPr kumimoji="1" lang="ko-KR" altLang="en-US" dirty="0"/>
+          </a:p>
+        </p:txBody>
+      </p:sp>
+      <p:sp>
+        <p:nvSpPr>
+          <p:cNvPr id="3" name="내용 개체 틀 2"/>
+          <p:cNvSpPr>
+            <a:spLocks noGrp="1"/>
+          </p:cNvSpPr>
+          <p:nvPr>
+            <p:ph idx="1"/>
+          </p:nvPr>
+        </p:nvSpPr>
+        <p:spPr>
+          <a:xfrm>
+            <a:off x="838200" y="999150"/>
+            <a:ext cx="10515600" cy="4351338"/>
+          </a:xfrm>
+        </p:spPr>
+        <p:txBody>
+          <a:bodyPr/>
+          <a:lstStyle/>
+          <a:p>
+            <a:endParaRPr kumimoji="1" lang="en-US" altLang="ko-KR" dirty="0" smtClean="0"/>
+          </a:p>
+          <a:p>
+            <a:r>
+              <a:rPr kumimoji="1" lang="en-US" altLang="ko-KR" dirty="0" smtClean="0"/>
+              <a:t>1.</a:t>
+            </a:r>
+            <a:r>
+              <a:rPr lang="en-US" altLang="ko-KR" b="1" dirty="0"/>
+              <a:t> </a:t>
+            </a:r>
+            <a:r>
+              <a:rPr lang="ko-KR" altLang="en-US" b="1" dirty="0"/>
+              <a:t>지연로딩 </a:t>
+            </a:r>
+            <a:r>
+              <a:rPr lang="en-US" altLang="ko-KR" b="1" dirty="0" err="1"/>
+              <a:t>FetchType.LAZY</a:t>
+            </a:r>
+            <a:r>
+              <a:rPr lang="en-US" altLang="ko-KR" b="1" dirty="0"/>
+              <a:t>  (</a:t>
+            </a:r>
+            <a:r>
+              <a:rPr lang="ko-KR" altLang="en-US" b="1" dirty="0"/>
+              <a:t>기본값</a:t>
+            </a:r>
+            <a:r>
+              <a:rPr lang="en-US" altLang="ko-KR" b="1" dirty="0" smtClean="0"/>
+              <a:t>)</a:t>
+            </a:r>
+          </a:p>
+          <a:p>
+            <a:pPr lvl="1"/>
+            <a:r>
+              <a:rPr lang="en-US" altLang="ko-KR" dirty="0"/>
+              <a:t>@</a:t>
+            </a:r>
+            <a:r>
+              <a:rPr lang="en-US" altLang="ko-KR" dirty="0" err="1"/>
+              <a:t>OneToMany</a:t>
+            </a:r>
+            <a:r>
+              <a:rPr lang="en-US" altLang="ko-KR" dirty="0"/>
+              <a:t>(cascade = </a:t>
+            </a:r>
+            <a:r>
+              <a:rPr lang="en-US" altLang="ko-KR" dirty="0" err="1"/>
+              <a:t>CascadeType.</a:t>
+            </a:r>
+            <a:r>
+              <a:rPr lang="en-US" altLang="ko-KR" i="1" dirty="0" err="1"/>
+              <a:t>ALL</a:t>
+            </a:r>
+            <a:r>
+              <a:rPr lang="en-US" altLang="ko-KR" dirty="0"/>
+              <a:t>, fetch = </a:t>
+            </a:r>
+            <a:r>
+              <a:rPr lang="en-US" altLang="ko-KR" dirty="0" err="1"/>
+              <a:t>FetchType.</a:t>
+            </a:r>
+            <a:r>
+              <a:rPr lang="en-US" altLang="ko-KR" i="1" dirty="0" err="1"/>
+              <a:t>LAZY</a:t>
+            </a:r>
+            <a:r>
+              <a:rPr lang="en-US" altLang="ko-KR" dirty="0" smtClean="0"/>
+              <a:t>)</a:t>
+            </a:r>
+            <a:br>
+              <a:rPr lang="en-US" altLang="ko-KR" dirty="0" smtClean="0"/>
+            </a:br>
+            <a:endParaRPr kumimoji="1" lang="en-US" altLang="ko-KR" b="1" dirty="0"/>
+          </a:p>
+          <a:p>
+            <a:r>
+              <a:rPr kumimoji="1" lang="en-US" altLang="ko-KR" dirty="0" smtClean="0"/>
+              <a:t>2.</a:t>
+            </a:r>
+            <a:r>
+              <a:rPr kumimoji="1" lang="ko-KR" altLang="en-US" dirty="0" smtClean="0"/>
+              <a:t> </a:t>
+            </a:r>
+            <a:r>
+              <a:rPr lang="ko-KR" altLang="de-DE" b="1" dirty="0"/>
+              <a:t>즉시로딩 </a:t>
+            </a:r>
+            <a:r>
+              <a:rPr lang="de-DE" altLang="ko-KR" b="1" dirty="0" err="1" smtClean="0"/>
+              <a:t>FetchType.EAGER</a:t>
+            </a:r>
+            <a:endParaRPr lang="en-US" altLang="ko-KR" b="1" dirty="0"/>
+          </a:p>
+          <a:p>
+            <a:pPr lvl="1"/>
+            <a:r>
+              <a:rPr lang="en-US" altLang="ko-KR" dirty="0"/>
+              <a:t>@</a:t>
+            </a:r>
+            <a:r>
+              <a:rPr lang="en-US" altLang="ko-KR" dirty="0" err="1"/>
+              <a:t>OneToMany</a:t>
+            </a:r>
+            <a:r>
+              <a:rPr lang="en-US" altLang="ko-KR" dirty="0"/>
+              <a:t>(cascade = </a:t>
+            </a:r>
+            <a:r>
+              <a:rPr lang="en-US" altLang="ko-KR" dirty="0" err="1"/>
+              <a:t>CascadeType.</a:t>
+            </a:r>
+            <a:r>
+              <a:rPr lang="en-US" altLang="ko-KR" i="1" dirty="0" err="1"/>
+              <a:t>ALL</a:t>
+            </a:r>
+            <a:r>
+              <a:rPr lang="en-US" altLang="ko-KR" dirty="0" err="1"/>
+              <a:t>,fetch</a:t>
+            </a:r>
+            <a:r>
+              <a:rPr lang="en-US" altLang="ko-KR" dirty="0"/>
+              <a:t> = </a:t>
+            </a:r>
+            <a:r>
+              <a:rPr lang="en-US" altLang="ko-KR" dirty="0" err="1"/>
+              <a:t>FetchType.</a:t>
+            </a:r>
+            <a:r>
+              <a:rPr lang="en-US" altLang="ko-KR" i="1" dirty="0" err="1"/>
+              <a:t>EAGER</a:t>
+            </a:r>
+            <a:r>
+              <a:rPr lang="en-US" altLang="ko-KR" dirty="0"/>
+              <a:t>)</a:t>
+            </a:r>
+            <a:endParaRPr kumimoji="1" lang="ko-KR" altLang="en-US" dirty="0"/>
+          </a:p>
+        </p:txBody>
+      </p:sp>
+      <p:pic>
+        <p:nvPicPr>
+          <p:cNvPr id="5" name="그림 4"/>
+          <p:cNvPicPr>
+            <a:picLocks noChangeAspect="1"/>
+          </p:cNvPicPr>
+          <p:nvPr/>
+        </p:nvPicPr>
+        <p:blipFill>
+          <a:blip r:embed="rId2"/>
+          <a:stretch>
+            <a:fillRect/>
+          </a:stretch>
+        </p:blipFill>
+        <p:spPr>
+          <a:xfrm>
+            <a:off x="1699844" y="3749313"/>
+            <a:ext cx="9026769" cy="3055214"/>
+          </a:xfrm>
+          <a:prstGeom prst="rect">
+            <a:avLst/>
+          </a:prstGeom>
+        </p:spPr>
+      </p:pic>
+    </p:spTree>
+    <p:extLst>
+      <p:ext uri="{BB962C8B-B14F-4D97-AF65-F5344CB8AC3E}">
+        <p14:creationId xmlns:p14="http://schemas.microsoft.com/office/powerpoint/2010/main" val="945757392"/>
+      </p:ext>
+    </p:extLst>
+  </p:cSld>
+  <p:clrMapOvr>
+    <a:masterClrMapping/>
+  </p:clrMapOvr>
+  <p:timing>
+    <p:tnLst>
+      <p:par>
+        <p:cTn id="1" dur="indefinite" restart="never" nodeType="tmRoot"/>
+      </p:par>
+    </p:tnLst>
+  </p:timing>
+</p:sld>
+</file>
+
+<file path=ppt/slides/slide24.xml><?xml version="1.0" encoding="utf-8"?>
+<p:sld xmlns:a="http://schemas.openxmlformats.org/drawingml/2006/main" xmlns:r="http://schemas.openxmlformats.org/officeDocument/2006/relationships" xmlns:p="http://schemas.openxmlformats.org/presentationml/2006/main">
+  <p:cSld>
+    <p:spTree>
+      <p:nvGrpSpPr>
+        <p:cNvPr id="1" name=""/>
+        <p:cNvGrpSpPr/>
+        <p:nvPr/>
+      </p:nvGrpSpPr>
+      <p:grpSpPr>
+        <a:xfrm>
+          <a:off x="0" y="0"/>
+          <a:ext cx="0" cy="0"/>
+          <a:chOff x="0" y="0"/>
+          <a:chExt cx="0" cy="0"/>
+        </a:xfrm>
+      </p:grpSpPr>
+      <p:sp>
+        <p:nvSpPr>
+          <p:cNvPr id="2" name="제목 1"/>
+          <p:cNvSpPr>
+            <a:spLocks noGrp="1"/>
+          </p:cNvSpPr>
+          <p:nvPr>
+            <p:ph type="title"/>
+          </p:nvPr>
+        </p:nvSpPr>
+        <p:spPr/>
+        <p:txBody>
+          <a:bodyPr/>
+          <a:lstStyle/>
+          <a:p>
+            <a:r>
+              <a:rPr lang="ko-KR" altLang="en-US" b="1" dirty="0"/>
+              <a:t>하이버네이트 질의어</a:t>
+            </a:r>
+            <a:endParaRPr kumimoji="1" lang="ko-KR" altLang="en-US" dirty="0"/>
+          </a:p>
+        </p:txBody>
+      </p:sp>
+      <p:sp>
+        <p:nvSpPr>
+          <p:cNvPr id="3" name="내용 개체 틀 2"/>
+          <p:cNvSpPr>
+            <a:spLocks noGrp="1"/>
+          </p:cNvSpPr>
+          <p:nvPr>
+            <p:ph idx="1"/>
+          </p:nvPr>
+        </p:nvSpPr>
+        <p:spPr/>
+        <p:txBody>
+          <a:bodyPr/>
+          <a:lstStyle/>
+          <a:p>
+            <a:pPr latinLnBrk="0"/>
+            <a:r>
+              <a:rPr lang="en-US" altLang="ko-KR" dirty="0"/>
+              <a:t>HQL(Hibernate Query Language)</a:t>
+            </a:r>
+            <a:r>
+              <a:rPr lang="ko-KR" altLang="en-US" dirty="0"/>
+              <a:t>에서는</a:t>
+            </a:r>
+            <a:r>
+              <a:rPr lang="en-US" altLang="ko-KR" dirty="0"/>
+              <a:t> WHERE, ORDER BY, AVG, MAX </a:t>
+            </a:r>
+            <a:r>
+              <a:rPr lang="ko-KR" altLang="en-US" dirty="0"/>
+              <a:t>등을</a:t>
+            </a:r>
+            <a:r>
+              <a:rPr lang="en-US" altLang="ko-KR" dirty="0"/>
+              <a:t> SQL</a:t>
+            </a:r>
+            <a:r>
+              <a:rPr lang="ko-KR" altLang="en-US" dirty="0"/>
+              <a:t>처럼 사용할수 있습니다</a:t>
+            </a:r>
+            <a:r>
+              <a:rPr lang="en-US" altLang="ko-KR" dirty="0"/>
+              <a:t>.</a:t>
+            </a:r>
+          </a:p>
+          <a:p>
+            <a:pPr latinLnBrk="0"/>
+            <a:r>
+              <a:rPr lang="en-US" altLang="ko-KR" dirty="0"/>
+              <a:t>HQL</a:t>
+            </a:r>
+            <a:r>
+              <a:rPr lang="ko-KR" altLang="en-US" dirty="0"/>
+              <a:t>은 객체</a:t>
+            </a:r>
+            <a:r>
+              <a:rPr lang="en-US" altLang="ko-KR" dirty="0"/>
+              <a:t>(Entity)</a:t>
+            </a:r>
+            <a:r>
+              <a:rPr lang="ko-KR" altLang="en-US" dirty="0"/>
+              <a:t>를 사용합니다</a:t>
+            </a:r>
+            <a:r>
+              <a:rPr lang="en-US" altLang="ko-KR" dirty="0"/>
+              <a:t>.  </a:t>
+            </a:r>
+            <a:r>
+              <a:rPr lang="ko-KR" altLang="en-US" dirty="0"/>
+              <a:t>테이블을 나타내는 자리에 엔티티 객체 클래스명을 사용해야 합니다</a:t>
+            </a:r>
+            <a:r>
+              <a:rPr lang="en-US" altLang="ko-KR" dirty="0"/>
+              <a:t>.</a:t>
+            </a:r>
+          </a:p>
+          <a:p>
+            <a:endParaRPr kumimoji="1" lang="ko-KR" altLang="en-US" dirty="0"/>
+          </a:p>
+        </p:txBody>
+      </p:sp>
+      <p:pic>
+        <p:nvPicPr>
+          <p:cNvPr id="5" name="그림 4"/>
+          <p:cNvPicPr>
+            <a:picLocks noChangeAspect="1"/>
+          </p:cNvPicPr>
+          <p:nvPr/>
+        </p:nvPicPr>
+        <p:blipFill>
+          <a:blip r:embed="rId3"/>
+          <a:stretch>
+            <a:fillRect/>
+          </a:stretch>
+        </p:blipFill>
+        <p:spPr>
+          <a:xfrm>
+            <a:off x="5211885" y="3829357"/>
+            <a:ext cx="6400800" cy="2209800"/>
+          </a:xfrm>
+          <a:prstGeom prst="rect">
+            <a:avLst/>
+          </a:prstGeom>
+        </p:spPr>
+      </p:pic>
+      <p:pic>
+        <p:nvPicPr>
+          <p:cNvPr id="6" name="그림 5"/>
+          <p:cNvPicPr>
+            <a:picLocks noChangeAspect="1"/>
+          </p:cNvPicPr>
+          <p:nvPr/>
+        </p:nvPicPr>
+        <p:blipFill>
+          <a:blip r:embed="rId4"/>
+          <a:stretch>
+            <a:fillRect/>
+          </a:stretch>
+        </p:blipFill>
+        <p:spPr>
+          <a:xfrm>
+            <a:off x="520700" y="3829357"/>
+            <a:ext cx="4432300" cy="1346200"/>
+          </a:xfrm>
+          <a:prstGeom prst="rect">
+            <a:avLst/>
+          </a:prstGeom>
+        </p:spPr>
+      </p:pic>
+    </p:spTree>
+    <p:extLst>
+      <p:ext uri="{BB962C8B-B14F-4D97-AF65-F5344CB8AC3E}">
+        <p14:creationId xmlns:p14="http://schemas.microsoft.com/office/powerpoint/2010/main" val="365222657"/>
+      </p:ext>
+    </p:extLst>
+  </p:cSld>
+  <p:clrMapOvr>
+    <a:masterClrMapping/>
+  </p:clrMapOvr>
+  <p:timing>
+    <p:tnLst>
+      <p:par>
+        <p:cTn id="1" dur="indefinite" restart="never" nodeType="tmRoot"/>
+      </p:par>
+    </p:tnLst>
+  </p:timing>
+</p:sld>
+</file>
+
+<file path=ppt/slides/slide25.xml><?xml version="1.0" encoding="utf-8"?>
+<p:sld xmlns:a="http://schemas.openxmlformats.org/drawingml/2006/main" xmlns:r="http://schemas.openxmlformats.org/officeDocument/2006/relationships" xmlns:p="http://schemas.openxmlformats.org/presentationml/2006/main">
+  <p:cSld>
+    <p:spTree>
+      <p:nvGrpSpPr>
+        <p:cNvPr id="1" name=""/>
+        <p:cNvGrpSpPr/>
+        <p:nvPr/>
+      </p:nvGrpSpPr>
+      <p:grpSpPr>
+        <a:xfrm>
+          <a:off x="0" y="0"/>
+          <a:ext cx="0" cy="0"/>
+          <a:chOff x="0" y="0"/>
+          <a:chExt cx="0" cy="0"/>
+        </a:xfrm>
+      </p:grpSpPr>
+      <p:sp>
+        <p:nvSpPr>
+          <p:cNvPr id="2" name="제목 1"/>
+          <p:cNvSpPr>
+            <a:spLocks noGrp="1"/>
+          </p:cNvSpPr>
+          <p:nvPr>
+            <p:ph type="title"/>
+          </p:nvPr>
+        </p:nvSpPr>
+        <p:spPr/>
+        <p:txBody>
+          <a:bodyPr/>
+          <a:lstStyle/>
+          <a:p>
+            <a:r>
+              <a:rPr lang="en-US" altLang="ko-KR" b="1" dirty="0"/>
+              <a:t>@Embedded </a:t>
+            </a:r>
+            <a:r>
+              <a:rPr lang="en-US" altLang="ko-KR" b="1" dirty="0" smtClean="0"/>
+              <a:t>Objects</a:t>
+            </a:r>
+            <a:endParaRPr kumimoji="1" lang="ko-KR" altLang="en-US" dirty="0"/>
+          </a:p>
+        </p:txBody>
+      </p:sp>
+      <p:sp>
+        <p:nvSpPr>
+          <p:cNvPr id="3" name="내용 개체 틀 2"/>
+          <p:cNvSpPr>
+            <a:spLocks noGrp="1"/>
+          </p:cNvSpPr>
+          <p:nvPr>
+            <p:ph idx="1"/>
+          </p:nvPr>
+        </p:nvSpPr>
+        <p:spPr/>
+        <p:txBody>
+          <a:bodyPr/>
+          <a:lstStyle/>
+          <a:p>
+            <a:r>
+              <a:rPr lang="en-US" altLang="ko-KR" dirty="0"/>
+              <a:t>object</a:t>
+            </a:r>
+            <a:r>
+              <a:rPr lang="ko-KR" altLang="en-US" dirty="0"/>
+              <a:t>를 하나의 </a:t>
+            </a:r>
+            <a:r>
+              <a:rPr lang="en-US" altLang="ko-KR" dirty="0"/>
+              <a:t>Entity</a:t>
+            </a:r>
+            <a:r>
+              <a:rPr lang="ko-KR" altLang="en-US" dirty="0"/>
+              <a:t>에 속해있는것처럼 할수 </a:t>
+            </a:r>
+            <a:r>
+              <a:rPr lang="ko-KR" altLang="en-US" dirty="0" smtClean="0"/>
+              <a:t>있는 방법</a:t>
+            </a:r>
+            <a:endParaRPr kumimoji="1" lang="ko-KR" altLang="en-US" dirty="0"/>
+          </a:p>
+        </p:txBody>
+      </p:sp>
+      <p:pic>
+        <p:nvPicPr>
+          <p:cNvPr id="4" name="그림 3"/>
+          <p:cNvPicPr>
+            <a:picLocks noChangeAspect="1"/>
+          </p:cNvPicPr>
+          <p:nvPr/>
+        </p:nvPicPr>
+        <p:blipFill>
+          <a:blip r:embed="rId2"/>
+          <a:stretch>
+            <a:fillRect/>
+          </a:stretch>
+        </p:blipFill>
+        <p:spPr>
+          <a:xfrm>
+            <a:off x="838200" y="2570163"/>
+            <a:ext cx="8801100" cy="3606800"/>
+          </a:xfrm>
+          <a:prstGeom prst="rect">
+            <a:avLst/>
+          </a:prstGeom>
+        </p:spPr>
+      </p:pic>
+      <p:pic>
+        <p:nvPicPr>
+          <p:cNvPr id="5" name="그림 4"/>
+          <p:cNvPicPr/>
+          <p:nvPr/>
+        </p:nvPicPr>
+        <p:blipFill>
+          <a:blip r:embed="rId3"/>
+          <a:stretch>
+            <a:fillRect/>
+          </a:stretch>
+        </p:blipFill>
+        <p:spPr>
+          <a:xfrm>
+            <a:off x="8331446" y="3253155"/>
+            <a:ext cx="3661263" cy="3058746"/>
+          </a:xfrm>
+          <a:prstGeom prst="rect">
+            <a:avLst/>
+          </a:prstGeom>
+        </p:spPr>
+      </p:pic>
+    </p:spTree>
+    <p:extLst>
+      <p:ext uri="{BB962C8B-B14F-4D97-AF65-F5344CB8AC3E}">
+        <p14:creationId xmlns:p14="http://schemas.microsoft.com/office/powerpoint/2010/main" val="2075475018"/>
+      </p:ext>
+    </p:extLst>
+  </p:cSld>
+  <p:clrMapOvr>
+    <a:masterClrMapping/>
+  </p:clrMapOvr>
+  <p:timing>
+    <p:tnLst>
+      <p:par>
+        <p:cTn id="1" dur="indefinite" restart="never" nodeType="tmRoot"/>
+      </p:par>
+    </p:tnLst>
+  </p:timing>
+</p:sld>
+</file>
+
+<file path=ppt/slides/slide26.xml><?xml version="1.0" encoding="utf-8"?>
+<p:sld xmlns:a="http://schemas.openxmlformats.org/drawingml/2006/main" xmlns:r="http://schemas.openxmlformats.org/officeDocument/2006/relationships" xmlns:p="http://schemas.openxmlformats.org/presentationml/2006/main">
+  <p:cSld>
+    <p:spTree>
+      <p:nvGrpSpPr>
+        <p:cNvPr id="1" name=""/>
+        <p:cNvGrpSpPr/>
+        <p:nvPr/>
+      </p:nvGrpSpPr>
+      <p:grpSpPr>
+        <a:xfrm>
+          <a:off x="0" y="0"/>
+          <a:ext cx="0" cy="0"/>
+          <a:chOff x="0" y="0"/>
+          <a:chExt cx="0" cy="0"/>
+        </a:xfrm>
+      </p:grpSpPr>
+      <p:sp>
+        <p:nvSpPr>
+          <p:cNvPr id="2" name="제목 1"/>
+          <p:cNvSpPr>
+            <a:spLocks noGrp="1"/>
+          </p:cNvSpPr>
+          <p:nvPr>
+            <p:ph type="title"/>
+          </p:nvPr>
+        </p:nvSpPr>
+        <p:spPr/>
+        <p:txBody>
+          <a:bodyPr/>
+          <a:lstStyle/>
+          <a:p>
+            <a:r>
+              <a:rPr lang="en-US" altLang="ko-KR" b="1" dirty="0" err="1"/>
+              <a:t>ElementCollection</a:t>
+            </a:r>
+            <a:endParaRPr kumimoji="1" lang="ko-KR" altLang="en-US" dirty="0"/>
+          </a:p>
+        </p:txBody>
+      </p:sp>
+      <p:sp>
+        <p:nvSpPr>
+          <p:cNvPr id="3" name="내용 개체 틀 2"/>
+          <p:cNvSpPr>
+            <a:spLocks noGrp="1"/>
+          </p:cNvSpPr>
+          <p:nvPr>
+            <p:ph idx="1"/>
+          </p:nvPr>
+        </p:nvSpPr>
+        <p:spPr>
+          <a:xfrm>
+            <a:off x="838200" y="1192581"/>
+            <a:ext cx="10515600" cy="4351338"/>
+          </a:xfrm>
+        </p:spPr>
+        <p:txBody>
+          <a:bodyPr/>
+          <a:lstStyle/>
+          <a:p>
+            <a:r>
+              <a:rPr lang="ko-KR" altLang="en-US" dirty="0"/>
+              <a:t>별도의 </a:t>
+            </a:r>
+            <a:r>
+              <a:rPr lang="en-US" altLang="ko-KR" dirty="0"/>
+              <a:t>Entity</a:t>
+            </a:r>
+            <a:r>
+              <a:rPr lang="ko-KR" altLang="en-US" dirty="0"/>
+              <a:t>를 만들지 않고 </a:t>
+            </a:r>
+            <a:r>
+              <a:rPr lang="en-US" altLang="ko-KR" dirty="0"/>
+              <a:t>Collection</a:t>
+            </a:r>
+            <a:r>
+              <a:rPr lang="ko-KR" altLang="en-US" dirty="0"/>
+              <a:t>을 테이블로 사용하자</a:t>
+            </a:r>
+            <a:r>
+              <a:rPr lang="en-US" altLang="ko-KR" dirty="0"/>
+              <a:t>.</a:t>
+            </a:r>
+            <a:endParaRPr kumimoji="1" lang="ko-KR" altLang="en-US" dirty="0"/>
+          </a:p>
+        </p:txBody>
+      </p:sp>
+      <p:pic>
+        <p:nvPicPr>
+          <p:cNvPr id="4" name="그림 3"/>
+          <p:cNvPicPr>
+            <a:picLocks noChangeAspect="1"/>
+          </p:cNvPicPr>
+          <p:nvPr/>
+        </p:nvPicPr>
+        <p:blipFill>
+          <a:blip r:embed="rId2"/>
+          <a:stretch>
+            <a:fillRect/>
+          </a:stretch>
+        </p:blipFill>
+        <p:spPr>
+          <a:xfrm>
+            <a:off x="838200" y="1636625"/>
+            <a:ext cx="10908323" cy="5218804"/>
+          </a:xfrm>
+          <a:prstGeom prst="rect">
+            <a:avLst/>
+          </a:prstGeom>
+        </p:spPr>
+      </p:pic>
+      <p:pic>
+        <p:nvPicPr>
+          <p:cNvPr id="5" name="그림 4"/>
+          <p:cNvPicPr/>
+          <p:nvPr/>
+        </p:nvPicPr>
+        <p:blipFill>
+          <a:blip r:embed="rId3"/>
+          <a:stretch>
+            <a:fillRect/>
+          </a:stretch>
+        </p:blipFill>
+        <p:spPr>
+          <a:xfrm>
+            <a:off x="8106508" y="3657599"/>
+            <a:ext cx="3640015" cy="2819285"/>
+          </a:xfrm>
+          <a:prstGeom prst="rect">
+            <a:avLst/>
+          </a:prstGeom>
+        </p:spPr>
+      </p:pic>
+    </p:spTree>
+    <p:extLst>
+      <p:ext uri="{BB962C8B-B14F-4D97-AF65-F5344CB8AC3E}">
+        <p14:creationId xmlns:p14="http://schemas.microsoft.com/office/powerpoint/2010/main" val="664183506"/>
+      </p:ext>
+    </p:extLst>
+  </p:cSld>
+  <p:clrMapOvr>
+    <a:masterClrMapping/>
+  </p:clrMapOvr>
+  <p:timing>
+    <p:tnLst>
+      <p:par>
+        <p:cTn id="1" dur="indefinite" restart="never" nodeType="tmRoot"/>
+      </p:par>
+    </p:tnLst>
+  </p:timing>
+</p:sld>
+</file>
+
+<file path=ppt/slides/slide27.xml><?xml version="1.0" encoding="utf-8"?>
+<p:sld xmlns:a="http://schemas.openxmlformats.org/drawingml/2006/main" xmlns:r="http://schemas.openxmlformats.org/officeDocument/2006/relationships" xmlns:p="http://schemas.openxmlformats.org/presentationml/2006/main">
+  <p:cSld>
+    <p:spTree>
+      <p:nvGrpSpPr>
+        <p:cNvPr id="1" name=""/>
+        <p:cNvGrpSpPr/>
+        <p:nvPr/>
+      </p:nvGrpSpPr>
+      <p:grpSpPr>
+        <a:xfrm>
+          <a:off x="0" y="0"/>
+          <a:ext cx="0" cy="0"/>
+          <a:chOff x="0" y="0"/>
+          <a:chExt cx="0" cy="0"/>
+        </a:xfrm>
+      </p:grpSpPr>
+      <p:sp>
+        <p:nvSpPr>
+          <p:cNvPr id="2" name="제목 1"/>
+          <p:cNvSpPr>
+            <a:spLocks noGrp="1"/>
+          </p:cNvSpPr>
+          <p:nvPr>
+            <p:ph type="title"/>
+          </p:nvPr>
+        </p:nvSpPr>
+        <p:spPr/>
+        <p:txBody>
+          <a:bodyPr/>
+          <a:lstStyle/>
+          <a:p>
+            <a:r>
+              <a:rPr lang="ko-KR" altLang="en-US" b="1" dirty="0"/>
+              <a:t>페이지네이션</a:t>
+            </a:r>
+            <a:endParaRPr kumimoji="1" lang="ko-KR" altLang="en-US" dirty="0"/>
+          </a:p>
+        </p:txBody>
+      </p:sp>
+      <p:sp>
+        <p:nvSpPr>
+          <p:cNvPr id="3" name="내용 개체 틀 2"/>
+          <p:cNvSpPr>
+            <a:spLocks noGrp="1"/>
+          </p:cNvSpPr>
+          <p:nvPr>
+            <p:ph idx="1"/>
+          </p:nvPr>
+        </p:nvSpPr>
+        <p:spPr/>
+        <p:txBody>
+          <a:bodyPr/>
+          <a:lstStyle/>
+          <a:p>
+            <a:r>
+              <a:rPr lang="ko-KR" altLang="en-US" dirty="0"/>
+              <a:t>몇 개의 레코드만 가져오려면 </a:t>
+            </a:r>
+            <a:r>
+              <a:rPr lang="en-US" altLang="ko-KR" dirty="0" err="1"/>
+              <a:t>setMaxResults</a:t>
+            </a:r>
+            <a:r>
+              <a:rPr lang="en-US" altLang="ko-KR" dirty="0"/>
+              <a:t>() </a:t>
+            </a:r>
+            <a:r>
+              <a:rPr lang="en-US" altLang="ko-KR" dirty="0" smtClean="0"/>
+              <a:t/>
+            </a:r>
+            <a:br>
+              <a:rPr lang="en-US" altLang="ko-KR" dirty="0" smtClean="0"/>
+            </a:br>
+            <a:r>
+              <a:rPr lang="ko-KR" altLang="en-US" dirty="0" smtClean="0"/>
+              <a:t>메소드에 </a:t>
+            </a:r>
+            <a:r>
+              <a:rPr lang="ko-KR" altLang="en-US" dirty="0"/>
+              <a:t>한계치와 함께 호출함으 로써 페이지네이션</a:t>
+            </a:r>
+            <a:r>
+              <a:rPr lang="en-US" altLang="ko-KR" dirty="0"/>
+              <a:t>Pagination </a:t>
+            </a:r>
+            <a:r>
+              <a:rPr lang="ko-KR" altLang="en-US" dirty="0"/>
+              <a:t>기능을 사용할 수 있다</a:t>
+            </a:r>
+            <a:endParaRPr kumimoji="1" lang="ko-KR" altLang="en-US" dirty="0"/>
+          </a:p>
+        </p:txBody>
+      </p:sp>
+      <p:pic>
+        <p:nvPicPr>
+          <p:cNvPr id="4" name="그림 3"/>
+          <p:cNvPicPr>
+            <a:picLocks noChangeAspect="1"/>
+          </p:cNvPicPr>
+          <p:nvPr/>
+        </p:nvPicPr>
+        <p:blipFill>
+          <a:blip r:embed="rId2"/>
+          <a:stretch>
+            <a:fillRect/>
+          </a:stretch>
+        </p:blipFill>
+        <p:spPr>
+          <a:xfrm>
+            <a:off x="838200" y="3937794"/>
+            <a:ext cx="4152900" cy="1397000"/>
+          </a:xfrm>
+          <a:prstGeom prst="rect">
+            <a:avLst/>
+          </a:prstGeom>
+        </p:spPr>
+      </p:pic>
+      <p:pic>
+        <p:nvPicPr>
+          <p:cNvPr id="5" name="그림 4"/>
+          <p:cNvPicPr>
+            <a:picLocks noChangeAspect="1"/>
+          </p:cNvPicPr>
+          <p:nvPr/>
+        </p:nvPicPr>
+        <p:blipFill>
+          <a:blip r:embed="rId3"/>
+          <a:stretch>
+            <a:fillRect/>
+          </a:stretch>
+        </p:blipFill>
+        <p:spPr>
+          <a:xfrm>
+            <a:off x="5734050" y="3302794"/>
+            <a:ext cx="4876800" cy="2667000"/>
+          </a:xfrm>
+          <a:prstGeom prst="rect">
+            <a:avLst/>
+          </a:prstGeom>
+        </p:spPr>
+      </p:pic>
+    </p:spTree>
+    <p:extLst>
+      <p:ext uri="{BB962C8B-B14F-4D97-AF65-F5344CB8AC3E}">
+        <p14:creationId xmlns:p14="http://schemas.microsoft.com/office/powerpoint/2010/main" val="646557779"/>
+      </p:ext>
+    </p:extLst>
+  </p:cSld>
+  <p:clrMapOvr>
+    <a:masterClrMapping/>
+  </p:clrMapOvr>
+  <p:timing>
+    <p:tnLst>
+      <p:par>
+        <p:cTn id="1" dur="indefinite" restart="never" nodeType="tmRoot"/>
+      </p:par>
+    </p:tnLst>
+  </p:timing>
+</p:sld>
+</file>
+
+<file path=ppt/slides/slide28.xml><?xml version="1.0" encoding="utf-8"?>
+<p:sld xmlns:a="http://schemas.openxmlformats.org/drawingml/2006/main" xmlns:r="http://schemas.openxmlformats.org/officeDocument/2006/relationships" xmlns:p="http://schemas.openxmlformats.org/presentationml/2006/main">
+  <p:cSld>
+    <p:spTree>
+      <p:nvGrpSpPr>
+        <p:cNvPr id="1" name=""/>
+        <p:cNvGrpSpPr/>
+        <p:nvPr/>
+      </p:nvGrpSpPr>
+      <p:grpSpPr>
+        <a:xfrm>
+          <a:off x="0" y="0"/>
+          <a:ext cx="0" cy="0"/>
+          <a:chOff x="0" y="0"/>
+          <a:chExt cx="0" cy="0"/>
+        </a:xfrm>
+      </p:grpSpPr>
+      <p:sp>
+        <p:nvSpPr>
+          <p:cNvPr id="2" name="제목 1"/>
+          <p:cNvSpPr>
+            <a:spLocks noGrp="1"/>
+          </p:cNvSpPr>
+          <p:nvPr>
+            <p:ph type="title"/>
+          </p:nvPr>
+        </p:nvSpPr>
+        <p:spPr/>
+        <p:txBody>
+          <a:bodyPr/>
+          <a:lstStyle/>
+          <a:p>
+            <a:r>
+              <a:rPr lang="en-US" altLang="ko-KR" b="1" dirty="0"/>
+              <a:t>Criteria</a:t>
+            </a:r>
+            <a:endParaRPr kumimoji="1" lang="ko-KR" altLang="en-US" dirty="0"/>
+          </a:p>
+        </p:txBody>
+      </p:sp>
+      <p:sp>
+        <p:nvSpPr>
+          <p:cNvPr id="3" name="내용 개체 틀 2"/>
+          <p:cNvSpPr>
+            <a:spLocks noGrp="1"/>
+          </p:cNvSpPr>
+          <p:nvPr>
+            <p:ph idx="1"/>
+          </p:nvPr>
+        </p:nvSpPr>
+        <p:spPr/>
+        <p:txBody>
+          <a:bodyPr/>
+          <a:lstStyle/>
+          <a:p>
+            <a:r>
+              <a:rPr lang="ko-KR" altLang="en-US" dirty="0"/>
+              <a:t>하이버네이트에서는 </a:t>
+            </a:r>
+            <a:r>
+              <a:rPr lang="en-US" altLang="ko-KR" dirty="0"/>
+              <a:t>criteria</a:t>
+            </a:r>
+            <a:r>
+              <a:rPr lang="ko-KR" altLang="en-US" dirty="0"/>
+              <a:t>를 도입하여 필터링의 또 다른 방법을 제공합니다</a:t>
+            </a:r>
+            <a:r>
+              <a:rPr lang="en-US" altLang="ko-KR" dirty="0"/>
+              <a:t>.</a:t>
+            </a:r>
+            <a:endParaRPr lang="ko-KR" altLang="en-US" dirty="0"/>
+          </a:p>
+          <a:p>
+            <a:r>
+              <a:rPr lang="en-US" altLang="ko-KR" dirty="0"/>
+              <a:t>Criteria</a:t>
+            </a:r>
+            <a:r>
+              <a:rPr lang="ko-KR" altLang="en-US" dirty="0"/>
+              <a:t>와 </a:t>
+            </a:r>
+            <a:r>
+              <a:rPr lang="en-US" altLang="ko-KR" dirty="0"/>
+              <a:t>Restrictions </a:t>
+            </a:r>
+            <a:r>
+              <a:rPr lang="ko-KR" altLang="en-US" dirty="0"/>
+              <a:t>클래스를 이용하여 좀더 편하게 필터링을 해보자구요</a:t>
+            </a:r>
+            <a:r>
+              <a:rPr lang="en-US" altLang="ko-KR" dirty="0"/>
+              <a:t>~</a:t>
+            </a:r>
+            <a:endParaRPr lang="ko-KR" altLang="en-US" dirty="0"/>
+          </a:p>
+          <a:p>
+            <a:endParaRPr kumimoji="1" lang="ko-KR" altLang="en-US" dirty="0"/>
+          </a:p>
+        </p:txBody>
+      </p:sp>
+      <p:pic>
+        <p:nvPicPr>
+          <p:cNvPr id="4" name="그림 3"/>
+          <p:cNvPicPr>
+            <a:picLocks noChangeAspect="1"/>
+          </p:cNvPicPr>
+          <p:nvPr/>
+        </p:nvPicPr>
+        <p:blipFill>
+          <a:blip r:embed="rId2"/>
+          <a:stretch>
+            <a:fillRect/>
+          </a:stretch>
+        </p:blipFill>
+        <p:spPr>
+          <a:xfrm>
+            <a:off x="524607" y="3581399"/>
+            <a:ext cx="7107116" cy="3068333"/>
+          </a:xfrm>
+          <a:prstGeom prst="rect">
+            <a:avLst/>
+          </a:prstGeom>
+        </p:spPr>
+      </p:pic>
+      <p:pic>
+        <p:nvPicPr>
+          <p:cNvPr id="5" name="그림 4"/>
+          <p:cNvPicPr>
+            <a:picLocks noChangeAspect="1"/>
+          </p:cNvPicPr>
+          <p:nvPr/>
+        </p:nvPicPr>
+        <p:blipFill>
+          <a:blip r:embed="rId3"/>
+          <a:stretch>
+            <a:fillRect/>
+          </a:stretch>
+        </p:blipFill>
+        <p:spPr>
+          <a:xfrm>
+            <a:off x="7743093" y="3431215"/>
+            <a:ext cx="3845170" cy="3148233"/>
+          </a:xfrm>
+          <a:prstGeom prst="rect">
+            <a:avLst/>
+          </a:prstGeom>
+        </p:spPr>
+      </p:pic>
+      <p:sp>
+        <p:nvSpPr>
+          <p:cNvPr id="6" name="텍스트 상자 5"/>
+          <p:cNvSpPr txBox="1"/>
+          <p:nvPr/>
+        </p:nvSpPr>
+        <p:spPr>
+          <a:xfrm>
+            <a:off x="8169745" y="6394782"/>
+            <a:ext cx="4022255" cy="369332"/>
+          </a:xfrm>
+          <a:prstGeom prst="rect">
+            <a:avLst/>
+          </a:prstGeom>
+          <a:noFill/>
+        </p:spPr>
+        <p:txBody>
+          <a:bodyPr wrap="none" rtlCol="0">
+            <a:spAutoFit/>
+          </a:bodyPr>
+          <a:lstStyle/>
+          <a:p>
+            <a:r>
+              <a:rPr kumimoji="1" lang="ko-KR" altLang="en-US" dirty="0" smtClean="0"/>
+              <a:t>더복잡하게 느껴지는건 기분탓인가</a:t>
+            </a:r>
+            <a:r>
+              <a:rPr kumimoji="1" lang="en-US" altLang="ko-KR" dirty="0" smtClean="0"/>
+              <a:t>??</a:t>
+            </a:r>
+            <a:endParaRPr kumimoji="1" lang="ko-KR" altLang="en-US" dirty="0"/>
+          </a:p>
+        </p:txBody>
+      </p:sp>
+    </p:spTree>
+    <p:extLst>
+      <p:ext uri="{BB962C8B-B14F-4D97-AF65-F5344CB8AC3E}">
+        <p14:creationId xmlns:p14="http://schemas.microsoft.com/office/powerpoint/2010/main" val="602109120"/>
+      </p:ext>
+    </p:extLst>
+  </p:cSld>
+  <p:clrMapOvr>
+    <a:masterClrMapping/>
+  </p:clrMapOvr>
+  <p:timing>
+    <p:tnLst>
+      <p:par>
+        <p:cTn id="1" dur="indefinite" restart="never" nodeType="tmRoot"/>
+      </p:par>
+    </p:tnLst>
+  </p:timing>
+</p:sld>
+</file>
+
+<file path=ppt/slides/slide29.xml><?xml version="1.0" encoding="utf-8"?>
+<p:sld xmlns:a="http://schemas.openxmlformats.org/drawingml/2006/main" xmlns:r="http://schemas.openxmlformats.org/officeDocument/2006/relationships" xmlns:p="http://schemas.openxmlformats.org/presentationml/2006/main">
+  <p:cSld>
+    <p:spTree>
+      <p:nvGrpSpPr>
+        <p:cNvPr id="1" name=""/>
+        <p:cNvGrpSpPr/>
+        <p:nvPr/>
+      </p:nvGrpSpPr>
+      <p:grpSpPr>
+        <a:xfrm>
+          <a:off x="0" y="0"/>
+          <a:ext cx="0" cy="0"/>
+          <a:chOff x="0" y="0"/>
+          <a:chExt cx="0" cy="0"/>
+        </a:xfrm>
+      </p:grpSpPr>
+      <p:sp>
+        <p:nvSpPr>
+          <p:cNvPr id="2" name="제목 1"/>
+          <p:cNvSpPr>
+            <a:spLocks noGrp="1"/>
+          </p:cNvSpPr>
+          <p:nvPr>
+            <p:ph type="title"/>
+          </p:nvPr>
+        </p:nvSpPr>
+        <p:spPr/>
+        <p:txBody>
+          <a:bodyPr/>
+          <a:lstStyle/>
+          <a:p>
+            <a:r>
+              <a:rPr lang="ko-KR" altLang="en-US" b="1" dirty="0"/>
+              <a:t>네임드 쿼리</a:t>
+            </a:r>
+            <a:endParaRPr kumimoji="1" lang="ko-KR" altLang="en-US" dirty="0"/>
+          </a:p>
+        </p:txBody>
+      </p:sp>
+      <p:sp>
+        <p:nvSpPr>
+          <p:cNvPr id="3" name="내용 개체 틀 2"/>
+          <p:cNvSpPr>
+            <a:spLocks noGrp="1"/>
+          </p:cNvSpPr>
+          <p:nvPr>
+            <p:ph idx="1"/>
+          </p:nvPr>
+        </p:nvSpPr>
+        <p:spPr>
+          <a:xfrm>
+            <a:off x="-123092" y="2599744"/>
+            <a:ext cx="11816862" cy="4351338"/>
+          </a:xfrm>
+        </p:spPr>
+        <p:txBody>
+          <a:bodyPr/>
+          <a:lstStyle/>
+          <a:p>
+            <a:r>
+              <a:rPr lang="ko-KR" altLang="en-US" dirty="0" smtClean="0"/>
+              <a:t>클래스 레벨에서 엔티티의</a:t>
+            </a:r>
+            <a:r>
+              <a:rPr lang="en-US" altLang="ko-KR" dirty="0" smtClean="0"/>
+              <a:t/>
+            </a:r>
+            <a:br>
+              <a:rPr lang="en-US" altLang="ko-KR" dirty="0" smtClean="0"/>
+            </a:br>
+            <a:r>
+              <a:rPr lang="ko-KR" altLang="en-US" dirty="0" smtClean="0"/>
+              <a:t>쿼리를 사용하기 위해 </a:t>
+            </a:r>
+            <a:r>
+              <a:rPr lang="en-US" altLang="ko-KR" dirty="0" smtClean="0"/>
+              <a:t/>
+            </a:r>
+            <a:br>
+              <a:rPr lang="en-US" altLang="ko-KR" dirty="0" smtClean="0"/>
+            </a:br>
+            <a:r>
+              <a:rPr lang="en-US" altLang="ko-KR" dirty="0" smtClean="0"/>
+              <a:t>@</a:t>
+            </a:r>
+            <a:r>
+              <a:rPr lang="en-US" altLang="ko-KR" dirty="0" err="1" smtClean="0"/>
+              <a:t>NamedQuery</a:t>
+            </a:r>
+            <a:r>
+              <a:rPr lang="ko-KR" altLang="en-US" dirty="0" smtClean="0"/>
+              <a:t>이용</a:t>
+            </a:r>
+            <a:r>
+              <a:rPr lang="en-US" altLang="ko-KR" dirty="0" smtClean="0"/>
+              <a:t/>
+            </a:r>
+            <a:br>
+              <a:rPr lang="en-US" altLang="ko-KR" dirty="0" smtClean="0"/>
+            </a:br>
+            <a:r>
+              <a:rPr lang="en-US" altLang="ko-KR" dirty="0" smtClean="0"/>
+              <a:t/>
+            </a:r>
+            <a:br>
+              <a:rPr lang="en-US" altLang="ko-KR" dirty="0" smtClean="0"/>
+            </a:br>
+            <a:r>
+              <a:rPr lang="ko-KR" altLang="en-US" dirty="0" smtClean="0"/>
+              <a:t>매핑 파일에 선언</a:t>
+            </a:r>
+            <a:r>
+              <a:rPr lang="en-US" altLang="ko-KR" dirty="0" smtClean="0"/>
+              <a:t/>
+            </a:r>
+            <a:br>
+              <a:rPr lang="en-US" altLang="ko-KR" dirty="0" smtClean="0"/>
+            </a:br>
+            <a:r>
+              <a:rPr lang="ko-KR" altLang="en-US" dirty="0" smtClean="0"/>
+              <a:t>사용할수 있다</a:t>
+            </a:r>
+            <a:r>
+              <a:rPr lang="en-US" altLang="ko-KR" dirty="0" smtClean="0"/>
+              <a:t>.</a:t>
+            </a:r>
+            <a:endParaRPr kumimoji="1" lang="ko-KR" altLang="en-US" dirty="0"/>
+          </a:p>
+        </p:txBody>
+      </p:sp>
+      <p:pic>
+        <p:nvPicPr>
+          <p:cNvPr id="4" name="그림 3"/>
+          <p:cNvPicPr>
+            <a:picLocks noChangeAspect="1"/>
+          </p:cNvPicPr>
+          <p:nvPr/>
+        </p:nvPicPr>
+        <p:blipFill>
+          <a:blip r:embed="rId2"/>
+          <a:stretch>
+            <a:fillRect/>
+          </a:stretch>
+        </p:blipFill>
+        <p:spPr>
+          <a:xfrm>
+            <a:off x="4765432" y="1498174"/>
+            <a:ext cx="7325458" cy="5006240"/>
+          </a:xfrm>
+          <a:prstGeom prst="rect">
+            <a:avLst/>
+          </a:prstGeom>
+        </p:spPr>
+      </p:pic>
+    </p:spTree>
+    <p:extLst>
+      <p:ext uri="{BB962C8B-B14F-4D97-AF65-F5344CB8AC3E}">
+        <p14:creationId xmlns:p14="http://schemas.microsoft.com/office/powerpoint/2010/main" val="40028449"/>
+      </p:ext>
+    </p:extLst>
+  </p:cSld>
+  <p:clrMapOvr>
+    <a:masterClrMapping/>
+  </p:clrMapOvr>
+  <p:timing>
+    <p:tnLst>
+      <p:par>
+        <p:cTn id="1" dur="indefinite" restart="never" nodeType="tmRoot"/>
+      </p:par>
+    </p:tnLst>
+  </p:timing>
+</p:sld>
+</file>
+
+<file path=ppt/slides/slide3.xml><?xml version="1.0" encoding="utf-8"?>
+<p:sld xmlns:a="http://schemas.openxmlformats.org/drawingml/2006/main" xmlns:r="http://schemas.openxmlformats.org/officeDocument/2006/relationships" xmlns:p="http://schemas.openxmlformats.org/presentationml/2006/main">
+  <p:cSld>
+    <p:spTree>
+      <p:nvGrpSpPr>
+        <p:cNvPr id="1" name=""/>
+        <p:cNvGrpSpPr/>
+        <p:nvPr/>
+      </p:nvGrpSpPr>
+      <p:grpSpPr>
+        <a:xfrm>
+          <a:off x="0" y="0"/>
+          <a:ext cx="0" cy="0"/>
+          <a:chOff x="0" y="0"/>
+          <a:chExt cx="0" cy="0"/>
+        </a:xfrm>
+      </p:grpSpPr>
+      <p:sp>
+        <p:nvSpPr>
+          <p:cNvPr id="2" name="제목 1"/>
+          <p:cNvSpPr>
+            <a:spLocks noGrp="1"/>
+          </p:cNvSpPr>
+          <p:nvPr>
+            <p:ph type="title"/>
+          </p:nvPr>
+        </p:nvSpPr>
+        <p:spPr/>
+        <p:txBody>
+          <a:bodyPr/>
+          <a:lstStyle/>
+          <a:p>
+            <a:r>
+              <a:rPr lang="ko-KR" altLang="ko-KR" b="1" dirty="0"/>
+              <a:t>왜 </a:t>
+            </a:r>
+            <a:r>
+              <a:rPr lang="en-US" altLang="ko-KR" b="1" dirty="0"/>
+              <a:t>JPA</a:t>
+            </a:r>
+            <a:r>
+              <a:rPr lang="ko-KR" altLang="ko-KR" b="1" dirty="0"/>
+              <a:t>를 쓰는가</a:t>
+            </a:r>
+            <a:r>
+              <a:rPr lang="en-US" altLang="ko-KR" b="1" dirty="0" smtClean="0"/>
+              <a:t>?</a:t>
+            </a:r>
+            <a:endParaRPr kumimoji="1" lang="ko-KR" altLang="en-US" dirty="0"/>
+          </a:p>
+        </p:txBody>
+      </p:sp>
+      <p:sp>
+        <p:nvSpPr>
+          <p:cNvPr id="3" name="내용 개체 틀 2"/>
+          <p:cNvSpPr>
+            <a:spLocks noGrp="1"/>
+          </p:cNvSpPr>
+          <p:nvPr>
+            <p:ph idx="1"/>
+          </p:nvPr>
+        </p:nvSpPr>
+        <p:spPr/>
+        <p:txBody>
+          <a:bodyPr/>
+          <a:lstStyle/>
+          <a:p>
+            <a:r>
+              <a:rPr lang="en-US" altLang="ko-KR" b="1" dirty="0"/>
+              <a:t>2. </a:t>
+            </a:r>
+            <a:r>
+              <a:rPr lang="ko-KR" altLang="ko-KR" b="1" dirty="0"/>
+              <a:t>객체</a:t>
+            </a:r>
+            <a:r>
+              <a:rPr lang="en-US" altLang="ko-KR" b="1" dirty="0"/>
+              <a:t>-</a:t>
+            </a:r>
+            <a:r>
+              <a:rPr lang="ko-KR" altLang="ko-KR" b="1" dirty="0"/>
+              <a:t>관계 간 모델 </a:t>
+            </a:r>
+            <a:r>
+              <a:rPr lang="ko-KR" altLang="ko-KR" b="1" dirty="0" smtClean="0"/>
+              <a:t>불일치</a:t>
+            </a:r>
+            <a:endParaRPr lang="ko-KR" altLang="ko-KR" b="1" dirty="0"/>
+          </a:p>
+        </p:txBody>
+      </p:sp>
+      <p:pic>
+        <p:nvPicPr>
+          <p:cNvPr id="4" name="그림 3"/>
+          <p:cNvPicPr>
+            <a:picLocks noChangeAspect="1"/>
+          </p:cNvPicPr>
+          <p:nvPr/>
+        </p:nvPicPr>
+        <p:blipFill>
+          <a:blip r:embed="rId2"/>
+          <a:stretch>
+            <a:fillRect/>
+          </a:stretch>
+        </p:blipFill>
+        <p:spPr>
+          <a:xfrm>
+            <a:off x="8851900" y="1736390"/>
+            <a:ext cx="3340100" cy="3962400"/>
+          </a:xfrm>
+          <a:prstGeom prst="rect">
+            <a:avLst/>
+          </a:prstGeom>
+        </p:spPr>
+      </p:pic>
+      <p:pic>
+        <p:nvPicPr>
+          <p:cNvPr id="5" name="그림 4"/>
+          <p:cNvPicPr>
+            <a:picLocks noChangeAspect="1"/>
+          </p:cNvPicPr>
+          <p:nvPr/>
+        </p:nvPicPr>
+        <p:blipFill>
+          <a:blip r:embed="rId3"/>
+          <a:stretch>
+            <a:fillRect/>
+          </a:stretch>
+        </p:blipFill>
+        <p:spPr>
+          <a:xfrm>
+            <a:off x="1025768" y="5672198"/>
+            <a:ext cx="11125200" cy="1092200"/>
+          </a:xfrm>
+          <a:prstGeom prst="rect">
+            <a:avLst/>
+          </a:prstGeom>
+        </p:spPr>
+      </p:pic>
+      <p:sp>
+        <p:nvSpPr>
+          <p:cNvPr id="6" name="직사각형 5"/>
+          <p:cNvSpPr/>
+          <p:nvPr/>
+        </p:nvSpPr>
+        <p:spPr>
+          <a:xfrm>
+            <a:off x="1277813" y="6066692"/>
+            <a:ext cx="3575538" cy="697706"/>
+          </a:xfrm>
+          <a:prstGeom prst="rect">
+            <a:avLst/>
+          </a:prstGeom>
+          <a:noFill/>
+          <a:ln w="38100">
+            <a:solidFill>
+              <a:srgbClr val="FF0000"/>
+            </a:solidFill>
+          </a:ln>
+        </p:spPr>
+        <p:style>
+          <a:lnRef idx="2">
+            <a:schemeClr val="accent1">
+              <a:shade val="50000"/>
+            </a:schemeClr>
+          </a:lnRef>
+          <a:fillRef idx="1">
+            <a:schemeClr val="accent1"/>
+          </a:fillRef>
+          <a:effectRef idx="0">
+            <a:schemeClr val="accent1"/>
+          </a:effectRef>
+          <a:fontRef idx="minor">
+            <a:schemeClr val="lt1"/>
+          </a:fontRef>
+        </p:style>
+        <p:txBody>
+          <a:bodyPr rtlCol="0" anchor="ctr"/>
+          <a:lstStyle/>
+          <a:p>
+            <a:pPr algn="ctr"/>
+            <a:endParaRPr kumimoji="1" lang="ko-KR" altLang="en-US"/>
+          </a:p>
+        </p:txBody>
+      </p:sp>
+      <p:sp>
+        <p:nvSpPr>
+          <p:cNvPr id="7" name="직사각형 6"/>
+          <p:cNvSpPr/>
+          <p:nvPr/>
+        </p:nvSpPr>
+        <p:spPr>
+          <a:xfrm>
+            <a:off x="4870936" y="6069074"/>
+            <a:ext cx="7280032" cy="697706"/>
+          </a:xfrm>
+          <a:prstGeom prst="rect">
+            <a:avLst/>
+          </a:prstGeom>
+          <a:noFill/>
+          <a:ln w="38100">
+            <a:solidFill>
+              <a:schemeClr val="accent4"/>
+            </a:solidFill>
+          </a:ln>
+        </p:spPr>
+        <p:style>
+          <a:lnRef idx="2">
+            <a:schemeClr val="accent1">
+              <a:shade val="50000"/>
+            </a:schemeClr>
+          </a:lnRef>
+          <a:fillRef idx="1">
+            <a:schemeClr val="accent1"/>
+          </a:fillRef>
+          <a:effectRef idx="0">
+            <a:schemeClr val="accent1"/>
+          </a:effectRef>
+          <a:fontRef idx="minor">
+            <a:schemeClr val="lt1"/>
+          </a:fontRef>
+        </p:style>
+        <p:txBody>
+          <a:bodyPr rtlCol="0" anchor="ctr"/>
+          <a:lstStyle/>
+          <a:p>
+            <a:pPr algn="ctr"/>
+            <a:endParaRPr kumimoji="1" lang="ko-KR" altLang="en-US"/>
+          </a:p>
+        </p:txBody>
+      </p:sp>
+      <p:sp>
+        <p:nvSpPr>
+          <p:cNvPr id="8" name="텍스트 상자 7"/>
+          <p:cNvSpPr txBox="1"/>
+          <p:nvPr/>
+        </p:nvSpPr>
+        <p:spPr>
+          <a:xfrm>
+            <a:off x="9607062" y="1377877"/>
+            <a:ext cx="2620108" cy="369332"/>
+          </a:xfrm>
+          <a:prstGeom prst="rect">
+            <a:avLst/>
+          </a:prstGeom>
+          <a:noFill/>
+        </p:spPr>
+        <p:txBody>
+          <a:bodyPr wrap="square" rtlCol="0">
+            <a:spAutoFit/>
+          </a:bodyPr>
+          <a:lstStyle/>
+          <a:p>
+            <a:r>
+              <a:rPr kumimoji="1" lang="en-US" altLang="ko-KR" dirty="0" smtClean="0"/>
+              <a:t>DATABASE (1:N)</a:t>
+            </a:r>
+            <a:endParaRPr kumimoji="1" lang="ko-KR" altLang="en-US" dirty="0"/>
+          </a:p>
+        </p:txBody>
+      </p:sp>
+      <p:sp>
+        <p:nvSpPr>
+          <p:cNvPr id="9" name="텍스트 상자 8"/>
+          <p:cNvSpPr txBox="1"/>
+          <p:nvPr/>
+        </p:nvSpPr>
+        <p:spPr>
+          <a:xfrm>
+            <a:off x="188546" y="2739180"/>
+            <a:ext cx="8628184" cy="2585323"/>
+          </a:xfrm>
+          <a:prstGeom prst="rect">
+            <a:avLst/>
+          </a:prstGeom>
+          <a:noFill/>
+          <a:ln w="38100">
+            <a:solidFill>
+              <a:srgbClr val="FF0000"/>
+            </a:solidFill>
+          </a:ln>
+        </p:spPr>
+        <p:txBody>
+          <a:bodyPr wrap="square" rtlCol="0">
+            <a:spAutoFit/>
+          </a:bodyPr>
+          <a:lstStyle/>
+          <a:p>
+            <a:r>
+              <a:rPr lang="en-US" altLang="ko-KR" dirty="0"/>
+              <a:t>public class </a:t>
+            </a:r>
+            <a:r>
+              <a:rPr lang="en-US" altLang="ko-KR" dirty="0"/>
+              <a:t>User </a:t>
+            </a:r>
+            <a:r>
+              <a:rPr lang="en-US" altLang="ko-KR" dirty="0" smtClean="0"/>
+              <a:t>{ </a:t>
+            </a:r>
+            <a:r>
+              <a:rPr lang="en-US" altLang="ko-KR" dirty="0"/>
+              <a:t/>
+            </a:r>
+            <a:br>
+              <a:rPr lang="en-US" altLang="ko-KR" dirty="0"/>
+            </a:br>
+            <a:r>
+              <a:rPr lang="en-US" altLang="ko-KR" dirty="0"/>
+              <a:t>   Integer </a:t>
+            </a:r>
+            <a:r>
+              <a:rPr lang="en-US" altLang="ko-KR" dirty="0" err="1"/>
+              <a:t>seq</a:t>
+            </a:r>
+            <a:r>
+              <a:rPr lang="en-US" altLang="ko-KR" dirty="0"/>
+              <a:t>;</a:t>
+            </a:r>
+            <a:br>
+              <a:rPr lang="en-US" altLang="ko-KR" dirty="0"/>
+            </a:br>
+            <a:r>
+              <a:rPr lang="en-US" altLang="ko-KR" dirty="0"/>
+              <a:t>   </a:t>
+            </a:r>
+            <a:r>
+              <a:rPr lang="en-US" altLang="ko-KR" dirty="0"/>
+              <a:t>String </a:t>
+            </a:r>
+            <a:r>
+              <a:rPr lang="en-US" altLang="ko-KR" dirty="0"/>
+              <a:t>name;</a:t>
+            </a:r>
+            <a:br>
+              <a:rPr lang="en-US" altLang="ko-KR" dirty="0"/>
+            </a:br>
+            <a:r>
+              <a:rPr lang="en-US" altLang="ko-KR" dirty="0"/>
+              <a:t>   </a:t>
+            </a:r>
+            <a:r>
+              <a:rPr lang="en-US" altLang="ko-KR" dirty="0"/>
+              <a:t>String </a:t>
+            </a:r>
+            <a:r>
+              <a:rPr lang="en-US" altLang="ko-KR" dirty="0"/>
+              <a:t>password</a:t>
+            </a:r>
+            <a:r>
+              <a:rPr lang="en-US" altLang="ko-KR" dirty="0" smtClean="0"/>
+              <a:t>;</a:t>
+            </a:r>
+          </a:p>
+          <a:p>
+            <a:endParaRPr lang="en-US" altLang="ko-KR" dirty="0"/>
+          </a:p>
+          <a:p>
+            <a:endParaRPr lang="en-US" altLang="ko-KR" dirty="0" smtClean="0"/>
+          </a:p>
+          <a:p>
+            <a:r>
+              <a:rPr lang="en-US" altLang="ko-KR" dirty="0"/>
+              <a:t/>
+            </a:r>
+            <a:br>
+              <a:rPr lang="en-US" altLang="ko-KR" dirty="0"/>
+            </a:br>
+            <a:r>
+              <a:rPr lang="en-US" altLang="ko-KR" dirty="0"/>
+              <a:t>   private </a:t>
+            </a:r>
+            <a:r>
+              <a:rPr lang="en-US" altLang="ko-KR" dirty="0" smtClean="0"/>
+              <a:t>List&lt;</a:t>
+            </a:r>
+            <a:r>
+              <a:rPr lang="en-US" altLang="ko-KR" dirty="0" err="1" smtClean="0"/>
+              <a:t>AuthComposite</a:t>
+            </a:r>
+            <a:r>
+              <a:rPr lang="en-US" altLang="ko-KR" dirty="0"/>
+              <a:t>&gt; </a:t>
+            </a:r>
+            <a:r>
+              <a:rPr lang="en-US" altLang="ko-KR" dirty="0" err="1"/>
+              <a:t>auths</a:t>
+            </a:r>
+            <a:r>
+              <a:rPr lang="en-US" altLang="ko-KR" dirty="0"/>
+              <a:t>;</a:t>
+            </a:r>
+            <a:br>
+              <a:rPr lang="en-US" altLang="ko-KR" dirty="0"/>
+            </a:br>
+            <a:r>
+              <a:rPr lang="en-US" altLang="ko-KR" dirty="0" smtClean="0"/>
+              <a:t>}</a:t>
+            </a:r>
+            <a:endParaRPr kumimoji="1" lang="ko-KR" altLang="en-US" dirty="0"/>
+          </a:p>
+        </p:txBody>
+      </p:sp>
+      <p:sp>
+        <p:nvSpPr>
+          <p:cNvPr id="10" name="텍스트 상자 9"/>
+          <p:cNvSpPr txBox="1"/>
+          <p:nvPr/>
+        </p:nvSpPr>
+        <p:spPr>
+          <a:xfrm>
+            <a:off x="4914900" y="3073291"/>
+            <a:ext cx="3754315" cy="1754326"/>
+          </a:xfrm>
+          <a:prstGeom prst="rect">
+            <a:avLst/>
+          </a:prstGeom>
+          <a:noFill/>
+          <a:ln w="38100">
+            <a:solidFill>
+              <a:schemeClr val="accent4"/>
+            </a:solidFill>
+          </a:ln>
+        </p:spPr>
+        <p:txBody>
+          <a:bodyPr wrap="square" rtlCol="0">
+            <a:spAutoFit/>
+          </a:bodyPr>
+          <a:lstStyle/>
+          <a:p>
+            <a:r>
+              <a:rPr lang="en-US" altLang="ko-KR" dirty="0"/>
+              <a:t>public class </a:t>
+            </a:r>
+            <a:r>
+              <a:rPr lang="en-US" altLang="ko-KR" dirty="0" err="1"/>
+              <a:t>AuthComposite</a:t>
+            </a:r>
+            <a:r>
+              <a:rPr lang="en-US" altLang="ko-KR" dirty="0"/>
+              <a:t> </a:t>
+            </a:r>
+            <a:r>
+              <a:rPr lang="en-US" altLang="ko-KR" dirty="0" smtClean="0"/>
+              <a:t>{</a:t>
+            </a:r>
+            <a:r>
+              <a:rPr lang="en-US" altLang="ko-KR" dirty="0"/>
+              <a:t/>
+            </a:r>
+            <a:br>
+              <a:rPr lang="en-US" altLang="ko-KR" dirty="0"/>
+            </a:br>
+            <a:r>
+              <a:rPr lang="en-US" altLang="ko-KR" dirty="0"/>
+              <a:t>Integer </a:t>
+            </a:r>
+            <a:r>
+              <a:rPr lang="en-US" altLang="ko-KR" dirty="0" err="1"/>
+              <a:t>seq</a:t>
+            </a:r>
+            <a:r>
+              <a:rPr lang="en-US" altLang="ko-KR" dirty="0"/>
+              <a:t>;</a:t>
+            </a:r>
+            <a:br>
+              <a:rPr lang="en-US" altLang="ko-KR" dirty="0"/>
+            </a:br>
+            <a:r>
+              <a:rPr lang="en-US" altLang="ko-KR" dirty="0" smtClean="0"/>
+              <a:t>String </a:t>
+            </a:r>
+            <a:r>
+              <a:rPr lang="en-US" altLang="ko-KR" dirty="0" err="1"/>
+              <a:t>auth</a:t>
+            </a:r>
+            <a:r>
+              <a:rPr lang="en-US" altLang="ko-KR" dirty="0" smtClean="0"/>
+              <a:t>;</a:t>
+            </a:r>
+            <a:r>
+              <a:rPr lang="en-US" altLang="ko-KR" dirty="0"/>
+              <a:t/>
+            </a:r>
+            <a:br>
+              <a:rPr lang="en-US" altLang="ko-KR" dirty="0"/>
+            </a:br>
+            <a:r>
+              <a:rPr lang="en-US" altLang="ko-KR" dirty="0"/>
+              <a:t>Date </a:t>
+            </a:r>
+            <a:r>
+              <a:rPr lang="en-US" altLang="ko-KR" dirty="0" smtClean="0"/>
+              <a:t>expiry;</a:t>
+            </a:r>
+          </a:p>
+          <a:p>
+            <a:r>
+              <a:rPr lang="en-US" altLang="ko-KR" dirty="0" smtClean="0"/>
+              <a:t>String </a:t>
+            </a:r>
+            <a:r>
+              <a:rPr lang="en-US" altLang="ko-KR" dirty="0" err="1" smtClean="0"/>
+              <a:t>auth_key</a:t>
+            </a:r>
+            <a:r>
+              <a:rPr lang="en-US" altLang="ko-KR" dirty="0"/>
+              <a:t/>
+            </a:r>
+            <a:br>
+              <a:rPr lang="en-US" altLang="ko-KR" dirty="0"/>
+            </a:br>
+            <a:r>
+              <a:rPr lang="en-US" altLang="ko-KR" dirty="0" smtClean="0"/>
+              <a:t>}</a:t>
+            </a:r>
+            <a:endParaRPr kumimoji="1" lang="ko-KR" altLang="en-US" dirty="0"/>
+          </a:p>
+        </p:txBody>
+      </p:sp>
+      <p:sp>
+        <p:nvSpPr>
+          <p:cNvPr id="11" name="텍스트 상자 10"/>
+          <p:cNvSpPr txBox="1"/>
+          <p:nvPr/>
+        </p:nvSpPr>
+        <p:spPr>
+          <a:xfrm>
+            <a:off x="3065582" y="2339084"/>
+            <a:ext cx="2620108" cy="369332"/>
+          </a:xfrm>
+          <a:prstGeom prst="rect">
+            <a:avLst/>
+          </a:prstGeom>
+          <a:noFill/>
+        </p:spPr>
+        <p:txBody>
+          <a:bodyPr wrap="square" rtlCol="0">
+            <a:spAutoFit/>
+          </a:bodyPr>
+          <a:lstStyle/>
+          <a:p>
+            <a:r>
+              <a:rPr kumimoji="1" lang="en-US" altLang="ko-KR" dirty="0" smtClean="0"/>
+              <a:t>OBJECT </a:t>
+            </a:r>
+            <a:r>
+              <a:rPr kumimoji="1" lang="en-US" altLang="ko-KR" dirty="0" err="1" smtClean="0"/>
+              <a:t>Maping</a:t>
+            </a:r>
+            <a:r>
+              <a:rPr kumimoji="1" lang="en-US" altLang="ko-KR" dirty="0" smtClean="0"/>
+              <a:t> (1:N)</a:t>
+            </a:r>
+            <a:endParaRPr kumimoji="1" lang="ko-KR" altLang="en-US" dirty="0"/>
+          </a:p>
+        </p:txBody>
+      </p:sp>
+    </p:spTree>
+    <p:extLst>
+      <p:ext uri="{BB962C8B-B14F-4D97-AF65-F5344CB8AC3E}">
+        <p14:creationId xmlns:p14="http://schemas.microsoft.com/office/powerpoint/2010/main" val="345591721"/>
+      </p:ext>
+    </p:extLst>
+  </p:cSld>
+  <p:clrMapOvr>
+    <a:masterClrMapping/>
+  </p:clrMapOvr>
+  <p:timing>
+    <p:tnLst>
+      <p:par>
+        <p:cTn id="1" dur="indefinite" restart="never" nodeType="tmRoot"/>
+      </p:par>
+    </p:tnLst>
+  </p:timing>
+</p:sld>
+</file>
+
+<file path=ppt/slides/slide30.xml><?xml version="1.0" encoding="utf-8"?>
+<p:sld xmlns:a="http://schemas.openxmlformats.org/drawingml/2006/main" xmlns:r="http://schemas.openxmlformats.org/officeDocument/2006/relationships" xmlns:p="http://schemas.openxmlformats.org/presentationml/2006/main">
+  <p:cSld>
+    <p:spTree>
+      <p:nvGrpSpPr>
+        <p:cNvPr id="1" name=""/>
+        <p:cNvGrpSpPr/>
+        <p:nvPr/>
+      </p:nvGrpSpPr>
+      <p:grpSpPr>
+        <a:xfrm>
+          <a:off x="0" y="0"/>
+          <a:ext cx="0" cy="0"/>
+          <a:chOff x="0" y="0"/>
+          <a:chExt cx="0" cy="0"/>
+        </a:xfrm>
+      </p:grpSpPr>
+      <p:sp>
+        <p:nvSpPr>
+          <p:cNvPr id="2" name="제목 1"/>
+          <p:cNvSpPr>
+            <a:spLocks noGrp="1"/>
+          </p:cNvSpPr>
+          <p:nvPr>
+            <p:ph type="title"/>
+          </p:nvPr>
+        </p:nvSpPr>
+        <p:spPr/>
+        <p:txBody>
+          <a:bodyPr/>
+          <a:lstStyle/>
+          <a:p>
+            <a:r>
+              <a:rPr lang="ko-KR" altLang="en-US" b="1" dirty="0"/>
+              <a:t>네이티브 쿼리</a:t>
+            </a:r>
+            <a:endParaRPr kumimoji="1" lang="ko-KR" altLang="en-US" dirty="0"/>
+          </a:p>
+        </p:txBody>
+      </p:sp>
+      <p:sp>
+        <p:nvSpPr>
+          <p:cNvPr id="4" name="텍스트 상자 3"/>
+          <p:cNvSpPr txBox="1"/>
+          <p:nvPr/>
+        </p:nvSpPr>
+        <p:spPr>
+          <a:xfrm>
+            <a:off x="-1037492" y="5029200"/>
+            <a:ext cx="184731" cy="369332"/>
+          </a:xfrm>
+          <a:prstGeom prst="rect">
+            <a:avLst/>
+          </a:prstGeom>
+          <a:noFill/>
+        </p:spPr>
+        <p:txBody>
+          <a:bodyPr wrap="none" rtlCol="0">
+            <a:spAutoFit/>
+          </a:bodyPr>
+          <a:lstStyle/>
+          <a:p>
+            <a:endParaRPr kumimoji="1" lang="ko-KR" altLang="en-US" dirty="0"/>
+          </a:p>
+        </p:txBody>
+      </p:sp>
+      <p:pic>
+        <p:nvPicPr>
+          <p:cNvPr id="5" name="그림 4"/>
+          <p:cNvPicPr>
+            <a:picLocks noChangeAspect="1"/>
+          </p:cNvPicPr>
+          <p:nvPr/>
+        </p:nvPicPr>
+        <p:blipFill>
+          <a:blip r:embed="rId3"/>
+          <a:stretch>
+            <a:fillRect/>
+          </a:stretch>
+        </p:blipFill>
+        <p:spPr>
+          <a:xfrm>
+            <a:off x="2338754" y="1485784"/>
+            <a:ext cx="9533792" cy="5372216"/>
+          </a:xfrm>
+          <a:prstGeom prst="rect">
+            <a:avLst/>
+          </a:prstGeom>
+        </p:spPr>
+      </p:pic>
+      <p:sp>
+        <p:nvSpPr>
+          <p:cNvPr id="6" name="내용 개체 틀 5"/>
+          <p:cNvSpPr>
+            <a:spLocks noGrp="1"/>
+          </p:cNvSpPr>
+          <p:nvPr>
+            <p:ph idx="1"/>
+          </p:nvPr>
+        </p:nvSpPr>
+        <p:spPr/>
+        <p:txBody>
+          <a:bodyPr/>
+          <a:lstStyle/>
+          <a:p>
+            <a:endParaRPr kumimoji="1" lang="ko-KR" altLang="en-US"/>
+          </a:p>
+        </p:txBody>
+      </p:sp>
+    </p:spTree>
+    <p:extLst>
+      <p:ext uri="{BB962C8B-B14F-4D97-AF65-F5344CB8AC3E}">
+        <p14:creationId xmlns:p14="http://schemas.microsoft.com/office/powerpoint/2010/main" val="265548289"/>
+      </p:ext>
+    </p:extLst>
+  </p:cSld>
+  <p:clrMapOvr>
+    <a:masterClrMapping/>
+  </p:clrMapOvr>
+  <p:timing>
+    <p:tnLst>
+      <p:par>
+        <p:cTn id="1" dur="indefinite" restart="never" nodeType="tmRoot"/>
+      </p:par>
+    </p:tnLst>
+  </p:timing>
+</p:sld>
+</file>
+
+<file path=ppt/slides/slide31.xml><?xml version="1.0" encoding="utf-8"?>
+<p:sld xmlns:a="http://schemas.openxmlformats.org/drawingml/2006/main" xmlns:r="http://schemas.openxmlformats.org/officeDocument/2006/relationships" xmlns:p="http://schemas.openxmlformats.org/presentationml/2006/main">
+  <p:cSld>
+    <p:spTree>
+      <p:nvGrpSpPr>
+        <p:cNvPr id="1" name=""/>
+        <p:cNvGrpSpPr/>
+        <p:nvPr/>
+      </p:nvGrpSpPr>
+      <p:grpSpPr>
+        <a:xfrm>
+          <a:off x="0" y="0"/>
+          <a:ext cx="0" cy="0"/>
+          <a:chOff x="0" y="0"/>
+          <a:chExt cx="0" cy="0"/>
+        </a:xfrm>
+      </p:grpSpPr>
+      <p:sp>
+        <p:nvSpPr>
+          <p:cNvPr id="2" name="제목 1"/>
+          <p:cNvSpPr>
+            <a:spLocks noGrp="1"/>
+          </p:cNvSpPr>
+          <p:nvPr>
+            <p:ph type="title"/>
+          </p:nvPr>
+        </p:nvSpPr>
+        <p:spPr/>
+        <p:txBody>
+          <a:bodyPr/>
+          <a:lstStyle/>
+          <a:p>
+            <a:r>
+              <a:rPr lang="en-US" altLang="ko-KR" b="1" dirty="0"/>
+              <a:t>Groovy Template </a:t>
+            </a:r>
+            <a:r>
+              <a:rPr lang="ko-KR" altLang="en-US" b="1" dirty="0"/>
+              <a:t>이용하여</a:t>
+            </a:r>
+            <a:r>
+              <a:rPr lang="en-US" altLang="ko-KR" b="1" dirty="0"/>
+              <a:t> Dynamic Query </a:t>
+            </a:r>
+            <a:r>
+              <a:rPr lang="ko-KR" altLang="en-US" b="1" dirty="0"/>
+              <a:t>사용하기</a:t>
+            </a:r>
+            <a:endParaRPr kumimoji="1" lang="ko-KR" altLang="en-US" dirty="0"/>
+          </a:p>
+        </p:txBody>
+      </p:sp>
+      <p:sp>
+        <p:nvSpPr>
+          <p:cNvPr id="3" name="내용 개체 틀 2"/>
+          <p:cNvSpPr>
+            <a:spLocks noGrp="1"/>
+          </p:cNvSpPr>
+          <p:nvPr>
+            <p:ph idx="1"/>
+          </p:nvPr>
+        </p:nvSpPr>
+        <p:spPr/>
+        <p:txBody>
+          <a:bodyPr/>
+          <a:lstStyle/>
+          <a:p>
+            <a:endParaRPr kumimoji="1" lang="ko-KR" altLang="en-US"/>
+          </a:p>
+        </p:txBody>
+      </p:sp>
+      <p:pic>
+        <p:nvPicPr>
+          <p:cNvPr id="4" name="그림 3"/>
+          <p:cNvPicPr>
+            <a:picLocks noChangeAspect="1"/>
+          </p:cNvPicPr>
+          <p:nvPr/>
+        </p:nvPicPr>
+        <p:blipFill>
+          <a:blip r:embed="rId2"/>
+          <a:stretch>
+            <a:fillRect/>
+          </a:stretch>
+        </p:blipFill>
+        <p:spPr>
+          <a:xfrm>
+            <a:off x="0" y="2816102"/>
+            <a:ext cx="4064000" cy="2425700"/>
+          </a:xfrm>
+          <a:prstGeom prst="rect">
+            <a:avLst/>
+          </a:prstGeom>
+        </p:spPr>
+      </p:pic>
+      <p:pic>
+        <p:nvPicPr>
+          <p:cNvPr id="5" name="그림 4"/>
+          <p:cNvPicPr>
+            <a:picLocks noChangeAspect="1"/>
+          </p:cNvPicPr>
+          <p:nvPr/>
+        </p:nvPicPr>
+        <p:blipFill>
+          <a:blip r:embed="rId3"/>
+          <a:stretch>
+            <a:fillRect/>
+          </a:stretch>
+        </p:blipFill>
+        <p:spPr>
+          <a:xfrm>
+            <a:off x="4178300" y="2766463"/>
+            <a:ext cx="8013700" cy="2413000"/>
+          </a:xfrm>
+          <a:prstGeom prst="rect">
+            <a:avLst/>
+          </a:prstGeom>
+        </p:spPr>
+      </p:pic>
+    </p:spTree>
+    <p:extLst>
+      <p:ext uri="{BB962C8B-B14F-4D97-AF65-F5344CB8AC3E}">
+        <p14:creationId xmlns:p14="http://schemas.microsoft.com/office/powerpoint/2010/main" val="19181881"/>
+      </p:ext>
+    </p:extLst>
+  </p:cSld>
+  <p:clrMapOvr>
+    <a:masterClrMapping/>
+  </p:clrMapOvr>
+  <p:timing>
+    <p:tnLst>
+      <p:par>
+        <p:cTn id="1" dur="indefinite" restart="never" nodeType="tmRoot"/>
+      </p:par>
+    </p:tnLst>
+  </p:timing>
+</p:sld>
+</file>
+
+<file path=ppt/slides/slide32.xml><?xml version="1.0" encoding="utf-8"?>
+<p:sld xmlns:a="http://schemas.openxmlformats.org/drawingml/2006/main" xmlns:r="http://schemas.openxmlformats.org/officeDocument/2006/relationships" xmlns:p="http://schemas.openxmlformats.org/presentationml/2006/main">
+  <p:cSld>
+    <p:spTree>
+      <p:nvGrpSpPr>
+        <p:cNvPr id="1" name=""/>
+        <p:cNvGrpSpPr/>
+        <p:nvPr/>
+      </p:nvGrpSpPr>
+      <p:grpSpPr>
+        <a:xfrm>
+          <a:off x="0" y="0"/>
+          <a:ext cx="0" cy="0"/>
+          <a:chOff x="0" y="0"/>
+          <a:chExt cx="0" cy="0"/>
+        </a:xfrm>
+      </p:grpSpPr>
+      <p:sp>
+        <p:nvSpPr>
+          <p:cNvPr id="2" name="제목 1"/>
+          <p:cNvSpPr>
+            <a:spLocks noGrp="1"/>
+          </p:cNvSpPr>
+          <p:nvPr>
+            <p:ph type="title"/>
+          </p:nvPr>
+        </p:nvSpPr>
+        <p:spPr/>
+        <p:txBody>
+          <a:bodyPr/>
+          <a:lstStyle/>
+          <a:p>
+            <a:endParaRPr kumimoji="1" lang="ko-KR" altLang="en-US"/>
+          </a:p>
+        </p:txBody>
+      </p:sp>
+      <p:sp>
+        <p:nvSpPr>
+          <p:cNvPr id="3" name="내용 개체 틀 2"/>
+          <p:cNvSpPr>
+            <a:spLocks noGrp="1"/>
+          </p:cNvSpPr>
+          <p:nvPr>
+            <p:ph idx="1"/>
+          </p:nvPr>
+        </p:nvSpPr>
+        <p:spPr/>
+        <p:txBody>
+          <a:bodyPr/>
+          <a:lstStyle/>
+          <a:p>
+            <a:pPr marL="0" marR="0" lvl="0" indent="0" defTabSz="914400" eaLnBrk="1" fontAlgn="auto" latinLnBrk="0" hangingPunct="1">
+              <a:lnSpc>
+                <a:spcPct val="100000"/>
+              </a:lnSpc>
+              <a:spcBef>
+                <a:spcPts val="0"/>
+              </a:spcBef>
+              <a:spcAft>
+                <a:spcPts val="0"/>
+              </a:spcAft>
+              <a:buClrTx/>
+              <a:buSzTx/>
+              <a:buFontTx/>
+              <a:buNone/>
+              <a:tabLst/>
+              <a:defRPr/>
+            </a:pPr>
+            <a:r>
+              <a:rPr kumimoji="1" lang="ko-KR" altLang="en-US" dirty="0" smtClean="0"/>
+              <a:t>감사합니다</a:t>
+            </a:r>
+            <a:r>
+              <a:rPr kumimoji="1" lang="en-US" altLang="ko-KR" dirty="0" smtClean="0"/>
+              <a:t>.</a:t>
+            </a:r>
+            <a:endParaRPr kumimoji="1" lang="ko-KR" altLang="en-US" dirty="0"/>
+          </a:p>
+        </p:txBody>
+      </p:sp>
+    </p:spTree>
+    <p:extLst>
+      <p:ext uri="{BB962C8B-B14F-4D97-AF65-F5344CB8AC3E}">
+        <p14:creationId xmlns:p14="http://schemas.microsoft.com/office/powerpoint/2010/main" val="829611489"/>
+      </p:ext>
+    </p:extLst>
+  </p:cSld>
+  <p:clrMapOvr>
+    <a:masterClrMapping/>
+  </p:clrMapOvr>
+  <p:timing>
+    <p:tnLst>
+      <p:par>
+        <p:cTn id="1" dur="indefinite" restart="never" nodeType="tmRoot"/>
+      </p:par>
+    </p:tnLst>
+  </p:timing>
+</p:sld>
+</file>
+
+<file path=ppt/slides/slide4.xml><?xml version="1.0" encoding="utf-8"?>
+<p:sld xmlns:a="http://schemas.openxmlformats.org/drawingml/2006/main" xmlns:r="http://schemas.openxmlformats.org/officeDocument/2006/relationships" xmlns:p="http://schemas.openxmlformats.org/presentationml/2006/main">
+  <p:cSld>
+    <p:spTree>
+      <p:nvGrpSpPr>
+        <p:cNvPr id="1" name=""/>
+        <p:cNvGrpSpPr/>
+        <p:nvPr/>
+      </p:nvGrpSpPr>
+      <p:grpSpPr>
+        <a:xfrm>
+          <a:off x="0" y="0"/>
+          <a:ext cx="0" cy="0"/>
+          <a:chOff x="0" y="0"/>
+          <a:chExt cx="0" cy="0"/>
+        </a:xfrm>
+      </p:grpSpPr>
+      <p:sp>
+        <p:nvSpPr>
+          <p:cNvPr id="2" name="제목 1"/>
+          <p:cNvSpPr>
+            <a:spLocks noGrp="1"/>
+          </p:cNvSpPr>
+          <p:nvPr>
+            <p:ph type="title"/>
+          </p:nvPr>
+        </p:nvSpPr>
+        <p:spPr/>
+        <p:txBody>
+          <a:bodyPr/>
+          <a:lstStyle/>
+          <a:p>
+            <a:r>
+              <a:rPr lang="ko-KR" altLang="ko-KR" b="1" dirty="0"/>
+              <a:t>왜 </a:t>
+            </a:r>
+            <a:r>
+              <a:rPr lang="en-US" altLang="ko-KR" b="1" dirty="0"/>
+              <a:t>JPA</a:t>
+            </a:r>
+            <a:r>
+              <a:rPr lang="ko-KR" altLang="ko-KR" b="1" dirty="0"/>
+              <a:t>를 쓰는가</a:t>
+            </a:r>
+            <a:r>
+              <a:rPr lang="en-US" altLang="ko-KR" b="1" dirty="0" smtClean="0"/>
+              <a:t>?</a:t>
+            </a:r>
+            <a:endParaRPr kumimoji="1" lang="ko-KR" altLang="en-US" dirty="0"/>
+          </a:p>
+        </p:txBody>
+      </p:sp>
+      <p:sp>
+        <p:nvSpPr>
+          <p:cNvPr id="3" name="내용 개체 틀 2"/>
+          <p:cNvSpPr>
+            <a:spLocks noGrp="1"/>
+          </p:cNvSpPr>
+          <p:nvPr>
+            <p:ph idx="1"/>
+          </p:nvPr>
+        </p:nvSpPr>
+        <p:spPr/>
+        <p:txBody>
+          <a:bodyPr/>
+          <a:lstStyle/>
+          <a:p>
+            <a:r>
+              <a:rPr lang="en-US" altLang="ko-KR" b="1" dirty="0"/>
+              <a:t>3. </a:t>
+            </a:r>
+            <a:r>
+              <a:rPr lang="ko-KR" altLang="ko-KR" b="1" dirty="0"/>
+              <a:t>상속 불일치</a:t>
+            </a:r>
+          </a:p>
+          <a:p>
+            <a:endParaRPr lang="ko-KR" altLang="ko-KR" b="1" dirty="0"/>
+          </a:p>
+          <a:p>
+            <a:pPr lvl="1" latinLnBrk="0"/>
+            <a:r>
+              <a:rPr lang="ko-KR" altLang="ko-KR" dirty="0"/>
+              <a:t>상속은 객체 세계에서는 지원하지만</a:t>
+            </a:r>
+            <a:r>
+              <a:rPr lang="en-US" altLang="ko-KR" dirty="0"/>
+              <a:t>, </a:t>
+            </a:r>
+            <a:r>
+              <a:rPr lang="ko-KR" altLang="ko-KR" dirty="0"/>
+              <a:t>관계형 스키마에서는 지원하지 않는다</a:t>
+            </a:r>
+            <a:r>
+              <a:rPr lang="en-US" altLang="ko-KR" dirty="0" smtClean="0"/>
+              <a:t>.</a:t>
+            </a:r>
+          </a:p>
+          <a:p>
+            <a:pPr lvl="1" latinLnBrk="0"/>
+            <a:endParaRPr lang="ko-KR" altLang="ko-KR" dirty="0"/>
+          </a:p>
+          <a:p>
+            <a:pPr lvl="1" latinLnBrk="0"/>
+            <a:r>
+              <a:rPr lang="ko-KR" altLang="ko-KR" dirty="0"/>
+              <a:t>상속은 모든 객체지향 언어</a:t>
+            </a:r>
+            <a:r>
+              <a:rPr lang="en-US" altLang="ko-KR" dirty="0"/>
+              <a:t>, </a:t>
+            </a:r>
+            <a:r>
+              <a:rPr lang="ko-KR" altLang="ko-KR" dirty="0"/>
+              <a:t>특히 자바에서 바늘과 실처럼 뗄 수 없는 </a:t>
+            </a:r>
+            <a:r>
+              <a:rPr lang="ko-KR" altLang="ko-KR" dirty="0" smtClean="0"/>
+              <a:t>특징입니다</a:t>
+            </a:r>
+            <a:endParaRPr lang="en-US" altLang="ko-KR" dirty="0" smtClean="0"/>
+          </a:p>
+          <a:p>
+            <a:pPr lvl="1" latinLnBrk="0"/>
+            <a:endParaRPr lang="ko-KR" altLang="ko-KR" dirty="0"/>
+          </a:p>
+          <a:p>
+            <a:pPr lvl="1" latinLnBrk="0"/>
+            <a:r>
+              <a:rPr lang="ko-KR" altLang="en-US" dirty="0" smtClean="0"/>
+              <a:t>하이버네이트는 </a:t>
+            </a:r>
+            <a:r>
+              <a:rPr lang="ko-KR" altLang="ko-KR" dirty="0"/>
+              <a:t>다양한 클래스</a:t>
+            </a:r>
+            <a:r>
+              <a:rPr lang="en-US" altLang="ko-KR" dirty="0"/>
+              <a:t>-</a:t>
+            </a:r>
+            <a:r>
+              <a:rPr lang="ko-KR" altLang="ko-KR" dirty="0"/>
+              <a:t>테이블</a:t>
+            </a:r>
+            <a:r>
+              <a:rPr lang="en-US" altLang="ko-KR" dirty="0"/>
+              <a:t>class-to-table </a:t>
+            </a:r>
+            <a:r>
+              <a:rPr lang="ko-KR" altLang="ko-KR" dirty="0"/>
+              <a:t>전략을 사용합니다</a:t>
+            </a:r>
+            <a:r>
+              <a:rPr lang="en-US" altLang="ko-KR" dirty="0"/>
+              <a:t>.</a:t>
+            </a:r>
+            <a:endParaRPr lang="ko-KR" altLang="ko-KR" dirty="0"/>
+          </a:p>
+          <a:p>
+            <a:pPr lvl="1" latinLnBrk="0"/>
+            <a:endParaRPr lang="ko-KR" altLang="ko-KR" dirty="0"/>
+          </a:p>
+          <a:p>
+            <a:endParaRPr kumimoji="1" lang="ko-KR" altLang="en-US" dirty="0"/>
+          </a:p>
+        </p:txBody>
+      </p:sp>
+    </p:spTree>
+    <p:extLst>
+      <p:ext uri="{BB962C8B-B14F-4D97-AF65-F5344CB8AC3E}">
+        <p14:creationId xmlns:p14="http://schemas.microsoft.com/office/powerpoint/2010/main" val="1094602048"/>
+      </p:ext>
+    </p:extLst>
+  </p:cSld>
+  <p:clrMapOvr>
+    <a:masterClrMapping/>
+  </p:clrMapOvr>
+  <p:timing>
+    <p:tnLst>
+      <p:par>
+        <p:cTn id="1" dur="indefinite" restart="never" nodeType="tmRoot"/>
+      </p:par>
+    </p:tnLst>
+  </p:timing>
+</p:sld>
+</file>
+
+<file path=ppt/slides/slide5.xml><?xml version="1.0" encoding="utf-8"?>
+<p:sld xmlns:a="http://schemas.openxmlformats.org/drawingml/2006/main" xmlns:r="http://schemas.openxmlformats.org/officeDocument/2006/relationships" xmlns:p="http://schemas.openxmlformats.org/presentationml/2006/main">
+  <p:cSld>
+    <p:spTree>
+      <p:nvGrpSpPr>
+        <p:cNvPr id="1" name=""/>
+        <p:cNvGrpSpPr/>
+        <p:nvPr/>
+      </p:nvGrpSpPr>
+      <p:grpSpPr>
+        <a:xfrm>
+          <a:off x="0" y="0"/>
+          <a:ext cx="0" cy="0"/>
+          <a:chOff x="0" y="0"/>
+          <a:chExt cx="0" cy="0"/>
+        </a:xfrm>
+      </p:grpSpPr>
+      <p:sp>
+        <p:nvSpPr>
+          <p:cNvPr id="2" name="제목 1"/>
+          <p:cNvSpPr>
+            <a:spLocks noGrp="1"/>
+          </p:cNvSpPr>
+          <p:nvPr>
+            <p:ph type="title"/>
+          </p:nvPr>
+        </p:nvSpPr>
+        <p:spPr/>
+        <p:txBody>
+          <a:bodyPr/>
+          <a:lstStyle/>
+          <a:p>
+            <a:r>
+              <a:rPr lang="ko-KR" altLang="ko-KR" b="1" dirty="0"/>
+              <a:t>왜 </a:t>
+            </a:r>
+            <a:r>
+              <a:rPr lang="en-US" altLang="ko-KR" b="1" dirty="0"/>
+              <a:t>JPA</a:t>
+            </a:r>
+            <a:r>
+              <a:rPr lang="ko-KR" altLang="ko-KR" b="1" dirty="0"/>
+              <a:t>를 쓰는가</a:t>
+            </a:r>
+            <a:r>
+              <a:rPr lang="en-US" altLang="ko-KR" b="1" dirty="0" smtClean="0"/>
+              <a:t>?</a:t>
+            </a:r>
+            <a:endParaRPr kumimoji="1" lang="ko-KR" altLang="en-US" dirty="0"/>
+          </a:p>
+        </p:txBody>
+      </p:sp>
+      <p:sp>
+        <p:nvSpPr>
+          <p:cNvPr id="3" name="내용 개체 틀 2"/>
+          <p:cNvSpPr>
+            <a:spLocks noGrp="1"/>
+          </p:cNvSpPr>
+          <p:nvPr>
+            <p:ph idx="1"/>
+          </p:nvPr>
+        </p:nvSpPr>
+        <p:spPr/>
+        <p:txBody>
+          <a:bodyPr/>
+          <a:lstStyle/>
+          <a:p>
+            <a:r>
+              <a:rPr lang="en-US" altLang="ko-KR" b="1" dirty="0"/>
+              <a:t>4. </a:t>
+            </a:r>
+            <a:r>
+              <a:rPr lang="ko-KR" altLang="ko-KR" b="1" dirty="0"/>
+              <a:t>관계와 연관 관계의 </a:t>
+            </a:r>
+            <a:r>
+              <a:rPr lang="ko-KR" altLang="ko-KR" b="1" dirty="0" smtClean="0"/>
+              <a:t>불일치</a:t>
+            </a:r>
+            <a:r>
+              <a:rPr lang="en-US" altLang="ko-KR" b="1" dirty="0" smtClean="0"/>
+              <a:t> (</a:t>
+            </a:r>
+            <a:r>
+              <a:rPr lang="en-US" altLang="ko-KR" dirty="0" smtClean="0"/>
+              <a:t>SQL </a:t>
+            </a:r>
+            <a:r>
+              <a:rPr lang="ko-KR" altLang="ko-KR" dirty="0"/>
+              <a:t>중심적인 개발의 </a:t>
+            </a:r>
+            <a:r>
+              <a:rPr lang="ko-KR" altLang="ko-KR" dirty="0" smtClean="0"/>
+              <a:t>문제점</a:t>
+            </a:r>
+            <a:r>
+              <a:rPr lang="en-US" altLang="ko-KR" dirty="0" smtClean="0"/>
+              <a:t>)</a:t>
+            </a:r>
+            <a:endParaRPr lang="en-US" altLang="ko-KR" dirty="0"/>
+          </a:p>
+          <a:p>
+            <a:endParaRPr lang="en-US" altLang="ko-KR" dirty="0" smtClean="0"/>
+          </a:p>
+          <a:p>
+            <a:r>
+              <a:rPr lang="en-US" altLang="ko-KR" dirty="0" smtClean="0"/>
+              <a:t>field </a:t>
+            </a:r>
+            <a:r>
+              <a:rPr lang="ko-KR" altLang="ko-KR" dirty="0"/>
+              <a:t>하나추가시</a:t>
+            </a:r>
+            <a:r>
+              <a:rPr lang="en-US" altLang="ko-KR" dirty="0"/>
+              <a:t>  </a:t>
+            </a:r>
+            <a:r>
+              <a:rPr lang="ko-KR" altLang="ko-KR" dirty="0"/>
+              <a:t>쿼리도 바꿔야하고</a:t>
+            </a:r>
+            <a:r>
+              <a:rPr lang="en-US" altLang="ko-KR" dirty="0"/>
+              <a:t>  VO</a:t>
+            </a:r>
+            <a:r>
+              <a:rPr lang="ko-KR" altLang="ko-KR" dirty="0"/>
+              <a:t>도 바꿔야되고 </a:t>
+            </a:r>
+            <a:r>
+              <a:rPr lang="en-US" altLang="ko-KR" dirty="0" smtClean="0"/>
+              <a:t>...</a:t>
+            </a:r>
+          </a:p>
+          <a:p>
+            <a:endParaRPr lang="ko-KR" altLang="ko-KR" dirty="0"/>
+          </a:p>
+          <a:p>
+            <a:r>
+              <a:rPr lang="en-US" altLang="ko-KR" dirty="0" smtClean="0"/>
+              <a:t>SQL</a:t>
+            </a:r>
+            <a:r>
+              <a:rPr lang="ko-KR" altLang="ko-KR" dirty="0"/>
+              <a:t>에 의존적인 개발을 피하기 어렵다</a:t>
+            </a:r>
+            <a:r>
+              <a:rPr lang="en-US" altLang="ko-KR" dirty="0" smtClean="0"/>
+              <a:t>.</a:t>
+            </a:r>
+          </a:p>
+          <a:p>
+            <a:endParaRPr lang="ko-KR" altLang="ko-KR" dirty="0"/>
+          </a:p>
+          <a:p>
+            <a:r>
+              <a:rPr lang="ko-KR" altLang="ko-KR" dirty="0" smtClean="0"/>
+              <a:t>객체답게 </a:t>
+            </a:r>
+            <a:r>
+              <a:rPr lang="ko-KR" altLang="ko-KR" dirty="0"/>
+              <a:t>모델링 할수록 매핑 작업만 늘어난다</a:t>
+            </a:r>
+          </a:p>
+          <a:p>
+            <a:pPr lvl="1" latinLnBrk="0"/>
+            <a:endParaRPr lang="ko-KR" altLang="ko-KR" dirty="0"/>
+          </a:p>
+          <a:p>
+            <a:endParaRPr kumimoji="1" lang="ko-KR" altLang="en-US" dirty="0"/>
+          </a:p>
+        </p:txBody>
+      </p:sp>
+    </p:spTree>
+    <p:extLst>
+      <p:ext uri="{BB962C8B-B14F-4D97-AF65-F5344CB8AC3E}">
+        <p14:creationId xmlns:p14="http://schemas.microsoft.com/office/powerpoint/2010/main" val="1957914625"/>
+      </p:ext>
+    </p:extLst>
+  </p:cSld>
+  <p:clrMapOvr>
+    <a:masterClrMapping/>
+  </p:clrMapOvr>
+  <p:timing>
+    <p:tnLst>
+      <p:par>
+        <p:cTn id="1" dur="indefinite" restart="never" nodeType="tmRoot"/>
+      </p:par>
+    </p:tnLst>
+  </p:timing>
+</p:sld>
+</file>
+
+<file path=ppt/slides/slide6.xml><?xml version="1.0" encoding="utf-8"?>
+<p:sld xmlns:a="http://schemas.openxmlformats.org/drawingml/2006/main" xmlns:r="http://schemas.openxmlformats.org/officeDocument/2006/relationships" xmlns:p="http://schemas.openxmlformats.org/presentationml/2006/main">
+  <p:cSld>
+    <p:spTree>
+      <p:nvGrpSpPr>
+        <p:cNvPr id="1" name=""/>
+        <p:cNvGrpSpPr/>
+        <p:nvPr/>
+      </p:nvGrpSpPr>
+      <p:grpSpPr>
+        <a:xfrm>
+          <a:off x="0" y="0"/>
+          <a:ext cx="0" cy="0"/>
+          <a:chOff x="0" y="0"/>
+          <a:chExt cx="0" cy="0"/>
+        </a:xfrm>
+      </p:grpSpPr>
+      <p:sp>
+        <p:nvSpPr>
+          <p:cNvPr id="2" name="제목 1"/>
+          <p:cNvSpPr>
+            <a:spLocks noGrp="1"/>
+          </p:cNvSpPr>
+          <p:nvPr>
+            <p:ph type="title"/>
+          </p:nvPr>
+        </p:nvSpPr>
+        <p:spPr/>
+        <p:txBody>
+          <a:bodyPr/>
+          <a:lstStyle/>
+          <a:p>
+            <a:r>
+              <a:rPr lang="ko-KR" altLang="ko-KR" b="1" dirty="0"/>
+              <a:t>왜 </a:t>
+            </a:r>
+            <a:r>
+              <a:rPr lang="en-US" altLang="ko-KR" b="1" dirty="0"/>
+              <a:t>JPA</a:t>
+            </a:r>
+            <a:r>
+              <a:rPr lang="ko-KR" altLang="ko-KR" b="1" dirty="0"/>
+              <a:t>를 쓰는가</a:t>
+            </a:r>
+            <a:r>
+              <a:rPr lang="en-US" altLang="ko-KR" b="1" dirty="0" smtClean="0"/>
+              <a:t>?</a:t>
+            </a:r>
+            <a:endParaRPr kumimoji="1" lang="ko-KR" altLang="en-US" dirty="0"/>
+          </a:p>
+        </p:txBody>
+      </p:sp>
+      <p:sp>
+        <p:nvSpPr>
+          <p:cNvPr id="3" name="내용 개체 틀 2"/>
+          <p:cNvSpPr>
+            <a:spLocks noGrp="1"/>
+          </p:cNvSpPr>
+          <p:nvPr>
+            <p:ph idx="1"/>
+          </p:nvPr>
+        </p:nvSpPr>
+        <p:spPr/>
+        <p:txBody>
+          <a:bodyPr>
+            <a:normAutofit fontScale="92500" lnSpcReduction="10000"/>
+          </a:bodyPr>
+          <a:lstStyle/>
+          <a:p>
+            <a:r>
+              <a:rPr lang="ko-KR" altLang="ko-KR" b="1" dirty="0" smtClean="0"/>
+              <a:t>장점</a:t>
+            </a:r>
+            <a:endParaRPr lang="ko-KR" altLang="ko-KR" b="1" dirty="0"/>
+          </a:p>
+          <a:p>
+            <a:pPr lvl="0" latinLnBrk="0"/>
+            <a:r>
+              <a:rPr lang="ko-KR" altLang="ko-KR" dirty="0"/>
+              <a:t>객체지향적으로 데이터를 관리할 수 있기 때문에 비즈니스 로직에 집중 할 수 있으며</a:t>
+            </a:r>
+            <a:r>
+              <a:rPr lang="en-US" altLang="ko-KR" dirty="0"/>
+              <a:t>, </a:t>
+            </a:r>
+            <a:endParaRPr lang="ko-KR" altLang="ko-KR" dirty="0"/>
+          </a:p>
+          <a:p>
+            <a:pPr lvl="0" latinLnBrk="0"/>
+            <a:r>
+              <a:rPr lang="ko-KR" altLang="ko-KR" dirty="0" smtClean="0"/>
+              <a:t>테이블 </a:t>
+            </a:r>
+            <a:r>
+              <a:rPr lang="ko-KR" altLang="ko-KR" dirty="0"/>
+              <a:t>생성</a:t>
+            </a:r>
+            <a:r>
+              <a:rPr lang="en-US" altLang="ko-KR" dirty="0"/>
+              <a:t>, </a:t>
+            </a:r>
+            <a:r>
+              <a:rPr lang="ko-KR" altLang="ko-KR" dirty="0"/>
+              <a:t>변경</a:t>
+            </a:r>
+            <a:r>
+              <a:rPr lang="en-US" altLang="ko-KR" dirty="0"/>
+              <a:t>, </a:t>
+            </a:r>
+            <a:r>
+              <a:rPr lang="ko-KR" altLang="ko-KR" dirty="0"/>
+              <a:t>관리가 쉽다</a:t>
+            </a:r>
+            <a:r>
+              <a:rPr lang="en-US" altLang="ko-KR" dirty="0"/>
+              <a:t>. (JPA</a:t>
+            </a:r>
+            <a:r>
+              <a:rPr lang="ko-KR" altLang="ko-KR" dirty="0"/>
+              <a:t>를 잘 이해하고 있는 경우</a:t>
+            </a:r>
+            <a:r>
+              <a:rPr lang="en-US" altLang="ko-KR" dirty="0"/>
+              <a:t>) </a:t>
+            </a:r>
+            <a:r>
+              <a:rPr lang="ko-KR" altLang="ko-KR" dirty="0"/>
+              <a:t>로직을 쿼리에 집중하기 </a:t>
+            </a:r>
+            <a:r>
+              <a:rPr lang="ko-KR" altLang="ko-KR" dirty="0" smtClean="0"/>
+              <a:t>보다는</a:t>
+            </a:r>
+            <a:r>
+              <a:rPr lang="ko-KR" altLang="en-US" dirty="0" smtClean="0"/>
+              <a:t>  </a:t>
+            </a:r>
+            <a:r>
+              <a:rPr lang="ko-KR" altLang="ko-KR" dirty="0" smtClean="0"/>
+              <a:t>객체자체에 </a:t>
+            </a:r>
+            <a:r>
+              <a:rPr lang="ko-KR" altLang="ko-KR" dirty="0"/>
+              <a:t>집중 할 수 있습니다</a:t>
+            </a:r>
+            <a:r>
+              <a:rPr lang="en-US" altLang="ko-KR" dirty="0"/>
+              <a:t>.</a:t>
+            </a:r>
+            <a:endParaRPr lang="ko-KR" altLang="ko-KR" dirty="0"/>
+          </a:p>
+          <a:p>
+            <a:pPr lvl="0" latinLnBrk="0"/>
+            <a:r>
+              <a:rPr lang="ko-KR" altLang="ko-KR" dirty="0"/>
+              <a:t>빠른 개발이 가능합니다</a:t>
+            </a:r>
+            <a:r>
+              <a:rPr lang="en-US" altLang="ko-KR" dirty="0" smtClean="0"/>
+              <a:t>.</a:t>
+            </a:r>
+            <a:endParaRPr lang="en-US" altLang="ko-KR" dirty="0"/>
+          </a:p>
+          <a:p>
+            <a:pPr lvl="0" latinLnBrk="0"/>
+            <a:r>
+              <a:rPr lang="en-US" altLang="ko-KR" dirty="0"/>
+              <a:t> </a:t>
+            </a:r>
+            <a:endParaRPr lang="ko-KR" altLang="ko-KR" dirty="0"/>
+          </a:p>
+          <a:p>
+            <a:r>
+              <a:rPr lang="ko-KR" altLang="ko-KR" b="1" dirty="0"/>
+              <a:t>단점</a:t>
+            </a:r>
+          </a:p>
+          <a:p>
+            <a:pPr lvl="0" latinLnBrk="0"/>
+            <a:r>
+              <a:rPr lang="ko-KR" altLang="ko-KR" dirty="0"/>
+              <a:t>어렵다</a:t>
+            </a:r>
+            <a:r>
+              <a:rPr lang="en-US" altLang="ko-KR" dirty="0"/>
+              <a:t>. </a:t>
+            </a:r>
+            <a:r>
+              <a:rPr lang="ko-KR" altLang="ko-KR" dirty="0"/>
+              <a:t>장점을 더 극대화 하기 위해서 알아야 할게 많습니다</a:t>
+            </a:r>
+            <a:r>
+              <a:rPr lang="en-US" altLang="ko-KR" dirty="0"/>
+              <a:t>.</a:t>
+            </a:r>
+            <a:endParaRPr lang="ko-KR" altLang="ko-KR" dirty="0"/>
+          </a:p>
+          <a:p>
+            <a:pPr lvl="0" latinLnBrk="0"/>
+            <a:r>
+              <a:rPr lang="ko-KR" altLang="ko-KR" dirty="0"/>
+              <a:t>잘 이해하고 사용하지 않으면 </a:t>
+            </a:r>
+            <a:r>
+              <a:rPr lang="ko-KR" altLang="en-US" dirty="0" smtClean="0"/>
+              <a:t>예상과 다르게 돌아갈수 </a:t>
+            </a:r>
+            <a:r>
+              <a:rPr lang="ko-KR" altLang="ko-KR" dirty="0" smtClean="0"/>
+              <a:t>있습니다</a:t>
+            </a:r>
+            <a:r>
+              <a:rPr lang="en-US" altLang="ko-KR" dirty="0"/>
+              <a:t>.</a:t>
+            </a:r>
+            <a:endParaRPr lang="ko-KR" altLang="ko-KR" dirty="0"/>
+          </a:p>
+          <a:p>
+            <a:pPr lvl="1" latinLnBrk="0"/>
+            <a:endParaRPr lang="ko-KR" altLang="ko-KR" dirty="0"/>
+          </a:p>
+          <a:p>
+            <a:endParaRPr kumimoji="1" lang="ko-KR" altLang="en-US" dirty="0"/>
+          </a:p>
+        </p:txBody>
+      </p:sp>
+    </p:spTree>
+    <p:extLst>
+      <p:ext uri="{BB962C8B-B14F-4D97-AF65-F5344CB8AC3E}">
+        <p14:creationId xmlns:p14="http://schemas.microsoft.com/office/powerpoint/2010/main" val="945645627"/>
+      </p:ext>
+    </p:extLst>
+  </p:cSld>
+  <p:clrMapOvr>
+    <a:masterClrMapping/>
+  </p:clrMapOvr>
+  <p:timing>
+    <p:tnLst>
+      <p:par>
+        <p:cTn id="1" dur="indefinite" restart="never" nodeType="tmRoot"/>
+      </p:par>
+    </p:tnLst>
+  </p:timing>
+</p:sld>
+</file>
+
+<file path=ppt/slides/slide7.xml><?xml version="1.0" encoding="utf-8"?>
+<p:sld xmlns:a="http://schemas.openxmlformats.org/drawingml/2006/main" xmlns:r="http://schemas.openxmlformats.org/officeDocument/2006/relationships" xmlns:p="http://schemas.openxmlformats.org/presentationml/2006/main">
+  <p:cSld>
+    <p:spTree>
+      <p:nvGrpSpPr>
+        <p:cNvPr id="1" name=""/>
+        <p:cNvGrpSpPr/>
+        <p:nvPr/>
+      </p:nvGrpSpPr>
+      <p:grpSpPr>
+        <a:xfrm>
+          <a:off x="0" y="0"/>
+          <a:ext cx="0" cy="0"/>
+          <a:chOff x="0" y="0"/>
+          <a:chExt cx="0" cy="0"/>
+        </a:xfrm>
+      </p:grpSpPr>
+      <p:sp>
+        <p:nvSpPr>
+          <p:cNvPr id="5" name="직사각형 4"/>
+          <p:cNvSpPr/>
+          <p:nvPr/>
+        </p:nvSpPr>
+        <p:spPr>
+          <a:xfrm>
+            <a:off x="1483198" y="1426420"/>
+            <a:ext cx="9225603" cy="1754326"/>
+          </a:xfrm>
+          <a:prstGeom prst="rect">
+            <a:avLst/>
+          </a:prstGeom>
+          <a:noFill/>
+        </p:spPr>
+        <p:txBody>
+          <a:bodyPr wrap="none" lIns="91440" tIns="45720" rIns="91440" bIns="45720">
+            <a:spAutoFit/>
+          </a:bodyPr>
+          <a:lstStyle/>
+          <a:p>
+            <a:pPr algn="ctr"/>
+            <a:r>
+              <a:rPr lang="ko-KR" altLang="en-US" sz="5400" b="1" cap="none" spc="0" dirty="0" smtClean="0">
+                <a:ln w="9525">
+                  <a:solidFill>
+                    <a:schemeClr val="bg1"/>
+                  </a:solidFill>
+                  <a:prstDash val="solid"/>
+                </a:ln>
+                <a:solidFill>
+                  <a:schemeClr val="tx1"/>
+                </a:solidFill>
+                <a:effectLst>
+                  <a:outerShdw blurRad="12700" dist="38100" dir="2700000" algn="tl" rotWithShape="0">
+                    <a:schemeClr val="bg1">
+                      <a:lumMod val="50000"/>
+                    </a:schemeClr>
+                  </a:outerShdw>
+                </a:effectLst>
+              </a:rPr>
+              <a:t>사람은 이해하지 못하는 것을</a:t>
+            </a:r>
+            <a:r>
+              <a:rPr lang="en-US" altLang="ko-KR" sz="5400" b="1" cap="none" spc="0" dirty="0" smtClean="0">
+                <a:ln w="9525">
+                  <a:solidFill>
+                    <a:schemeClr val="bg1"/>
+                  </a:solidFill>
+                  <a:prstDash val="solid"/>
+                </a:ln>
+                <a:solidFill>
+                  <a:schemeClr val="tx1"/>
+                </a:solidFill>
+                <a:effectLst>
+                  <a:outerShdw blurRad="12700" dist="38100" dir="2700000" algn="tl" rotWithShape="0">
+                    <a:schemeClr val="bg1">
+                      <a:lumMod val="50000"/>
+                    </a:schemeClr>
+                  </a:outerShdw>
+                </a:effectLst>
+              </a:rPr>
+              <a:t/>
+            </a:r>
+            <a:br>
+              <a:rPr lang="en-US" altLang="ko-KR" sz="5400" b="1" cap="none" spc="0" dirty="0" smtClean="0">
+                <a:ln w="9525">
+                  <a:solidFill>
+                    <a:schemeClr val="bg1"/>
+                  </a:solidFill>
+                  <a:prstDash val="solid"/>
+                </a:ln>
+                <a:solidFill>
+                  <a:schemeClr val="tx1"/>
+                </a:solidFill>
+                <a:effectLst>
+                  <a:outerShdw blurRad="12700" dist="38100" dir="2700000" algn="tl" rotWithShape="0">
+                    <a:schemeClr val="bg1">
+                      <a:lumMod val="50000"/>
+                    </a:schemeClr>
+                  </a:outerShdw>
+                </a:effectLst>
+              </a:rPr>
+            </a:br>
+            <a:r>
+              <a:rPr lang="ko-KR" altLang="en-US" sz="5400" b="1" cap="none" spc="0" dirty="0" smtClean="0">
+                <a:ln w="9525">
+                  <a:solidFill>
+                    <a:schemeClr val="bg1"/>
+                  </a:solidFill>
+                  <a:prstDash val="solid"/>
+                </a:ln>
+                <a:solidFill>
+                  <a:schemeClr val="tx1"/>
+                </a:solidFill>
+                <a:effectLst>
+                  <a:outerShdw blurRad="12700" dist="38100" dir="2700000" algn="tl" rotWithShape="0">
+                    <a:schemeClr val="bg1">
+                      <a:lumMod val="50000"/>
+                    </a:schemeClr>
+                  </a:outerShdw>
+                </a:effectLst>
+              </a:rPr>
+              <a:t>두려움을 느낀다</a:t>
+            </a:r>
+            <a:r>
+              <a:rPr lang="en-US" altLang="ko-KR" sz="5400" b="1" cap="none" spc="0" dirty="0" smtClean="0">
+                <a:ln w="9525">
+                  <a:solidFill>
+                    <a:schemeClr val="bg1"/>
+                  </a:solidFill>
+                  <a:prstDash val="solid"/>
+                </a:ln>
+                <a:solidFill>
+                  <a:schemeClr val="tx1"/>
+                </a:solidFill>
+                <a:effectLst>
+                  <a:outerShdw blurRad="12700" dist="38100" dir="2700000" algn="tl" rotWithShape="0">
+                    <a:schemeClr val="bg1">
+                      <a:lumMod val="50000"/>
+                    </a:schemeClr>
+                  </a:outerShdw>
+                </a:effectLst>
+              </a:rPr>
+              <a:t>.</a:t>
+            </a:r>
+            <a:endParaRPr lang="ko-KR" altLang="en-US" sz="5400" b="1" cap="none" spc="0" dirty="0">
+              <a:ln w="9525">
+                <a:solidFill>
+                  <a:schemeClr val="bg1"/>
+                </a:solidFill>
+                <a:prstDash val="solid"/>
+              </a:ln>
+              <a:solidFill>
+                <a:schemeClr val="tx1"/>
+              </a:solidFill>
+              <a:effectLst>
+                <a:outerShdw blurRad="12700" dist="38100" dir="2700000" algn="tl" rotWithShape="0">
+                  <a:schemeClr val="bg1">
+                    <a:lumMod val="50000"/>
+                  </a:schemeClr>
+                </a:outerShdw>
+              </a:effectLst>
+            </a:endParaRPr>
+          </a:p>
+        </p:txBody>
+      </p:sp>
+      <p:sp>
+        <p:nvSpPr>
+          <p:cNvPr id="6" name="제목 5"/>
+          <p:cNvSpPr>
+            <a:spLocks noGrp="1"/>
+          </p:cNvSpPr>
+          <p:nvPr>
+            <p:ph type="title"/>
+          </p:nvPr>
+        </p:nvSpPr>
+        <p:spPr/>
+        <p:txBody>
+          <a:bodyPr/>
+          <a:lstStyle/>
+          <a:p>
+            <a:endParaRPr kumimoji="1" lang="ko-KR" altLang="en-US" dirty="0"/>
+          </a:p>
+        </p:txBody>
+      </p:sp>
+      <p:pic>
+        <p:nvPicPr>
+          <p:cNvPr id="1026" name="Picture 2" descr="련 이미지"/>
+          <p:cNvPicPr>
+            <a:picLocks noChangeAspect="1" noChangeArrowheads="1"/>
+          </p:cNvPicPr>
+          <p:nvPr/>
+        </p:nvPicPr>
+        <p:blipFill>
+          <a:blip r:embed="rId2">
+            <a:extLst>
+              <a:ext uri="{28A0092B-C50C-407E-A947-70E740481C1C}">
+                <a14:useLocalDpi xmlns:a14="http://schemas.microsoft.com/office/drawing/2010/main" val="0"/>
+              </a:ext>
+            </a:extLst>
+          </a:blip>
+          <a:srcRect/>
+          <a:stretch>
+            <a:fillRect/>
+          </a:stretch>
+        </p:blipFill>
+        <p:spPr bwMode="auto">
+          <a:xfrm>
+            <a:off x="4161691" y="3760540"/>
+            <a:ext cx="3452447" cy="2546180"/>
+          </a:xfrm>
+          <a:prstGeom prst="rect">
+            <a:avLst/>
+          </a:prstGeom>
+          <a:noFill/>
+          <a:extLst>
+            <a:ext uri="{909E8E84-426E-40DD-AFC4-6F175D3DCCD1}">
+              <a14:hiddenFill xmlns:a14="http://schemas.microsoft.com/office/drawing/2010/main">
+                <a:solidFill>
+                  <a:srgbClr val="FFFFFF"/>
+                </a:solidFill>
+              </a14:hiddenFill>
+            </a:ext>
+          </a:extLst>
+        </p:spPr>
+      </p:pic>
+    </p:spTree>
+    <p:extLst>
+      <p:ext uri="{BB962C8B-B14F-4D97-AF65-F5344CB8AC3E}">
+        <p14:creationId xmlns:p14="http://schemas.microsoft.com/office/powerpoint/2010/main" val="250076177"/>
+      </p:ext>
+    </p:extLst>
+  </p:cSld>
+  <p:clrMapOvr>
+    <a:masterClrMapping/>
+  </p:clrMapOvr>
+  <p:timing>
+    <p:tnLst>
+      <p:par>
+        <p:cTn id="1" dur="indefinite" restart="never" nodeType="tmRoot"/>
+      </p:par>
+    </p:tnLst>
+  </p:timing>
+</p:sld>
+</file>
+
+<file path=ppt/slides/slide8.xml><?xml version="1.0" encoding="utf-8"?>
+<p:sld xmlns:a="http://schemas.openxmlformats.org/drawingml/2006/main" xmlns:r="http://schemas.openxmlformats.org/officeDocument/2006/relationships" xmlns:p="http://schemas.openxmlformats.org/presentationml/2006/main">
+  <p:cSld>
+    <p:spTree>
+      <p:nvGrpSpPr>
+        <p:cNvPr id="1" name=""/>
+        <p:cNvGrpSpPr/>
+        <p:nvPr/>
+      </p:nvGrpSpPr>
+      <p:grpSpPr>
+        <a:xfrm>
+          <a:off x="0" y="0"/>
+          <a:ext cx="0" cy="0"/>
+          <a:chOff x="0" y="0"/>
+          <a:chExt cx="0" cy="0"/>
+        </a:xfrm>
+      </p:grpSpPr>
+      <p:sp>
+        <p:nvSpPr>
+          <p:cNvPr id="2" name="제목 1"/>
+          <p:cNvSpPr>
+            <a:spLocks noGrp="1"/>
+          </p:cNvSpPr>
+          <p:nvPr>
+            <p:ph type="title"/>
+          </p:nvPr>
+        </p:nvSpPr>
+        <p:spPr/>
+        <p:txBody>
+          <a:bodyPr/>
+          <a:lstStyle/>
+          <a:p>
+            <a:r>
+              <a:rPr kumimoji="1" lang="ko-KR" altLang="en-US" dirty="0" smtClean="0"/>
+              <a:t>정리해보자면 </a:t>
+            </a:r>
+            <a:r>
+              <a:rPr kumimoji="1" lang="ko-KR" altLang="en-US" dirty="0" smtClean="0"/>
+              <a:t>왜</a:t>
+            </a:r>
+            <a:r>
+              <a:rPr kumimoji="1" lang="en-US" altLang="ko-KR" dirty="0" smtClean="0"/>
+              <a:t>?</a:t>
+            </a:r>
+            <a:r>
+              <a:rPr kumimoji="1" lang="ko-KR" altLang="en-US" dirty="0" smtClean="0"/>
+              <a:t> </a:t>
+            </a:r>
+            <a:r>
+              <a:rPr kumimoji="1" lang="en-US" altLang="ko-KR" dirty="0" smtClean="0"/>
+              <a:t>Hibernate??</a:t>
+            </a:r>
+            <a:endParaRPr kumimoji="1" lang="ko-KR" altLang="en-US" dirty="0"/>
+          </a:p>
+        </p:txBody>
+      </p:sp>
+      <p:sp>
+        <p:nvSpPr>
+          <p:cNvPr id="3" name="내용 개체 틀 2"/>
+          <p:cNvSpPr>
+            <a:spLocks noGrp="1"/>
+          </p:cNvSpPr>
+          <p:nvPr>
+            <p:ph idx="1"/>
+          </p:nvPr>
+        </p:nvSpPr>
+        <p:spPr/>
+        <p:txBody>
+          <a:bodyPr>
+            <a:normAutofit/>
+          </a:bodyPr>
+          <a:lstStyle/>
+          <a:p>
+            <a:pPr marL="0" marR="0" lvl="0" indent="0" defTabSz="914400" eaLnBrk="1" fontAlgn="auto" latinLnBrk="0" hangingPunct="1">
+              <a:lnSpc>
+                <a:spcPct val="100000"/>
+              </a:lnSpc>
+              <a:spcBef>
+                <a:spcPts val="0"/>
+              </a:spcBef>
+              <a:spcAft>
+                <a:spcPts val="0"/>
+              </a:spcAft>
+              <a:buClrTx/>
+              <a:buSzTx/>
+              <a:buFontTx/>
+              <a:buNone/>
+              <a:tabLst/>
+              <a:defRPr/>
+            </a:pPr>
+            <a:r>
+              <a:rPr kumimoji="1" lang="en-US" altLang="ko-KR" sz="4800" dirty="0" smtClean="0"/>
+              <a:t>1.</a:t>
+            </a:r>
+            <a:r>
+              <a:rPr kumimoji="1" lang="ko-KR" altLang="en-US" sz="4800" dirty="0" smtClean="0"/>
+              <a:t> </a:t>
+            </a:r>
+            <a:r>
+              <a:rPr kumimoji="1" lang="en-US" altLang="ko-KR" sz="4800" dirty="0" smtClean="0"/>
+              <a:t>SQL </a:t>
+            </a:r>
+            <a:r>
+              <a:rPr kumimoji="1" lang="ko-KR" altLang="en-US" sz="4800" dirty="0" smtClean="0"/>
+              <a:t>짜기 싫어</a:t>
+            </a:r>
+            <a:r>
+              <a:rPr kumimoji="1" lang="en-US" altLang="ko-KR" sz="4800" dirty="0" smtClean="0"/>
+              <a:t>!~</a:t>
+            </a:r>
+            <a:r>
+              <a:rPr kumimoji="1" lang="ko-KR" altLang="en-US" sz="4800" dirty="0" smtClean="0"/>
+              <a:t>ㅠㅠ</a:t>
+            </a:r>
+            <a:endParaRPr kumimoji="1" lang="en-US" altLang="ko-KR" sz="4800" dirty="0" smtClean="0"/>
+          </a:p>
+          <a:p>
+            <a:pPr marL="0" marR="0" lvl="0" indent="0" defTabSz="914400" eaLnBrk="1" fontAlgn="auto" latinLnBrk="0" hangingPunct="1">
+              <a:lnSpc>
+                <a:spcPct val="100000"/>
+              </a:lnSpc>
+              <a:spcBef>
+                <a:spcPts val="0"/>
+              </a:spcBef>
+              <a:spcAft>
+                <a:spcPts val="0"/>
+              </a:spcAft>
+              <a:buClrTx/>
+              <a:buSzTx/>
+              <a:buFontTx/>
+              <a:buNone/>
+              <a:tabLst/>
+              <a:defRPr/>
+            </a:pPr>
+            <a:endParaRPr kumimoji="1" lang="en-US" altLang="ko-KR" sz="4800" dirty="0"/>
+          </a:p>
+          <a:p>
+            <a:pPr marL="0" marR="0" lvl="0" indent="0" defTabSz="914400" eaLnBrk="1" fontAlgn="auto" latinLnBrk="0" hangingPunct="1">
+              <a:lnSpc>
+                <a:spcPct val="100000"/>
+              </a:lnSpc>
+              <a:spcBef>
+                <a:spcPts val="0"/>
+              </a:spcBef>
+              <a:spcAft>
+                <a:spcPts val="0"/>
+              </a:spcAft>
+              <a:buClrTx/>
+              <a:buSzTx/>
+              <a:buFontTx/>
+              <a:buNone/>
+              <a:tabLst/>
+              <a:defRPr/>
+            </a:pPr>
+            <a:r>
+              <a:rPr kumimoji="1" lang="en-US" altLang="ko-KR" sz="4800" dirty="0" smtClean="0"/>
+              <a:t>2.</a:t>
+            </a:r>
+            <a:r>
+              <a:rPr kumimoji="1" lang="ko-KR" altLang="en-US" sz="4800" dirty="0" smtClean="0"/>
+              <a:t> 매번 객체 맵핑 시키는거 귀찮아</a:t>
+            </a:r>
+            <a:r>
+              <a:rPr kumimoji="1" lang="en-US" altLang="ko-KR" sz="4800" dirty="0" smtClean="0"/>
+              <a:t>~</a:t>
+            </a:r>
+          </a:p>
+          <a:p>
+            <a:pPr marL="0" marR="0" lvl="0" indent="0" defTabSz="914400" eaLnBrk="1" fontAlgn="auto" latinLnBrk="0" hangingPunct="1">
+              <a:lnSpc>
+                <a:spcPct val="100000"/>
+              </a:lnSpc>
+              <a:spcBef>
+                <a:spcPts val="0"/>
+              </a:spcBef>
+              <a:spcAft>
+                <a:spcPts val="0"/>
+              </a:spcAft>
+              <a:buClrTx/>
+              <a:buSzTx/>
+              <a:buFontTx/>
+              <a:buNone/>
+              <a:tabLst/>
+              <a:defRPr/>
+            </a:pPr>
+            <a:endParaRPr kumimoji="1" lang="en-US" altLang="ko-KR" sz="4800" dirty="0" smtClean="0"/>
+          </a:p>
+          <a:p>
+            <a:pPr marL="0" marR="0" lvl="0" indent="0" defTabSz="914400" eaLnBrk="1" fontAlgn="auto" latinLnBrk="0" hangingPunct="1">
+              <a:lnSpc>
+                <a:spcPct val="100000"/>
+              </a:lnSpc>
+              <a:spcBef>
+                <a:spcPts val="0"/>
+              </a:spcBef>
+              <a:spcAft>
+                <a:spcPts val="0"/>
+              </a:spcAft>
+              <a:buClrTx/>
+              <a:buSzTx/>
+              <a:buFontTx/>
+              <a:buNone/>
+              <a:tabLst/>
+              <a:defRPr/>
+            </a:pPr>
+            <a:r>
+              <a:rPr kumimoji="1" lang="en-US" altLang="ko-KR" sz="4800" dirty="0" smtClean="0"/>
+              <a:t>3.</a:t>
+            </a:r>
+            <a:r>
+              <a:rPr kumimoji="1" lang="ko-KR" altLang="en-US" sz="4800" dirty="0" smtClean="0"/>
+              <a:t> 나는 비지니스 로직에 집중할꺼야</a:t>
+            </a:r>
+            <a:r>
+              <a:rPr kumimoji="1" lang="en-US" altLang="ko-KR" sz="4800" dirty="0" smtClean="0"/>
+              <a:t>~</a:t>
+            </a:r>
+            <a:endParaRPr kumimoji="1" lang="ko-KR" altLang="en-US" sz="4800" dirty="0"/>
+          </a:p>
+        </p:txBody>
+      </p:sp>
+    </p:spTree>
+    <p:extLst>
+      <p:ext uri="{BB962C8B-B14F-4D97-AF65-F5344CB8AC3E}">
+        <p14:creationId xmlns:p14="http://schemas.microsoft.com/office/powerpoint/2010/main" val="773826462"/>
+      </p:ext>
+    </p:extLst>
+  </p:cSld>
+  <p:clrMapOvr>
+    <a:masterClrMapping/>
+  </p:clrMapOvr>
+  <p:timing>
+    <p:tnLst>
+      <p:par>
+        <p:cTn id="1" dur="indefinite" restart="never" nodeType="tmRoot"/>
+      </p:par>
+    </p:tnLst>
+  </p:timing>
+</p:sld>
+</file>
+
 <file path=ppt/slides/slide9.xml><?xml version="1.0" encoding="utf-8"?>
 <p:sld xmlns:a="http://schemas.openxmlformats.org/drawingml/2006/main" xmlns:r="http://schemas.openxmlformats.org/officeDocument/2006/relationships" xmlns:p="http://schemas.openxmlformats.org/presentationml/2006/main">
   <p:cSld>
@@ -13009,74 +14531,80 @@
           <a:lstStyle/>
           <a:p>
             <a:r>
-              <a:rPr lang="en-US" altLang="ko-KR" b="1" dirty="0"/>
-              <a:t>Join </a:t>
-            </a:r>
-            <a:r>
-              <a:rPr lang="ko-KR" altLang="en-US" b="1" dirty="0"/>
-              <a:t>조인</a:t>
+              <a:rPr kumimoji="1" lang="ko-KR" altLang="en-US" dirty="0" smtClean="0"/>
+              <a:t>엔티티 생명주기</a:t>
             </a:r>
             <a:endParaRPr kumimoji="1" lang="ko-KR" altLang="en-US" dirty="0"/>
           </a:p>
         </p:txBody>
       </p:sp>
-      <p:sp>
-        <p:nvSpPr>
-          <p:cNvPr id="3" name="내용 개체 틀 2"/>
-          <p:cNvSpPr>
-            <a:spLocks noGrp="1"/>
-          </p:cNvSpPr>
-          <p:nvPr>
-            <p:ph idx="1"/>
-          </p:nvPr>
-        </p:nvSpPr>
+      <p:pic>
+        <p:nvPicPr>
+          <p:cNvPr id="4" name="그림 3"/>
+          <p:cNvPicPr>
+            <a:picLocks noChangeAspect="1"/>
+          </p:cNvPicPr>
+          <p:nvPr/>
+        </p:nvPicPr>
+        <p:blipFill>
+          <a:blip r:embed="rId3"/>
+          <a:stretch>
+            <a:fillRect/>
+          </a:stretch>
+        </p:blipFill>
         <p:spPr>
           <a:xfrm>
-            <a:off x="838200" y="1948717"/>
-            <a:ext cx="10515600" cy="4351338"/>
+            <a:off x="5930640" y="247650"/>
+            <a:ext cx="2179638" cy="966844"/>
           </a:xfrm>
+          <a:prstGeom prst="rect">
+            <a:avLst/>
+          </a:prstGeom>
         </p:spPr>
-        <p:txBody>
-          <a:bodyPr>
-            <a:normAutofit/>
-          </a:bodyPr>
-          <a:lstStyle/>
-          <a:p>
-            <a:r>
-              <a:rPr kumimoji="1" lang="en-US" altLang="ko-KR" sz="3000" dirty="0" smtClean="0"/>
-              <a:t>1:1</a:t>
-            </a:r>
-          </a:p>
-          <a:p>
-            <a:endParaRPr kumimoji="1" lang="en-US" altLang="ko-KR" sz="3000" dirty="0"/>
-          </a:p>
-          <a:p>
-            <a:r>
-              <a:rPr kumimoji="1" lang="en-US" altLang="ko-KR" sz="3000" dirty="0" smtClean="0"/>
-              <a:t>1:N, N:1</a:t>
-            </a:r>
-          </a:p>
-          <a:p>
-            <a:endParaRPr kumimoji="1" lang="en-US" altLang="ko-KR" sz="3000" dirty="0"/>
-          </a:p>
-          <a:p>
-            <a:r>
-              <a:rPr kumimoji="1" lang="en-US" altLang="ko-KR" sz="3000" dirty="0" smtClean="0"/>
-              <a:t>N:N</a:t>
-            </a:r>
-          </a:p>
-        </p:txBody>
-      </p:sp>
-      <p:sp>
-        <p:nvSpPr>
-          <p:cNvPr id="4" name="텍스트 상자 3"/>
+      </p:pic>
+      <p:pic>
+        <p:nvPicPr>
+          <p:cNvPr id="8" name="그림 7" descr="2016-07-11_13-38-11"/>
+          <p:cNvPicPr/>
+          <p:nvPr/>
+        </p:nvPicPr>
+        <p:blipFill>
+          <a:blip r:embed="rId4">
+            <a:extLst>
+              <a:ext uri="{28A0092B-C50C-407E-A947-70E740481C1C}">
+                <a14:useLocalDpi xmlns:a14="http://schemas.microsoft.com/office/drawing/2010/main" val="0"/>
+              </a:ext>
+            </a:extLst>
+          </a:blip>
+          <a:srcRect/>
+          <a:stretch>
+            <a:fillRect/>
+          </a:stretch>
+        </p:blipFill>
+        <p:spPr bwMode="auto">
+          <a:xfrm>
+            <a:off x="546848" y="1572353"/>
+            <a:ext cx="10501255" cy="5032841"/>
+          </a:xfrm>
+          <a:prstGeom prst="rect">
+            <a:avLst/>
+          </a:prstGeom>
+          <a:noFill/>
+          <a:ln>
+            <a:noFill/>
+          </a:ln>
+        </p:spPr>
+      </p:pic>
+      <p:sp>
+        <p:nvSpPr>
+          <p:cNvPr id="5" name="텍스트 상자 4"/>
           <p:cNvSpPr txBox="1"/>
           <p:nvPr/>
         </p:nvSpPr>
         <p:spPr>
           <a:xfrm>
-            <a:off x="1037492" y="5416061"/>
-            <a:ext cx="10550770" cy="584775"/>
+            <a:off x="2796987" y="3904107"/>
+            <a:ext cx="1054249" cy="369332"/>
           </a:xfrm>
           <a:prstGeom prst="rect">
             <a:avLst/>
@@ -13090,21 +14618,134 @@
           <a:lstStyle/>
           <a:p>
             <a:r>
-              <a:rPr kumimoji="1" lang="ko-KR" altLang="en-US" sz="3200" dirty="0" smtClean="0"/>
-              <a:t>하이버네이트는 다중성과 방향성을 모두 지원한다</a:t>
-            </a:r>
-            <a:r>
-              <a:rPr kumimoji="1" lang="en-US" altLang="ko-KR" sz="3200" dirty="0" smtClean="0"/>
-              <a:t>.</a:t>
-            </a:r>
-            <a:endParaRPr kumimoji="1" lang="ko-KR" altLang="en-US" sz="3200" dirty="0"/>
-          </a:p>
-        </p:txBody>
-      </p:sp>
+              <a:rPr kumimoji="1" lang="en-US" altLang="ko-KR" dirty="0" smtClean="0"/>
+              <a:t>(</a:t>
+            </a:r>
+            <a:r>
+              <a:rPr kumimoji="1" lang="ko-KR" altLang="en-US" dirty="0" smtClean="0"/>
+              <a:t>비영속</a:t>
+            </a:r>
+            <a:r>
+              <a:rPr kumimoji="1" lang="en-US" altLang="ko-KR" dirty="0" smtClean="0"/>
+              <a:t>)</a:t>
+            </a:r>
+            <a:endParaRPr kumimoji="1" lang="ko-KR" altLang="en-US" dirty="0"/>
+          </a:p>
+        </p:txBody>
+      </p:sp>
+      <p:sp>
+        <p:nvSpPr>
+          <p:cNvPr id="10" name="텍스트 상자 9"/>
+          <p:cNvSpPr txBox="1"/>
+          <p:nvPr/>
+        </p:nvSpPr>
+        <p:spPr>
+          <a:xfrm>
+            <a:off x="6160546" y="3871834"/>
+            <a:ext cx="1054249" cy="369332"/>
+          </a:xfrm>
+          <a:prstGeom prst="rect">
+            <a:avLst/>
+          </a:prstGeom>
+          <a:noFill/>
+        </p:spPr>
+        <p:txBody>
+          <a:bodyPr wrap="square" rtlCol="0">
+            <a:spAutoFit/>
+          </a:bodyPr>
+          <a:lstStyle/>
+          <a:p>
+            <a:r>
+              <a:rPr kumimoji="1" lang="en-US" altLang="ko-KR" dirty="0" smtClean="0"/>
+              <a:t>(</a:t>
+            </a:r>
+            <a:r>
+              <a:rPr kumimoji="1" lang="ko-KR" altLang="en-US" dirty="0" smtClean="0"/>
+              <a:t>영속</a:t>
+            </a:r>
+            <a:r>
+              <a:rPr kumimoji="1" lang="en-US" altLang="ko-KR" dirty="0" smtClean="0"/>
+              <a:t>)</a:t>
+            </a:r>
+            <a:endParaRPr kumimoji="1" lang="ko-KR" altLang="en-US" dirty="0"/>
+          </a:p>
+        </p:txBody>
+      </p:sp>
+      <p:sp>
+        <p:nvSpPr>
+          <p:cNvPr id="13" name="텍스트 상자 12"/>
+          <p:cNvSpPr txBox="1"/>
+          <p:nvPr/>
+        </p:nvSpPr>
+        <p:spPr>
+          <a:xfrm>
+            <a:off x="9495417" y="3904107"/>
+            <a:ext cx="1054249" cy="369332"/>
+          </a:xfrm>
+          <a:prstGeom prst="rect">
+            <a:avLst/>
+          </a:prstGeom>
+          <a:noFill/>
+        </p:spPr>
+        <p:txBody>
+          <a:bodyPr wrap="square" rtlCol="0">
+            <a:spAutoFit/>
+          </a:bodyPr>
+          <a:lstStyle/>
+          <a:p>
+            <a:r>
+              <a:rPr kumimoji="1" lang="en-US" altLang="ko-KR" dirty="0" smtClean="0"/>
+              <a:t>(</a:t>
+            </a:r>
+            <a:r>
+              <a:rPr kumimoji="1" lang="ko-KR" altLang="en-US" dirty="0" smtClean="0"/>
+              <a:t>준영속</a:t>
+            </a:r>
+            <a:r>
+              <a:rPr kumimoji="1" lang="en-US" altLang="ko-KR" dirty="0" smtClean="0"/>
+              <a:t>)</a:t>
+            </a:r>
+            <a:endParaRPr kumimoji="1" lang="ko-KR" altLang="en-US" dirty="0"/>
+          </a:p>
+        </p:txBody>
+      </p:sp>
+      <p:pic>
+        <p:nvPicPr>
+          <p:cNvPr id="14" name="그림 13" descr="http://cfs13.tistory.com/image/12/tistory/2008/12/08/20/54/493d0af9b9002"/>
+          <p:cNvPicPr/>
+          <p:nvPr/>
+        </p:nvPicPr>
+        <p:blipFill>
+          <a:blip r:embed="rId5">
+            <a:extLst>
+              <a:ext uri="{28A0092B-C50C-407E-A947-70E740481C1C}">
+                <a14:useLocalDpi xmlns:a14="http://schemas.microsoft.com/office/drawing/2010/main" val="0"/>
+              </a:ext>
+            </a:extLst>
+          </a:blip>
+          <a:srcRect/>
+          <a:stretch>
+            <a:fillRect/>
+          </a:stretch>
+        </p:blipFill>
+        <p:spPr bwMode="auto">
+          <a:xfrm>
+            <a:off x="0" y="5186362"/>
+            <a:ext cx="2796987" cy="1603801"/>
+          </a:xfrm>
+          <a:prstGeom prst="rect">
+            <a:avLst/>
+          </a:prstGeom>
+          <a:noFill/>
+          <a:ln>
+            <a:noFill/>
+          </a:ln>
+        </p:spPr>
+      </p:pic>
     </p:spTree>
     <p:extLst>
       <p:ext uri="{BB962C8B-B14F-4D97-AF65-F5344CB8AC3E}">
-        <p14:creationId xmlns:p14="http://schemas.microsoft.com/office/powerpoint/2010/main" val="2007666699"/>
+        <p14:creationId xmlns:p14="http://schemas.microsoft.com/office/powerpoint/2010/main" val="234630020"/>
       </p:ext>
     </p:extLst>
   </p:cSld>

--- a/hibernate5.x.pptx
+++ b/hibernate5.x.pptx
@@ -252,7 +252,7 @@
           <a:p>
             <a:fld id="{1A8D353A-99F3-0F4F-82CB-38957AD40D00}" type="datetimeFigureOut">
               <a:rPr kumimoji="1" lang="ko-KR" altLang="en-US" smtClean="0"/>
-              <a:t>2017. 3. 26.</a:t>
+              <a:t>2017-03-27</a:t>
             </a:fld>
             <a:endParaRPr kumimoji="1" lang="ko-KR" altLang="en-US"/>
           </a:p>
@@ -316,38 +316,37 @@
           <a:p>
             <a:pPr lvl="0"/>
             <a:r>
-              <a:rPr kumimoji="1" lang="ko-KR" altLang="en-US" smtClean="0"/>
+              <a:rPr kumimoji="1" lang="ko-KR" altLang="en-US"/>
               <a:t>마스터 텍스트 스타일을 편집하려면 클릭</a:t>
             </a:r>
           </a:p>
           <a:p>
             <a:pPr lvl="1"/>
             <a:r>
-              <a:rPr kumimoji="1" lang="ko-KR" altLang="en-US" smtClean="0"/>
+              <a:rPr kumimoji="1" lang="ko-KR" altLang="en-US"/>
               <a:t>두 번째 수준</a:t>
             </a:r>
           </a:p>
           <a:p>
             <a:pPr lvl="2"/>
             <a:r>
-              <a:rPr kumimoji="1" lang="ko-KR" altLang="en-US" smtClean="0"/>
+              <a:rPr kumimoji="1" lang="ko-KR" altLang="en-US"/>
               <a:t>세 번째 수준</a:t>
             </a:r>
           </a:p>
           <a:p>
             <a:pPr lvl="3"/>
             <a:r>
-              <a:rPr kumimoji="1" lang="ko-KR" altLang="en-US" smtClean="0"/>
+              <a:rPr kumimoji="1" lang="ko-KR" altLang="en-US"/>
               <a:t>네 번째 수준</a:t>
             </a:r>
           </a:p>
           <a:p>
             <a:pPr lvl="4"/>
             <a:r>
-              <a:rPr kumimoji="1" lang="ko-KR" altLang="en-US" smtClean="0"/>
+              <a:rPr kumimoji="1" lang="ko-KR" altLang="en-US"/>
               <a:t>다섯 번째 수준</a:t>
             </a:r>
-            <a:endParaRPr kumimoji="1" lang="ko-KR" altLang="en-US"/>
           </a:p>
         </p:txBody>
       </p:sp>
@@ -650,7 +649,7 @@
           <a:p>
             <a:pPr latinLnBrk="0"/>
             <a:r>
-              <a:rPr lang="en-US" altLang="ko-KR" sz="1200" b="0" i="0" kern="1200" dirty="0" smtClean="0">
+              <a:rPr lang="en-US" altLang="ko-KR" sz="1200" b="0" i="0" kern="1200" dirty="0">
                 <a:solidFill>
                   <a:schemeClr val="tx1"/>
                 </a:solidFill>
@@ -662,7 +661,7 @@
               <a:t>HQL(Hibernate Query Language)</a:t>
             </a:r>
             <a:r>
-              <a:rPr lang="ko-KR" altLang="en-US" sz="1200" b="0" i="0" kern="1200" dirty="0" smtClean="0">
+              <a:rPr lang="ko-KR" altLang="en-US" sz="1200" b="0" i="0" kern="1200" dirty="0">
                 <a:solidFill>
                   <a:schemeClr val="tx1"/>
                 </a:solidFill>
@@ -674,7 +673,7 @@
               <a:t>에서는</a:t>
             </a:r>
             <a:r>
-              <a:rPr lang="en-US" altLang="ko-KR" sz="1200" b="0" i="0" kern="1200" dirty="0" smtClean="0">
+              <a:rPr lang="en-US" altLang="ko-KR" sz="1200" b="0" i="0" kern="1200" dirty="0">
                 <a:solidFill>
                   <a:schemeClr val="tx1"/>
                 </a:solidFill>
@@ -686,7 +685,7 @@
               <a:t> WHERE, ORDER BY, AVG, MAX </a:t>
             </a:r>
             <a:r>
-              <a:rPr lang="ko-KR" altLang="en-US" sz="1200" b="0" i="0" kern="1200" dirty="0" smtClean="0">
+              <a:rPr lang="ko-KR" altLang="en-US" sz="1200" b="0" i="0" kern="1200" dirty="0">
                 <a:solidFill>
                   <a:schemeClr val="tx1"/>
                 </a:solidFill>
@@ -698,7 +697,7 @@
               <a:t>등을</a:t>
             </a:r>
             <a:r>
-              <a:rPr lang="en-US" altLang="ko-KR" sz="1200" b="0" i="0" kern="1200" dirty="0" smtClean="0">
+              <a:rPr lang="en-US" altLang="ko-KR" sz="1200" b="0" i="0" kern="1200" dirty="0">
                 <a:solidFill>
                   <a:schemeClr val="tx1"/>
                 </a:solidFill>
@@ -710,7 +709,7 @@
               <a:t> SQL</a:t>
             </a:r>
             <a:r>
-              <a:rPr lang="ko-KR" altLang="en-US" sz="1200" b="0" i="0" kern="1200" dirty="0" smtClean="0">
+              <a:rPr lang="ko-KR" altLang="en-US" sz="1200" b="0" i="0" kern="1200" dirty="0">
                 <a:solidFill>
                   <a:schemeClr val="tx1"/>
                 </a:solidFill>
@@ -722,7 +721,7 @@
               <a:t>처럼 사용할수 있습니다</a:t>
             </a:r>
             <a:r>
-              <a:rPr lang="en-US" altLang="ko-KR" sz="1200" b="0" i="0" kern="1200" dirty="0" smtClean="0">
+              <a:rPr lang="en-US" altLang="ko-KR" sz="1200" b="0" i="0" kern="1200" dirty="0">
                 <a:solidFill>
                   <a:schemeClr val="tx1"/>
                 </a:solidFill>
@@ -737,7 +736,7 @@
           <a:p>
             <a:pPr latinLnBrk="0"/>
             <a:r>
-              <a:rPr lang="en-US" altLang="ko-KR" sz="1200" b="0" i="0" kern="1200" dirty="0" smtClean="0">
+              <a:rPr lang="en-US" altLang="ko-KR" sz="1200" b="0" i="0" kern="1200" dirty="0">
                 <a:solidFill>
                   <a:schemeClr val="tx1"/>
                 </a:solidFill>
@@ -749,7 +748,7 @@
               <a:t>HQL</a:t>
             </a:r>
             <a:r>
-              <a:rPr lang="ko-KR" altLang="en-US" sz="1200" b="0" i="0" kern="1200" dirty="0" smtClean="0">
+              <a:rPr lang="ko-KR" altLang="en-US" sz="1200" b="0" i="0" kern="1200" dirty="0">
                 <a:solidFill>
                   <a:schemeClr val="tx1"/>
                 </a:solidFill>
@@ -761,7 +760,7 @@
               <a:t>은 객체</a:t>
             </a:r>
             <a:r>
-              <a:rPr lang="en-US" altLang="ko-KR" sz="1200" b="0" i="0" kern="1200" dirty="0" smtClean="0">
+              <a:rPr lang="en-US" altLang="ko-KR" sz="1200" b="0" i="0" kern="1200" dirty="0">
                 <a:solidFill>
                   <a:schemeClr val="tx1"/>
                 </a:solidFill>
@@ -773,7 +772,7 @@
               <a:t>(Entity)</a:t>
             </a:r>
             <a:r>
-              <a:rPr lang="ko-KR" altLang="en-US" sz="1200" b="0" i="0" kern="1200" dirty="0" smtClean="0">
+              <a:rPr lang="ko-KR" altLang="en-US" sz="1200" b="0" i="0" kern="1200" dirty="0">
                 <a:solidFill>
                   <a:schemeClr val="tx1"/>
                 </a:solidFill>
@@ -785,7 +784,7 @@
               <a:t>를 사용합니다</a:t>
             </a:r>
             <a:r>
-              <a:rPr lang="en-US" altLang="ko-KR" sz="1200" b="0" i="0" kern="1200" dirty="0" smtClean="0">
+              <a:rPr lang="en-US" altLang="ko-KR" sz="1200" b="0" i="0" kern="1200" dirty="0">
                 <a:solidFill>
                   <a:schemeClr val="tx1"/>
                 </a:solidFill>
@@ -797,7 +796,7 @@
               <a:t>.  </a:t>
             </a:r>
             <a:r>
-              <a:rPr lang="ko-KR" altLang="en-US" sz="1200" b="0" i="0" kern="1200" dirty="0" smtClean="0">
+              <a:rPr lang="ko-KR" altLang="en-US" sz="1200" b="0" i="0" kern="1200" dirty="0">
                 <a:solidFill>
                   <a:schemeClr val="tx1"/>
                 </a:solidFill>
@@ -809,7 +808,7 @@
               <a:t>테이블을 나타내는 자리에 엔티티 객체 클래스명을 사용해야 합니다</a:t>
             </a:r>
             <a:r>
-              <a:rPr lang="en-US" altLang="ko-KR" sz="1200" b="0" i="0" kern="1200" dirty="0" smtClean="0">
+              <a:rPr lang="en-US" altLang="ko-KR" sz="1200" b="0" i="0" kern="1200" dirty="0">
                 <a:solidFill>
                   <a:schemeClr val="tx1"/>
                 </a:solidFill>
@@ -820,15 +819,6 @@
               </a:rPr>
               <a:t>.</a:t>
             </a:r>
-            <a:endParaRPr lang="en-US" altLang="ko-KR" sz="1200" b="0" i="0" kern="1200" dirty="0">
-              <a:solidFill>
-                <a:schemeClr val="tx1"/>
-              </a:solidFill>
-              <a:effectLst/>
-              <a:latin typeface="+mn-lt"/>
-              <a:ea typeface="+mn-ea"/>
-              <a:cs typeface="+mn-cs"/>
-            </a:endParaRPr>
           </a:p>
         </p:txBody>
       </p:sp>
@@ -1081,7 +1071,7 @@
           <a:lstStyle/>
           <a:p>
             <a:r>
-              <a:rPr lang="ko-KR" altLang="en-US" sz="1200" b="0" i="0" kern="1200" dirty="0" smtClean="0">
+              <a:rPr lang="ko-KR" altLang="en-US" sz="1200" b="0" i="0" kern="1200" dirty="0">
                 <a:solidFill>
                   <a:schemeClr val="tx1"/>
                 </a:solidFill>
@@ -1095,7 +1085,7 @@
           </a:p>
           <a:p>
             <a:r>
-              <a:rPr lang="en-US" altLang="ko-KR" sz="1200" b="0" i="0" kern="1200" dirty="0" smtClean="0">
+              <a:rPr lang="en-US" altLang="ko-KR" sz="1200" b="0" i="0" kern="1200" dirty="0">
                 <a:solidFill>
                   <a:schemeClr val="tx1"/>
                 </a:solidFill>
@@ -1107,7 +1097,7 @@
               <a:t>HQL</a:t>
             </a:r>
             <a:r>
-              <a:rPr lang="ko-KR" altLang="en-US" sz="1200" b="0" i="0" kern="1200" dirty="0" smtClean="0">
+              <a:rPr lang="ko-KR" altLang="en-US" sz="1200" b="0" i="0" kern="1200" dirty="0">
                 <a:solidFill>
                   <a:schemeClr val="tx1"/>
                 </a:solidFill>
@@ -1119,7 +1109,7 @@
               <a:t>이 사용하기 간편한데 왜 네이티브 </a:t>
             </a:r>
             <a:r>
-              <a:rPr lang="en-US" altLang="ko-KR" sz="1200" b="0" i="0" kern="1200" dirty="0" smtClean="0">
+              <a:rPr lang="en-US" altLang="ko-KR" sz="1200" b="0" i="0" kern="1200" dirty="0">
                 <a:solidFill>
                   <a:schemeClr val="tx1"/>
                 </a:solidFill>
@@ -1131,7 +1121,7 @@
               <a:t>SQL</a:t>
             </a:r>
             <a:r>
-              <a:rPr lang="ko-KR" altLang="en-US" sz="1200" b="0" i="0" kern="1200" dirty="0" smtClean="0">
+              <a:rPr lang="ko-KR" altLang="en-US" sz="1200" b="0" i="0" kern="1200" dirty="0">
                 <a:solidFill>
                   <a:schemeClr val="tx1"/>
                 </a:solidFill>
@@ -1143,7 +1133,7 @@
               <a:t>을 </a:t>
             </a:r>
             <a:r>
-              <a:rPr lang="en-US" altLang="ko-KR" sz="1200" b="0" i="0" kern="1200" dirty="0" smtClean="0">
+              <a:rPr lang="en-US" altLang="ko-KR" sz="1200" b="0" i="0" kern="1200" dirty="0">
                 <a:solidFill>
                   <a:schemeClr val="tx1"/>
                 </a:solidFill>
@@ -1153,112 +1143,6 @@
                 <a:cs typeface="+mn-cs"/>
               </a:rPr>
               <a:t>??? </a:t>
-            </a:r>
-            <a:endParaRPr lang="ko-KR" altLang="en-US" sz="1200" b="0" i="0" kern="1200" dirty="0" smtClean="0">
-              <a:solidFill>
-                <a:schemeClr val="tx1"/>
-              </a:solidFill>
-              <a:effectLst/>
-              <a:latin typeface="+mn-lt"/>
-              <a:ea typeface="+mn-ea"/>
-              <a:cs typeface="+mn-cs"/>
-            </a:endParaRPr>
-          </a:p>
-          <a:p>
-            <a:r>
-              <a:rPr lang="ko-KR" altLang="en-US" sz="1200" b="0" i="0" kern="1200" dirty="0" smtClean="0">
-                <a:solidFill>
-                  <a:schemeClr val="tx1"/>
-                </a:solidFill>
-                <a:effectLst/>
-                <a:latin typeface="+mn-lt"/>
-                <a:ea typeface="+mn-ea"/>
-                <a:cs typeface="+mn-cs"/>
-              </a:rPr>
-              <a:t>데이터베이스 벤더의 특정 함수 또는 생성에 의존적인 쿼리문이 있을 때 </a:t>
-            </a:r>
-            <a:r>
-              <a:rPr lang="en-US" altLang="ko-KR" sz="1200" b="0" i="0" kern="1200" dirty="0" smtClean="0">
-                <a:solidFill>
-                  <a:schemeClr val="tx1"/>
-                </a:solidFill>
-                <a:effectLst/>
-                <a:latin typeface="+mn-lt"/>
-                <a:ea typeface="+mn-ea"/>
-                <a:cs typeface="+mn-cs"/>
-              </a:rPr>
-              <a:t>(</a:t>
-            </a:r>
-            <a:r>
-              <a:rPr lang="ko-KR" altLang="en-US" sz="1200" b="0" i="0" kern="1200" dirty="0" smtClean="0">
-                <a:solidFill>
-                  <a:schemeClr val="tx1"/>
-                </a:solidFill>
-                <a:effectLst/>
-                <a:latin typeface="+mn-lt"/>
-                <a:ea typeface="+mn-ea"/>
-                <a:cs typeface="+mn-cs"/>
-              </a:rPr>
-              <a:t>예 </a:t>
-            </a:r>
-            <a:r>
-              <a:rPr lang="en-US" altLang="ko-KR" sz="1200" b="0" i="0" kern="1200" dirty="0" smtClean="0">
-                <a:solidFill>
-                  <a:schemeClr val="tx1"/>
-                </a:solidFill>
-                <a:effectLst/>
-                <a:latin typeface="+mn-lt"/>
-                <a:ea typeface="+mn-ea"/>
-                <a:cs typeface="+mn-cs"/>
-              </a:rPr>
-              <a:t>: </a:t>
-            </a:r>
-            <a:r>
-              <a:rPr lang="ko-KR" altLang="en-US" sz="1200" b="0" i="0" kern="1200" dirty="0" smtClean="0">
-                <a:solidFill>
-                  <a:schemeClr val="tx1"/>
-                </a:solidFill>
-                <a:effectLst/>
-                <a:latin typeface="+mn-lt"/>
-                <a:ea typeface="+mn-ea"/>
-                <a:cs typeface="+mn-cs"/>
-              </a:rPr>
-              <a:t>통계 업무</a:t>
-            </a:r>
-            <a:r>
-              <a:rPr lang="en-US" altLang="ko-KR" sz="1200" b="0" i="0" kern="1200" dirty="0" smtClean="0">
-                <a:solidFill>
-                  <a:schemeClr val="tx1"/>
-                </a:solidFill>
-                <a:effectLst/>
-                <a:latin typeface="+mn-lt"/>
-                <a:ea typeface="+mn-ea"/>
-                <a:cs typeface="+mn-cs"/>
-              </a:rPr>
-              <a:t>)</a:t>
-            </a:r>
-            <a:endParaRPr lang="ko-KR" altLang="en-US" sz="1200" b="0" i="0" kern="1200" dirty="0" smtClean="0">
-              <a:solidFill>
-                <a:schemeClr val="tx1"/>
-              </a:solidFill>
-              <a:effectLst/>
-              <a:latin typeface="+mn-lt"/>
-              <a:ea typeface="+mn-ea"/>
-              <a:cs typeface="+mn-cs"/>
-            </a:endParaRPr>
-          </a:p>
-          <a:p>
-            <a:r>
-              <a:rPr lang="ko-KR" altLang="en-US" sz="1200" b="0" i="0" kern="1200" dirty="0" smtClean="0">
-                <a:solidFill>
-                  <a:schemeClr val="tx1"/>
-                </a:solidFill>
-                <a:effectLst/>
-                <a:latin typeface="+mn-lt"/>
-                <a:ea typeface="+mn-ea"/>
-                <a:cs typeface="+mn-cs"/>
-              </a:rPr>
-              <a:t>네이티브 쿼리를 사용할수밖에 없다</a:t>
             </a:r>
             <a:endParaRPr lang="ko-KR" altLang="en-US" sz="1200" b="0" i="0" kern="1200" dirty="0">
               <a:solidFill>
@@ -1269,6 +1153,103 @@
               <a:ea typeface="+mn-ea"/>
               <a:cs typeface="+mn-cs"/>
             </a:endParaRPr>
+          </a:p>
+          <a:p>
+            <a:r>
+              <a:rPr lang="ko-KR" altLang="en-US" sz="1200" b="0" i="0" kern="1200" dirty="0">
+                <a:solidFill>
+                  <a:schemeClr val="tx1"/>
+                </a:solidFill>
+                <a:effectLst/>
+                <a:latin typeface="+mn-lt"/>
+                <a:ea typeface="+mn-ea"/>
+                <a:cs typeface="+mn-cs"/>
+              </a:rPr>
+              <a:t>데이터베이스 벤더의 특정 함수 또는 생성에 의존적인 쿼리문이 있을 때 </a:t>
+            </a:r>
+            <a:r>
+              <a:rPr lang="en-US" altLang="ko-KR" sz="1200" b="0" i="0" kern="1200" dirty="0">
+                <a:solidFill>
+                  <a:schemeClr val="tx1"/>
+                </a:solidFill>
+                <a:effectLst/>
+                <a:latin typeface="+mn-lt"/>
+                <a:ea typeface="+mn-ea"/>
+                <a:cs typeface="+mn-cs"/>
+              </a:rPr>
+              <a:t>(</a:t>
+            </a:r>
+            <a:r>
+              <a:rPr lang="ko-KR" altLang="en-US" sz="1200" b="0" i="0" kern="1200" dirty="0">
+                <a:solidFill>
+                  <a:schemeClr val="tx1"/>
+                </a:solidFill>
+                <a:effectLst/>
+                <a:latin typeface="+mn-lt"/>
+                <a:ea typeface="+mn-ea"/>
+                <a:cs typeface="+mn-cs"/>
+              </a:rPr>
+              <a:t>예 </a:t>
+            </a:r>
+            <a:r>
+              <a:rPr lang="en-US" altLang="ko-KR" sz="1200" b="0" i="0" kern="1200" dirty="0">
+                <a:solidFill>
+                  <a:schemeClr val="tx1"/>
+                </a:solidFill>
+                <a:effectLst/>
+                <a:latin typeface="+mn-lt"/>
+                <a:ea typeface="+mn-ea"/>
+                <a:cs typeface="+mn-cs"/>
+              </a:rPr>
+              <a:t>: </a:t>
+            </a:r>
+            <a:r>
+              <a:rPr lang="ko-KR" altLang="en-US" sz="1200" b="0" i="0" kern="1200" dirty="0">
+                <a:solidFill>
+                  <a:schemeClr val="tx1"/>
+                </a:solidFill>
+                <a:effectLst/>
+                <a:latin typeface="+mn-lt"/>
+                <a:ea typeface="+mn-ea"/>
+                <a:cs typeface="+mn-cs"/>
+              </a:rPr>
+              <a:t>통계 업무</a:t>
+            </a:r>
+            <a:r>
+              <a:rPr lang="en-US" altLang="ko-KR" sz="1200" b="0" i="0" kern="1200" dirty="0">
+                <a:solidFill>
+                  <a:schemeClr val="tx1"/>
+                </a:solidFill>
+                <a:effectLst/>
+                <a:latin typeface="+mn-lt"/>
+                <a:ea typeface="+mn-ea"/>
+                <a:cs typeface="+mn-cs"/>
+              </a:rPr>
+              <a:t>)</a:t>
+            </a:r>
+            <a:endParaRPr lang="ko-KR" altLang="en-US" sz="1200" b="0" i="0" kern="1200" dirty="0">
+              <a:solidFill>
+                <a:schemeClr val="tx1"/>
+              </a:solidFill>
+              <a:effectLst/>
+              <a:latin typeface="+mn-lt"/>
+              <a:ea typeface="+mn-ea"/>
+              <a:cs typeface="+mn-cs"/>
+            </a:endParaRPr>
+          </a:p>
+          <a:p>
+            <a:r>
+              <a:rPr lang="ko-KR" altLang="en-US" sz="1200" b="0" i="0" kern="1200" dirty="0">
+                <a:solidFill>
+                  <a:schemeClr val="tx1"/>
+                </a:solidFill>
+                <a:effectLst/>
+                <a:latin typeface="+mn-lt"/>
+                <a:ea typeface="+mn-ea"/>
+                <a:cs typeface="+mn-cs"/>
+              </a:rPr>
+              <a:t>네이티브 쿼리를 사용할수밖에 없다</a:t>
+            </a:r>
           </a:p>
         </p:txBody>
       </p:sp>
@@ -1353,32 +1334,32 @@
           <a:lstStyle/>
           <a:p>
             <a:r>
-              <a:rPr lang="en-US" altLang="ko-KR" dirty="0" smtClean="0"/>
+              <a:rPr lang="en-US" altLang="ko-KR" dirty="0"/>
               <a:t>1. </a:t>
             </a:r>
             <a:r>
-              <a:rPr lang="ko-KR" altLang="en-US" dirty="0" smtClean="0"/>
+              <a:rPr lang="ko-KR" altLang="en-US" dirty="0"/>
               <a:t>기존 </a:t>
             </a:r>
             <a:r>
-              <a:rPr lang="en-US" altLang="ko-KR" dirty="0" smtClean="0"/>
+              <a:rPr lang="en-US" altLang="ko-KR" dirty="0"/>
               <a:t>SQL </a:t>
             </a:r>
             <a:r>
-              <a:rPr lang="ko-KR" altLang="en-US" dirty="0" smtClean="0"/>
+              <a:rPr lang="ko-KR" altLang="en-US" dirty="0"/>
               <a:t>중심적인 개발시 불편하다</a:t>
             </a:r>
           </a:p>
           <a:p>
             <a:pPr latinLnBrk="0"/>
             <a:r>
-              <a:rPr lang="en-US" altLang="ko-KR" sz="1200" dirty="0" smtClean="0">
+              <a:rPr lang="en-US" altLang="ko-KR" sz="1200" dirty="0">
                 <a:effectLst/>
               </a:rPr>
               <a:t>-</a:t>
             </a:r>
             <a:r>
-              <a:rPr lang="ko-KR" altLang="en-US" sz="1200" kern="1200" dirty="0" smtClean="0">
+              <a:rPr lang="ko-KR" altLang="en-US" sz="1200" kern="1200" dirty="0">
                 <a:solidFill>
                   <a:schemeClr val="tx1"/>
                 </a:solidFill>
@@ -1390,37 +1371,37 @@
               <a:t>       </a:t>
             </a:r>
             <a:r>
-              <a:rPr lang="ko-KR" altLang="en-US" sz="1200" dirty="0" smtClean="0">
+              <a:rPr lang="ko-KR" altLang="en-US" sz="1200" dirty="0">
                 <a:effectLst/>
               </a:rPr>
               <a:t>쿼리가 변경되면 이에따른 프로그램 소스 </a:t>
             </a:r>
             <a:r>
-              <a:rPr lang="en-US" altLang="ko-KR" sz="1200" dirty="0" smtClean="0">
+              <a:rPr lang="en-US" altLang="ko-KR" sz="1200" dirty="0">
                 <a:effectLst/>
               </a:rPr>
               <a:t>DTO</a:t>
             </a:r>
             <a:r>
-              <a:rPr lang="ko-KR" altLang="en-US" sz="1200" dirty="0" smtClean="0">
+              <a:rPr lang="ko-KR" altLang="en-US" sz="1200" dirty="0">
                 <a:effectLst/>
               </a:rPr>
               <a:t>객체의 변경도 불가피하게 일어난다</a:t>
             </a:r>
-            <a:endParaRPr lang="ko-KR" altLang="en-US" dirty="0" smtClean="0">
+            <a:endParaRPr lang="ko-KR" altLang="en-US" dirty="0">
               <a:effectLst/>
             </a:endParaRPr>
           </a:p>
           <a:p>
             <a:pPr latinLnBrk="0"/>
             <a:r>
-              <a:rPr lang="en-US" altLang="ko-KR" sz="1200" dirty="0" smtClean="0">
+              <a:rPr lang="en-US" altLang="ko-KR" sz="1200" dirty="0">
                 <a:effectLst/>
               </a:rPr>
               <a:t>-</a:t>
             </a:r>
             <a:r>
-              <a:rPr lang="ko-KR" altLang="en-US" sz="1200" kern="1200" dirty="0" smtClean="0">
+              <a:rPr lang="ko-KR" altLang="en-US" sz="1200" kern="1200" dirty="0">
                 <a:solidFill>
                   <a:schemeClr val="tx1"/>
                 </a:solidFill>
@@ -1432,253 +1413,253 @@
               <a:t>       </a:t>
             </a:r>
             <a:r>
-              <a:rPr lang="ko-KR" altLang="en-US" sz="1200" dirty="0" smtClean="0">
+              <a:rPr lang="ko-KR" altLang="en-US" sz="1200" dirty="0">
                 <a:effectLst/>
               </a:rPr>
               <a:t>데이터를 가져와 객체지향적으로 관계를 </a:t>
             </a:r>
             <a:r>
-              <a:rPr lang="en-US" altLang="ko-KR" sz="1200" dirty="0" smtClean="0">
+              <a:rPr lang="en-US" altLang="ko-KR" sz="1200" dirty="0">
                 <a:effectLst/>
               </a:rPr>
               <a:t>Mapping</a:t>
             </a:r>
             <a:r>
-              <a:rPr lang="ko-KR" altLang="en-US" sz="1200" dirty="0" smtClean="0">
+              <a:rPr lang="ko-KR" altLang="en-US" sz="1200" dirty="0">
                 <a:effectLst/>
               </a:rPr>
               <a:t>하는 일이 매번 일어난다</a:t>
             </a:r>
             <a:r>
-              <a:rPr lang="en-US" altLang="ko-KR" sz="1200" dirty="0" smtClean="0">
+              <a:rPr lang="en-US" altLang="ko-KR" sz="1200" dirty="0">
                 <a:effectLst/>
               </a:rPr>
               <a:t>.</a:t>
             </a:r>
-            <a:endParaRPr lang="ko-KR" altLang="en-US" dirty="0" smtClean="0">
+            <a:endParaRPr lang="ko-KR" altLang="en-US" dirty="0">
               <a:effectLst/>
             </a:endParaRPr>
           </a:p>
           <a:p>
             <a:pPr latinLnBrk="0"/>
             <a:r>
-              <a:rPr lang="en-US" altLang="ko-KR" sz="1200" dirty="0" smtClean="0">
+              <a:rPr lang="en-US" altLang="ko-KR" sz="1200" dirty="0">
                 <a:effectLst/>
               </a:rPr>
               <a:t>!!SQL</a:t>
             </a:r>
             <a:r>
-              <a:rPr lang="ko-KR" altLang="en-US" sz="1200" dirty="0" smtClean="0">
+              <a:rPr lang="ko-KR" altLang="en-US" sz="1200" dirty="0">
                 <a:effectLst/>
               </a:rPr>
               <a:t>의존적인 개발이 이루어진다</a:t>
             </a:r>
             <a:r>
-              <a:rPr lang="en-US" altLang="ko-KR" sz="1200" dirty="0" smtClean="0">
+              <a:rPr lang="en-US" altLang="ko-KR" sz="1200" dirty="0">
                 <a:effectLst/>
               </a:rPr>
               <a:t>.</a:t>
             </a:r>
-            <a:endParaRPr lang="ko-KR" altLang="en-US" dirty="0" smtClean="0">
+            <a:endParaRPr lang="ko-KR" altLang="en-US" dirty="0">
               <a:effectLst/>
             </a:endParaRPr>
           </a:p>
           <a:p>
             <a:pPr latinLnBrk="0"/>
             <a:r>
-              <a:rPr lang="ko-KR" altLang="en-US" sz="1200" dirty="0" smtClean="0">
+              <a:rPr lang="ko-KR" altLang="en-US" sz="1200" dirty="0">
                 <a:effectLst/>
               </a:rPr>
               <a:t> </a:t>
             </a:r>
-            <a:endParaRPr lang="ko-KR" altLang="en-US" dirty="0" smtClean="0">
+            <a:endParaRPr lang="ko-KR" altLang="en-US" dirty="0">
               <a:effectLst/>
             </a:endParaRPr>
           </a:p>
           <a:p>
             <a:r>
-              <a:rPr lang="en-US" altLang="ko-KR" dirty="0" smtClean="0"/>
+              <a:rPr lang="en-US" altLang="ko-KR" dirty="0"/>
               <a:t>2. </a:t>
             </a:r>
             <a:r>
-              <a:rPr lang="ko-KR" altLang="en-US" dirty="0" smtClean="0"/>
+              <a:rPr lang="ko-KR" altLang="en-US" dirty="0"/>
               <a:t>객체</a:t>
             </a:r>
             <a:r>
-              <a:rPr lang="en-US" altLang="ko-KR" dirty="0" smtClean="0"/>
+              <a:rPr lang="en-US" altLang="ko-KR" dirty="0"/>
               <a:t>-</a:t>
             </a:r>
             <a:r>
-              <a:rPr lang="ko-KR" altLang="en-US" dirty="0" smtClean="0"/>
+              <a:rPr lang="ko-KR" altLang="en-US" dirty="0"/>
               <a:t>관계 간 모델 불일치</a:t>
             </a:r>
           </a:p>
           <a:p>
             <a:pPr latinLnBrk="0"/>
             <a:r>
-              <a:rPr lang="ko-KR" altLang="en-US" dirty="0" smtClean="0">
+              <a:rPr lang="ko-KR" altLang="en-US" dirty="0">
                 <a:effectLst/>
               </a:rPr>
               <a:t>관계형 데이터베이스에는 로우와 컬럼의 </a:t>
             </a:r>
             <a:r>
-              <a:rPr lang="en-US" altLang="ko-KR" dirty="0" smtClean="0">
+              <a:rPr lang="en-US" altLang="ko-KR" dirty="0">
                 <a:effectLst/>
               </a:rPr>
               <a:t>2</a:t>
             </a:r>
             <a:r>
-              <a:rPr lang="ko-KR" altLang="en-US" dirty="0" smtClean="0">
+              <a:rPr lang="ko-KR" altLang="en-US" dirty="0">
                 <a:effectLst/>
               </a:rPr>
               <a:t>차원 형태로 데이터가 저장된다</a:t>
             </a:r>
             <a:r>
-              <a:rPr lang="en-US" altLang="ko-KR" dirty="0" smtClean="0">
+              <a:rPr lang="en-US" altLang="ko-KR" dirty="0">
                 <a:effectLst/>
               </a:rPr>
               <a:t>. </a:t>
             </a:r>
             <a:r>
-              <a:rPr lang="ko-KR" altLang="en-US" dirty="0" smtClean="0">
+              <a:rPr lang="ko-KR" altLang="en-US" dirty="0">
                 <a:effectLst/>
               </a:rPr>
               <a:t>데이터 관계는 외래키</a:t>
             </a:r>
             <a:r>
-              <a:rPr lang="en-US" altLang="ko-KR" dirty="0" smtClean="0">
+              <a:rPr lang="en-US" altLang="ko-KR" dirty="0">
                 <a:effectLst/>
               </a:rPr>
               <a:t>foreign key </a:t>
             </a:r>
             <a:r>
-              <a:rPr lang="ko-KR" altLang="en-US" dirty="0" smtClean="0">
+              <a:rPr lang="ko-KR" altLang="en-US" dirty="0">
                 <a:effectLst/>
               </a:rPr>
               <a:t>형태로 표현된다</a:t>
             </a:r>
             <a:r>
-              <a:rPr lang="en-US" altLang="ko-KR" dirty="0" smtClean="0">
+              <a:rPr lang="en-US" altLang="ko-KR" dirty="0">
                 <a:effectLst/>
               </a:rPr>
               <a:t>. </a:t>
             </a:r>
             <a:r>
-              <a:rPr lang="ko-KR" altLang="en-US" dirty="0" smtClean="0">
+              <a:rPr lang="ko-KR" altLang="en-US" dirty="0">
                 <a:effectLst/>
               </a:rPr>
               <a:t>문제는 도메인 객체를 관계형 데이터 베이스로 저장할 때 발생한다</a:t>
             </a:r>
             <a:r>
-              <a:rPr lang="en-US" altLang="ko-KR" dirty="0" smtClean="0">
+              <a:rPr lang="en-US" altLang="ko-KR" dirty="0">
                 <a:effectLst/>
               </a:rPr>
               <a:t>. </a:t>
             </a:r>
             <a:r>
-              <a:rPr lang="ko-KR" altLang="en-US" dirty="0" smtClean="0">
+              <a:rPr lang="ko-KR" altLang="en-US" dirty="0">
                 <a:effectLst/>
               </a:rPr>
               <a:t>애플리케이션의 객체는 로우와 컬럼 형태가 아니다</a:t>
             </a:r>
             <a:r>
-              <a:rPr lang="en-US" altLang="ko-KR" dirty="0" smtClean="0">
+              <a:rPr lang="en-US" altLang="ko-KR" dirty="0">
                 <a:effectLst/>
               </a:rPr>
               <a:t>. </a:t>
             </a:r>
             <a:r>
-              <a:rPr lang="ko-KR" altLang="en-US" dirty="0" smtClean="0">
+              <a:rPr lang="ko-KR" altLang="en-US" dirty="0">
                 <a:effectLst/>
               </a:rPr>
               <a:t>도메인 객체는 객체의 상태를 속성</a:t>
             </a:r>
             <a:r>
-              <a:rPr lang="en-US" altLang="ko-KR" dirty="0" smtClean="0">
+              <a:rPr lang="en-US" altLang="ko-KR" dirty="0">
                 <a:effectLst/>
               </a:rPr>
               <a:t>(</a:t>
             </a:r>
             <a:r>
-              <a:rPr lang="ko-KR" altLang="en-US" dirty="0" smtClean="0">
+              <a:rPr lang="ko-KR" altLang="en-US" dirty="0">
                 <a:effectLst/>
               </a:rPr>
               <a:t>변수</a:t>
             </a:r>
             <a:r>
-              <a:rPr lang="en-US" altLang="ko-KR" dirty="0" smtClean="0">
+              <a:rPr lang="en-US" altLang="ko-KR" dirty="0">
                 <a:effectLst/>
               </a:rPr>
               <a:t>)</a:t>
             </a:r>
             <a:r>
-              <a:rPr lang="ko-KR" altLang="en-US" dirty="0" smtClean="0">
+              <a:rPr lang="ko-KR" altLang="en-US" dirty="0">
                 <a:effectLst/>
               </a:rPr>
               <a:t>으로 가지고 있다</a:t>
             </a:r>
             <a:r>
-              <a:rPr lang="en-US" altLang="ko-KR" dirty="0" smtClean="0">
+              <a:rPr lang="en-US" altLang="ko-KR" dirty="0">
                 <a:effectLst/>
               </a:rPr>
               <a:t>. </a:t>
             </a:r>
             <a:r>
-              <a:rPr lang="ko-KR" altLang="en-US" dirty="0" smtClean="0">
+              <a:rPr lang="ko-KR" altLang="en-US" dirty="0">
                 <a:effectLst/>
               </a:rPr>
               <a:t>그래서 도메인 객체 그대로 관계형 데이터베이스에 저장할 수가 없다</a:t>
             </a:r>
             <a:r>
-              <a:rPr lang="en-US" altLang="ko-KR" dirty="0" smtClean="0">
+              <a:rPr lang="en-US" altLang="ko-KR" dirty="0">
                 <a:effectLst/>
               </a:rPr>
               <a:t>. </a:t>
             </a:r>
             <a:r>
-              <a:rPr lang="ko-KR" altLang="en-US" dirty="0" smtClean="0">
+              <a:rPr lang="ko-KR" altLang="en-US" dirty="0">
                 <a:effectLst/>
               </a:rPr>
               <a:t>이러한 불일치를 객체</a:t>
             </a:r>
             <a:r>
-              <a:rPr lang="en-US" altLang="ko-KR" dirty="0" smtClean="0">
+              <a:rPr lang="en-US" altLang="ko-KR" dirty="0">
                 <a:effectLst/>
               </a:rPr>
               <a:t>-</a:t>
             </a:r>
             <a:r>
-              <a:rPr lang="ko-KR" altLang="en-US" dirty="0" smtClean="0">
+              <a:rPr lang="ko-KR" altLang="en-US" dirty="0">
                 <a:effectLst/>
               </a:rPr>
               <a:t>관계 간 임피던스 불일치</a:t>
             </a:r>
             <a:r>
-              <a:rPr lang="en-US" altLang="ko-KR" dirty="0" smtClean="0">
+              <a:rPr lang="en-US" altLang="ko-KR" dirty="0">
                 <a:effectLst/>
               </a:rPr>
               <a:t>object-relational impedance mismatch</a:t>
             </a:r>
             <a:r>
-              <a:rPr lang="ko-KR" altLang="en-US" dirty="0" smtClean="0">
+              <a:rPr lang="ko-KR" altLang="en-US" dirty="0">
                 <a:effectLst/>
               </a:rPr>
               <a:t>라고 합니다</a:t>
             </a:r>
             <a:r>
-              <a:rPr lang="en-US" altLang="ko-KR" dirty="0" smtClean="0">
+              <a:rPr lang="en-US" altLang="ko-KR" dirty="0">
                 <a:effectLst/>
               </a:rPr>
               <a:t>.</a:t>
             </a:r>
-            <a:endParaRPr lang="ko-KR" altLang="en-US" dirty="0" smtClean="0">
+            <a:endParaRPr lang="ko-KR" altLang="en-US" dirty="0">
               <a:effectLst/>
             </a:endParaRPr>
           </a:p>
           <a:p>
             <a:pPr latinLnBrk="0"/>
             <a:r>
-              <a:rPr lang="ko-KR" altLang="en-US" dirty="0" smtClean="0">
+              <a:rPr lang="ko-KR" altLang="en-US" dirty="0">
                 <a:effectLst/>
               </a:rPr>
               <a:t> </a:t>
@@ -1686,219 +1667,219 @@
           </a:p>
           <a:p>
             <a:r>
-              <a:rPr lang="en-US" altLang="ko-KR" dirty="0" smtClean="0"/>
+              <a:rPr lang="en-US" altLang="ko-KR" dirty="0"/>
               <a:t>3. </a:t>
             </a:r>
             <a:r>
-              <a:rPr lang="ko-KR" altLang="en-US" dirty="0" smtClean="0"/>
+              <a:rPr lang="ko-KR" altLang="en-US" dirty="0"/>
               <a:t>상속 불일치</a:t>
             </a:r>
           </a:p>
           <a:p>
             <a:pPr latinLnBrk="0"/>
             <a:r>
-              <a:rPr lang="ko-KR" altLang="en-US" dirty="0" smtClean="0">
+              <a:rPr lang="ko-KR" altLang="en-US" dirty="0">
                 <a:effectLst/>
               </a:rPr>
               <a:t>상속은 객체 세계에서는 지원하지만</a:t>
             </a:r>
             <a:r>
-              <a:rPr lang="en-US" altLang="ko-KR" dirty="0" smtClean="0">
+              <a:rPr lang="en-US" altLang="ko-KR" dirty="0">
                 <a:effectLst/>
               </a:rPr>
               <a:t>, </a:t>
             </a:r>
             <a:r>
-              <a:rPr lang="ko-KR" altLang="en-US" dirty="0" smtClean="0">
+              <a:rPr lang="ko-KR" altLang="en-US" dirty="0">
                 <a:effectLst/>
               </a:rPr>
               <a:t>관계형 스키마에서는 지원하지 않는다</a:t>
             </a:r>
             <a:r>
-              <a:rPr lang="en-US" altLang="ko-KR" dirty="0" smtClean="0">
+              <a:rPr lang="en-US" altLang="ko-KR" dirty="0">
                 <a:effectLst/>
               </a:rPr>
               <a:t>. </a:t>
             </a:r>
             <a:r>
-              <a:rPr lang="ko-KR" altLang="en-US" dirty="0" smtClean="0">
+              <a:rPr lang="ko-KR" altLang="en-US" dirty="0">
                 <a:effectLst/>
               </a:rPr>
               <a:t>상속은 모든 객체지향 언어</a:t>
             </a:r>
             <a:r>
-              <a:rPr lang="en-US" altLang="ko-KR" dirty="0" smtClean="0">
+              <a:rPr lang="en-US" altLang="ko-KR" dirty="0">
                 <a:effectLst/>
               </a:rPr>
               <a:t>, </a:t>
             </a:r>
             <a:r>
-              <a:rPr lang="ko-KR" altLang="en-US" dirty="0" smtClean="0">
+              <a:rPr lang="ko-KR" altLang="en-US" dirty="0">
                 <a:effectLst/>
               </a:rPr>
               <a:t>특히 자바에서 바늘과 실처럼 뗄 수 없는 특징입니다</a:t>
             </a:r>
             <a:r>
-              <a:rPr lang="en-US" altLang="ko-KR" dirty="0" smtClean="0">
+              <a:rPr lang="en-US" altLang="ko-KR" dirty="0">
                 <a:effectLst/>
               </a:rPr>
               <a:t>. </a:t>
             </a:r>
             <a:r>
-              <a:rPr lang="ko-KR" altLang="en-US" dirty="0" smtClean="0">
+              <a:rPr lang="ko-KR" altLang="en-US" dirty="0">
                 <a:effectLst/>
               </a:rPr>
               <a:t>안타깝게도 관계형 스키마에는 상속 개념이 없습니다</a:t>
             </a:r>
             <a:r>
-              <a:rPr lang="en-US" altLang="ko-KR" dirty="0" smtClean="0">
+              <a:rPr lang="en-US" altLang="ko-KR" dirty="0">
                 <a:effectLst/>
               </a:rPr>
               <a:t>. </a:t>
             </a:r>
             <a:r>
-              <a:rPr lang="ko-KR" altLang="en-US" dirty="0" smtClean="0">
+              <a:rPr lang="ko-KR" altLang="en-US" dirty="0">
                 <a:effectLst/>
               </a:rPr>
               <a:t>회사에서 임원과 직원의 예를 들어보면</a:t>
             </a:r>
             <a:r>
-              <a:rPr lang="en-US" altLang="ko-KR" dirty="0" smtClean="0">
+              <a:rPr lang="en-US" altLang="ko-KR" dirty="0">
                 <a:effectLst/>
               </a:rPr>
               <a:t>. </a:t>
             </a:r>
             <a:r>
-              <a:rPr lang="ko-KR" altLang="en-US" dirty="0" smtClean="0">
+              <a:rPr lang="ko-KR" altLang="en-US" dirty="0">
                 <a:effectLst/>
               </a:rPr>
               <a:t>임원 개인도 회사의 직원이죠</a:t>
             </a:r>
             <a:r>
-              <a:rPr lang="en-US" altLang="ko-KR" dirty="0" smtClean="0">
+              <a:rPr lang="en-US" altLang="ko-KR" dirty="0">
                 <a:effectLst/>
               </a:rPr>
               <a:t>. </a:t>
             </a:r>
             <a:r>
-              <a:rPr lang="ko-KR" altLang="en-US" dirty="0" smtClean="0">
+              <a:rPr lang="ko-KR" altLang="en-US" dirty="0">
                 <a:effectLst/>
               </a:rPr>
               <a:t>이 관계를 데이터베이스에서 표현하는 것은 테이블 간 관계 수정이 필요해서 쉽지 않습니다</a:t>
             </a:r>
             <a:r>
-              <a:rPr lang="en-US" altLang="ko-KR" dirty="0" smtClean="0">
+              <a:rPr lang="en-US" altLang="ko-KR" dirty="0">
                 <a:effectLst/>
               </a:rPr>
               <a:t>. </a:t>
             </a:r>
             <a:r>
-              <a:rPr lang="ko-KR" altLang="en-US" dirty="0" smtClean="0">
+              <a:rPr lang="ko-KR" altLang="en-US" dirty="0">
                 <a:effectLst/>
               </a:rPr>
               <a:t>상속 없이 현실 세계의 문제 상황을 표현하는 것은 매우 복잡한 일입니다</a:t>
             </a:r>
             <a:r>
-              <a:rPr lang="en-US" altLang="ko-KR" dirty="0" smtClean="0">
+              <a:rPr lang="en-US" altLang="ko-KR" dirty="0">
                 <a:effectLst/>
               </a:rPr>
               <a:t>. </a:t>
             </a:r>
             <a:r>
-              <a:rPr lang="ko-KR" altLang="en-US" dirty="0" smtClean="0">
+              <a:rPr lang="ko-KR" altLang="en-US" dirty="0">
                 <a:effectLst/>
               </a:rPr>
               <a:t>그런데 데이터베이스는 상속 관계와 같은 형태를 알지 못하지요</a:t>
             </a:r>
             <a:r>
-              <a:rPr lang="en-US" altLang="ko-KR" dirty="0" smtClean="0">
+              <a:rPr lang="en-US" altLang="ko-KR" dirty="0">
                 <a:effectLst/>
               </a:rPr>
               <a:t>. </a:t>
             </a:r>
             <a:r>
-              <a:rPr lang="ko-KR" altLang="en-US" dirty="0" smtClean="0">
+              <a:rPr lang="ko-KR" altLang="en-US" dirty="0">
                 <a:effectLst/>
               </a:rPr>
               <a:t>이것을 해결할 간단한 방법은없지만</a:t>
             </a:r>
             <a:r>
-              <a:rPr lang="en-US" altLang="ko-KR" dirty="0" smtClean="0">
+              <a:rPr lang="en-US" altLang="ko-KR" dirty="0">
                 <a:effectLst/>
               </a:rPr>
               <a:t>, </a:t>
             </a:r>
             <a:r>
-              <a:rPr lang="ko-KR" altLang="en-US" dirty="0" smtClean="0">
+              <a:rPr lang="ko-KR" altLang="en-US" dirty="0">
                 <a:effectLst/>
               </a:rPr>
               <a:t>문제를 풀 수 있는 몇 가지 접근법이 있습니다</a:t>
             </a:r>
             <a:r>
-              <a:rPr lang="en-US" altLang="ko-KR" dirty="0" smtClean="0">
+              <a:rPr lang="en-US" altLang="ko-KR" dirty="0">
                 <a:effectLst/>
               </a:rPr>
               <a:t>. </a:t>
             </a:r>
             <a:r>
-              <a:rPr lang="ko-KR" altLang="en-US" dirty="0" smtClean="0">
+              <a:rPr lang="ko-KR" altLang="en-US" dirty="0">
                 <a:effectLst/>
               </a:rPr>
               <a:t>이 접근법은 다양한 클래스</a:t>
             </a:r>
             <a:r>
-              <a:rPr lang="en-US" altLang="ko-KR" dirty="0" smtClean="0">
+              <a:rPr lang="en-US" altLang="ko-KR" dirty="0">
                 <a:effectLst/>
               </a:rPr>
               <a:t>-</a:t>
             </a:r>
             <a:r>
-              <a:rPr lang="ko-KR" altLang="en-US" dirty="0" smtClean="0">
+              <a:rPr lang="ko-KR" altLang="en-US" dirty="0">
                 <a:effectLst/>
               </a:rPr>
               <a:t>테이블</a:t>
             </a:r>
             <a:r>
-              <a:rPr lang="en-US" altLang="ko-KR" dirty="0" smtClean="0">
+              <a:rPr lang="en-US" altLang="ko-KR" dirty="0">
                 <a:effectLst/>
               </a:rPr>
               <a:t>class-to-table </a:t>
             </a:r>
             <a:r>
-              <a:rPr lang="ko-KR" altLang="en-US" dirty="0" smtClean="0">
+              <a:rPr lang="ko-KR" altLang="en-US" dirty="0">
                 <a:effectLst/>
               </a:rPr>
               <a:t>전략을 사용합니다</a:t>
             </a:r>
             <a:r>
-              <a:rPr lang="en-US" altLang="ko-KR" dirty="0" smtClean="0">
+              <a:rPr lang="en-US" altLang="ko-KR" dirty="0">
                 <a:effectLst/>
               </a:rPr>
               <a:t>.</a:t>
             </a:r>
-            <a:endParaRPr lang="ko-KR" altLang="en-US" dirty="0" smtClean="0">
+            <a:endParaRPr lang="ko-KR" altLang="en-US" dirty="0">
               <a:effectLst/>
             </a:endParaRPr>
           </a:p>
           <a:p>
             <a:r>
-              <a:rPr lang="en-US" altLang="ko-KR" dirty="0" smtClean="0"/>
+              <a:rPr lang="en-US" altLang="ko-KR" dirty="0"/>
               <a:t>4. </a:t>
             </a:r>
             <a:r>
-              <a:rPr lang="ko-KR" altLang="en-US" dirty="0" smtClean="0"/>
+              <a:rPr lang="ko-KR" altLang="en-US" dirty="0"/>
               <a:t>관계와 연관 관계의 불일치</a:t>
             </a:r>
           </a:p>
           <a:p>
             <a:r>
-              <a:rPr lang="en-US" altLang="ko-KR" dirty="0" smtClean="0">
+              <a:rPr lang="en-US" altLang="ko-KR" dirty="0">
                 <a:effectLst/>
               </a:rPr>
               <a:t>1. SQL </a:t>
             </a:r>
             <a:r>
-              <a:rPr lang="ko-KR" altLang="en-US" dirty="0" smtClean="0">
+              <a:rPr lang="ko-KR" altLang="en-US" dirty="0">
                 <a:effectLst/>
               </a:rPr>
               <a:t>중심적인 개발의 문제점</a:t>
@@ -1906,89 +1887,89 @@
           </a:p>
           <a:p>
             <a:r>
-              <a:rPr lang="ko-KR" altLang="en-US" dirty="0" smtClean="0">
+              <a:rPr lang="ko-KR" altLang="en-US" dirty="0">
                 <a:effectLst/>
               </a:rPr>
               <a:t> </a:t>
             </a:r>
             <a:r>
-              <a:rPr lang="en-US" altLang="ko-KR" dirty="0" smtClean="0">
+              <a:rPr lang="en-US" altLang="ko-KR" dirty="0">
                 <a:effectLst/>
               </a:rPr>
               <a:t>- field </a:t>
             </a:r>
             <a:r>
-              <a:rPr lang="ko-KR" altLang="en-US" dirty="0" smtClean="0">
+              <a:rPr lang="ko-KR" altLang="en-US" dirty="0">
                 <a:effectLst/>
               </a:rPr>
               <a:t>하나추가시  쿼리도 바꿔야하고  </a:t>
             </a:r>
             <a:r>
-              <a:rPr lang="en-US" altLang="ko-KR" dirty="0" smtClean="0">
+              <a:rPr lang="en-US" altLang="ko-KR" dirty="0">
                 <a:effectLst/>
               </a:rPr>
               <a:t>VO</a:t>
             </a:r>
             <a:r>
-              <a:rPr lang="ko-KR" altLang="en-US" dirty="0" smtClean="0">
+              <a:rPr lang="ko-KR" altLang="en-US" dirty="0">
                 <a:effectLst/>
               </a:rPr>
               <a:t>도 바꿔야되고 </a:t>
             </a:r>
             <a:r>
-              <a:rPr lang="en-US" altLang="ko-KR" dirty="0" smtClean="0">
+              <a:rPr lang="en-US" altLang="ko-KR" dirty="0">
                 <a:effectLst/>
               </a:rPr>
               <a:t>...</a:t>
             </a:r>
-            <a:endParaRPr lang="ko-KR" altLang="en-US" dirty="0" smtClean="0">
+            <a:endParaRPr lang="ko-KR" altLang="en-US" dirty="0">
               <a:effectLst/>
             </a:endParaRPr>
           </a:p>
           <a:p>
             <a:r>
-              <a:rPr lang="ko-KR" altLang="en-US" dirty="0" smtClean="0">
+              <a:rPr lang="ko-KR" altLang="en-US" dirty="0">
                 <a:effectLst/>
               </a:rPr>
               <a:t> </a:t>
             </a:r>
             <a:r>
-              <a:rPr lang="en-US" altLang="ko-KR" dirty="0" smtClean="0">
+              <a:rPr lang="en-US" altLang="ko-KR" dirty="0">
                 <a:effectLst/>
               </a:rPr>
               <a:t>- SQL</a:t>
             </a:r>
             <a:r>
-              <a:rPr lang="ko-KR" altLang="en-US" dirty="0" smtClean="0">
+              <a:rPr lang="ko-KR" altLang="en-US" dirty="0">
                 <a:effectLst/>
               </a:rPr>
               <a:t>에 의존적인 개발을 피하기 어렵다</a:t>
             </a:r>
             <a:r>
-              <a:rPr lang="en-US" altLang="ko-KR" dirty="0" smtClean="0">
+              <a:rPr lang="en-US" altLang="ko-KR" dirty="0">
                 <a:effectLst/>
               </a:rPr>
               <a:t>.</a:t>
             </a:r>
-            <a:endParaRPr lang="ko-KR" altLang="en-US" dirty="0" smtClean="0">
+            <a:endParaRPr lang="ko-KR" altLang="en-US" dirty="0">
               <a:effectLst/>
             </a:endParaRPr>
           </a:p>
           <a:p>
             <a:r>
-              <a:rPr lang="ko-KR" altLang="en-US" dirty="0" smtClean="0">
+              <a:rPr lang="ko-KR" altLang="en-US" dirty="0">
                 <a:effectLst/>
               </a:rPr>
               <a:t> </a:t>
             </a:r>
             <a:r>
-              <a:rPr lang="en-US" altLang="ko-KR" dirty="0" smtClean="0">
+              <a:rPr lang="en-US" altLang="ko-KR" dirty="0">
                 <a:effectLst/>
               </a:rPr>
               <a:t>- </a:t>
             </a:r>
             <a:r>
-              <a:rPr lang="ko-KR" altLang="en-US" dirty="0" smtClean="0">
+              <a:rPr lang="ko-KR" altLang="en-US" dirty="0">
                 <a:effectLst/>
               </a:rPr>
               <a:t>객체답게 모델링 할수록 매핑 작업만 늘어난다</a:t>
@@ -2080,146 +2061,146 @@
           <a:lstStyle/>
           <a:p>
             <a:r>
-              <a:rPr lang="ko-KR" altLang="en-US" dirty="0" smtClean="0"/>
+              <a:rPr lang="ko-KR" altLang="en-US" dirty="0"/>
               <a:t>비영속 상태</a:t>
             </a:r>
           </a:p>
           <a:p>
             <a:r>
-              <a:rPr lang="ko-KR" altLang="en-US" dirty="0" smtClean="0"/>
+              <a:rPr lang="ko-KR" altLang="en-US" dirty="0"/>
               <a:t>퍼시스턴트 객체를 처음 만들었을 때의 상태</a:t>
             </a:r>
             <a:r>
-              <a:rPr lang="en-US" altLang="ko-KR" dirty="0" smtClean="0"/>
+              <a:rPr lang="en-US" altLang="ko-KR" dirty="0"/>
               <a:t>. </a:t>
             </a:r>
             <a:r>
-              <a:rPr lang="ko-KR" altLang="en-US" dirty="0" smtClean="0"/>
+              <a:rPr lang="ko-KR" altLang="en-US" dirty="0"/>
               <a:t>데이터베이스 테이블에 관련 데이터가 없으며</a:t>
             </a:r>
             <a:r>
-              <a:rPr lang="en-US" altLang="ko-KR" dirty="0" smtClean="0"/>
+              <a:rPr lang="en-US" altLang="ko-KR" dirty="0"/>
               <a:t>, </a:t>
             </a:r>
             <a:r>
-              <a:rPr lang="ko-KR" altLang="en-US" dirty="0" smtClean="0"/>
+              <a:rPr lang="ko-KR" altLang="en-US" dirty="0"/>
               <a:t>연관된 </a:t>
             </a:r>
             <a:r>
-              <a:rPr lang="en-US" altLang="ko-KR" dirty="0" smtClean="0"/>
+              <a:rPr lang="en-US" altLang="ko-KR" dirty="0"/>
               <a:t>Session</a:t>
             </a:r>
             <a:r>
-              <a:rPr lang="ko-KR" altLang="en-US" dirty="0" smtClean="0"/>
+              <a:rPr lang="ko-KR" altLang="en-US" dirty="0"/>
               <a:t>이 없다</a:t>
             </a:r>
             <a:r>
-              <a:rPr lang="en-US" altLang="ko-KR" dirty="0" smtClean="0"/>
+              <a:rPr lang="en-US" altLang="ko-KR" dirty="0"/>
               <a:t>. </a:t>
             </a:r>
-            <a:endParaRPr lang="ko-KR" altLang="en-US" dirty="0" smtClean="0"/>
-          </a:p>
-          <a:p>
-            <a:r>
-              <a:rPr lang="ko-KR" altLang="en-US" dirty="0" smtClean="0"/>
+            <a:endParaRPr lang="ko-KR" altLang="en-US" dirty="0"/>
+          </a:p>
+          <a:p>
+            <a:r>
+              <a:rPr lang="ko-KR" altLang="en-US" dirty="0"/>
               <a:t> </a:t>
             </a:r>
           </a:p>
           <a:p>
             <a:r>
-              <a:rPr lang="ko-KR" altLang="en-US" dirty="0" smtClean="0"/>
+              <a:rPr lang="ko-KR" altLang="en-US" dirty="0"/>
               <a:t>영속 상태</a:t>
             </a:r>
           </a:p>
           <a:p>
             <a:r>
-              <a:rPr lang="ko-KR" altLang="en-US" dirty="0" smtClean="0"/>
+              <a:rPr lang="ko-KR" altLang="en-US" dirty="0"/>
               <a:t>현재 활성화된 </a:t>
             </a:r>
             <a:r>
-              <a:rPr lang="en-US" altLang="ko-KR" dirty="0" smtClean="0"/>
+              <a:rPr lang="en-US" altLang="ko-KR" dirty="0"/>
               <a:t>Session</a:t>
             </a:r>
             <a:r>
-              <a:rPr lang="ko-KR" altLang="en-US" dirty="0" smtClean="0"/>
+              <a:rPr lang="ko-KR" altLang="en-US" dirty="0"/>
               <a:t>과 연결된 퍼시스턴트 객체</a:t>
             </a:r>
             <a:r>
-              <a:rPr lang="en-US" altLang="ko-KR" dirty="0" smtClean="0"/>
+              <a:rPr lang="en-US" altLang="ko-KR" dirty="0"/>
               <a:t>. </a:t>
             </a:r>
             <a:r>
-              <a:rPr lang="ko-KR" altLang="en-US" dirty="0" smtClean="0"/>
+              <a:rPr lang="ko-KR" altLang="en-US" dirty="0"/>
               <a:t>이 상태의 퍼시스턴트 객체는 고유성을 가지며</a:t>
             </a:r>
             <a:r>
-              <a:rPr lang="en-US" altLang="ko-KR" dirty="0" smtClean="0"/>
+              <a:rPr lang="en-US" altLang="ko-KR" dirty="0"/>
               <a:t>, </a:t>
             </a:r>
             <a:r>
-              <a:rPr lang="ko-KR" altLang="en-US" dirty="0" smtClean="0"/>
+              <a:rPr lang="ko-KR" altLang="en-US" dirty="0"/>
               <a:t>프로퍼티 값의 변경이 </a:t>
             </a:r>
             <a:r>
-              <a:rPr lang="en-US" altLang="ko-KR" dirty="0" smtClean="0"/>
+              <a:rPr lang="en-US" altLang="ko-KR" dirty="0"/>
               <a:t>Session</a:t>
             </a:r>
             <a:r>
-              <a:rPr lang="ko-KR" altLang="en-US" dirty="0" smtClean="0"/>
+              <a:rPr lang="ko-KR" altLang="en-US" dirty="0"/>
               <a:t>을 통해 자동으로 데이터베이스에 반영된다</a:t>
             </a:r>
             <a:r>
-              <a:rPr lang="en-US" altLang="ko-KR" dirty="0" smtClean="0"/>
+              <a:rPr lang="en-US" altLang="ko-KR" dirty="0"/>
               <a:t>. </a:t>
             </a:r>
-            <a:endParaRPr lang="ko-KR" altLang="en-US" dirty="0" smtClean="0"/>
-          </a:p>
-          <a:p>
-            <a:r>
-              <a:rPr lang="ko-KR" altLang="en-US" dirty="0" smtClean="0"/>
+            <a:endParaRPr lang="ko-KR" altLang="en-US" dirty="0"/>
+          </a:p>
+          <a:p>
+            <a:r>
+              <a:rPr lang="ko-KR" altLang="en-US" dirty="0"/>
               <a:t> </a:t>
             </a:r>
           </a:p>
           <a:p>
             <a:r>
-              <a:rPr lang="ko-KR" altLang="en-US" dirty="0" smtClean="0"/>
+              <a:rPr lang="ko-KR" altLang="en-US" dirty="0"/>
               <a:t>준영속 상태</a:t>
             </a:r>
           </a:p>
           <a:p>
             <a:r>
-              <a:rPr lang="ko-KR" altLang="en-US" dirty="0" smtClean="0"/>
+              <a:rPr lang="ko-KR" altLang="en-US" dirty="0"/>
               <a:t>영속 상태의 퍼시스턴트 객체가 </a:t>
             </a:r>
             <a:r>
-              <a:rPr lang="en-US" altLang="ko-KR" dirty="0" smtClean="0"/>
+              <a:rPr lang="en-US" altLang="ko-KR" dirty="0"/>
               <a:t>Session</a:t>
             </a:r>
             <a:r>
-              <a:rPr lang="ko-KR" altLang="en-US" dirty="0" smtClean="0"/>
+              <a:rPr lang="ko-KR" altLang="en-US" dirty="0"/>
               <a:t>과 연결이 끊기면 준영속 상태가 된다</a:t>
             </a:r>
             <a:r>
-              <a:rPr lang="en-US" altLang="ko-KR" dirty="0" smtClean="0"/>
+              <a:rPr lang="en-US" altLang="ko-KR" dirty="0"/>
               <a:t>. Hibernate</a:t>
             </a:r>
             <a:r>
-              <a:rPr lang="ko-KR" altLang="en-US" dirty="0" smtClean="0"/>
+              <a:rPr lang="ko-KR" altLang="en-US" dirty="0"/>
               <a:t>의 관리를 받지는 않지만</a:t>
             </a:r>
             <a:r>
-              <a:rPr lang="en-US" altLang="ko-KR" dirty="0" smtClean="0"/>
+              <a:rPr lang="en-US" altLang="ko-KR" dirty="0"/>
               <a:t>, </a:t>
             </a:r>
             <a:r>
-              <a:rPr lang="ko-KR" altLang="en-US" dirty="0" smtClean="0"/>
+              <a:rPr lang="ko-KR" altLang="en-US" dirty="0"/>
               <a:t>영속 데이터를 갖고 있다</a:t>
             </a:r>
             <a:r>
-              <a:rPr lang="en-US" altLang="ko-KR" dirty="0" smtClean="0"/>
+              <a:rPr lang="en-US" altLang="ko-KR" dirty="0"/>
               <a:t>. </a:t>
             </a:r>
-            <a:endParaRPr lang="ko-KR" altLang="en-US" dirty="0" smtClean="0"/>
+            <a:endParaRPr lang="ko-KR" altLang="en-US" dirty="0"/>
           </a:p>
           <a:p>
             <a:endParaRPr kumimoji="1" lang="ko-KR" altLang="en-US" dirty="0"/>
@@ -2307,26 +2288,26 @@
           <a:lstStyle/>
           <a:p>
             <a:r>
-              <a:rPr kumimoji="1" lang="ko-KR" altLang="en-US" dirty="0" smtClean="0"/>
+              <a:rPr kumimoji="1" lang="ko-KR" altLang="en-US" dirty="0"/>
               <a:t>하이버네이트에서</a:t>
             </a:r>
-            <a:endParaRPr kumimoji="1" lang="en-US" altLang="ko-KR" dirty="0" smtClean="0"/>
-          </a:p>
-          <a:p>
-            <a:r>
-              <a:rPr kumimoji="1" lang="ko-KR" altLang="en-US" dirty="0" smtClean="0"/>
+            <a:endParaRPr kumimoji="1" lang="en-US" altLang="ko-KR" dirty="0"/>
+          </a:p>
+          <a:p>
+            <a:r>
+              <a:rPr kumimoji="1" lang="ko-KR" altLang="en-US" dirty="0"/>
               <a:t>제공하는 셋팅 방법은 </a:t>
             </a:r>
             <a:r>
-              <a:rPr kumimoji="1" lang="en-US" altLang="ko-KR" dirty="0" smtClean="0"/>
+              <a:rPr kumimoji="1" lang="en-US" altLang="ko-KR" dirty="0"/>
               <a:t>3</a:t>
             </a:r>
             <a:r>
-              <a:rPr kumimoji="1" lang="ko-KR" altLang="en-US" dirty="0" smtClean="0"/>
+              <a:rPr kumimoji="1" lang="ko-KR" altLang="en-US" dirty="0"/>
               <a:t>가지 방법을 제공합니다</a:t>
             </a:r>
             <a:r>
-              <a:rPr kumimoji="1" lang="en-US" altLang="ko-KR" dirty="0" smtClean="0"/>
+              <a:rPr kumimoji="1" lang="en-US" altLang="ko-KR" dirty="0"/>
               <a:t>.</a:t>
             </a:r>
           </a:p>
@@ -2417,7 +2398,7 @@
           <a:p>
             <a:pPr latinLnBrk="1"/>
             <a:r>
-              <a:rPr lang="en-US" altLang="ko-KR" sz="1200" b="1" kern="1200" dirty="0" err="1" smtClean="0">
+              <a:rPr lang="en-US" altLang="ko-KR" sz="1200" b="1" kern="1200" dirty="0" err="1">
                 <a:solidFill>
                   <a:schemeClr val="tx1"/>
                 </a:solidFill>
@@ -2428,7 +2409,7 @@
               </a:rPr>
               <a:t>GenerationType.AUTO</a:t>
             </a:r>
-            <a:endParaRPr lang="ko-KR" altLang="ko-KR" sz="1200" kern="1200" dirty="0" smtClean="0">
+            <a:endParaRPr lang="ko-KR" altLang="ko-KR" sz="1200" kern="1200" dirty="0">
               <a:solidFill>
                 <a:schemeClr val="tx1"/>
               </a:solidFill>
@@ -2441,7 +2422,7 @@
           <a:p>
             <a:pPr latinLnBrk="1"/>
             <a:r>
-              <a:rPr lang="ko-KR" altLang="ko-KR" sz="1200" kern="1200" dirty="0" smtClean="0">
+              <a:rPr lang="ko-KR" altLang="ko-KR" sz="1200" kern="1200" dirty="0">
                 <a:solidFill>
                   <a:schemeClr val="tx1"/>
                 </a:solidFill>
@@ -2453,7 +2434,7 @@
               <a:t>기본 방법으로 다른 데이터베이스 간에도 이용할 수 있다</a:t>
             </a:r>
             <a:r>
-              <a:rPr lang="en-US" altLang="ko-KR" sz="1200" kern="1200" dirty="0" smtClean="0">
+              <a:rPr lang="en-US" altLang="ko-KR" sz="1200" kern="1200" dirty="0">
                 <a:solidFill>
                   <a:schemeClr val="tx1"/>
                 </a:solidFill>
@@ -2465,7 +2446,7 @@
               <a:t>. </a:t>
             </a:r>
             <a:r>
-              <a:rPr lang="ko-KR" altLang="ko-KR" sz="1200" kern="1200" dirty="0" smtClean="0">
+              <a:rPr lang="ko-KR" altLang="ko-KR" sz="1200" kern="1200" dirty="0">
                 <a:solidFill>
                   <a:schemeClr val="tx1"/>
                 </a:solidFill>
@@ -2480,7 +2461,7 @@
           <a:p>
             <a:pPr latinLnBrk="1"/>
             <a:r>
-              <a:rPr lang="ko-KR" altLang="ko-KR" sz="1200" kern="1200" dirty="0" smtClean="0">
+              <a:rPr lang="ko-KR" altLang="ko-KR" sz="1200" kern="1200" dirty="0">
                 <a:solidFill>
                   <a:schemeClr val="tx1"/>
                 </a:solidFill>
@@ -2492,7 +2473,7 @@
               <a:t>데이터베이스를 기반으로 적절한</a:t>
             </a:r>
             <a:r>
-              <a:rPr lang="en-US" altLang="ko-KR" sz="1200" kern="1200" dirty="0" smtClean="0">
+              <a:rPr lang="en-US" altLang="ko-KR" sz="1200" kern="1200" dirty="0">
                 <a:solidFill>
                   <a:schemeClr val="tx1"/>
                 </a:solidFill>
@@ -2504,7 +2485,7 @@
               <a:t> ID</a:t>
             </a:r>
             <a:r>
-              <a:rPr lang="ko-KR" altLang="ko-KR" sz="1200" kern="1200" dirty="0" smtClean="0">
+              <a:rPr lang="ko-KR" altLang="ko-KR" sz="1200" kern="1200" dirty="0">
                 <a:solidFill>
                   <a:schemeClr val="tx1"/>
                 </a:solidFill>
@@ -2516,7 +2497,7 @@
               <a:t>를 선택한다</a:t>
             </a:r>
             <a:r>
-              <a:rPr lang="en-US" altLang="ko-KR" sz="1200" kern="1200" dirty="0" smtClean="0">
+              <a:rPr lang="en-US" altLang="ko-KR" sz="1200" kern="1200" dirty="0">
                 <a:solidFill>
                   <a:schemeClr val="tx1"/>
                 </a:solidFill>
@@ -2530,7 +2511,7 @@
           </a:p>
           <a:p>
             <a:pPr latinLnBrk="1"/>
-            <a:endParaRPr lang="ko-KR" altLang="ko-KR" sz="1200" kern="1200" dirty="0" smtClean="0">
+            <a:endParaRPr lang="ko-KR" altLang="ko-KR" sz="1200" kern="1200" dirty="0">
               <a:solidFill>
                 <a:schemeClr val="tx1"/>
               </a:solidFill>
@@ -2543,7 +2524,7 @@
           <a:p>
             <a:pPr latinLnBrk="1"/>
             <a:r>
-              <a:rPr lang="en-US" altLang="ko-KR" sz="1200" b="1" kern="1200" dirty="0" err="1" smtClean="0">
+              <a:rPr lang="en-US" altLang="ko-KR" sz="1200" b="1" kern="1200" dirty="0" err="1">
                 <a:solidFill>
                   <a:schemeClr val="tx1"/>
                 </a:solidFill>
@@ -2554,7 +2535,7 @@
               </a:rPr>
               <a:t>GenerationType.IDENTITY</a:t>
             </a:r>
-            <a:endParaRPr lang="ko-KR" altLang="ko-KR" sz="1200" kern="1200" dirty="0" smtClean="0">
+            <a:endParaRPr lang="ko-KR" altLang="ko-KR" sz="1200" kern="1200" dirty="0">
               <a:solidFill>
                 <a:schemeClr val="tx1"/>
               </a:solidFill>
@@ -2567,7 +2548,7 @@
           <a:p>
             <a:pPr latinLnBrk="1"/>
             <a:r>
-              <a:rPr lang="ko-KR" altLang="ko-KR" sz="1200" kern="1200" dirty="0" smtClean="0">
+              <a:rPr lang="ko-KR" altLang="ko-KR" sz="1200" kern="1200" dirty="0">
                 <a:solidFill>
                   <a:schemeClr val="tx1"/>
                 </a:solidFill>
@@ -2579,7 +2560,7 @@
               <a:t>이 설정은 몇몇 데이터베이스에서 제공하는</a:t>
             </a:r>
             <a:r>
-              <a:rPr lang="en-US" altLang="ko-KR" sz="1200" kern="1200" dirty="0" smtClean="0">
+              <a:rPr lang="en-US" altLang="ko-KR" sz="1200" kern="1200" dirty="0">
                 <a:solidFill>
                   <a:schemeClr val="tx1"/>
                 </a:solidFill>
@@ -2591,7 +2572,7 @@
               <a:t> identity </a:t>
             </a:r>
             <a:r>
-              <a:rPr lang="ko-KR" altLang="ko-KR" sz="1200" kern="1200" dirty="0" smtClean="0">
+              <a:rPr lang="ko-KR" altLang="ko-KR" sz="1200" kern="1200" dirty="0">
                 <a:solidFill>
                   <a:schemeClr val="tx1"/>
                 </a:solidFill>
@@ -2603,7 +2584,7 @@
               <a:t>함수를 기반으로 한다</a:t>
             </a:r>
             <a:r>
-              <a:rPr lang="en-US" altLang="ko-KR" sz="1200" kern="1200" dirty="0" smtClean="0">
+              <a:rPr lang="en-US" altLang="ko-KR" sz="1200" kern="1200" dirty="0">
                 <a:solidFill>
                   <a:schemeClr val="tx1"/>
                 </a:solidFill>
@@ -2615,7 +2596,7 @@
               <a:t>. </a:t>
             </a:r>
             <a:r>
-              <a:rPr lang="ko-KR" altLang="ko-KR" sz="1200" kern="1200" dirty="0" smtClean="0">
+              <a:rPr lang="ko-KR" altLang="ko-KR" sz="1200" kern="1200" dirty="0">
                 <a:solidFill>
                   <a:schemeClr val="tx1"/>
                 </a:solidFill>
@@ -2630,7 +2611,7 @@
           <a:p>
             <a:pPr latinLnBrk="1"/>
             <a:r>
-              <a:rPr lang="ko-KR" altLang="ko-KR" sz="1200" kern="1200" dirty="0" smtClean="0">
+              <a:rPr lang="ko-KR" altLang="ko-KR" sz="1200" kern="1200" dirty="0">
                 <a:solidFill>
                   <a:schemeClr val="tx1"/>
                 </a:solidFill>
@@ -2642,7 +2623,7 @@
               <a:t>이터베이스에서 고유한 식별자를 제공하는 역할을 한다</a:t>
             </a:r>
             <a:r>
-              <a:rPr lang="en-US" altLang="ko-KR" sz="1200" kern="1200" dirty="0" smtClean="0">
+              <a:rPr lang="en-US" altLang="ko-KR" sz="1200" kern="1200" dirty="0">
                 <a:solidFill>
                   <a:schemeClr val="tx1"/>
                 </a:solidFill>
@@ -2653,7 +2634,7 @@
               </a:rPr>
               <a:t>.</a:t>
             </a:r>
-            <a:endParaRPr lang="ko-KR" altLang="ko-KR" sz="1200" kern="1200" dirty="0" smtClean="0">
+            <a:endParaRPr lang="ko-KR" altLang="ko-KR" sz="1200" kern="1200" dirty="0">
               <a:solidFill>
                 <a:schemeClr val="tx1"/>
               </a:solidFill>
@@ -2665,7 +2646,7 @@
           </a:p>
           <a:p>
             <a:pPr latinLnBrk="1"/>
-            <a:endParaRPr lang="en-US" altLang="ko-KR" sz="1200" b="1" kern="1200" dirty="0" smtClean="0">
+            <a:endParaRPr lang="en-US" altLang="ko-KR" sz="1200" b="1" kern="1200" dirty="0">
               <a:solidFill>
                 <a:schemeClr val="tx1"/>
               </a:solidFill>
@@ -2678,7 +2659,7 @@
           <a:p>
             <a:pPr latinLnBrk="1"/>
             <a:r>
-              <a:rPr lang="en-US" altLang="ko-KR" sz="1200" b="1" kern="1200" dirty="0" err="1" smtClean="0">
+              <a:rPr lang="en-US" altLang="ko-KR" sz="1200" b="1" kern="1200" dirty="0" err="1">
                 <a:solidFill>
                   <a:schemeClr val="tx1"/>
                 </a:solidFill>
@@ -2689,7 +2670,7 @@
               </a:rPr>
               <a:t>GenerationType.SEQUENCE</a:t>
             </a:r>
-            <a:endParaRPr lang="ko-KR" altLang="ko-KR" sz="1200" kern="1200" dirty="0" smtClean="0">
+            <a:endParaRPr lang="ko-KR" altLang="ko-KR" sz="1200" kern="1200" dirty="0">
               <a:solidFill>
                 <a:schemeClr val="tx1"/>
               </a:solidFill>
@@ -2702,7 +2683,7 @@
           <a:p>
             <a:pPr latinLnBrk="1"/>
             <a:r>
-              <a:rPr lang="ko-KR" altLang="ko-KR" sz="1200" kern="1200" dirty="0" smtClean="0">
+              <a:rPr lang="ko-KR" altLang="ko-KR" sz="1200" kern="1200" dirty="0">
                 <a:solidFill>
                   <a:schemeClr val="tx1"/>
                 </a:solidFill>
@@ -2714,7 +2695,7 @@
               <a:t>몇몇 데이터베이스에서는 연속된 숫자에 관한 메커니즘을 제공하는데</a:t>
             </a:r>
             <a:r>
-              <a:rPr lang="en-US" altLang="ko-KR" sz="1200" kern="1200" dirty="0" smtClean="0">
+              <a:rPr lang="en-US" altLang="ko-KR" sz="1200" kern="1200" dirty="0">
                 <a:solidFill>
                   <a:schemeClr val="tx1"/>
                 </a:solidFill>
@@ -2726,7 +2707,7 @@
               <a:t>, </a:t>
             </a:r>
             <a:r>
-              <a:rPr lang="ko-KR" altLang="ko-KR" sz="1200" kern="1200" dirty="0" smtClean="0">
+              <a:rPr lang="ko-KR" altLang="ko-KR" sz="1200" kern="1200" dirty="0">
                 <a:solidFill>
                   <a:schemeClr val="tx1"/>
                 </a:solidFill>
@@ -2741,7 +2722,7 @@
           <a:p>
             <a:pPr latinLnBrk="1"/>
             <a:r>
-              <a:rPr lang="ko-KR" altLang="ko-KR" sz="1200" kern="1200" dirty="0" smtClean="0">
+              <a:rPr lang="ko-KR" altLang="ko-KR" sz="1200" kern="1200" dirty="0">
                 <a:solidFill>
                   <a:schemeClr val="tx1"/>
                 </a:solidFill>
@@ -2753,7 +2734,7 @@
               <a:t>네이트에서는 일련번호를 사용한다</a:t>
             </a:r>
             <a:r>
-              <a:rPr lang="en-US" altLang="ko-KR" sz="1200" kern="1200" dirty="0" smtClean="0">
+              <a:rPr lang="en-US" altLang="ko-KR" sz="1200" kern="1200" dirty="0">
                 <a:solidFill>
                   <a:schemeClr val="tx1"/>
                 </a:solidFill>
@@ -2764,7 +2745,7 @@
               </a:rPr>
               <a:t>.</a:t>
             </a:r>
-            <a:endParaRPr lang="ko-KR" altLang="ko-KR" sz="1200" kern="1200" dirty="0" smtClean="0">
+            <a:endParaRPr lang="ko-KR" altLang="ko-KR" sz="1200" kern="1200" dirty="0">
               <a:solidFill>
                 <a:schemeClr val="tx1"/>
               </a:solidFill>
@@ -2776,7 +2757,7 @@
           </a:p>
           <a:p>
             <a:pPr latinLnBrk="1"/>
-            <a:endParaRPr lang="en-US" altLang="ko-KR" sz="1200" b="1" kern="1200" dirty="0" smtClean="0">
+            <a:endParaRPr lang="en-US" altLang="ko-KR" sz="1200" b="1" kern="1200" dirty="0">
               <a:solidFill>
                 <a:schemeClr val="tx1"/>
               </a:solidFill>
@@ -2789,7 +2770,7 @@
           <a:p>
             <a:pPr latinLnBrk="1"/>
             <a:r>
-              <a:rPr lang="en-US" altLang="ko-KR" sz="1200" b="1" kern="1200" dirty="0" err="1" smtClean="0">
+              <a:rPr lang="en-US" altLang="ko-KR" sz="1200" b="1" kern="1200" dirty="0" err="1">
                 <a:solidFill>
                   <a:schemeClr val="tx1"/>
                 </a:solidFill>
@@ -2801,7 +2782,7 @@
               <a:t>GenerationType.TABLE</a:t>
             </a:r>
             <a:r>
-              <a:rPr lang="en-US" altLang="ko-KR" sz="1200" b="1" kern="1200" dirty="0" smtClean="0">
+              <a:rPr lang="en-US" altLang="ko-KR" sz="1200" b="1" kern="1200" dirty="0">
                 <a:solidFill>
                   <a:schemeClr val="tx1"/>
                 </a:solidFill>
@@ -2812,7 +2793,7 @@
               </a:rPr>
               <a:t> </a:t>
             </a:r>
-            <a:endParaRPr lang="ko-KR" altLang="ko-KR" sz="1200" kern="1200" dirty="0" smtClean="0">
+            <a:endParaRPr lang="ko-KR" altLang="ko-KR" sz="1200" kern="1200" dirty="0">
               <a:solidFill>
                 <a:schemeClr val="tx1"/>
               </a:solidFill>
@@ -2825,7 +2806,7 @@
           <a:p>
             <a:pPr latinLnBrk="1"/>
             <a:r>
-              <a:rPr lang="ko-KR" altLang="ko-KR" sz="1200" kern="1200" dirty="0" smtClean="0">
+              <a:rPr lang="ko-KR" altLang="ko-KR" sz="1200" kern="1200" dirty="0">
                 <a:solidFill>
                   <a:schemeClr val="tx1"/>
                 </a:solidFill>
@@ -2837,7 +2818,7 @@
               <a:t>다른 테이블의 고유한 컬럼 값에서 기본키를 생성하는데</a:t>
             </a:r>
             <a:r>
-              <a:rPr lang="en-US" altLang="ko-KR" sz="1200" kern="1200" dirty="0" smtClean="0">
+              <a:rPr lang="en-US" altLang="ko-KR" sz="1200" kern="1200" dirty="0">
                 <a:solidFill>
                   <a:schemeClr val="tx1"/>
                 </a:solidFill>
@@ -2849,7 +2830,7 @@
               <a:t>, </a:t>
             </a:r>
             <a:r>
-              <a:rPr lang="ko-KR" altLang="ko-KR" sz="1200" kern="1200" dirty="0" smtClean="0">
+              <a:rPr lang="ko-KR" altLang="ko-KR" sz="1200" kern="1200" dirty="0">
                 <a:solidFill>
                   <a:schemeClr val="tx1"/>
                 </a:solidFill>
@@ -2861,7 +2842,7 @@
               <a:t>이 경우</a:t>
             </a:r>
             <a:r>
-              <a:rPr lang="en-US" altLang="ko-KR" sz="1200" kern="1200" dirty="0" smtClean="0">
+              <a:rPr lang="en-US" altLang="ko-KR" sz="1200" kern="1200" dirty="0">
                 <a:solidFill>
                   <a:schemeClr val="tx1"/>
                 </a:solidFill>
@@ -2873,7 +2854,7 @@
               <a:t> TABLE </a:t>
             </a:r>
             <a:r>
-              <a:rPr lang="ko-KR" altLang="ko-KR" sz="1200" kern="1200" dirty="0" smtClean="0">
+              <a:rPr lang="ko-KR" altLang="ko-KR" sz="1200" kern="1200" dirty="0">
                 <a:solidFill>
                   <a:schemeClr val="tx1"/>
                 </a:solidFill>
@@ -2888,7 +2869,7 @@
           <a:p>
             <a:pPr latinLnBrk="1"/>
             <a:r>
-              <a:rPr lang="ko-KR" altLang="ko-KR" sz="1200" kern="1200" dirty="0" smtClean="0">
+              <a:rPr lang="ko-KR" altLang="ko-KR" sz="1200" kern="1200" dirty="0">
                 <a:solidFill>
                   <a:schemeClr val="tx1"/>
                 </a:solidFill>
@@ -2900,7 +2881,7 @@
               <a:t>를 사용한다</a:t>
             </a:r>
             <a:r>
-              <a:rPr lang="en-US" altLang="ko-KR" sz="1200" kern="1200" dirty="0" smtClean="0">
+              <a:rPr lang="en-US" altLang="ko-KR" sz="1200" kern="1200" dirty="0">
                 <a:solidFill>
                   <a:schemeClr val="tx1"/>
                 </a:solidFill>
@@ -2912,7 +2893,7 @@
               <a:t>. </a:t>
             </a:r>
             <a:r>
-              <a:rPr lang="ko-KR" altLang="ko-KR" sz="1200" kern="1200" dirty="0" smtClean="0">
+              <a:rPr lang="ko-KR" altLang="ko-KR" sz="1200" kern="1200" dirty="0">
                 <a:solidFill>
                   <a:schemeClr val="tx1"/>
                 </a:solidFill>
@@ -2924,7 +2905,7 @@
               <a:t>시퀀스</a:t>
             </a:r>
             <a:r>
-              <a:rPr lang="en-US" altLang="ko-KR" sz="1200" kern="1200" dirty="0" err="1" smtClean="0">
+              <a:rPr lang="en-US" altLang="ko-KR" sz="1200" kern="1200" dirty="0" err="1">
                 <a:solidFill>
                   <a:schemeClr val="tx1"/>
                 </a:solidFill>
@@ -2936,7 +2917,7 @@
               <a:t>seqeunce</a:t>
             </a:r>
             <a:r>
-              <a:rPr lang="en-US" altLang="ko-KR" sz="1200" kern="1200" dirty="0" smtClean="0">
+              <a:rPr lang="en-US" altLang="ko-KR" sz="1200" kern="1200" dirty="0">
                 <a:solidFill>
                   <a:schemeClr val="tx1"/>
                 </a:solidFill>
@@ -2948,7 +2929,7 @@
               <a:t> </a:t>
             </a:r>
             <a:r>
-              <a:rPr lang="ko-KR" altLang="ko-KR" sz="1200" kern="1200" dirty="0" smtClean="0">
+              <a:rPr lang="ko-KR" altLang="ko-KR" sz="1200" kern="1200" dirty="0">
                 <a:solidFill>
                   <a:schemeClr val="tx1"/>
                 </a:solidFill>
@@ -2960,7 +2941,7 @@
               <a:t>방법에서는</a:t>
             </a:r>
             <a:r>
-              <a:rPr lang="en-US" altLang="ko-KR" sz="1200" kern="1200" dirty="0" smtClean="0">
+              <a:rPr lang="en-US" altLang="ko-KR" sz="1200" kern="1200" dirty="0">
                 <a:solidFill>
                   <a:schemeClr val="tx1"/>
                 </a:solidFill>
@@ -2972,7 +2953,7 @@
               <a:t> strategy</a:t>
             </a:r>
             <a:r>
-              <a:rPr lang="ko-KR" altLang="ko-KR" sz="1200" kern="1200" dirty="0" smtClean="0">
+              <a:rPr lang="ko-KR" altLang="ko-KR" sz="1200" kern="1200" dirty="0">
                 <a:solidFill>
                   <a:schemeClr val="tx1"/>
                 </a:solidFill>
@@ -2984,7 +2965,7 @@
               <a:t>와</a:t>
             </a:r>
             <a:r>
-              <a:rPr lang="en-US" altLang="ko-KR" sz="1200" kern="1200" dirty="0" smtClean="0">
+              <a:rPr lang="en-US" altLang="ko-KR" sz="1200" kern="1200" dirty="0">
                 <a:solidFill>
                   <a:schemeClr val="tx1"/>
                 </a:solidFill>
@@ -2996,7 +2977,7 @@
               <a:t> generator </a:t>
             </a:r>
             <a:r>
-              <a:rPr lang="ko-KR" altLang="ko-KR" sz="1200" kern="1200" dirty="0" smtClean="0">
+              <a:rPr lang="ko-KR" altLang="ko-KR" sz="1200" kern="1200" dirty="0">
                 <a:solidFill>
                   <a:schemeClr val="tx1"/>
                 </a:solidFill>
@@ -3008,7 +2989,7 @@
               <a:t>속성을 모두 정의해야 한다</a:t>
             </a:r>
             <a:r>
-              <a:rPr lang="en-US" altLang="ko-KR" sz="1200" kern="1200" dirty="0" smtClean="0">
+              <a:rPr lang="en-US" altLang="ko-KR" sz="1200" kern="1200" dirty="0">
                 <a:solidFill>
                   <a:schemeClr val="tx1"/>
                 </a:solidFill>
@@ -3019,7 +3000,7 @@
               </a:rPr>
               <a:t>.</a:t>
             </a:r>
-            <a:endParaRPr lang="ko-KR" altLang="ko-KR" sz="1200" kern="1200" dirty="0" smtClean="0">
+            <a:endParaRPr lang="ko-KR" altLang="ko-KR" sz="1200" kern="1200" dirty="0">
               <a:solidFill>
                 <a:schemeClr val="tx1"/>
               </a:solidFill>
@@ -3115,67 +3096,66 @@
           <a:lstStyle/>
           <a:p>
             <a:r>
-              <a:rPr kumimoji="1" lang="en-US" altLang="ko-KR" dirty="0" smtClean="0"/>
+              <a:rPr kumimoji="1" lang="en-US" altLang="ko-KR" dirty="0"/>
               <a:t>Embeddable</a:t>
             </a:r>
             <a:br>
-              <a:rPr kumimoji="1" lang="en-US" altLang="ko-KR" dirty="0" smtClean="0"/>
+              <a:rPr kumimoji="1" lang="en-US" altLang="ko-KR" dirty="0"/>
             </a:br>
             <a:r>
-              <a:rPr kumimoji="1" lang="ko-KR" altLang="en-US" dirty="0" smtClean="0"/>
+              <a:rPr kumimoji="1" lang="ko-KR" altLang="en-US" dirty="0"/>
               <a:t>선언된 클래스는 다른 클래스의 내부 에 임베딩되는 클래스리고 선언되는것</a:t>
             </a:r>
-            <a:endParaRPr kumimoji="1" lang="en-US" altLang="ko-KR" dirty="0" smtClean="0"/>
-          </a:p>
-          <a:p>
-            <a:endParaRPr kumimoji="1" lang="en-US" altLang="ko-KR" dirty="0" smtClean="0"/>
-          </a:p>
-          <a:p>
-            <a:r>
-              <a:rPr kumimoji="1" lang="en-US" altLang="ko-KR" dirty="0" err="1" smtClean="0"/>
+            <a:endParaRPr kumimoji="1" lang="en-US" altLang="ko-KR" dirty="0"/>
+          </a:p>
+          <a:p>
+            <a:endParaRPr kumimoji="1" lang="en-US" altLang="ko-KR" dirty="0"/>
+          </a:p>
+          <a:p>
+            <a:r>
+              <a:rPr kumimoji="1" lang="en-US" altLang="ko-KR" dirty="0" err="1"/>
               <a:t>EmbeddedId</a:t>
             </a:r>
-            <a:endParaRPr kumimoji="1" lang="en-US" altLang="ko-KR" dirty="0" smtClean="0"/>
-          </a:p>
-          <a:p>
-            <a:r>
-              <a:rPr kumimoji="1" lang="ko-KR" altLang="en-US" dirty="0" smtClean="0"/>
+            <a:endParaRPr kumimoji="1" lang="en-US" altLang="ko-KR" dirty="0"/>
+          </a:p>
+          <a:p>
+            <a:r>
+              <a:rPr kumimoji="1" lang="ko-KR" altLang="en-US" dirty="0"/>
               <a:t>클래스를 임베딩하여 아이디로 사용하겠다는</a:t>
             </a:r>
-            <a:endParaRPr kumimoji="1" lang="en-US" altLang="ko-KR" dirty="0" smtClean="0"/>
-          </a:p>
-          <a:p>
-            <a:endParaRPr kumimoji="1" lang="en-US" altLang="ko-KR" dirty="0" smtClean="0"/>
-          </a:p>
-          <a:p>
-            <a:r>
-              <a:rPr kumimoji="1" lang="en-US" altLang="ko-KR" dirty="0" err="1" smtClean="0"/>
+            <a:endParaRPr kumimoji="1" lang="en-US" altLang="ko-KR" dirty="0"/>
+          </a:p>
+          <a:p>
+            <a:endParaRPr kumimoji="1" lang="en-US" altLang="ko-KR" dirty="0"/>
+          </a:p>
+          <a:p>
+            <a:r>
+              <a:rPr kumimoji="1" lang="en-US" altLang="ko-KR" dirty="0" err="1"/>
               <a:t>IdClass</a:t>
             </a:r>
-            <a:endParaRPr kumimoji="1" lang="en-US" altLang="ko-KR" dirty="0" smtClean="0"/>
-          </a:p>
-          <a:p>
-            <a:r>
-              <a:rPr kumimoji="1" lang="ko-KR" altLang="en-US" dirty="0" smtClean="0"/>
+            <a:endParaRPr kumimoji="1" lang="en-US" altLang="ko-KR" dirty="0"/>
+          </a:p>
+          <a:p>
+            <a:r>
+              <a:rPr kumimoji="1" lang="ko-KR" altLang="en-US" dirty="0"/>
               <a:t>내꺼필드에 여러 아이디필드와  타 클래스를</a:t>
             </a:r>
             <a:r>
-              <a:rPr kumimoji="1" lang="en-US" altLang="ko-KR" dirty="0" err="1" smtClean="0"/>
+              <a:rPr kumimoji="1" lang="en-US" altLang="ko-KR" dirty="0" err="1"/>
               <a:t>IDclass</a:t>
             </a:r>
             <a:r>
-              <a:rPr kumimoji="1" lang="ko-KR" altLang="en-US" dirty="0" smtClean="0"/>
+              <a:rPr kumimoji="1" lang="ko-KR" altLang="en-US" dirty="0"/>
               <a:t>로 맵핑하여 쓰겠다</a:t>
             </a:r>
             <a:r>
-              <a:rPr kumimoji="1" lang="en-US" altLang="ko-KR" dirty="0" smtClean="0"/>
+              <a:rPr kumimoji="1" lang="en-US" altLang="ko-KR" dirty="0"/>
               <a:t>.</a:t>
             </a:r>
             <a:r>
-              <a:rPr kumimoji="1" lang="ko-KR" altLang="en-US" dirty="0" smtClean="0"/>
+              <a:rPr kumimoji="1" lang="ko-KR" altLang="en-US" dirty="0"/>
               <a:t> </a:t>
             </a:r>
-            <a:endParaRPr kumimoji="1" lang="ko-KR" altLang="en-US" dirty="0"/>
           </a:p>
         </p:txBody>
       </p:sp>
@@ -3260,7 +3240,7 @@
           <a:lstStyle/>
           <a:p>
             <a:r>
-              <a:rPr lang="ko-KR" altLang="en-US" sz="1200" b="1" i="0" kern="1200" dirty="0" smtClean="0">
+              <a:rPr lang="ko-KR" altLang="en-US" sz="1200" b="1" i="0" kern="1200" dirty="0">
                 <a:solidFill>
                   <a:schemeClr val="tx1"/>
                 </a:solidFill>
@@ -3274,7 +3254,7 @@
           </a:p>
           <a:p>
             <a:r>
-              <a:rPr lang="ko-KR" altLang="en-US" sz="1200" b="0" i="0" kern="1200" dirty="0" smtClean="0">
+              <a:rPr lang="ko-KR" altLang="en-US" sz="1200" b="0" i="0" kern="1200" dirty="0">
                 <a:solidFill>
                   <a:schemeClr val="tx1"/>
                 </a:solidFill>
@@ -3286,7 +3266,7 @@
               <a:t>객체 영속화 세상에서는 연관 관계</a:t>
             </a:r>
             <a:r>
-              <a:rPr lang="en-US" altLang="ko-KR" sz="1200" b="0" i="0" kern="1200" dirty="0" err="1" smtClean="0">
+              <a:rPr lang="en-US" altLang="ko-KR" sz="1200" b="0" i="0" kern="1200" dirty="0" err="1">
                 <a:solidFill>
                   <a:schemeClr val="tx1"/>
                 </a:solidFill>
@@ -3298,7 +3278,7 @@
               <a:t>assocation</a:t>
             </a:r>
             <a:r>
-              <a:rPr lang="ko-KR" altLang="en-US" sz="1200" b="0" i="0" kern="1200" dirty="0" smtClean="0">
+              <a:rPr lang="ko-KR" altLang="en-US" sz="1200" b="0" i="0" kern="1200" dirty="0">
                 <a:solidFill>
                   <a:schemeClr val="tx1"/>
                 </a:solidFill>
@@ -3310,7 +3290,7 @@
               <a:t>와 관계</a:t>
             </a:r>
             <a:r>
-              <a:rPr lang="en-US" altLang="ko-KR" sz="1200" b="0" i="0" kern="1200" dirty="0" smtClean="0">
+              <a:rPr lang="en-US" altLang="ko-KR" sz="1200" b="0" i="0" kern="1200" dirty="0">
                 <a:solidFill>
                   <a:schemeClr val="tx1"/>
                 </a:solidFill>
@@ -3322,7 +3302,7 @@
               <a:t>relationship</a:t>
             </a:r>
             <a:r>
-              <a:rPr lang="ko-KR" altLang="en-US" sz="1200" b="0" i="0" kern="1200" dirty="0" smtClean="0">
+              <a:rPr lang="ko-KR" altLang="en-US" sz="1200" b="0" i="0" kern="1200" dirty="0">
                 <a:solidFill>
                   <a:schemeClr val="tx1"/>
                 </a:solidFill>
@@ -3334,7 +3314,7 @@
               <a:t>에 대한 이해는 필수입니다</a:t>
             </a:r>
             <a:r>
-              <a:rPr lang="en-US" altLang="ko-KR" sz="1200" b="0" i="0" kern="1200" dirty="0" smtClean="0">
+              <a:rPr lang="en-US" altLang="ko-KR" sz="1200" b="0" i="0" kern="1200" dirty="0">
                 <a:solidFill>
                   <a:schemeClr val="tx1"/>
                 </a:solidFill>
@@ -3345,7 +3325,7 @@
               </a:rPr>
               <a:t>.</a:t>
             </a:r>
-            <a:endParaRPr lang="ko-KR" altLang="en-US" sz="1200" b="0" i="0" kern="1200" dirty="0" smtClean="0">
+            <a:endParaRPr lang="ko-KR" altLang="en-US" sz="1200" b="0" i="0" kern="1200" dirty="0">
               <a:solidFill>
                 <a:schemeClr val="tx1"/>
               </a:solidFill>
@@ -3357,7 +3337,7 @@
           </a:p>
           <a:p>
             <a:r>
-              <a:rPr lang="ko-KR" altLang="en-US" sz="1200" b="0" i="0" kern="1200" dirty="0" smtClean="0">
+              <a:rPr lang="ko-KR" altLang="en-US" sz="1200" b="0" i="0" kern="1200" dirty="0">
                 <a:solidFill>
                   <a:schemeClr val="tx1"/>
                 </a:solidFill>
@@ -3369,7 +3349,7 @@
               <a:t>연관 관계에서 반드시 기억할 두 가지는 </a:t>
             </a:r>
             <a:r>
-              <a:rPr lang="ko-KR" altLang="en-US" sz="1200" b="1" i="0" kern="1200" dirty="0" smtClean="0">
+              <a:rPr lang="ko-KR" altLang="en-US" sz="1200" b="1" i="0" kern="1200" dirty="0">
                 <a:solidFill>
                   <a:schemeClr val="tx1"/>
                 </a:solidFill>
@@ -3381,7 +3361,7 @@
               <a:t>다중성</a:t>
             </a:r>
             <a:r>
-              <a:rPr lang="en-US" altLang="ko-KR" sz="1200" b="1" i="0" kern="1200" dirty="0" smtClean="0">
+              <a:rPr lang="en-US" altLang="ko-KR" sz="1200" b="1" i="0" kern="1200" dirty="0">
                 <a:solidFill>
                   <a:schemeClr val="tx1"/>
                 </a:solidFill>
@@ -3393,7 +3373,7 @@
               <a:t>multiplicity</a:t>
             </a:r>
             <a:r>
-              <a:rPr lang="ko-KR" altLang="en-US" sz="1200" b="0" i="0" kern="1200" dirty="0" smtClean="0">
+              <a:rPr lang="ko-KR" altLang="en-US" sz="1200" b="0" i="0" kern="1200" dirty="0">
                 <a:solidFill>
                   <a:schemeClr val="tx1"/>
                 </a:solidFill>
@@ -3405,7 +3385,7 @@
               <a:t>과 </a:t>
             </a:r>
             <a:r>
-              <a:rPr lang="ko-KR" altLang="en-US" sz="1200" b="1" i="0" kern="1200" dirty="0" smtClean="0">
+              <a:rPr lang="ko-KR" altLang="en-US" sz="1200" b="1" i="0" kern="1200" dirty="0">
                 <a:solidFill>
                   <a:schemeClr val="tx1"/>
                 </a:solidFill>
@@ -3417,7 +3397,7 @@
               <a:t>방향성</a:t>
             </a:r>
             <a:r>
-              <a:rPr lang="en-US" altLang="ko-KR" sz="1200" b="1" i="0" kern="1200" dirty="0" smtClean="0">
+              <a:rPr lang="en-US" altLang="ko-KR" sz="1200" b="1" i="0" kern="1200" dirty="0">
                 <a:solidFill>
                   <a:schemeClr val="tx1"/>
                 </a:solidFill>
@@ -3429,7 +3409,7 @@
               <a:t>directionality</a:t>
             </a:r>
             <a:r>
-              <a:rPr lang="ko-KR" altLang="en-US" sz="1200" b="0" i="0" kern="1200" dirty="0" smtClean="0">
+              <a:rPr lang="ko-KR" altLang="en-US" sz="1200" b="0" i="0" kern="1200" dirty="0">
                 <a:solidFill>
                   <a:schemeClr val="tx1"/>
                 </a:solidFill>
@@ -3443,7 +3423,7 @@
           </a:p>
           <a:p>
             <a:r>
-              <a:rPr lang="ko-KR" altLang="en-US" sz="1200" b="0" i="0" kern="1200" dirty="0" smtClean="0">
+              <a:rPr lang="ko-KR" altLang="en-US" sz="1200" b="0" i="0" kern="1200" dirty="0">
                 <a:solidFill>
                   <a:schemeClr val="tx1"/>
                 </a:solidFill>
@@ -3457,7 +3437,7 @@
           </a:p>
           <a:p>
             <a:r>
-              <a:rPr lang="ko-KR" altLang="en-US" sz="1200" b="1" i="0" kern="1200" dirty="0" smtClean="0">
+              <a:rPr lang="ko-KR" altLang="en-US" sz="1200" b="1" i="0" kern="1200" dirty="0">
                 <a:solidFill>
                   <a:schemeClr val="tx1"/>
                 </a:solidFill>
@@ -3471,7 +3451,7 @@
           </a:p>
           <a:p>
             <a:r>
-              <a:rPr lang="ko-KR" altLang="en-US" sz="1200" kern="1200" dirty="0" smtClean="0">
+              <a:rPr lang="ko-KR" altLang="en-US" sz="1200" kern="1200" dirty="0">
                 <a:solidFill>
                   <a:schemeClr val="tx1"/>
                 </a:solidFill>
@@ -3483,7 +3463,7 @@
               <a:t>일대일 </a:t>
             </a:r>
             <a:r>
-              <a:rPr lang="en-US" altLang="ko-KR" sz="1200" kern="1200" dirty="0" smtClean="0">
+              <a:rPr lang="en-US" altLang="ko-KR" sz="1200" kern="1200" dirty="0">
                 <a:solidFill>
                   <a:schemeClr val="tx1"/>
                 </a:solidFill>
@@ -3494,7 +3474,7 @@
               </a:rPr>
               <a:t>1:1</a:t>
             </a:r>
-            <a:endParaRPr lang="ko-KR" altLang="en-US" sz="1200" kern="1200" dirty="0" smtClean="0">
+            <a:endParaRPr lang="ko-KR" altLang="en-US" sz="1200" kern="1200" dirty="0">
               <a:solidFill>
                 <a:schemeClr val="tx1"/>
               </a:solidFill>
@@ -3506,7 +3486,7 @@
           </a:p>
           <a:p>
             <a:r>
-              <a:rPr lang="ko-KR" altLang="en-US" sz="1200" kern="1200" dirty="0" smtClean="0">
+              <a:rPr lang="ko-KR" altLang="en-US" sz="1200" kern="1200" dirty="0">
                 <a:solidFill>
                   <a:schemeClr val="tx1"/>
                 </a:solidFill>
@@ -3520,7 +3500,7 @@
           </a:p>
           <a:p>
             <a:r>
-              <a:rPr lang="ko-KR" altLang="en-US" sz="1200" kern="1200" dirty="0" smtClean="0">
+              <a:rPr lang="ko-KR" altLang="en-US" sz="1200" kern="1200" dirty="0">
                 <a:solidFill>
                   <a:schemeClr val="tx1"/>
                 </a:solidFill>
@@ -3532,7 +3512,7 @@
               <a:t>레코드 한 개와 관계가 있다</a:t>
             </a:r>
             <a:r>
-              <a:rPr lang="en-US" altLang="ko-KR" sz="1200" kern="1200" dirty="0" smtClean="0">
+              <a:rPr lang="en-US" altLang="ko-KR" sz="1200" kern="1200" dirty="0">
                 <a:solidFill>
                   <a:schemeClr val="tx1"/>
                 </a:solidFill>
@@ -3544,7 +3524,7 @@
               <a:t>. </a:t>
             </a:r>
             <a:r>
-              <a:rPr lang="ko-KR" altLang="en-US" sz="1200" kern="1200" dirty="0" smtClean="0">
+              <a:rPr lang="ko-KR" altLang="en-US" sz="1200" kern="1200" dirty="0">
                 <a:solidFill>
                   <a:schemeClr val="tx1"/>
                 </a:solidFill>
@@ -3556,7 +3536,7 @@
               <a:t>반대의 경우도 마찬가지다</a:t>
             </a:r>
             <a:r>
-              <a:rPr lang="en-US" altLang="ko-KR" sz="1200" kern="1200" dirty="0" smtClean="0">
+              <a:rPr lang="en-US" altLang="ko-KR" sz="1200" kern="1200" dirty="0">
                 <a:solidFill>
                   <a:schemeClr val="tx1"/>
                 </a:solidFill>
@@ -3567,7 +3547,7 @@
               </a:rPr>
               <a:t>.</a:t>
             </a:r>
-            <a:endParaRPr lang="ko-KR" altLang="en-US" sz="1200" kern="1200" dirty="0" smtClean="0">
+            <a:endParaRPr lang="ko-KR" altLang="en-US" sz="1200" kern="1200" dirty="0">
               <a:solidFill>
                 <a:schemeClr val="tx1"/>
               </a:solidFill>
@@ -3579,7 +3559,7 @@
           </a:p>
           <a:p>
             <a:r>
-              <a:rPr lang="ko-KR" altLang="en-US" sz="1200" kern="1200" dirty="0" smtClean="0">
+              <a:rPr lang="ko-KR" altLang="en-US" sz="1200" kern="1200" dirty="0">
                 <a:solidFill>
                   <a:schemeClr val="tx1"/>
                 </a:solidFill>
@@ -3591,7 +3571,7 @@
               <a:t>다른 테이블의 레코드는 </a:t>
             </a:r>
             <a:r>
-              <a:rPr lang="en-US" altLang="ko-KR" sz="1200" kern="1200" dirty="0" smtClean="0">
+              <a:rPr lang="en-US" altLang="ko-KR" sz="1200" kern="1200" dirty="0">
                 <a:solidFill>
                   <a:schemeClr val="tx1"/>
                 </a:solidFill>
@@ -3603,7 +3583,7 @@
               <a:t>0</a:t>
             </a:r>
             <a:r>
-              <a:rPr lang="ko-KR" altLang="en-US" sz="1200" kern="1200" dirty="0" smtClean="0">
+              <a:rPr lang="ko-KR" altLang="en-US" sz="1200" kern="1200" dirty="0">
                 <a:solidFill>
                   <a:schemeClr val="tx1"/>
                 </a:solidFill>
@@ -3615,7 +3595,7 @@
               <a:t>일 수도 있다</a:t>
             </a:r>
             <a:r>
-              <a:rPr lang="en-US" altLang="ko-KR" sz="1200" kern="1200" dirty="0" smtClean="0">
+              <a:rPr lang="en-US" altLang="ko-KR" sz="1200" kern="1200" dirty="0">
                 <a:solidFill>
                   <a:schemeClr val="tx1"/>
                 </a:solidFill>
@@ -3626,7 +3606,7 @@
               </a:rPr>
               <a:t>.</a:t>
             </a:r>
-            <a:endParaRPr lang="ko-KR" altLang="en-US" sz="1200" kern="1200" dirty="0" smtClean="0">
+            <a:endParaRPr lang="ko-KR" altLang="en-US" sz="1200" kern="1200" dirty="0">
               <a:solidFill>
                 <a:schemeClr val="tx1"/>
               </a:solidFill>
@@ -3638,7 +3618,7 @@
           </a:p>
           <a:p>
             <a:r>
-              <a:rPr lang="ko-KR" altLang="en-US" sz="1200" kern="1200" dirty="0" smtClean="0">
+              <a:rPr lang="ko-KR" altLang="en-US" sz="1200" kern="1200" dirty="0">
                 <a:solidFill>
                   <a:schemeClr val="tx1"/>
                 </a:solidFill>
@@ -3650,7 +3630,7 @@
               <a:t>자동차 한 대는 오직 한 개의 엔진만 가진다</a:t>
             </a:r>
             <a:r>
-              <a:rPr lang="en-US" altLang="ko-KR" sz="1200" kern="1200" dirty="0" smtClean="0">
+              <a:rPr lang="en-US" altLang="ko-KR" sz="1200" kern="1200" dirty="0">
                 <a:solidFill>
                   <a:schemeClr val="tx1"/>
                 </a:solidFill>
@@ -3661,7 +3641,7 @@
               </a:rPr>
               <a:t>.</a:t>
             </a:r>
-            <a:endParaRPr lang="ko-KR" altLang="en-US" sz="1200" kern="1200" dirty="0" smtClean="0">
+            <a:endParaRPr lang="ko-KR" altLang="en-US" sz="1200" kern="1200" dirty="0">
               <a:solidFill>
                 <a:schemeClr val="tx1"/>
               </a:solidFill>
@@ -3672,20 +3652,8 @@
             </a:endParaRPr>
           </a:p>
           <a:p>
-            <a:r>
-              <a:rPr lang="en-US" altLang="ko-KR" sz="1200" kern="1200" dirty="0" smtClean="0">
-                <a:solidFill>
-                  <a:schemeClr val="tx1"/>
-                </a:solidFill>
-                <a:effectLst/>
-                <a:latin typeface="+mn-lt"/>
-                <a:ea typeface="+mn-ea"/>
-                <a:cs typeface="+mn-cs"/>
-              </a:rPr>
-              <a:t/>
-            </a:r>
             <a:br>
-              <a:rPr lang="en-US" altLang="ko-KR" sz="1200" kern="1200" dirty="0" smtClean="0">
+              <a:rPr lang="en-US" altLang="ko-KR" sz="1200" kern="1200" dirty="0">
                 <a:solidFill>
                   <a:schemeClr val="tx1"/>
                 </a:solidFill>
@@ -3696,7 +3664,7 @@
               </a:rPr>
             </a:br>
             <a:r>
-              <a:rPr lang="en-US" altLang="ko-KR" sz="1200" kern="1200" dirty="0" smtClean="0">
+              <a:rPr lang="en-US" altLang="ko-KR" sz="1200" kern="1200" dirty="0">
                 <a:solidFill>
                   <a:schemeClr val="tx1"/>
                 </a:solidFill>
@@ -3707,7 +3675,7 @@
               </a:rPr>
               <a:t>1:N,  N:1</a:t>
             </a:r>
-            <a:endParaRPr lang="ko-KR" altLang="en-US" sz="1200" kern="1200" dirty="0" smtClean="0">
+            <a:endParaRPr lang="ko-KR" altLang="en-US" sz="1200" kern="1200" dirty="0">
               <a:solidFill>
                 <a:schemeClr val="tx1"/>
               </a:solidFill>
@@ -3719,7 +3687,7 @@
           </a:p>
           <a:p>
             <a:r>
-              <a:rPr lang="ko-KR" altLang="en-US" sz="1200" kern="1200" dirty="0" smtClean="0">
+              <a:rPr lang="ko-KR" altLang="en-US" sz="1200" kern="1200" dirty="0">
                 <a:solidFill>
                   <a:schemeClr val="tx1"/>
                 </a:solidFill>
@@ -3731,7 +3699,7 @@
               <a:t>한 테이블에서 각 레코드는 다른 테이블의 </a:t>
             </a:r>
             <a:r>
-              <a:rPr lang="en-US" altLang="ko-KR" sz="1200" kern="1200" dirty="0" smtClean="0">
+              <a:rPr lang="en-US" altLang="ko-KR" sz="1200" kern="1200" dirty="0">
                 <a:solidFill>
                   <a:schemeClr val="tx1"/>
                 </a:solidFill>
@@ -3743,7 +3711,7 @@
               <a:t>0</a:t>
             </a:r>
             <a:r>
-              <a:rPr lang="ko-KR" altLang="en-US" sz="1200" kern="1200" dirty="0" smtClean="0">
+              <a:rPr lang="ko-KR" altLang="en-US" sz="1200" kern="1200" dirty="0">
                 <a:solidFill>
                   <a:schemeClr val="tx1"/>
                 </a:solidFill>
@@ -3757,7 +3725,7 @@
           </a:p>
           <a:p>
             <a:r>
-              <a:rPr lang="ko-KR" altLang="en-US" sz="1200" kern="1200" dirty="0" smtClean="0">
+              <a:rPr lang="ko-KR" altLang="en-US" sz="1200" kern="1200" dirty="0">
                 <a:solidFill>
                   <a:schemeClr val="tx1"/>
                 </a:solidFill>
@@ -3769,7 +3737,7 @@
               <a:t>또는 그 이상의 레코드와 관계가 있다</a:t>
             </a:r>
             <a:r>
-              <a:rPr lang="en-US" altLang="ko-KR" sz="1200" kern="1200" dirty="0" smtClean="0">
+              <a:rPr lang="en-US" altLang="ko-KR" sz="1200" kern="1200" dirty="0">
                 <a:solidFill>
                   <a:schemeClr val="tx1"/>
                 </a:solidFill>
@@ -3780,7 +3748,7 @@
               </a:rPr>
               <a:t>.</a:t>
             </a:r>
-            <a:endParaRPr lang="ko-KR" altLang="en-US" sz="1200" kern="1200" dirty="0" smtClean="0">
+            <a:endParaRPr lang="ko-KR" altLang="en-US" sz="1200" kern="1200" dirty="0">
               <a:solidFill>
                 <a:schemeClr val="tx1"/>
               </a:solidFill>
@@ -3792,7 +3760,7 @@
           </a:p>
           <a:p>
             <a:r>
-              <a:rPr lang="ko-KR" altLang="en-US" sz="1200" kern="1200" dirty="0" smtClean="0">
+              <a:rPr lang="ko-KR" altLang="en-US" sz="1200" kern="1200" dirty="0">
                 <a:solidFill>
                   <a:schemeClr val="tx1"/>
                 </a:solidFill>
@@ -3806,7 +3774,7 @@
           </a:p>
           <a:p>
             <a:r>
-              <a:rPr lang="ko-KR" altLang="en-US" sz="1200" kern="1200" dirty="0" smtClean="0">
+              <a:rPr lang="ko-KR" altLang="en-US" sz="1200" kern="1200" dirty="0">
                 <a:solidFill>
                   <a:schemeClr val="tx1"/>
                 </a:solidFill>
@@ -3818,7 +3786,7 @@
               <a:t>배우를 가진다</a:t>
             </a:r>
             <a:r>
-              <a:rPr lang="en-US" altLang="ko-KR" sz="1200" kern="1200" dirty="0" smtClean="0">
+              <a:rPr lang="en-US" altLang="ko-KR" sz="1200" kern="1200" dirty="0">
                 <a:solidFill>
                   <a:schemeClr val="tx1"/>
                 </a:solidFill>
@@ -3830,7 +3798,7 @@
               <a:t>(</a:t>
             </a:r>
             <a:r>
-              <a:rPr lang="ko-KR" altLang="en-US" sz="1200" kern="1200" dirty="0" smtClean="0">
+              <a:rPr lang="ko-KR" altLang="en-US" sz="1200" kern="1200" dirty="0">
                 <a:solidFill>
                   <a:schemeClr val="tx1"/>
                 </a:solidFill>
@@ -3842,7 +3810,7 @@
               <a:t>일대다</a:t>
             </a:r>
             <a:r>
-              <a:rPr lang="en-US" altLang="ko-KR" sz="1200" kern="1200" dirty="0" smtClean="0">
+              <a:rPr lang="en-US" altLang="ko-KR" sz="1200" kern="1200" dirty="0">
                 <a:solidFill>
                   <a:schemeClr val="tx1"/>
                 </a:solidFill>
@@ -3853,7 +3821,7 @@
               </a:rPr>
               <a:t>)</a:t>
             </a:r>
-            <a:endParaRPr lang="ko-KR" altLang="en-US" sz="1200" kern="1200" dirty="0" smtClean="0">
+            <a:endParaRPr lang="ko-KR" altLang="en-US" sz="1200" kern="1200" dirty="0">
               <a:solidFill>
                 <a:schemeClr val="tx1"/>
               </a:solidFill>
@@ -3865,7 +3833,7 @@
           </a:p>
           <a:p>
             <a:r>
-              <a:rPr lang="ko-KR" altLang="en-US" sz="1200" kern="1200" dirty="0" smtClean="0">
+              <a:rPr lang="ko-KR" altLang="en-US" sz="1200" kern="1200" dirty="0">
                 <a:solidFill>
                   <a:schemeClr val="tx1"/>
                 </a:solidFill>
@@ -3879,7 +3847,7 @@
           </a:p>
           <a:p>
             <a:r>
-              <a:rPr lang="ko-KR" altLang="en-US" sz="1200" kern="1200" dirty="0" smtClean="0">
+              <a:rPr lang="ko-KR" altLang="en-US" sz="1200" kern="1200" dirty="0">
                 <a:solidFill>
                   <a:schemeClr val="tx1"/>
                 </a:solidFill>
@@ -3891,7 +3859,7 @@
               <a:t>연기할 수 있다 </a:t>
             </a:r>
             <a:r>
-              <a:rPr lang="en-US" altLang="ko-KR" sz="1200" kern="1200" dirty="0" smtClean="0">
+              <a:rPr lang="en-US" altLang="ko-KR" sz="1200" kern="1200" dirty="0">
                 <a:solidFill>
                   <a:schemeClr val="tx1"/>
                 </a:solidFill>
@@ -3903,7 +3871,7 @@
               <a:t>(</a:t>
             </a:r>
             <a:r>
-              <a:rPr lang="ko-KR" altLang="en-US" sz="1200" kern="1200" dirty="0" smtClean="0">
+              <a:rPr lang="ko-KR" altLang="en-US" sz="1200" kern="1200" dirty="0">
                 <a:solidFill>
                   <a:schemeClr val="tx1"/>
                 </a:solidFill>
@@ -3915,7 +3883,7 @@
               <a:t>다대일</a:t>
             </a:r>
             <a:r>
-              <a:rPr lang="en-US" altLang="ko-KR" sz="1200" kern="1200" dirty="0" smtClean="0">
+              <a:rPr lang="en-US" altLang="ko-KR" sz="1200" kern="1200" dirty="0">
                 <a:solidFill>
                   <a:schemeClr val="tx1"/>
                 </a:solidFill>
@@ -3926,7 +3894,7 @@
               </a:rPr>
               <a:t>).</a:t>
             </a:r>
-            <a:endParaRPr lang="ko-KR" altLang="en-US" sz="1200" kern="1200" dirty="0" smtClean="0">
+            <a:endParaRPr lang="ko-KR" altLang="en-US" sz="1200" kern="1200" dirty="0">
               <a:solidFill>
                 <a:schemeClr val="tx1"/>
               </a:solidFill>
@@ -3937,20 +3905,8 @@
             </a:endParaRPr>
           </a:p>
           <a:p>
-            <a:r>
-              <a:rPr lang="en-US" altLang="ko-KR" sz="1200" kern="1200" dirty="0" smtClean="0">
-                <a:solidFill>
-                  <a:schemeClr val="tx1"/>
-                </a:solidFill>
-                <a:effectLst/>
-                <a:latin typeface="+mn-lt"/>
-                <a:ea typeface="+mn-ea"/>
-                <a:cs typeface="+mn-cs"/>
-              </a:rPr>
-              <a:t/>
-            </a:r>
             <a:br>
-              <a:rPr lang="en-US" altLang="ko-KR" sz="1200" kern="1200" dirty="0" smtClean="0">
+              <a:rPr lang="en-US" altLang="ko-KR" sz="1200" kern="1200" dirty="0">
                 <a:solidFill>
                   <a:schemeClr val="tx1"/>
                 </a:solidFill>
@@ -3961,7 +3917,7 @@
               </a:rPr>
             </a:br>
             <a:r>
-              <a:rPr lang="en-US" altLang="ko-KR" sz="1200" kern="1200" dirty="0" smtClean="0">
+              <a:rPr lang="en-US" altLang="ko-KR" sz="1200" kern="1200" dirty="0">
                 <a:solidFill>
                   <a:schemeClr val="tx1"/>
                 </a:solidFill>
@@ -3972,7 +3928,7 @@
               </a:rPr>
               <a:t>N:N</a:t>
             </a:r>
-            <a:endParaRPr lang="ko-KR" altLang="en-US" sz="1200" kern="1200" dirty="0" smtClean="0">
+            <a:endParaRPr lang="ko-KR" altLang="en-US" sz="1200" kern="1200" dirty="0">
               <a:solidFill>
                 <a:schemeClr val="tx1"/>
               </a:solidFill>
@@ -3984,7 +3940,7 @@
           </a:p>
           <a:p>
             <a:r>
-              <a:rPr lang="ko-KR" altLang="en-US" sz="1200" kern="1200" dirty="0" smtClean="0">
+              <a:rPr lang="ko-KR" altLang="en-US" sz="1200" kern="1200" dirty="0">
                 <a:solidFill>
                   <a:schemeClr val="tx1"/>
                 </a:solidFill>
@@ -3998,7 +3954,7 @@
           </a:p>
           <a:p>
             <a:r>
-              <a:rPr lang="en-US" altLang="ko-KR" sz="1200" kern="1200" dirty="0" smtClean="0">
+              <a:rPr lang="en-US" altLang="ko-KR" sz="1200" kern="1200" dirty="0">
                 <a:solidFill>
                   <a:schemeClr val="tx1"/>
                 </a:solidFill>
@@ -4010,7 +3966,7 @@
               <a:t>0</a:t>
             </a:r>
             <a:r>
-              <a:rPr lang="ko-KR" altLang="en-US" sz="1200" kern="1200" dirty="0" smtClean="0">
+              <a:rPr lang="ko-KR" altLang="en-US" sz="1200" kern="1200" dirty="0">
                 <a:solidFill>
                   <a:schemeClr val="tx1"/>
                 </a:solidFill>
@@ -4022,7 +3978,7 @@
               <a:t>개 또는 그 이상의 레코드와 관계가 있다</a:t>
             </a:r>
             <a:r>
-              <a:rPr lang="en-US" altLang="ko-KR" sz="1200" kern="1200" dirty="0" smtClean="0">
+              <a:rPr lang="en-US" altLang="ko-KR" sz="1200" kern="1200" dirty="0">
                 <a:solidFill>
                   <a:schemeClr val="tx1"/>
                 </a:solidFill>
@@ -4033,7 +3989,7 @@
               </a:rPr>
               <a:t>.</a:t>
             </a:r>
-            <a:endParaRPr lang="ko-KR" altLang="en-US" sz="1200" kern="1200" dirty="0" smtClean="0">
+            <a:endParaRPr lang="ko-KR" altLang="en-US" sz="1200" kern="1200" dirty="0">
               <a:solidFill>
                 <a:schemeClr val="tx1"/>
               </a:solidFill>
@@ -4045,7 +4001,7 @@
           </a:p>
           <a:p>
             <a:r>
-              <a:rPr lang="ko-KR" altLang="en-US" sz="1200" kern="1200" dirty="0" smtClean="0">
+              <a:rPr lang="ko-KR" altLang="en-US" sz="1200" kern="1200" dirty="0">
                 <a:solidFill>
                   <a:schemeClr val="tx1"/>
                 </a:solidFill>
@@ -4059,7 +4015,7 @@
           </a:p>
           <a:p>
             <a:r>
-              <a:rPr lang="ko-KR" altLang="en-US" sz="1200" b="0" i="0" kern="1200" dirty="0" smtClean="0">
+              <a:rPr lang="ko-KR" altLang="en-US" sz="1200" b="0" i="0" kern="1200" dirty="0">
                 <a:solidFill>
                   <a:schemeClr val="tx1"/>
                 </a:solidFill>
@@ -4073,7 +4029,7 @@
           </a:p>
           <a:p>
             <a:r>
-              <a:rPr lang="ko-KR" altLang="en-US" sz="1200" b="1" i="0" kern="1200" dirty="0" smtClean="0">
+              <a:rPr lang="ko-KR" altLang="en-US" sz="1200" b="1" i="0" kern="1200" dirty="0">
                 <a:solidFill>
                   <a:schemeClr val="tx1"/>
                 </a:solidFill>
@@ -4087,7 +4043,7 @@
           </a:p>
           <a:p>
             <a:r>
-              <a:rPr lang="en-US" altLang="ko-KR" sz="1200" b="0" i="0" kern="1200" dirty="0" smtClean="0">
+              <a:rPr lang="en-US" altLang="ko-KR" sz="1200" b="0" i="0" kern="1200" dirty="0">
                 <a:solidFill>
                   <a:schemeClr val="tx1"/>
                 </a:solidFill>
@@ -4099,7 +4055,7 @@
               <a:t>Car</a:t>
             </a:r>
             <a:r>
-              <a:rPr lang="ko-KR" altLang="en-US" sz="1200" b="0" i="0" kern="1200" dirty="0" smtClean="0">
+              <a:rPr lang="ko-KR" altLang="en-US" sz="1200" b="0" i="0" kern="1200" dirty="0">
                 <a:solidFill>
                   <a:schemeClr val="tx1"/>
                 </a:solidFill>
@@ -4111,7 +4067,7 @@
               <a:t>와 </a:t>
             </a:r>
             <a:r>
-              <a:rPr lang="en-US" altLang="ko-KR" sz="1200" b="0" i="0" kern="1200" dirty="0" smtClean="0">
+              <a:rPr lang="en-US" altLang="ko-KR" sz="1200" b="0" i="0" kern="1200" dirty="0">
                 <a:solidFill>
                   <a:schemeClr val="tx1"/>
                 </a:solidFill>
@@ -4123,7 +4079,7 @@
               <a:t>Engine</a:t>
             </a:r>
             <a:r>
-              <a:rPr lang="ko-KR" altLang="en-US" sz="1200" b="0" i="0" kern="1200" dirty="0" smtClean="0">
+              <a:rPr lang="ko-KR" altLang="en-US" sz="1200" b="0" i="0" kern="1200" dirty="0">
                 <a:solidFill>
                   <a:schemeClr val="tx1"/>
                 </a:solidFill>
@@ -4135,7 +4091,7 @@
               <a:t>의 관계에서 </a:t>
             </a:r>
             <a:r>
-              <a:rPr lang="en-US" altLang="ko-KR" sz="1200" b="0" i="0" kern="1200" dirty="0" smtClean="0">
+              <a:rPr lang="en-US" altLang="ko-KR" sz="1200" b="0" i="0" kern="1200" dirty="0">
                 <a:solidFill>
                   <a:schemeClr val="tx1"/>
                 </a:solidFill>
@@ -4147,7 +4103,7 @@
               <a:t>Car</a:t>
             </a:r>
             <a:r>
-              <a:rPr lang="ko-KR" altLang="en-US" sz="1200" b="0" i="0" kern="1200" dirty="0" smtClean="0">
+              <a:rPr lang="ko-KR" altLang="en-US" sz="1200" b="0" i="0" kern="1200" dirty="0">
                 <a:solidFill>
                   <a:schemeClr val="tx1"/>
                 </a:solidFill>
@@ -4159,7 +4115,7 @@
               <a:t>의 속성을 질의해서 </a:t>
             </a:r>
             <a:r>
-              <a:rPr lang="en-US" altLang="ko-KR" sz="1200" b="0" i="0" kern="1200" dirty="0" smtClean="0">
+              <a:rPr lang="en-US" altLang="ko-KR" sz="1200" b="0" i="0" kern="1200" dirty="0">
                 <a:solidFill>
                   <a:schemeClr val="tx1"/>
                 </a:solidFill>
@@ -4171,7 +4127,7 @@
               <a:t>Engine</a:t>
             </a:r>
             <a:r>
-              <a:rPr lang="ko-KR" altLang="en-US" sz="1200" b="0" i="0" kern="1200" dirty="0" smtClean="0">
+              <a:rPr lang="ko-KR" altLang="en-US" sz="1200" b="0" i="0" kern="1200" dirty="0">
                 <a:solidFill>
                   <a:schemeClr val="tx1"/>
                 </a:solidFill>
@@ -4183,7 +4139,7 @@
               <a:t>을 찾아낼수있습니다</a:t>
             </a:r>
             <a:r>
-              <a:rPr lang="en-US" altLang="ko-KR" sz="1200" b="0" i="0" kern="1200" dirty="0" smtClean="0">
+              <a:rPr lang="en-US" altLang="ko-KR" sz="1200" b="0" i="0" kern="1200" dirty="0">
                 <a:solidFill>
                   <a:schemeClr val="tx1"/>
                 </a:solidFill>
@@ -4195,7 +4151,7 @@
               <a:t>.  car -&gt; </a:t>
             </a:r>
             <a:r>
-              <a:rPr lang="en-US" altLang="ko-KR" sz="1200" b="0" i="0" kern="1200" dirty="0" err="1" smtClean="0">
+              <a:rPr lang="en-US" altLang="ko-KR" sz="1200" b="0" i="0" kern="1200" dirty="0" err="1">
                 <a:solidFill>
                   <a:schemeClr val="tx1"/>
                 </a:solidFill>
@@ -4206,7 +4162,7 @@
               </a:rPr>
               <a:t>engin</a:t>
             </a:r>
-            <a:endParaRPr lang="ko-KR" altLang="en-US" sz="1200" b="0" i="0" kern="1200" dirty="0" smtClean="0">
+            <a:endParaRPr lang="ko-KR" altLang="en-US" sz="1200" b="0" i="0" kern="1200" dirty="0">
               <a:solidFill>
                 <a:schemeClr val="tx1"/>
               </a:solidFill>
@@ -4218,7 +4174,7 @@
           </a:p>
           <a:p>
             <a:r>
-              <a:rPr lang="en-US" altLang="ko-KR" sz="1200" b="0" i="0" kern="1200" dirty="0" smtClean="0">
+              <a:rPr lang="en-US" altLang="ko-KR" sz="1200" b="0" i="0" kern="1200" dirty="0">
                 <a:solidFill>
                   <a:schemeClr val="tx1"/>
                 </a:solidFill>
@@ -4230,7 +4186,7 @@
               <a:t>Car </a:t>
             </a:r>
             <a:r>
-              <a:rPr lang="ko-KR" altLang="en-US" sz="1200" b="0" i="0" kern="1200" dirty="0" smtClean="0">
+              <a:rPr lang="ko-KR" altLang="en-US" sz="1200" b="0" i="0" kern="1200" dirty="0">
                 <a:solidFill>
                   <a:schemeClr val="tx1"/>
                 </a:solidFill>
@@ -4242,7 +4198,7 @@
               <a:t>클래스와 </a:t>
             </a:r>
             <a:r>
-              <a:rPr lang="en-US" altLang="ko-KR" sz="1200" b="0" i="0" kern="1200" dirty="0" smtClean="0">
+              <a:rPr lang="en-US" altLang="ko-KR" sz="1200" b="0" i="0" kern="1200" dirty="0">
                 <a:solidFill>
                   <a:schemeClr val="tx1"/>
                 </a:solidFill>
@@ -4254,7 +4210,7 @@
               <a:t>Owner </a:t>
             </a:r>
             <a:r>
-              <a:rPr lang="ko-KR" altLang="en-US" sz="1200" b="0" i="0" kern="1200" dirty="0" smtClean="0">
+              <a:rPr lang="ko-KR" altLang="en-US" sz="1200" b="0" i="0" kern="1200" dirty="0">
                 <a:solidFill>
                   <a:schemeClr val="tx1"/>
                 </a:solidFill>
@@ -4266,7 +4222,7 @@
               <a:t>클래스의 경우 주어진 </a:t>
             </a:r>
             <a:r>
-              <a:rPr lang="en-US" altLang="ko-KR" sz="1200" b="0" i="0" kern="1200" dirty="0" smtClean="0">
+              <a:rPr lang="en-US" altLang="ko-KR" sz="1200" b="0" i="0" kern="1200" dirty="0">
                 <a:solidFill>
                   <a:schemeClr val="tx1"/>
                 </a:solidFill>
@@ -4278,7 +4234,7 @@
               <a:t>Car </a:t>
             </a:r>
             <a:r>
-              <a:rPr lang="ko-KR" altLang="en-US" sz="1200" b="0" i="0" kern="1200" dirty="0" smtClean="0">
+              <a:rPr lang="ko-KR" altLang="en-US" sz="1200" b="0" i="0" kern="1200" dirty="0">
                 <a:solidFill>
                   <a:schemeClr val="tx1"/>
                 </a:solidFill>
@@ -4290,7 +4246,7 @@
               <a:t>객체로 자동차의 주인이 누구인지 알 수 있으며</a:t>
             </a:r>
             <a:r>
-              <a:rPr lang="en-US" altLang="ko-KR" sz="1200" b="0" i="0" kern="1200" dirty="0" smtClean="0">
+              <a:rPr lang="en-US" altLang="ko-KR" sz="1200" b="0" i="0" kern="1200" dirty="0">
                 <a:solidFill>
                   <a:schemeClr val="tx1"/>
                 </a:solidFill>
@@ -4301,7 +4257,7 @@
               </a:rPr>
               <a:t>, </a:t>
             </a:r>
-            <a:endParaRPr lang="ko-KR" altLang="en-US" sz="1200" b="0" i="0" kern="1200" dirty="0" smtClean="0">
+            <a:endParaRPr lang="ko-KR" altLang="en-US" sz="1200" b="0" i="0" kern="1200" dirty="0">
               <a:solidFill>
                 <a:schemeClr val="tx1"/>
               </a:solidFill>
@@ -4313,7 +4269,7 @@
           </a:p>
           <a:p>
             <a:r>
-              <a:rPr lang="en-US" altLang="ko-KR" sz="1200" b="0" i="0" kern="1200" dirty="0" smtClean="0">
+              <a:rPr lang="en-US" altLang="ko-KR" sz="1200" b="0" i="0" kern="1200" dirty="0">
                 <a:solidFill>
                   <a:schemeClr val="tx1"/>
                 </a:solidFill>
@@ -4325,7 +4281,7 @@
               <a:t>Owner </a:t>
             </a:r>
             <a:r>
-              <a:rPr lang="ko-KR" altLang="en-US" sz="1200" b="0" i="0" kern="1200" dirty="0" smtClean="0">
+              <a:rPr lang="ko-KR" altLang="en-US" sz="1200" b="0" i="0" kern="1200" dirty="0">
                 <a:solidFill>
                   <a:schemeClr val="tx1"/>
                 </a:solidFill>
@@ -4339,7 +4295,7 @@
           </a:p>
           <a:p>
             <a:r>
-              <a:rPr lang="ko-KR" altLang="en-US" sz="1200" b="0" i="0" kern="1200" dirty="0" smtClean="0">
+              <a:rPr lang="ko-KR" altLang="en-US" sz="1200" b="0" i="0" kern="1200" dirty="0">
                 <a:solidFill>
                   <a:schemeClr val="tx1"/>
                 </a:solidFill>
@@ -4351,7 +4307,7 @@
               <a:t>양방향성 연관 관계를 유지할 수 있도록 </a:t>
             </a:r>
             <a:r>
-              <a:rPr lang="en-US" altLang="ko-KR" sz="1200" b="0" i="0" kern="1200" dirty="0" smtClean="0">
+              <a:rPr lang="en-US" altLang="ko-KR" sz="1200" b="0" i="0" kern="1200" dirty="0">
                 <a:solidFill>
                   <a:schemeClr val="tx1"/>
                 </a:solidFill>
@@ -4363,7 +4319,7 @@
               <a:t>Owner </a:t>
             </a:r>
             <a:r>
-              <a:rPr lang="ko-KR" altLang="en-US" sz="1200" b="0" i="0" kern="1200" dirty="0" smtClean="0">
+              <a:rPr lang="ko-KR" altLang="en-US" sz="1200" b="0" i="0" kern="1200" dirty="0">
                 <a:solidFill>
                   <a:schemeClr val="tx1"/>
                 </a:solidFill>
@@ -4375,7 +4331,7 @@
               <a:t>객체에 </a:t>
             </a:r>
             <a:r>
-              <a:rPr lang="en-US" altLang="ko-KR" sz="1200" b="0" i="0" kern="1200" dirty="0" smtClean="0">
+              <a:rPr lang="en-US" altLang="ko-KR" sz="1200" b="0" i="0" kern="1200" dirty="0">
                 <a:solidFill>
                   <a:schemeClr val="tx1"/>
                 </a:solidFill>
@@ -4387,7 +4343,7 @@
               <a:t>Car</a:t>
             </a:r>
             <a:r>
-              <a:rPr lang="ko-KR" altLang="en-US" sz="1200" b="0" i="0" kern="1200" dirty="0" smtClean="0">
+              <a:rPr lang="ko-KR" altLang="en-US" sz="1200" b="0" i="0" kern="1200" dirty="0">
                 <a:solidFill>
                   <a:schemeClr val="tx1"/>
                 </a:solidFill>
@@ -4399,7 +4355,7 @@
               <a:t>에 대한 참조를 제공하 고</a:t>
             </a:r>
             <a:r>
-              <a:rPr lang="en-US" altLang="ko-KR" sz="1200" b="0" i="0" kern="1200" dirty="0" smtClean="0">
+              <a:rPr lang="en-US" altLang="ko-KR" sz="1200" b="0" i="0" kern="1200" dirty="0">
                 <a:solidFill>
                   <a:schemeClr val="tx1"/>
                 </a:solidFill>
@@ -4411,7 +4367,7 @@
               <a:t>, Car </a:t>
             </a:r>
             <a:r>
-              <a:rPr lang="ko-KR" altLang="en-US" sz="1200" b="0" i="0" kern="1200" dirty="0" smtClean="0">
+              <a:rPr lang="ko-KR" altLang="en-US" sz="1200" b="0" i="0" kern="1200" dirty="0">
                 <a:solidFill>
                   <a:schemeClr val="tx1"/>
                 </a:solidFill>
@@ -4425,7 +4381,7 @@
           </a:p>
           <a:p>
             <a:r>
-              <a:rPr lang="en-US" altLang="ko-KR" sz="1200" b="0" i="0" kern="1200" dirty="0" smtClean="0">
+              <a:rPr lang="en-US" altLang="ko-KR" sz="1200" b="0" i="0" kern="1200" dirty="0">
                 <a:solidFill>
                   <a:schemeClr val="tx1"/>
                 </a:solidFill>
@@ -4437,7 +4393,7 @@
               <a:t>Owner</a:t>
             </a:r>
             <a:r>
-              <a:rPr lang="ko-KR" altLang="en-US" sz="1200" b="0" i="0" kern="1200" dirty="0" smtClean="0">
+              <a:rPr lang="ko-KR" altLang="en-US" sz="1200" b="0" i="0" kern="1200" dirty="0">
                 <a:solidFill>
                   <a:schemeClr val="tx1"/>
                 </a:solidFill>
@@ -4449,7 +4405,7 @@
               <a:t>에 대한 참조를 제공하고 있습니다</a:t>
             </a:r>
             <a:r>
-              <a:rPr lang="en-US" altLang="ko-KR" sz="1200" b="0" i="0" kern="1200" dirty="0" smtClean="0">
+              <a:rPr lang="en-US" altLang="ko-KR" sz="1200" b="0" i="0" kern="1200" dirty="0">
                 <a:solidFill>
                   <a:schemeClr val="tx1"/>
                 </a:solidFill>
@@ -4460,7 +4416,7 @@
               </a:rPr>
               <a:t>.</a:t>
             </a:r>
-            <a:endParaRPr lang="ko-KR" altLang="en-US" sz="1200" b="0" i="0" kern="1200" dirty="0" smtClean="0">
+            <a:endParaRPr lang="ko-KR" altLang="en-US" sz="1200" b="0" i="0" kern="1200" dirty="0">
               <a:solidFill>
                 <a:schemeClr val="tx1"/>
               </a:solidFill>
@@ -4556,7 +4512,7 @@
           <a:lstStyle/>
           <a:p>
             <a:r>
-              <a:rPr lang="ko-KR" altLang="en-US" sz="1200" b="1" i="0" kern="1200" dirty="0" smtClean="0">
+              <a:rPr lang="ko-KR" altLang="en-US" sz="1200" b="1" i="0" kern="1200" dirty="0">
                 <a:solidFill>
                   <a:schemeClr val="tx1"/>
                 </a:solidFill>
@@ -4568,7 +4524,7 @@
               <a:t>조인전에 먼저 알아야될 </a:t>
             </a:r>
             <a:r>
-              <a:rPr lang="en-US" altLang="ko-KR" sz="1200" b="1" i="0" kern="1200" dirty="0" smtClean="0">
+              <a:rPr lang="en-US" altLang="ko-KR" sz="1200" b="1" i="0" kern="1200" dirty="0">
                 <a:solidFill>
                   <a:schemeClr val="tx1"/>
                 </a:solidFill>
@@ -4579,7 +4535,7 @@
               </a:rPr>
               <a:t>Cascade</a:t>
             </a:r>
-            <a:endParaRPr lang="ko-KR" altLang="en-US" sz="1200" b="1" i="0" kern="1200" dirty="0" smtClean="0">
+            <a:endParaRPr lang="ko-KR" altLang="en-US" sz="1200" b="1" i="0" kern="1200" dirty="0">
               <a:solidFill>
                 <a:schemeClr val="tx1"/>
               </a:solidFill>
@@ -4591,7 +4547,7 @@
           </a:p>
           <a:p>
             <a:r>
-              <a:rPr lang="ko-KR" altLang="en-US" sz="1200" b="0" i="0" kern="1200" dirty="0" smtClean="0">
+              <a:rPr lang="ko-KR" altLang="en-US" sz="1200" b="0" i="0" kern="1200" dirty="0">
                 <a:solidFill>
                   <a:schemeClr val="tx1"/>
                 </a:solidFill>
@@ -4603,7 +4559,7 @@
               <a:t>부모 객체와 자식 객체의 종속성 설정 </a:t>
             </a:r>
             <a:r>
-              <a:rPr lang="en-US" altLang="ko-KR" sz="1200" b="0" i="0" kern="1200" dirty="0" smtClean="0">
+              <a:rPr lang="en-US" altLang="ko-KR" sz="1200" b="0" i="0" kern="1200" dirty="0">
                 <a:solidFill>
                   <a:schemeClr val="tx1"/>
                 </a:solidFill>
@@ -4615,7 +4571,7 @@
               <a:t>: </a:t>
             </a:r>
             <a:r>
-              <a:rPr lang="ko-KR" altLang="en-US" sz="1200" b="0" i="0" kern="1200" dirty="0" smtClean="0">
+              <a:rPr lang="ko-KR" altLang="en-US" sz="1200" b="0" i="0" kern="1200" dirty="0">
                 <a:solidFill>
                   <a:schemeClr val="tx1"/>
                 </a:solidFill>
@@ -4627,7 +4583,7 @@
               <a:t>하이버네이트에서는 </a:t>
             </a:r>
             <a:r>
-              <a:rPr lang="en-US" altLang="ko-KR" sz="1200" b="0" i="0" kern="1200" dirty="0" smtClean="0">
+              <a:rPr lang="en-US" altLang="ko-KR" sz="1200" b="0" i="0" kern="1200" dirty="0">
                 <a:solidFill>
                   <a:schemeClr val="tx1"/>
                 </a:solidFill>
@@ -4639,7 +4595,7 @@
               <a:t>"</a:t>
             </a:r>
             <a:r>
-              <a:rPr lang="ko-KR" altLang="en-US" sz="1200" b="0" i="0" kern="1200" dirty="0" smtClean="0">
+              <a:rPr lang="ko-KR" altLang="en-US" sz="1200" b="0" i="0" kern="1200" dirty="0">
                 <a:solidFill>
                   <a:schemeClr val="tx1"/>
                 </a:solidFill>
@@ -4651,7 +4607,7 @@
               <a:t>부모</a:t>
             </a:r>
             <a:r>
-              <a:rPr lang="en-US" altLang="ko-KR" sz="1200" b="0" i="0" kern="1200" dirty="0" smtClean="0">
+              <a:rPr lang="en-US" altLang="ko-KR" sz="1200" b="0" i="0" kern="1200" dirty="0">
                 <a:solidFill>
                   <a:schemeClr val="tx1"/>
                 </a:solidFill>
@@ -4663,7 +4619,7 @@
               <a:t>"</a:t>
             </a:r>
             <a:r>
-              <a:rPr lang="ko-KR" altLang="en-US" sz="1200" b="0" i="0" kern="1200" dirty="0" smtClean="0">
+              <a:rPr lang="ko-KR" altLang="en-US" sz="1200" b="0" i="0" kern="1200" dirty="0">
                 <a:solidFill>
                   <a:schemeClr val="tx1"/>
                 </a:solidFill>
@@ -4675,7 +4631,7 @@
               <a:t>객체가 실행되면 </a:t>
             </a:r>
             <a:r>
-              <a:rPr lang="en-US" altLang="ko-KR" sz="1200" b="0" i="0" kern="1200" dirty="0" smtClean="0">
+              <a:rPr lang="en-US" altLang="ko-KR" sz="1200" b="0" i="0" kern="1200" dirty="0">
                 <a:solidFill>
                   <a:schemeClr val="tx1"/>
                 </a:solidFill>
@@ -4687,7 +4643,7 @@
               <a:t>"</a:t>
             </a:r>
             <a:r>
-              <a:rPr lang="ko-KR" altLang="en-US" sz="1200" b="0" i="0" kern="1200" dirty="0" smtClean="0">
+              <a:rPr lang="ko-KR" altLang="en-US" sz="1200" b="0" i="0" kern="1200" dirty="0">
                 <a:solidFill>
                   <a:schemeClr val="tx1"/>
                 </a:solidFill>
@@ -4699,7 +4655,7 @@
               <a:t>자식</a:t>
             </a:r>
             <a:r>
-              <a:rPr lang="en-US" altLang="ko-KR" sz="1200" b="0" i="0" kern="1200" dirty="0" smtClean="0">
+              <a:rPr lang="en-US" altLang="ko-KR" sz="1200" b="0" i="0" kern="1200" dirty="0">
                 <a:solidFill>
                   <a:schemeClr val="tx1"/>
                 </a:solidFill>
@@ -4711,7 +4667,7 @@
               <a:t>" </a:t>
             </a:r>
             <a:r>
-              <a:rPr lang="ko-KR" altLang="en-US" sz="1200" b="0" i="0" kern="1200" dirty="0" smtClean="0">
+              <a:rPr lang="ko-KR" altLang="en-US" sz="1200" b="0" i="0" kern="1200" dirty="0">
                 <a:solidFill>
                   <a:schemeClr val="tx1"/>
                 </a:solidFill>
@@ -4723,7 +4679,7 @@
               <a:t>혹은 </a:t>
             </a:r>
             <a:r>
-              <a:rPr lang="en-US" altLang="ko-KR" sz="1200" b="0" i="0" kern="1200" dirty="0" smtClean="0">
+              <a:rPr lang="en-US" altLang="ko-KR" sz="1200" b="0" i="0" kern="1200" dirty="0">
                 <a:solidFill>
                   <a:schemeClr val="tx1"/>
                 </a:solidFill>
@@ -4735,7 +4691,7 @@
               <a:t>"</a:t>
             </a:r>
             <a:r>
-              <a:rPr lang="ko-KR" altLang="en-US" sz="1200" b="0" i="0" kern="1200" dirty="0" smtClean="0">
+              <a:rPr lang="ko-KR" altLang="en-US" sz="1200" b="0" i="0" kern="1200" dirty="0">
                 <a:solidFill>
                   <a:schemeClr val="tx1"/>
                 </a:solidFill>
@@ -4747,7 +4703,7 @@
               <a:t>의존</a:t>
             </a:r>
             <a:r>
-              <a:rPr lang="en-US" altLang="ko-KR" sz="1200" b="0" i="0" kern="1200" dirty="0" smtClean="0">
+              <a:rPr lang="en-US" altLang="ko-KR" sz="1200" b="0" i="0" kern="1200" dirty="0">
                 <a:solidFill>
                   <a:schemeClr val="tx1"/>
                 </a:solidFill>
@@ -4759,7 +4715,7 @@
               <a:t>" </a:t>
             </a:r>
             <a:r>
-              <a:rPr lang="ko-KR" altLang="en-US" sz="1200" b="0" i="0" kern="1200" dirty="0" smtClean="0">
+              <a:rPr lang="ko-KR" altLang="en-US" sz="1200" b="0" i="0" kern="1200" dirty="0">
                 <a:solidFill>
                   <a:schemeClr val="tx1"/>
                 </a:solidFill>
@@ -4771,7 +4727,7 @@
               <a:t>객체까지 전이되는 연산을 </a:t>
             </a:r>
             <a:r>
-              <a:rPr lang="en-US" altLang="ko-KR" sz="1200" b="0" i="0" kern="1200" dirty="0" smtClean="0">
+              <a:rPr lang="en-US" altLang="ko-KR" sz="1200" b="0" i="0" kern="1200" dirty="0">
                 <a:solidFill>
                   <a:schemeClr val="tx1"/>
                 </a:solidFill>
@@ -4783,7 +4739,7 @@
               <a:t>cascade </a:t>
             </a:r>
             <a:r>
-              <a:rPr lang="ko-KR" altLang="en-US" sz="1200" b="0" i="0" kern="1200" dirty="0" smtClean="0">
+              <a:rPr lang="ko-KR" altLang="en-US" sz="1200" b="0" i="0" kern="1200" dirty="0">
                 <a:solidFill>
                   <a:schemeClr val="tx1"/>
                 </a:solidFill>
@@ -4795,7 +4751,7 @@
               <a:t>어트리뷰트로 처리할 수 있다</a:t>
             </a:r>
             <a:r>
-              <a:rPr lang="en-US" altLang="ko-KR" sz="1200" b="0" i="0" kern="1200" dirty="0" smtClean="0">
+              <a:rPr lang="en-US" altLang="ko-KR" sz="1200" b="0" i="0" kern="1200" dirty="0">
                 <a:solidFill>
                   <a:schemeClr val="tx1"/>
                 </a:solidFill>
@@ -4807,7 +4763,7 @@
               <a:t>. </a:t>
             </a:r>
             <a:r>
-              <a:rPr lang="ko-KR" altLang="en-US" sz="1200" b="0" i="0" kern="1200" dirty="0" smtClean="0">
+              <a:rPr lang="ko-KR" altLang="en-US" sz="1200" b="0" i="0" kern="1200" dirty="0">
                 <a:solidFill>
                   <a:schemeClr val="tx1"/>
                 </a:solidFill>
@@ -4819,7 +4775,7 @@
               <a:t>이 기능은 모든 종류의 컬렉션과 연관에 적용된다</a:t>
             </a:r>
             <a:r>
-              <a:rPr lang="en-US" altLang="ko-KR" sz="1200" b="0" i="0" kern="1200" dirty="0" smtClean="0">
+              <a:rPr lang="en-US" altLang="ko-KR" sz="1200" b="0" i="0" kern="1200" dirty="0">
                 <a:solidFill>
                   <a:schemeClr val="tx1"/>
                 </a:solidFill>
@@ -4830,7 +4786,7 @@
               </a:rPr>
               <a:t>.</a:t>
             </a:r>
-            <a:endParaRPr lang="ko-KR" altLang="en-US" sz="1200" b="0" i="0" kern="1200" dirty="0" smtClean="0">
+            <a:endParaRPr lang="ko-KR" altLang="en-US" sz="1200" b="0" i="0" kern="1200" dirty="0">
               <a:solidFill>
                 <a:schemeClr val="tx1"/>
               </a:solidFill>
@@ -4842,7 +4798,7 @@
           </a:p>
           <a:p>
             <a:r>
-              <a:rPr lang="ko-KR" altLang="en-US" sz="1200" b="1" kern="1200" dirty="0" smtClean="0">
+              <a:rPr lang="ko-KR" altLang="en-US" sz="1200" b="1" kern="1200" dirty="0">
                 <a:solidFill>
                   <a:schemeClr val="tx1"/>
                 </a:solidFill>
@@ -4853,7 +4809,7 @@
               </a:rPr>
               <a:t>타입</a:t>
             </a:r>
-            <a:endParaRPr lang="ko-KR" altLang="en-US" sz="1200" kern="1200" dirty="0" smtClean="0">
+            <a:endParaRPr lang="ko-KR" altLang="en-US" sz="1200" kern="1200" dirty="0">
               <a:solidFill>
                 <a:schemeClr val="tx1"/>
               </a:solidFill>
@@ -4865,7 +4821,7 @@
           </a:p>
           <a:p>
             <a:r>
-              <a:rPr lang="ko-KR" altLang="en-US" sz="1200" b="1" kern="1200" dirty="0" smtClean="0">
+              <a:rPr lang="ko-KR" altLang="en-US" sz="1200" b="1" kern="1200" dirty="0">
                 <a:solidFill>
                   <a:schemeClr val="tx1"/>
                 </a:solidFill>
@@ -4876,7 +4832,7 @@
               </a:rPr>
               <a:t>행위</a:t>
             </a:r>
-            <a:endParaRPr lang="ko-KR" altLang="en-US" sz="1200" kern="1200" dirty="0" smtClean="0">
+            <a:endParaRPr lang="ko-KR" altLang="en-US" sz="1200" kern="1200" dirty="0">
               <a:solidFill>
                 <a:schemeClr val="tx1"/>
               </a:solidFill>
@@ -4888,7 +4844,7 @@
           </a:p>
           <a:p>
             <a:r>
-              <a:rPr lang="ko-KR" altLang="en-US" sz="1200" b="1" kern="1200" dirty="0" smtClean="0">
+              <a:rPr lang="ko-KR" altLang="en-US" sz="1200" b="1" kern="1200" dirty="0">
                 <a:solidFill>
                   <a:schemeClr val="tx1"/>
                 </a:solidFill>
@@ -4899,7 +4855,7 @@
               </a:rPr>
               <a:t>언제</a:t>
             </a:r>
-            <a:endParaRPr lang="ko-KR" altLang="en-US" sz="1200" kern="1200" dirty="0" smtClean="0">
+            <a:endParaRPr lang="ko-KR" altLang="en-US" sz="1200" kern="1200" dirty="0">
               <a:solidFill>
                 <a:schemeClr val="tx1"/>
               </a:solidFill>
@@ -4911,7 +4867,7 @@
           </a:p>
           <a:p>
             <a:r>
-              <a:rPr lang="en-US" altLang="ko-KR" sz="1200" kern="1200" dirty="0" err="1" smtClean="0">
+              <a:rPr lang="en-US" altLang="ko-KR" sz="1200" kern="1200" dirty="0" err="1">
                 <a:solidFill>
                   <a:schemeClr val="tx1"/>
                 </a:solidFill>
@@ -4922,7 +4878,7 @@
               </a:rPr>
               <a:t>CascadeType.DETACH</a:t>
             </a:r>
-            <a:endParaRPr lang="ko-KR" altLang="en-US" sz="1200" kern="1200" dirty="0" smtClean="0">
+            <a:endParaRPr lang="ko-KR" altLang="en-US" sz="1200" kern="1200" dirty="0">
               <a:solidFill>
                 <a:schemeClr val="tx1"/>
               </a:solidFill>
@@ -4934,7 +4890,7 @@
           </a:p>
           <a:p>
             <a:r>
-              <a:rPr lang="ko-KR" altLang="en-US" sz="1200" kern="1200" dirty="0" smtClean="0">
+              <a:rPr lang="ko-KR" altLang="en-US" sz="1200" kern="1200" dirty="0">
                 <a:solidFill>
                   <a:schemeClr val="tx1"/>
                 </a:solidFill>
@@ -4946,7 +4902,7 @@
               <a:t>엔티티가 </a:t>
             </a:r>
             <a:r>
-              <a:rPr lang="en-US" altLang="ko-KR" sz="1200" kern="1200" dirty="0" smtClean="0">
+              <a:rPr lang="en-US" altLang="ko-KR" sz="1200" kern="1200" dirty="0">
                 <a:solidFill>
                   <a:schemeClr val="tx1"/>
                 </a:solidFill>
@@ -4958,7 +4914,7 @@
               <a:t>Persistence Context</a:t>
             </a:r>
             <a:r>
-              <a:rPr lang="ko-KR" altLang="en-US" sz="1200" kern="1200" dirty="0" smtClean="0">
+              <a:rPr lang="ko-KR" altLang="en-US" sz="1200" kern="1200" dirty="0">
                 <a:solidFill>
                   <a:schemeClr val="tx1"/>
                 </a:solidFill>
@@ -4970,7 +4926,7 @@
               <a:t>에서 제거되면 </a:t>
             </a:r>
             <a:r>
-              <a:rPr lang="en-US" altLang="ko-KR" sz="1200" kern="1200" dirty="0" smtClean="0">
+              <a:rPr lang="en-US" altLang="ko-KR" sz="1200" kern="1200" dirty="0">
                 <a:solidFill>
                   <a:schemeClr val="tx1"/>
                 </a:solidFill>
@@ -4982,7 +4938,7 @@
               <a:t>(</a:t>
             </a:r>
             <a:r>
-              <a:rPr lang="ko-KR" altLang="en-US" sz="1200" kern="1200" dirty="0" smtClean="0">
+              <a:rPr lang="ko-KR" altLang="en-US" sz="1200" kern="1200" dirty="0">
                 <a:solidFill>
                   <a:schemeClr val="tx1"/>
                 </a:solidFill>
@@ -4994,7 +4950,7 @@
               <a:t>엔티티가 분리 될 것입니다</a:t>
             </a:r>
             <a:r>
-              <a:rPr lang="en-US" altLang="ko-KR" sz="1200" kern="1200" dirty="0" smtClean="0">
+              <a:rPr lang="en-US" altLang="ko-KR" sz="1200" kern="1200" dirty="0">
                 <a:solidFill>
                   <a:schemeClr val="tx1"/>
                 </a:solidFill>
@@ -5006,7 +4962,7 @@
               <a:t>)</a:t>
             </a:r>
             <a:r>
-              <a:rPr lang="ko-KR" altLang="en-US" sz="1200" kern="1200" dirty="0" smtClean="0">
+              <a:rPr lang="ko-KR" altLang="en-US" sz="1200" kern="1200" dirty="0">
                 <a:solidFill>
                   <a:schemeClr val="tx1"/>
                 </a:solidFill>
@@ -5018,7 +4974,7 @@
               <a:t>이 작업은 관계에 반영됩니다</a:t>
             </a:r>
             <a:r>
-              <a:rPr lang="en-US" altLang="ko-KR" sz="1200" kern="1200" dirty="0" smtClean="0">
+              <a:rPr lang="en-US" altLang="ko-KR" sz="1200" kern="1200" dirty="0">
                 <a:solidFill>
                   <a:schemeClr val="tx1"/>
                 </a:solidFill>
@@ -5029,7 +4985,7 @@
               </a:rPr>
               <a:t>.</a:t>
             </a:r>
-            <a:endParaRPr lang="ko-KR" altLang="en-US" sz="1200" kern="1200" dirty="0" smtClean="0">
+            <a:endParaRPr lang="ko-KR" altLang="en-US" sz="1200" kern="1200" dirty="0">
               <a:solidFill>
                 <a:schemeClr val="tx1"/>
               </a:solidFill>
@@ -5041,7 +4997,7 @@
           </a:p>
           <a:p>
             <a:r>
-              <a:rPr lang="en-US" altLang="ko-KR" sz="1200" kern="1200" dirty="0" smtClean="0">
+              <a:rPr lang="en-US" altLang="ko-KR" sz="1200" kern="1200" dirty="0">
                 <a:solidFill>
                   <a:schemeClr val="tx1"/>
                 </a:solidFill>
@@ -5052,7 +5008,7 @@
               </a:rPr>
               <a:t>Finished Persistence Context </a:t>
             </a:r>
-            <a:endParaRPr lang="ko-KR" altLang="en-US" sz="1200" kern="1200" dirty="0" smtClean="0">
+            <a:endParaRPr lang="ko-KR" altLang="en-US" sz="1200" kern="1200" dirty="0">
               <a:solidFill>
                 <a:schemeClr val="tx1"/>
               </a:solidFill>
@@ -5064,7 +5020,7 @@
           </a:p>
           <a:p>
             <a:r>
-              <a:rPr lang="ko-KR" altLang="en-US" sz="1200" kern="1200" dirty="0" smtClean="0">
+              <a:rPr lang="ko-KR" altLang="en-US" sz="1200" kern="1200" dirty="0">
                 <a:solidFill>
                   <a:schemeClr val="tx1"/>
                 </a:solidFill>
@@ -5076,7 +5032,7 @@
               <a:t>또는 </a:t>
             </a:r>
             <a:r>
-              <a:rPr lang="en-US" altLang="ko-KR" sz="1200" kern="1200" dirty="0" err="1" smtClean="0">
+              <a:rPr lang="en-US" altLang="ko-KR" sz="1200" kern="1200" dirty="0" err="1">
                 <a:solidFill>
                   <a:schemeClr val="tx1"/>
                 </a:solidFill>
@@ -5088,7 +5044,7 @@
               <a:t>entityManager.detach</a:t>
             </a:r>
             <a:r>
-              <a:rPr lang="en-US" altLang="ko-KR" sz="1200" kern="1200" dirty="0" smtClean="0">
+              <a:rPr lang="en-US" altLang="ko-KR" sz="1200" kern="1200" dirty="0">
                 <a:solidFill>
                   <a:schemeClr val="tx1"/>
                 </a:solidFill>
@@ -5099,7 +5055,7 @@
               </a:rPr>
               <a:t> ()</a:t>
             </a:r>
-            <a:endParaRPr lang="ko-KR" altLang="en-US" sz="1200" kern="1200" dirty="0" smtClean="0">
+            <a:endParaRPr lang="ko-KR" altLang="en-US" sz="1200" kern="1200" dirty="0">
               <a:solidFill>
                 <a:schemeClr val="tx1"/>
               </a:solidFill>
@@ -5111,7 +5067,7 @@
           </a:p>
           <a:p>
             <a:r>
-              <a:rPr lang="en-US" altLang="ko-KR" sz="1200" kern="1200" dirty="0" err="1" smtClean="0">
+              <a:rPr lang="en-US" altLang="ko-KR" sz="1200" kern="1200" dirty="0" err="1">
                 <a:solidFill>
                   <a:schemeClr val="tx1"/>
                 </a:solidFill>
@@ -5123,7 +5079,7 @@
               <a:t>entityManager.clear</a:t>
             </a:r>
             <a:r>
-              <a:rPr lang="en-US" altLang="ko-KR" sz="1200" kern="1200" dirty="0" smtClean="0">
+              <a:rPr lang="en-US" altLang="ko-KR" sz="1200" kern="1200" dirty="0">
                 <a:solidFill>
                   <a:schemeClr val="tx1"/>
                 </a:solidFill>
@@ -5134,7 +5090,7 @@
               </a:rPr>
               <a:t> ()</a:t>
             </a:r>
-            <a:endParaRPr lang="ko-KR" altLang="en-US" sz="1200" kern="1200" dirty="0" smtClean="0">
+            <a:endParaRPr lang="ko-KR" altLang="en-US" sz="1200" kern="1200" dirty="0">
               <a:solidFill>
                 <a:schemeClr val="tx1"/>
               </a:solidFill>
@@ -5146,7 +5102,7 @@
           </a:p>
           <a:p>
             <a:r>
-              <a:rPr lang="en-US" altLang="ko-KR" sz="1200" kern="1200" dirty="0" err="1" smtClean="0">
+              <a:rPr lang="en-US" altLang="ko-KR" sz="1200" kern="1200" dirty="0" err="1">
                 <a:solidFill>
                   <a:schemeClr val="tx1"/>
                 </a:solidFill>
@@ -5157,7 +5113,7 @@
               </a:rPr>
               <a:t>CascadeType.MERGE</a:t>
             </a:r>
-            <a:endParaRPr lang="ko-KR" altLang="en-US" sz="1200" kern="1200" dirty="0" smtClean="0">
+            <a:endParaRPr lang="ko-KR" altLang="en-US" sz="1200" kern="1200" dirty="0">
               <a:solidFill>
                 <a:schemeClr val="tx1"/>
               </a:solidFill>
@@ -5169,7 +5125,7 @@
           </a:p>
           <a:p>
             <a:r>
-              <a:rPr lang="ko-KR" altLang="en-US" sz="1200" kern="1200" dirty="0" smtClean="0">
+              <a:rPr lang="ko-KR" altLang="en-US" sz="1200" kern="1200" dirty="0">
                 <a:solidFill>
                   <a:schemeClr val="tx1"/>
                 </a:solidFill>
@@ -5183,7 +5139,7 @@
           </a:p>
           <a:p>
             <a:r>
-              <a:rPr lang="ko-KR" altLang="en-US" sz="1200" kern="1200" dirty="0" smtClean="0">
+              <a:rPr lang="ko-KR" altLang="en-US" sz="1200" kern="1200" dirty="0">
                 <a:solidFill>
                   <a:schemeClr val="tx1"/>
                 </a:solidFill>
@@ -5195,7 +5151,7 @@
               <a:t>엔티티가 갱신되고 트랜잭션이 완료되거나</a:t>
             </a:r>
             <a:r>
-              <a:rPr lang="en-US" altLang="ko-KR" sz="1200" kern="1200" dirty="0" smtClean="0">
+              <a:rPr lang="en-US" altLang="ko-KR" sz="1200" kern="1200" dirty="0">
                 <a:solidFill>
                   <a:schemeClr val="tx1"/>
                 </a:solidFill>
@@ -5207,7 +5163,7 @@
               <a:t>, </a:t>
             </a:r>
             <a:r>
-              <a:rPr lang="en-US" altLang="ko-KR" sz="1200" kern="1200" dirty="0" err="1" smtClean="0">
+              <a:rPr lang="en-US" altLang="ko-KR" sz="1200" kern="1200" dirty="0" err="1">
                 <a:solidFill>
                   <a:schemeClr val="tx1"/>
                 </a:solidFill>
@@ -5219,7 +5175,7 @@
               <a:t>entityManager.merge</a:t>
             </a:r>
             <a:r>
-              <a:rPr lang="en-US" altLang="ko-KR" sz="1200" kern="1200" dirty="0" smtClean="0">
+              <a:rPr lang="en-US" altLang="ko-KR" sz="1200" kern="1200" dirty="0">
                 <a:solidFill>
                   <a:schemeClr val="tx1"/>
                 </a:solidFill>
@@ -5230,7 +5186,7 @@
               </a:rPr>
               <a:t> ()</a:t>
             </a:r>
-            <a:endParaRPr lang="ko-KR" altLang="en-US" sz="1200" kern="1200" dirty="0" smtClean="0">
+            <a:endParaRPr lang="ko-KR" altLang="en-US" sz="1200" kern="1200" dirty="0">
               <a:solidFill>
                 <a:schemeClr val="tx1"/>
               </a:solidFill>
@@ -5242,7 +5198,7 @@
           </a:p>
           <a:p>
             <a:r>
-              <a:rPr lang="en-US" altLang="ko-KR" sz="1200" kern="1200" dirty="0" err="1" smtClean="0">
+              <a:rPr lang="en-US" altLang="ko-KR" sz="1200" kern="1200" dirty="0" err="1">
                 <a:solidFill>
                   <a:schemeClr val="tx1"/>
                 </a:solidFill>
@@ -5253,7 +5209,7 @@
               </a:rPr>
               <a:t>CascadeType.PERSIST</a:t>
             </a:r>
-            <a:endParaRPr lang="ko-KR" altLang="en-US" sz="1200" kern="1200" dirty="0" smtClean="0">
+            <a:endParaRPr lang="ko-KR" altLang="en-US" sz="1200" kern="1200" dirty="0">
               <a:solidFill>
                 <a:schemeClr val="tx1"/>
               </a:solidFill>
@@ -5265,7 +5221,7 @@
           </a:p>
           <a:p>
             <a:r>
-              <a:rPr lang="ko-KR" altLang="en-US" sz="1200" kern="1200" dirty="0" smtClean="0">
+              <a:rPr lang="ko-KR" altLang="en-US" sz="1200" kern="1200" dirty="0">
                 <a:solidFill>
                   <a:schemeClr val="tx1"/>
                 </a:solidFill>
@@ -5277,7 +5233,7 @@
               <a:t>새로운 엔티티가 데이터베이스에 유지되면이 조치가 관계에 반영됩니다</a:t>
             </a:r>
             <a:r>
-              <a:rPr lang="en-US" altLang="ko-KR" sz="1200" kern="1200" dirty="0" smtClean="0">
+              <a:rPr lang="en-US" altLang="ko-KR" sz="1200" kern="1200" dirty="0">
                 <a:solidFill>
                   <a:schemeClr val="tx1"/>
                 </a:solidFill>
@@ -5288,7 +5244,7 @@
               </a:rPr>
               <a:t>.</a:t>
             </a:r>
-            <a:endParaRPr lang="ko-KR" altLang="en-US" sz="1200" kern="1200" dirty="0" smtClean="0">
+            <a:endParaRPr lang="ko-KR" altLang="en-US" sz="1200" kern="1200" dirty="0">
               <a:solidFill>
                 <a:schemeClr val="tx1"/>
               </a:solidFill>
@@ -5300,7 +5256,7 @@
           </a:p>
           <a:p>
             <a:r>
-              <a:rPr lang="ko-KR" altLang="en-US" sz="1200" kern="1200" dirty="0" smtClean="0">
+              <a:rPr lang="ko-KR" altLang="en-US" sz="1200" kern="1200" dirty="0">
                 <a:solidFill>
                   <a:schemeClr val="tx1"/>
                 </a:solidFill>
@@ -5312,7 +5268,7 @@
               <a:t>트랜잭션이 끝나거나</a:t>
             </a:r>
             <a:r>
-              <a:rPr lang="en-US" altLang="ko-KR" sz="1200" kern="1200" dirty="0" smtClean="0">
+              <a:rPr lang="en-US" altLang="ko-KR" sz="1200" kern="1200" dirty="0">
                 <a:solidFill>
                   <a:schemeClr val="tx1"/>
                 </a:solidFill>
@@ -5324,7 +5280,7 @@
               <a:t>, </a:t>
             </a:r>
             <a:r>
-              <a:rPr lang="en-US" altLang="ko-KR" sz="1200" kern="1200" dirty="0" err="1" smtClean="0">
+              <a:rPr lang="en-US" altLang="ko-KR" sz="1200" kern="1200" dirty="0" err="1">
                 <a:solidFill>
                   <a:schemeClr val="tx1"/>
                 </a:solidFill>
@@ -5336,7 +5292,7 @@
               <a:t>entityManager.persist</a:t>
             </a:r>
             <a:r>
-              <a:rPr lang="en-US" altLang="ko-KR" sz="1200" kern="1200" dirty="0" smtClean="0">
+              <a:rPr lang="en-US" altLang="ko-KR" sz="1200" kern="1200" dirty="0">
                 <a:solidFill>
                   <a:schemeClr val="tx1"/>
                 </a:solidFill>
@@ -5347,7 +5303,7 @@
               </a:rPr>
               <a:t> ()</a:t>
             </a:r>
-            <a:endParaRPr lang="ko-KR" altLang="en-US" sz="1200" kern="1200" dirty="0" smtClean="0">
+            <a:endParaRPr lang="ko-KR" altLang="en-US" sz="1200" kern="1200" dirty="0">
               <a:solidFill>
                 <a:schemeClr val="tx1"/>
               </a:solidFill>
@@ -5359,7 +5315,7 @@
           </a:p>
           <a:p>
             <a:r>
-              <a:rPr lang="en-US" altLang="ko-KR" sz="1200" kern="1200" dirty="0" err="1" smtClean="0">
+              <a:rPr lang="en-US" altLang="ko-KR" sz="1200" kern="1200" dirty="0" err="1">
                 <a:solidFill>
                   <a:schemeClr val="tx1"/>
                 </a:solidFill>
@@ -5370,7 +5326,7 @@
               </a:rPr>
               <a:t>CascadeType.REFRESH</a:t>
             </a:r>
-            <a:endParaRPr lang="ko-KR" altLang="en-US" sz="1200" kern="1200" dirty="0" smtClean="0">
+            <a:endParaRPr lang="ko-KR" altLang="en-US" sz="1200" kern="1200" dirty="0">
               <a:solidFill>
                 <a:schemeClr val="tx1"/>
               </a:solidFill>
@@ -5382,7 +5338,7 @@
           </a:p>
           <a:p>
             <a:r>
-              <a:rPr lang="ko-KR" altLang="en-US" sz="1200" kern="1200" dirty="0" smtClean="0">
+              <a:rPr lang="ko-KR" altLang="en-US" sz="1200" kern="1200" dirty="0">
                 <a:solidFill>
                   <a:schemeClr val="tx1"/>
                 </a:solidFill>
@@ -5396,7 +5352,7 @@
           </a:p>
           <a:p>
             <a:r>
-              <a:rPr lang="en-US" altLang="ko-KR" sz="1200" kern="1200" dirty="0" err="1" smtClean="0">
+              <a:rPr lang="en-US" altLang="ko-KR" sz="1200" kern="1200" dirty="0" err="1">
                 <a:solidFill>
                   <a:schemeClr val="tx1"/>
                 </a:solidFill>
@@ -5408,7 +5364,7 @@
               <a:t>entityManager.refresh</a:t>
             </a:r>
             <a:r>
-              <a:rPr lang="en-US" altLang="ko-KR" sz="1200" kern="1200" dirty="0" smtClean="0">
+              <a:rPr lang="en-US" altLang="ko-KR" sz="1200" kern="1200" dirty="0">
                 <a:solidFill>
                   <a:schemeClr val="tx1"/>
                 </a:solidFill>
@@ -5419,7 +5375,7 @@
               </a:rPr>
               <a:t> ()</a:t>
             </a:r>
-            <a:endParaRPr lang="ko-KR" altLang="en-US" sz="1200" kern="1200" dirty="0" smtClean="0">
+            <a:endParaRPr lang="ko-KR" altLang="en-US" sz="1200" kern="1200" dirty="0">
               <a:solidFill>
                 <a:schemeClr val="tx1"/>
               </a:solidFill>
@@ -5431,7 +5387,7 @@
           </a:p>
           <a:p>
             <a:r>
-              <a:rPr lang="en-US" altLang="ko-KR" sz="1200" kern="1200" dirty="0" err="1" smtClean="0">
+              <a:rPr lang="en-US" altLang="ko-KR" sz="1200" kern="1200" dirty="0" err="1">
                 <a:solidFill>
                   <a:schemeClr val="tx1"/>
                 </a:solidFill>
@@ -5442,7 +5398,7 @@
               </a:rPr>
               <a:t>CascadeType.REMOVE</a:t>
             </a:r>
-            <a:endParaRPr lang="ko-KR" altLang="en-US" sz="1200" kern="1200" dirty="0" smtClean="0">
+            <a:endParaRPr lang="ko-KR" altLang="en-US" sz="1200" kern="1200" dirty="0">
               <a:solidFill>
                 <a:schemeClr val="tx1"/>
               </a:solidFill>
@@ -5454,7 +5410,7 @@
           </a:p>
           <a:p>
             <a:r>
-              <a:rPr lang="ko-KR" altLang="en-US" sz="1200" kern="1200" dirty="0" smtClean="0">
+              <a:rPr lang="ko-KR" altLang="en-US" sz="1200" kern="1200" dirty="0">
                 <a:solidFill>
                   <a:schemeClr val="tx1"/>
                 </a:solidFill>
@@ -5466,7 +5422,7 @@
               <a:t>엔터티가 데이터베이스에서 삭제되면</a:t>
             </a:r>
             <a:br>
-              <a:rPr lang="ko-KR" altLang="en-US" sz="1200" kern="1200" dirty="0" smtClean="0">
+              <a:rPr lang="ko-KR" altLang="en-US" sz="1200" kern="1200" dirty="0">
                 <a:solidFill>
                   <a:schemeClr val="tx1"/>
                 </a:solidFill>
@@ -5477,7 +5433,7 @@
               </a:rPr>
             </a:br>
             <a:r>
-              <a:rPr lang="ko-KR" altLang="en-US" sz="1200" kern="1200" dirty="0" smtClean="0">
+              <a:rPr lang="ko-KR" altLang="en-US" sz="1200" kern="1200" dirty="0">
                 <a:solidFill>
                   <a:schemeClr val="tx1"/>
                 </a:solidFill>
@@ -5489,7 +5445,7 @@
               <a:t>행동이 관계에 반영 될 것입니다</a:t>
             </a:r>
             <a:r>
-              <a:rPr lang="en-US" altLang="ko-KR" sz="1200" kern="1200" dirty="0" smtClean="0">
+              <a:rPr lang="en-US" altLang="ko-KR" sz="1200" kern="1200" dirty="0">
                 <a:solidFill>
                   <a:schemeClr val="tx1"/>
                 </a:solidFill>
@@ -5500,7 +5456,7 @@
               </a:rPr>
               <a:t>.</a:t>
             </a:r>
-            <a:endParaRPr lang="ko-KR" altLang="en-US" sz="1200" kern="1200" dirty="0" smtClean="0">
+            <a:endParaRPr lang="ko-KR" altLang="en-US" sz="1200" kern="1200" dirty="0">
               <a:solidFill>
                 <a:schemeClr val="tx1"/>
               </a:solidFill>
@@ -5512,7 +5468,7 @@
           </a:p>
           <a:p>
             <a:r>
-              <a:rPr lang="en-US" altLang="ko-KR" sz="1200" kern="1200" dirty="0" err="1" smtClean="0">
+              <a:rPr lang="en-US" altLang="ko-KR" sz="1200" kern="1200" dirty="0" err="1">
                 <a:solidFill>
                   <a:schemeClr val="tx1"/>
                 </a:solidFill>
@@ -5524,7 +5480,7 @@
               <a:t>entityManager.remove</a:t>
             </a:r>
             <a:r>
-              <a:rPr lang="en-US" altLang="ko-KR" sz="1200" kern="1200" dirty="0" smtClean="0">
+              <a:rPr lang="en-US" altLang="ko-KR" sz="1200" kern="1200" dirty="0">
                 <a:solidFill>
                   <a:schemeClr val="tx1"/>
                 </a:solidFill>
@@ -5535,7 +5491,7 @@
               </a:rPr>
               <a:t> ()</a:t>
             </a:r>
-            <a:endParaRPr lang="ko-KR" altLang="en-US" sz="1200" kern="1200" dirty="0" smtClean="0">
+            <a:endParaRPr lang="ko-KR" altLang="en-US" sz="1200" kern="1200" dirty="0">
               <a:solidFill>
                 <a:schemeClr val="tx1"/>
               </a:solidFill>
@@ -5547,7 +5503,7 @@
           </a:p>
           <a:p>
             <a:r>
-              <a:rPr lang="en-US" altLang="ko-KR" sz="1200" kern="1200" dirty="0" err="1" smtClean="0">
+              <a:rPr lang="en-US" altLang="ko-KR" sz="1200" kern="1200" dirty="0" err="1">
                 <a:solidFill>
                   <a:schemeClr val="tx1"/>
                 </a:solidFill>
@@ -5558,7 +5514,7 @@
               </a:rPr>
               <a:t>CascadeType.ALL</a:t>
             </a:r>
-            <a:endParaRPr lang="ko-KR" altLang="en-US" sz="1200" kern="1200" dirty="0" smtClean="0">
+            <a:endParaRPr lang="ko-KR" altLang="en-US" sz="1200" kern="1200" dirty="0">
               <a:solidFill>
                 <a:schemeClr val="tx1"/>
               </a:solidFill>
@@ -5570,7 +5526,7 @@
           </a:p>
           <a:p>
             <a:r>
-              <a:rPr lang="ko-KR" altLang="en-US" sz="1200" kern="1200" dirty="0" smtClean="0">
+              <a:rPr lang="ko-KR" altLang="en-US" sz="1200" kern="1200" dirty="0">
                 <a:solidFill>
                   <a:schemeClr val="tx1"/>
                 </a:solidFill>
@@ -5582,7 +5538,7 @@
               <a:t>위의 조치 중 하나가 </a:t>
             </a:r>
             <a:r>
-              <a:rPr lang="en-US" altLang="ko-KR" sz="1200" kern="1200" dirty="0" smtClean="0">
+              <a:rPr lang="en-US" altLang="ko-KR" sz="1200" kern="1200" dirty="0">
                 <a:solidFill>
                   <a:schemeClr val="tx1"/>
                 </a:solidFill>
@@ -5594,7 +5550,7 @@
               <a:t>JPA </a:t>
             </a:r>
             <a:r>
-              <a:rPr lang="ko-KR" altLang="en-US" sz="1200" kern="1200" dirty="0" smtClean="0">
+              <a:rPr lang="ko-KR" altLang="en-US" sz="1200" kern="1200" dirty="0">
                 <a:solidFill>
                   <a:schemeClr val="tx1"/>
                 </a:solidFill>
@@ -5606,7 +5562,7 @@
               <a:t>또는 명령에 의해 호출 될 때</a:t>
             </a:r>
             <a:r>
-              <a:rPr lang="en-US" altLang="ko-KR" sz="1200" kern="1200" dirty="0" smtClean="0">
+              <a:rPr lang="en-US" altLang="ko-KR" sz="1200" kern="1200" dirty="0">
                 <a:solidFill>
                   <a:schemeClr val="tx1"/>
                 </a:solidFill>
@@ -5618,7 +5574,7 @@
               <a:t>,</a:t>
             </a:r>
             <a:r>
-              <a:rPr lang="ko-KR" altLang="en-US" sz="1200" kern="1200" dirty="0" smtClean="0">
+              <a:rPr lang="ko-KR" altLang="en-US" sz="1200" kern="1200" dirty="0">
                 <a:solidFill>
                   <a:schemeClr val="tx1"/>
                 </a:solidFill>
@@ -5630,7 +5586,7 @@
               <a:t>이 조치는 관계에 반영됩니다</a:t>
             </a:r>
             <a:r>
-              <a:rPr lang="en-US" altLang="ko-KR" sz="1200" kern="1200" dirty="0" smtClean="0">
+              <a:rPr lang="en-US" altLang="ko-KR" sz="1200" kern="1200" dirty="0">
                 <a:solidFill>
                   <a:schemeClr val="tx1"/>
                 </a:solidFill>
@@ -5641,7 +5597,7 @@
               </a:rPr>
               <a:t>.</a:t>
             </a:r>
-            <a:endParaRPr lang="ko-KR" altLang="en-US" sz="1200" kern="1200" dirty="0" smtClean="0">
+            <a:endParaRPr lang="ko-KR" altLang="en-US" sz="1200" kern="1200" dirty="0">
               <a:solidFill>
                 <a:schemeClr val="tx1"/>
               </a:solidFill>
@@ -5653,7 +5609,7 @@
           </a:p>
           <a:p>
             <a:r>
-              <a:rPr lang="ko-KR" altLang="en-US" sz="1200" kern="1200" dirty="0" smtClean="0">
+              <a:rPr lang="ko-KR" altLang="en-US" sz="1200" kern="1200" dirty="0">
                 <a:solidFill>
                   <a:schemeClr val="tx1"/>
                 </a:solidFill>
@@ -5665,7 +5621,7 @@
               <a:t>위에 설명 된 명령이나 행동</a:t>
             </a:r>
             <a:r>
-              <a:rPr lang="en-US" altLang="ko-KR" sz="1200" kern="1200" dirty="0" smtClean="0">
+              <a:rPr lang="en-US" altLang="ko-KR" sz="1200" kern="1200" dirty="0">
                 <a:solidFill>
                   <a:schemeClr val="tx1"/>
                 </a:solidFill>
@@ -5676,7 +5632,7 @@
               </a:rPr>
               <a:t>.</a:t>
             </a:r>
-            <a:endParaRPr lang="ko-KR" altLang="en-US" sz="1200" kern="1200" dirty="0" smtClean="0">
+            <a:endParaRPr lang="ko-KR" altLang="en-US" sz="1200" kern="1200" dirty="0">
               <a:solidFill>
                 <a:schemeClr val="tx1"/>
               </a:solidFill>
@@ -5689,7 +5645,7 @@
           <a:p>
             <a:pPr latinLnBrk="0"/>
             <a:r>
-              <a:rPr lang="ko-KR" altLang="en-US" sz="1200" b="1" kern="1200" dirty="0" smtClean="0">
+              <a:rPr lang="ko-KR" altLang="en-US" sz="1200" b="1" kern="1200" dirty="0">
                 <a:solidFill>
                   <a:schemeClr val="tx1"/>
                 </a:solidFill>
@@ -5701,7 +5657,7 @@
               <a:t>쉽게 말하기 </a:t>
             </a:r>
             <a:r>
-              <a:rPr lang="en-US" altLang="ko-KR" sz="1200" b="1" kern="1200" dirty="0" smtClean="0">
+              <a:rPr lang="en-US" altLang="ko-KR" sz="1200" b="1" kern="1200" dirty="0">
                 <a:solidFill>
                   <a:schemeClr val="tx1"/>
                 </a:solidFill>
@@ -5713,7 +5669,7 @@
               <a:t>: </a:t>
             </a:r>
             <a:r>
-              <a:rPr lang="ko-KR" altLang="en-US" sz="1200" b="1" kern="1200" dirty="0" smtClean="0">
+              <a:rPr lang="ko-KR" altLang="en-US" sz="1200" b="1" kern="1200" dirty="0">
                 <a:solidFill>
                   <a:schemeClr val="tx1"/>
                 </a:solidFill>
@@ -5725,7 +5681,7 @@
               <a:t>객체 상태 전이 타입  </a:t>
             </a:r>
             <a:r>
-              <a:rPr lang="en-US" altLang="ko-KR" sz="1200" b="1" kern="1200" dirty="0" smtClean="0">
+              <a:rPr lang="en-US" altLang="ko-KR" sz="1200" b="1" kern="1200" dirty="0">
                 <a:solidFill>
                   <a:schemeClr val="tx1"/>
                 </a:solidFill>
@@ -5737,7 +5693,7 @@
               <a:t>(</a:t>
             </a:r>
             <a:r>
-              <a:rPr lang="ko-KR" altLang="en-US" sz="1200" b="1" kern="1200" dirty="0" smtClean="0">
+              <a:rPr lang="ko-KR" altLang="en-US" sz="1200" b="1" kern="1200" dirty="0">
                 <a:solidFill>
                   <a:schemeClr val="tx1"/>
                 </a:solidFill>
@@ -5749,7 +5705,7 @@
               <a:t>보통 </a:t>
             </a:r>
             <a:r>
-              <a:rPr lang="en-US" altLang="ko-KR" sz="1200" b="1" kern="1200" dirty="0" smtClean="0">
+              <a:rPr lang="en-US" altLang="ko-KR" sz="1200" b="1" kern="1200" dirty="0">
                 <a:solidFill>
                   <a:schemeClr val="tx1"/>
                 </a:solidFill>
@@ -5761,7 +5717,7 @@
               <a:t>ALL</a:t>
             </a:r>
             <a:r>
-              <a:rPr lang="ko-KR" altLang="en-US" sz="1200" b="1" kern="1200" dirty="0" smtClean="0">
+              <a:rPr lang="ko-KR" altLang="en-US" sz="1200" b="1" kern="1200" dirty="0">
                 <a:solidFill>
                   <a:schemeClr val="tx1"/>
                 </a:solidFill>
@@ -5773,7 +5729,7 @@
               <a:t>을 사용한다</a:t>
             </a:r>
             <a:r>
-              <a:rPr lang="en-US" altLang="ko-KR" sz="1200" b="1" kern="1200" dirty="0" smtClean="0">
+              <a:rPr lang="en-US" altLang="ko-KR" sz="1200" b="1" kern="1200" dirty="0">
                 <a:solidFill>
                   <a:schemeClr val="tx1"/>
                 </a:solidFill>
@@ -5784,7 +5740,7 @@
               </a:rPr>
               <a:t>)</a:t>
             </a:r>
-            <a:endParaRPr lang="ko-KR" altLang="en-US" sz="1200" kern="1200" dirty="0" smtClean="0">
+            <a:endParaRPr lang="ko-KR" altLang="en-US" sz="1200" kern="1200" dirty="0">
               <a:solidFill>
                 <a:schemeClr val="tx1"/>
               </a:solidFill>
@@ -5796,7 +5752,7 @@
           </a:p>
           <a:p>
             <a:r>
-              <a:rPr lang="ko-KR" altLang="en-US" sz="1200" b="1" i="0" kern="1200" dirty="0" smtClean="0">
+              <a:rPr lang="ko-KR" altLang="en-US" sz="1200" b="1" i="0" kern="1200" dirty="0">
                 <a:solidFill>
                   <a:schemeClr val="tx1"/>
                 </a:solidFill>
@@ -5807,7 +5763,7 @@
               </a:rPr>
               <a:t> </a:t>
             </a:r>
-            <a:endParaRPr lang="ko-KR" altLang="en-US" sz="1200" b="0" i="0" kern="1200" dirty="0" smtClean="0">
+            <a:endParaRPr lang="ko-KR" altLang="en-US" sz="1200" b="0" i="0" kern="1200" dirty="0">
               <a:solidFill>
                 <a:schemeClr val="tx1"/>
               </a:solidFill>
@@ -5903,91 +5859,91 @@
           <a:lstStyle/>
           <a:p>
             <a:r>
-              <a:rPr kumimoji="1" lang="en-US" altLang="ko-KR" dirty="0" smtClean="0"/>
+              <a:rPr kumimoji="1" lang="en-US" altLang="ko-KR" dirty="0"/>
               <a:t>Table</a:t>
             </a:r>
             <a:r>
-              <a:rPr kumimoji="1" lang="en-US" altLang="ko-KR" baseline="0" dirty="0" smtClean="0"/>
+              <a:rPr kumimoji="1" lang="en-US" altLang="ko-KR" baseline="0" dirty="0"/>
               <a:t> Per Class</a:t>
             </a:r>
           </a:p>
           <a:p>
             <a:r>
-              <a:rPr kumimoji="1" lang="ko-KR" altLang="en-US" baseline="0" dirty="0" smtClean="0"/>
+              <a:rPr kumimoji="1" lang="ko-KR" altLang="en-US" baseline="0" dirty="0"/>
               <a:t>상속관계에 에있는 클래스들을 하나의 테이블로 처리하겠다</a:t>
             </a:r>
-            <a:endParaRPr kumimoji="1" lang="en-US" altLang="ko-KR" baseline="0" dirty="0" smtClean="0"/>
-          </a:p>
-          <a:p>
-            <a:endParaRPr kumimoji="1" lang="en-US" altLang="ko-KR" baseline="0" dirty="0" smtClean="0"/>
-          </a:p>
-          <a:p>
-            <a:r>
-              <a:rPr kumimoji="1" lang="en-US" altLang="ko-KR" baseline="0" dirty="0" smtClean="0"/>
+            <a:endParaRPr kumimoji="1" lang="en-US" altLang="ko-KR" baseline="0" dirty="0"/>
+          </a:p>
+          <a:p>
+            <a:endParaRPr kumimoji="1" lang="en-US" altLang="ko-KR" baseline="0" dirty="0"/>
+          </a:p>
+          <a:p>
+            <a:r>
+              <a:rPr kumimoji="1" lang="en-US" altLang="ko-KR" baseline="0" dirty="0"/>
               <a:t>Table Per </a:t>
             </a:r>
             <a:r>
-              <a:rPr kumimoji="1" lang="en-US" altLang="ko-KR" baseline="0" dirty="0" err="1" smtClean="0"/>
+              <a:rPr kumimoji="1" lang="en-US" altLang="ko-KR" baseline="0" dirty="0" err="1"/>
               <a:t>SubClass</a:t>
             </a:r>
-            <a:endParaRPr kumimoji="1" lang="en-US" altLang="ko-KR" baseline="0" dirty="0" smtClean="0"/>
-          </a:p>
-          <a:p>
-            <a:r>
-              <a:rPr kumimoji="1" lang="ko-KR" altLang="en-US" baseline="0" dirty="0" smtClean="0"/>
+            <a:endParaRPr kumimoji="1" lang="en-US" altLang="ko-KR" baseline="0" dirty="0"/>
+          </a:p>
+          <a:p>
+            <a:r>
+              <a:rPr kumimoji="1" lang="ko-KR" altLang="en-US" baseline="0" dirty="0"/>
               <a:t>부모의 테이블을 참조하며 자식 </a:t>
             </a:r>
             <a:r>
-              <a:rPr kumimoji="1" lang="en-US" altLang="ko-KR" baseline="0" dirty="0" smtClean="0"/>
+              <a:rPr kumimoji="1" lang="en-US" altLang="ko-KR" baseline="0" dirty="0"/>
               <a:t>Entity</a:t>
             </a:r>
             <a:r>
-              <a:rPr kumimoji="1" lang="ko-KR" altLang="en-US" baseline="0" dirty="0" smtClean="0"/>
+              <a:rPr kumimoji="1" lang="ko-KR" altLang="en-US" baseline="0" dirty="0"/>
               <a:t>는</a:t>
             </a:r>
-            <a:endParaRPr kumimoji="1" lang="en-US" altLang="ko-KR" baseline="0" dirty="0" smtClean="0"/>
-          </a:p>
-          <a:p>
-            <a:r>
-              <a:rPr kumimoji="1" lang="ko-KR" altLang="en-US" baseline="0" dirty="0" smtClean="0"/>
+            <a:endParaRPr kumimoji="1" lang="en-US" altLang="ko-KR" baseline="0" dirty="0"/>
+          </a:p>
+          <a:p>
+            <a:r>
+              <a:rPr kumimoji="1" lang="ko-KR" altLang="en-US" baseline="0" dirty="0"/>
               <a:t>분리된 테이블로 처리하겠다</a:t>
             </a:r>
             <a:r>
-              <a:rPr kumimoji="1" lang="en-US" altLang="ko-KR" baseline="0" dirty="0" smtClean="0"/>
+              <a:rPr kumimoji="1" lang="en-US" altLang="ko-KR" baseline="0" dirty="0"/>
               <a:t>.</a:t>
             </a:r>
           </a:p>
           <a:p>
-            <a:endParaRPr kumimoji="1" lang="en-US" altLang="ko-KR" baseline="0" dirty="0" smtClean="0"/>
-          </a:p>
-          <a:p>
-            <a:r>
-              <a:rPr kumimoji="1" lang="en-US" altLang="ko-KR" baseline="0" dirty="0" smtClean="0"/>
+            <a:endParaRPr kumimoji="1" lang="en-US" altLang="ko-KR" baseline="0" dirty="0"/>
+          </a:p>
+          <a:p>
+            <a:r>
+              <a:rPr kumimoji="1" lang="en-US" altLang="ko-KR" baseline="0" dirty="0"/>
               <a:t>Table Per </a:t>
             </a:r>
             <a:r>
-              <a:rPr kumimoji="1" lang="en-US" altLang="ko-KR" baseline="0" dirty="0" err="1" smtClean="0"/>
+              <a:rPr kumimoji="1" lang="en-US" altLang="ko-KR" baseline="0" dirty="0" err="1"/>
               <a:t>Concarete</a:t>
             </a:r>
             <a:r>
-              <a:rPr kumimoji="1" lang="en-US" altLang="ko-KR" baseline="0" dirty="0" smtClean="0"/>
+              <a:rPr kumimoji="1" lang="en-US" altLang="ko-KR" baseline="0" dirty="0"/>
               <a:t> Class</a:t>
             </a:r>
           </a:p>
           <a:p>
             <a:r>
-              <a:rPr kumimoji="1" lang="ko-KR" altLang="en-US" baseline="0" dirty="0" smtClean="0"/>
+              <a:rPr kumimoji="1" lang="ko-KR" altLang="en-US" baseline="0" dirty="0"/>
               <a:t>부모와도 완전히 별개의 분리된 테이블로 처리하겠다</a:t>
             </a:r>
             <a:r>
-              <a:rPr kumimoji="1" lang="en-US" altLang="ko-KR" baseline="0" dirty="0" smtClean="0"/>
+              <a:rPr kumimoji="1" lang="en-US" altLang="ko-KR" baseline="0" dirty="0"/>
               <a:t>.</a:t>
             </a:r>
             <a:r>
-              <a:rPr kumimoji="1" lang="ko-KR" altLang="en-US" baseline="0" dirty="0" smtClean="0"/>
+              <a:rPr kumimoji="1" lang="ko-KR" altLang="en-US" baseline="0" dirty="0"/>
               <a:t> </a:t>
             </a:r>
-            <a:endParaRPr kumimoji="1" lang="en-US" altLang="ko-KR" baseline="0" dirty="0" smtClean="0"/>
+            <a:endParaRPr kumimoji="1" lang="en-US" altLang="ko-KR" baseline="0" dirty="0"/>
           </a:p>
         </p:txBody>
       </p:sp>
@@ -6069,10 +6025,9 @@
           </a:lstStyle>
           <a:p>
             <a:r>
-              <a:rPr kumimoji="1" lang="ko-KR" altLang="en-US" smtClean="0"/>
+              <a:rPr kumimoji="1" lang="ko-KR" altLang="en-US"/>
               <a:t>마스터 제목 스타일 편집</a:t>
             </a:r>
-            <a:endParaRPr kumimoji="1" lang="ko-KR" altLang="en-US"/>
           </a:p>
         </p:txBody>
       </p:sp>
@@ -6134,10 +6089,9 @@
           </a:lstStyle>
           <a:p>
             <a:r>
-              <a:rPr kumimoji="1" lang="ko-KR" altLang="en-US" smtClean="0"/>
+              <a:rPr kumimoji="1" lang="ko-KR" altLang="en-US"/>
               <a:t>마스터 부제목 스타일 편집</a:t>
             </a:r>
-            <a:endParaRPr kumimoji="1" lang="ko-KR" altLang="en-US"/>
           </a:p>
         </p:txBody>
       </p:sp>
@@ -6158,7 +6112,7 @@
           <a:p>
             <a:fld id="{2BE5A808-77D6-5449-A32F-C7407678D76D}" type="datetimeFigureOut">
               <a:rPr kumimoji="1" lang="ko-KR" altLang="en-US" smtClean="0"/>
-              <a:t>2017. 3. 26.</a:t>
+              <a:t>2017-03-27</a:t>
             </a:fld>
             <a:endParaRPr kumimoji="1" lang="ko-KR" altLang="en-US"/>
           </a:p>
@@ -6252,10 +6206,9 @@
           <a:lstStyle/>
           <a:p>
             <a:r>
-              <a:rPr kumimoji="1" lang="ko-KR" altLang="en-US" smtClean="0"/>
+              <a:rPr kumimoji="1" lang="ko-KR" altLang="en-US"/>
               <a:t>마스터 제목 스타일 편집</a:t>
             </a:r>
-            <a:endParaRPr kumimoji="1" lang="ko-KR" altLang="en-US"/>
           </a:p>
         </p:txBody>
       </p:sp>
@@ -6276,38 +6229,37 @@
           <a:p>
             <a:pPr lvl="0"/>
             <a:r>
-              <a:rPr kumimoji="1" lang="ko-KR" altLang="en-US" smtClean="0"/>
+              <a:rPr kumimoji="1" lang="ko-KR" altLang="en-US"/>
               <a:t>마스터 텍스트 스타일을 편집하려면 클릭</a:t>
             </a:r>
           </a:p>
           <a:p>
             <a:pPr lvl="1"/>
             <a:r>
-              <a:rPr kumimoji="1" lang="ko-KR" altLang="en-US" smtClean="0"/>
+              <a:rPr kumimoji="1" lang="ko-KR" altLang="en-US"/>
               <a:t>두 번째 수준</a:t>
             </a:r>
           </a:p>
           <a:p>
             <a:pPr lvl="2"/>
             <a:r>
-              <a:rPr kumimoji="1" lang="ko-KR" altLang="en-US" smtClean="0"/>
+              <a:rPr kumimoji="1" lang="ko-KR" altLang="en-US"/>
               <a:t>세 번째 수준</a:t>
             </a:r>
           </a:p>
           <a:p>
             <a:pPr lvl="3"/>
             <a:r>
-              <a:rPr kumimoji="1" lang="ko-KR" altLang="en-US" smtClean="0"/>
+              <a:rPr kumimoji="1" lang="ko-KR" altLang="en-US"/>
               <a:t>네 번째 수준</a:t>
             </a:r>
           </a:p>
           <a:p>
             <a:pPr lvl="4"/>
             <a:r>
-              <a:rPr kumimoji="1" lang="ko-KR" altLang="en-US" smtClean="0"/>
+              <a:rPr kumimoji="1" lang="ko-KR" altLang="en-US"/>
               <a:t>다섯 번째 수준</a:t>
             </a:r>
-            <a:endParaRPr kumimoji="1" lang="ko-KR" altLang="en-US"/>
           </a:p>
         </p:txBody>
       </p:sp>
@@ -6328,7 +6280,7 @@
           <a:p>
             <a:fld id="{2BE5A808-77D6-5449-A32F-C7407678D76D}" type="datetimeFigureOut">
               <a:rPr kumimoji="1" lang="ko-KR" altLang="en-US" smtClean="0"/>
-              <a:t>2017. 3. 26.</a:t>
+              <a:t>2017-03-27</a:t>
             </a:fld>
             <a:endParaRPr kumimoji="1" lang="ko-KR" altLang="en-US"/>
           </a:p>
@@ -6427,10 +6379,9 @@
           <a:lstStyle/>
           <a:p>
             <a:r>
-              <a:rPr kumimoji="1" lang="ko-KR" altLang="en-US" smtClean="0"/>
+              <a:rPr kumimoji="1" lang="ko-KR" altLang="en-US"/>
               <a:t>마스터 제목 스타일 편집</a:t>
             </a:r>
-            <a:endParaRPr kumimoji="1" lang="ko-KR" altLang="en-US"/>
           </a:p>
         </p:txBody>
       </p:sp>
@@ -6456,38 +6407,37 @@
           <a:p>
             <a:pPr lvl="0"/>
             <a:r>
-              <a:rPr kumimoji="1" lang="ko-KR" altLang="en-US" smtClean="0"/>
+              <a:rPr kumimoji="1" lang="ko-KR" altLang="en-US"/>
               <a:t>마스터 텍스트 스타일을 편집하려면 클릭</a:t>
             </a:r>
           </a:p>
           <a:p>
             <a:pPr lvl="1"/>
             <a:r>
-              <a:rPr kumimoji="1" lang="ko-KR" altLang="en-US" smtClean="0"/>
+              <a:rPr kumimoji="1" lang="ko-KR" altLang="en-US"/>
               <a:t>두 번째 수준</a:t>
             </a:r>
           </a:p>
           <a:p>
             <a:pPr lvl="2"/>
             <a:r>
-              <a:rPr kumimoji="1" lang="ko-KR" altLang="en-US" smtClean="0"/>
+              <a:rPr kumimoji="1" lang="ko-KR" altLang="en-US"/>
               <a:t>세 번째 수준</a:t>
             </a:r>
           </a:p>
           <a:p>
             <a:pPr lvl="3"/>
             <a:r>
-              <a:rPr kumimoji="1" lang="ko-KR" altLang="en-US" smtClean="0"/>
+              <a:rPr kumimoji="1" lang="ko-KR" altLang="en-US"/>
               <a:t>네 번째 수준</a:t>
             </a:r>
           </a:p>
           <a:p>
             <a:pPr lvl="4"/>
             <a:r>
-              <a:rPr kumimoji="1" lang="ko-KR" altLang="en-US" smtClean="0"/>
+              <a:rPr kumimoji="1" lang="ko-KR" altLang="en-US"/>
               <a:t>다섯 번째 수준</a:t>
             </a:r>
-            <a:endParaRPr kumimoji="1" lang="ko-KR" altLang="en-US"/>
           </a:p>
         </p:txBody>
       </p:sp>
@@ -6508,7 +6458,7 @@
           <a:p>
             <a:fld id="{2BE5A808-77D6-5449-A32F-C7407678D76D}" type="datetimeFigureOut">
               <a:rPr kumimoji="1" lang="ko-KR" altLang="en-US" smtClean="0"/>
-              <a:t>2017. 3. 26.</a:t>
+              <a:t>2017-03-27</a:t>
             </a:fld>
             <a:endParaRPr kumimoji="1" lang="ko-KR" altLang="en-US"/>
           </a:p>
@@ -6602,10 +6552,9 @@
           <a:lstStyle/>
           <a:p>
             <a:r>
-              <a:rPr kumimoji="1" lang="ko-KR" altLang="en-US" smtClean="0"/>
+              <a:rPr kumimoji="1" lang="ko-KR" altLang="en-US"/>
               <a:t>마스터 제목 스타일 편집</a:t>
             </a:r>
-            <a:endParaRPr kumimoji="1" lang="ko-KR" altLang="en-US"/>
           </a:p>
         </p:txBody>
       </p:sp>
@@ -6626,38 +6575,37 @@
           <a:p>
             <a:pPr lvl="0"/>
             <a:r>
-              <a:rPr kumimoji="1" lang="ko-KR" altLang="en-US" smtClean="0"/>
+              <a:rPr kumimoji="1" lang="ko-KR" altLang="en-US"/>
               <a:t>마스터 텍스트 스타일을 편집하려면 클릭</a:t>
             </a:r>
           </a:p>
           <a:p>
             <a:pPr lvl="1"/>
             <a:r>
-              <a:rPr kumimoji="1" lang="ko-KR" altLang="en-US" smtClean="0"/>
+              <a:rPr kumimoji="1" lang="ko-KR" altLang="en-US"/>
               <a:t>두 번째 수준</a:t>
             </a:r>
           </a:p>
           <a:p>
             <a:pPr lvl="2"/>
             <a:r>
-              <a:rPr kumimoji="1" lang="ko-KR" altLang="en-US" smtClean="0"/>
+              <a:rPr kumimoji="1" lang="ko-KR" altLang="en-US"/>
               <a:t>세 번째 수준</a:t>
             </a:r>
           </a:p>
           <a:p>
             <a:pPr lvl="3"/>
             <a:r>
-              <a:rPr kumimoji="1" lang="ko-KR" altLang="en-US" smtClean="0"/>
+              <a:rPr kumimoji="1" lang="ko-KR" altLang="en-US"/>
               <a:t>네 번째 수준</a:t>
             </a:r>
           </a:p>
           <a:p>
             <a:pPr lvl="4"/>
             <a:r>
-              <a:rPr kumimoji="1" lang="ko-KR" altLang="en-US" smtClean="0"/>
+              <a:rPr kumimoji="1" lang="ko-KR" altLang="en-US"/>
               <a:t>다섯 번째 수준</a:t>
             </a:r>
-            <a:endParaRPr kumimoji="1" lang="ko-KR" altLang="en-US"/>
           </a:p>
         </p:txBody>
       </p:sp>
@@ -6678,7 +6626,7 @@
           <a:p>
             <a:fld id="{2BE5A808-77D6-5449-A32F-C7407678D76D}" type="datetimeFigureOut">
               <a:rPr kumimoji="1" lang="ko-KR" altLang="en-US" smtClean="0"/>
-              <a:t>2017. 3. 26.</a:t>
+              <a:t>2017-03-27</a:t>
             </a:fld>
             <a:endParaRPr kumimoji="1" lang="ko-KR" altLang="en-US"/>
           </a:p>
@@ -6781,10 +6729,9 @@
           </a:lstStyle>
           <a:p>
             <a:r>
-              <a:rPr kumimoji="1" lang="ko-KR" altLang="en-US" smtClean="0"/>
+              <a:rPr kumimoji="1" lang="ko-KR" altLang="en-US"/>
               <a:t>마스터 제목 스타일 편집</a:t>
             </a:r>
-            <a:endParaRPr kumimoji="1" lang="ko-KR" altLang="en-US"/>
           </a:p>
         </p:txBody>
       </p:sp>
@@ -6901,7 +6848,7 @@
           <a:p>
             <a:pPr lvl="0"/>
             <a:r>
-              <a:rPr kumimoji="1" lang="ko-KR" altLang="en-US" smtClean="0"/>
+              <a:rPr kumimoji="1" lang="ko-KR" altLang="en-US"/>
               <a:t>마스터 텍스트 스타일을 편집하려면 클릭</a:t>
             </a:r>
           </a:p>
@@ -6924,7 +6871,7 @@
           <a:p>
             <a:fld id="{2BE5A808-77D6-5449-A32F-C7407678D76D}" type="datetimeFigureOut">
               <a:rPr kumimoji="1" lang="ko-KR" altLang="en-US" smtClean="0"/>
-              <a:t>2017. 3. 26.</a:t>
+              <a:t>2017-03-27</a:t>
             </a:fld>
             <a:endParaRPr kumimoji="1" lang="ko-KR" altLang="en-US"/>
           </a:p>
@@ -7018,10 +6965,9 @@
           <a:lstStyle/>
           <a:p>
             <a:r>
-              <a:rPr kumimoji="1" lang="ko-KR" altLang="en-US" smtClean="0"/>
+              <a:rPr kumimoji="1" lang="ko-KR" altLang="en-US"/>
               <a:t>마스터 제목 스타일 편집</a:t>
             </a:r>
-            <a:endParaRPr kumimoji="1" lang="ko-KR" altLang="en-US"/>
           </a:p>
         </p:txBody>
       </p:sp>
@@ -7047,38 +6993,37 @@
           <a:p>
             <a:pPr lvl="0"/>
             <a:r>
-              <a:rPr kumimoji="1" lang="ko-KR" altLang="en-US" smtClean="0"/>
+              <a:rPr kumimoji="1" lang="ko-KR" altLang="en-US"/>
               <a:t>마스터 텍스트 스타일을 편집하려면 클릭</a:t>
             </a:r>
           </a:p>
           <a:p>
             <a:pPr lvl="1"/>
             <a:r>
-              <a:rPr kumimoji="1" lang="ko-KR" altLang="en-US" smtClean="0"/>
+              <a:rPr kumimoji="1" lang="ko-KR" altLang="en-US"/>
               <a:t>두 번째 수준</a:t>
             </a:r>
           </a:p>
           <a:p>
             <a:pPr lvl="2"/>
             <a:r>
-              <a:rPr kumimoji="1" lang="ko-KR" altLang="en-US" smtClean="0"/>
+              <a:rPr kumimoji="1" lang="ko-KR" altLang="en-US"/>
               <a:t>세 번째 수준</a:t>
             </a:r>
           </a:p>
           <a:p>
             <a:pPr lvl="3"/>
             <a:r>
-              <a:rPr kumimoji="1" lang="ko-KR" altLang="en-US" smtClean="0"/>
+              <a:rPr kumimoji="1" lang="ko-KR" altLang="en-US"/>
               <a:t>네 번째 수준</a:t>
             </a:r>
           </a:p>
           <a:p>
             <a:pPr lvl="4"/>
             <a:r>
-              <a:rPr kumimoji="1" lang="ko-KR" altLang="en-US" smtClean="0"/>
+              <a:rPr kumimoji="1" lang="ko-KR" altLang="en-US"/>
               <a:t>다섯 번째 수준</a:t>
             </a:r>
-            <a:endParaRPr kumimoji="1" lang="ko-KR" altLang="en-US"/>
           </a:p>
         </p:txBody>
       </p:sp>
@@ -7104,38 +7049,37 @@
           <a:p>
             <a:pPr lvl="0"/>
             <a:r>
-              <a:rPr kumimoji="1" lang="ko-KR" altLang="en-US" smtClean="0"/>
+              <a:rPr kumimoji="1" lang="ko-KR" altLang="en-US"/>
               <a:t>마스터 텍스트 스타일을 편집하려면 클릭</a:t>
             </a:r>
           </a:p>
           <a:p>
             <a:pPr lvl="1"/>
             <a:r>
-              <a:rPr kumimoji="1" lang="ko-KR" altLang="en-US" smtClean="0"/>
+              <a:rPr kumimoji="1" lang="ko-KR" altLang="en-US"/>
               <a:t>두 번째 수준</a:t>
             </a:r>
           </a:p>
           <a:p>
             <a:pPr lvl="2"/>
             <a:r>
-              <a:rPr kumimoji="1" lang="ko-KR" altLang="en-US" smtClean="0"/>
+              <a:rPr kumimoji="1" lang="ko-KR" altLang="en-US"/>
               <a:t>세 번째 수준</a:t>
             </a:r>
           </a:p>
           <a:p>
             <a:pPr lvl="3"/>
             <a:r>
-              <a:rPr kumimoji="1" lang="ko-KR" altLang="en-US" smtClean="0"/>
+              <a:rPr kumimoji="1" lang="ko-KR" altLang="en-US"/>
               <a:t>네 번째 수준</a:t>
             </a:r>
           </a:p>
           <a:p>
             <a:pPr lvl="4"/>
             <a:r>
-              <a:rPr kumimoji="1" lang="ko-KR" altLang="en-US" smtClean="0"/>
+              <a:rPr kumimoji="1" lang="ko-KR" altLang="en-US"/>
               <a:t>다섯 번째 수준</a:t>
             </a:r>
-            <a:endParaRPr kumimoji="1" lang="ko-KR" altLang="en-US"/>
           </a:p>
         </p:txBody>
       </p:sp>
@@ -7156,7 +7100,7 @@
           <a:p>
             <a:fld id="{2BE5A808-77D6-5449-A32F-C7407678D76D}" type="datetimeFigureOut">
               <a:rPr kumimoji="1" lang="ko-KR" altLang="en-US" smtClean="0"/>
-              <a:t>2017. 3. 26.</a:t>
+              <a:t>2017-03-27</a:t>
             </a:fld>
             <a:endParaRPr kumimoji="1" lang="ko-KR" altLang="en-US"/>
           </a:p>
@@ -7255,10 +7199,9 @@
           <a:lstStyle/>
           <a:p>
             <a:r>
-              <a:rPr kumimoji="1" lang="ko-KR" altLang="en-US" smtClean="0"/>
+              <a:rPr kumimoji="1" lang="ko-KR" altLang="en-US"/>
               <a:t>마스터 제목 스타일 편집</a:t>
             </a:r>
-            <a:endParaRPr kumimoji="1" lang="ko-KR" altLang="en-US"/>
           </a:p>
         </p:txBody>
       </p:sp>
@@ -7321,7 +7264,7 @@
           <a:p>
             <a:pPr lvl="0"/>
             <a:r>
-              <a:rPr kumimoji="1" lang="ko-KR" altLang="en-US" smtClean="0"/>
+              <a:rPr kumimoji="1" lang="ko-KR" altLang="en-US"/>
               <a:t>마스터 텍스트 스타일을 편집하려면 클릭</a:t>
             </a:r>
           </a:p>
@@ -7349,38 +7292,37 @@
           <a:p>
             <a:pPr lvl="0"/>
             <a:r>
-              <a:rPr kumimoji="1" lang="ko-KR" altLang="en-US" smtClean="0"/>
+              <a:rPr kumimoji="1" lang="ko-KR" altLang="en-US"/>
               <a:t>마스터 텍스트 스타일을 편집하려면 클릭</a:t>
             </a:r>
           </a:p>
           <a:p>
             <a:pPr lvl="1"/>
             <a:r>
-              <a:rPr kumimoji="1" lang="ko-KR" altLang="en-US" smtClean="0"/>
+              <a:rPr kumimoji="1" lang="ko-KR" altLang="en-US"/>
               <a:t>두 번째 수준</a:t>
             </a:r>
           </a:p>
           <a:p>
             <a:pPr lvl="2"/>
             <a:r>
-              <a:rPr kumimoji="1" lang="ko-KR" altLang="en-US" smtClean="0"/>
+              <a:rPr kumimoji="1" lang="ko-KR" altLang="en-US"/>
               <a:t>세 번째 수준</a:t>
             </a:r>
           </a:p>
           <a:p>
             <a:pPr lvl="3"/>
             <a:r>
-              <a:rPr kumimoji="1" lang="ko-KR" altLang="en-US" smtClean="0"/>
+              <a:rPr kumimoji="1" lang="ko-KR" altLang="en-US"/>
               <a:t>네 번째 수준</a:t>
             </a:r>
           </a:p>
           <a:p>
             <a:pPr lvl="4"/>
             <a:r>
-              <a:rPr kumimoji="1" lang="ko-KR" altLang="en-US" smtClean="0"/>
+              <a:rPr kumimoji="1" lang="ko-KR" altLang="en-US"/>
               <a:t>다섯 번째 수준</a:t>
             </a:r>
-            <a:endParaRPr kumimoji="1" lang="ko-KR" altLang="en-US"/>
           </a:p>
         </p:txBody>
       </p:sp>
@@ -7443,7 +7385,7 @@
           <a:p>
             <a:pPr lvl="0"/>
             <a:r>
-              <a:rPr kumimoji="1" lang="ko-KR" altLang="en-US" smtClean="0"/>
+              <a:rPr kumimoji="1" lang="ko-KR" altLang="en-US"/>
               <a:t>마스터 텍스트 스타일을 편집하려면 클릭</a:t>
             </a:r>
           </a:p>
@@ -7471,38 +7413,37 @@
           <a:p>
             <a:pPr lvl="0"/>
             <a:r>
-              <a:rPr kumimoji="1" lang="ko-KR" altLang="en-US" smtClean="0"/>
+              <a:rPr kumimoji="1" lang="ko-KR" altLang="en-US"/>
               <a:t>마스터 텍스트 스타일을 편집하려면 클릭</a:t>
             </a:r>
           </a:p>
           <a:p>
             <a:pPr lvl="1"/>
             <a:r>
-              <a:rPr kumimoji="1" lang="ko-KR" altLang="en-US" smtClean="0"/>
+              <a:rPr kumimoji="1" lang="ko-KR" altLang="en-US"/>
               <a:t>두 번째 수준</a:t>
             </a:r>
           </a:p>
           <a:p>
             <a:pPr lvl="2"/>
             <a:r>
-              <a:rPr kumimoji="1" lang="ko-KR" altLang="en-US" smtClean="0"/>
+              <a:rPr kumimoji="1" lang="ko-KR" altLang="en-US"/>
               <a:t>세 번째 수준</a:t>
             </a:r>
           </a:p>
           <a:p>
             <a:pPr lvl="3"/>
             <a:r>
-              <a:rPr kumimoji="1" lang="ko-KR" altLang="en-US" smtClean="0"/>
+              <a:rPr kumimoji="1" lang="ko-KR" altLang="en-US"/>
               <a:t>네 번째 수준</a:t>
             </a:r>
           </a:p>
           <a:p>
             <a:pPr lvl="4"/>
             <a:r>
-              <a:rPr kumimoji="1" lang="ko-KR" altLang="en-US" smtClean="0"/>
+              <a:rPr kumimoji="1" lang="ko-KR" altLang="en-US"/>
               <a:t>다섯 번째 수준</a:t>
             </a:r>
-            <a:endParaRPr kumimoji="1" lang="ko-KR" altLang="en-US"/>
           </a:p>
         </p:txBody>
       </p:sp>
@@ -7523,7 +7464,7 @@
           <a:p>
             <a:fld id="{2BE5A808-77D6-5449-A32F-C7407678D76D}" type="datetimeFigureOut">
               <a:rPr kumimoji="1" lang="ko-KR" altLang="en-US" smtClean="0"/>
-              <a:t>2017. 3. 26.</a:t>
+              <a:t>2017-03-27</a:t>
             </a:fld>
             <a:endParaRPr kumimoji="1" lang="ko-KR" altLang="en-US"/>
           </a:p>
@@ -7617,10 +7558,9 @@
           <a:lstStyle/>
           <a:p>
             <a:r>
-              <a:rPr kumimoji="1" lang="ko-KR" altLang="en-US" smtClean="0"/>
+              <a:rPr kumimoji="1" lang="ko-KR" altLang="en-US"/>
               <a:t>마스터 제목 스타일 편집</a:t>
             </a:r>
-            <a:endParaRPr kumimoji="1" lang="ko-KR" altLang="en-US"/>
           </a:p>
         </p:txBody>
       </p:sp>
@@ -7641,7 +7581,7 @@
           <a:p>
             <a:fld id="{2BE5A808-77D6-5449-A32F-C7407678D76D}" type="datetimeFigureOut">
               <a:rPr kumimoji="1" lang="ko-KR" altLang="en-US" smtClean="0"/>
-              <a:t>2017. 3. 26.</a:t>
+              <a:t>2017-03-27</a:t>
             </a:fld>
             <a:endParaRPr kumimoji="1" lang="ko-KR" altLang="en-US"/>
           </a:p>
@@ -7736,7 +7676,7 @@
           <a:p>
             <a:fld id="{2BE5A808-77D6-5449-A32F-C7407678D76D}" type="datetimeFigureOut">
               <a:rPr kumimoji="1" lang="ko-KR" altLang="en-US" smtClean="0"/>
-              <a:t>2017. 3. 26.</a:t>
+              <a:t>2017-03-27</a:t>
             </a:fld>
             <a:endParaRPr kumimoji="1" lang="ko-KR" altLang="en-US"/>
           </a:p>
@@ -7839,10 +7779,9 @@
           </a:lstStyle>
           <a:p>
             <a:r>
-              <a:rPr kumimoji="1" lang="ko-KR" altLang="en-US" smtClean="0"/>
+              <a:rPr kumimoji="1" lang="ko-KR" altLang="en-US"/>
               <a:t>마스터 제목 스타일 편집</a:t>
             </a:r>
-            <a:endParaRPr kumimoji="1" lang="ko-KR" altLang="en-US"/>
           </a:p>
         </p:txBody>
       </p:sp>
@@ -7896,38 +7835,37 @@
           <a:p>
             <a:pPr lvl="0"/>
             <a:r>
-              <a:rPr kumimoji="1" lang="ko-KR" altLang="en-US" smtClean="0"/>
+              <a:rPr kumimoji="1" lang="ko-KR" altLang="en-US"/>
               <a:t>마스터 텍스트 스타일을 편집하려면 클릭</a:t>
             </a:r>
           </a:p>
           <a:p>
             <a:pPr lvl="1"/>
             <a:r>
-              <a:rPr kumimoji="1" lang="ko-KR" altLang="en-US" smtClean="0"/>
+              <a:rPr kumimoji="1" lang="ko-KR" altLang="en-US"/>
               <a:t>두 번째 수준</a:t>
             </a:r>
           </a:p>
           <a:p>
             <a:pPr lvl="2"/>
             <a:r>
-              <a:rPr kumimoji="1" lang="ko-KR" altLang="en-US" smtClean="0"/>
+              <a:rPr kumimoji="1" lang="ko-KR" altLang="en-US"/>
               <a:t>세 번째 수준</a:t>
             </a:r>
           </a:p>
           <a:p>
             <a:pPr lvl="3"/>
             <a:r>
-              <a:rPr kumimoji="1" lang="ko-KR" altLang="en-US" smtClean="0"/>
+              <a:rPr kumimoji="1" lang="ko-KR" altLang="en-US"/>
               <a:t>네 번째 수준</a:t>
             </a:r>
           </a:p>
           <a:p>
             <a:pPr lvl="4"/>
             <a:r>
-              <a:rPr kumimoji="1" lang="ko-KR" altLang="en-US" smtClean="0"/>
+              <a:rPr kumimoji="1" lang="ko-KR" altLang="en-US"/>
               <a:t>다섯 번째 수준</a:t>
             </a:r>
-            <a:endParaRPr kumimoji="1" lang="ko-KR" altLang="en-US"/>
           </a:p>
         </p:txBody>
       </p:sp>
@@ -7990,7 +7928,7 @@
           <a:p>
             <a:pPr lvl="0"/>
             <a:r>
-              <a:rPr kumimoji="1" lang="ko-KR" altLang="en-US" smtClean="0"/>
+              <a:rPr kumimoji="1" lang="ko-KR" altLang="en-US"/>
               <a:t>마스터 텍스트 스타일을 편집하려면 클릭</a:t>
             </a:r>
           </a:p>
@@ -8013,7 +7951,7 @@
           <a:p>
             <a:fld id="{2BE5A808-77D6-5449-A32F-C7407678D76D}" type="datetimeFigureOut">
               <a:rPr kumimoji="1" lang="ko-KR" altLang="en-US" smtClean="0"/>
-              <a:t>2017. 3. 26.</a:t>
+              <a:t>2017-03-27</a:t>
             </a:fld>
             <a:endParaRPr kumimoji="1" lang="ko-KR" altLang="en-US"/>
           </a:p>
@@ -8116,10 +8054,9 @@
           </a:lstStyle>
           <a:p>
             <a:r>
-              <a:rPr kumimoji="1" lang="ko-KR" altLang="en-US" smtClean="0"/>
+              <a:rPr kumimoji="1" lang="ko-KR" altLang="en-US"/>
               <a:t>마스터 제목 스타일 편집</a:t>
             </a:r>
-            <a:endParaRPr kumimoji="1" lang="ko-KR" altLang="en-US"/>
           </a:p>
         </p:txBody>
       </p:sp>
@@ -8243,7 +8180,7 @@
           <a:p>
             <a:pPr lvl="0"/>
             <a:r>
-              <a:rPr kumimoji="1" lang="ko-KR" altLang="en-US" smtClean="0"/>
+              <a:rPr kumimoji="1" lang="ko-KR" altLang="en-US"/>
               <a:t>마스터 텍스트 스타일을 편집하려면 클릭</a:t>
             </a:r>
           </a:p>
@@ -8266,7 +8203,7 @@
           <a:p>
             <a:fld id="{2BE5A808-77D6-5449-A32F-C7407678D76D}" type="datetimeFigureOut">
               <a:rPr kumimoji="1" lang="ko-KR" altLang="en-US" smtClean="0"/>
-              <a:t>2017. 3. 26.</a:t>
+              <a:t>2017-03-27</a:t>
             </a:fld>
             <a:endParaRPr kumimoji="1" lang="ko-KR" altLang="en-US"/>
           </a:p>
@@ -8375,10 +8312,9 @@
           <a:lstStyle/>
           <a:p>
             <a:r>
-              <a:rPr kumimoji="1" lang="ko-KR" altLang="en-US" smtClean="0"/>
+              <a:rPr kumimoji="1" lang="ko-KR" altLang="en-US"/>
               <a:t>마스터 제목 스타일 편집</a:t>
             </a:r>
-            <a:endParaRPr kumimoji="1" lang="ko-KR" altLang="en-US"/>
           </a:p>
         </p:txBody>
       </p:sp>
@@ -8409,38 +8345,37 @@
           <a:p>
             <a:pPr lvl="0"/>
             <a:r>
-              <a:rPr kumimoji="1" lang="ko-KR" altLang="en-US" smtClean="0"/>
+              <a:rPr kumimoji="1" lang="ko-KR" altLang="en-US"/>
               <a:t>마스터 텍스트 스타일을 편집하려면 클릭</a:t>
             </a:r>
           </a:p>
           <a:p>
             <a:pPr lvl="1"/>
             <a:r>
-              <a:rPr kumimoji="1" lang="ko-KR" altLang="en-US" smtClean="0"/>
+              <a:rPr kumimoji="1" lang="ko-KR" altLang="en-US"/>
               <a:t>두 번째 수준</a:t>
             </a:r>
           </a:p>
           <a:p>
             <a:pPr lvl="2"/>
             <a:r>
-              <a:rPr kumimoji="1" lang="ko-KR" altLang="en-US" smtClean="0"/>
+              <a:rPr kumimoji="1" lang="ko-KR" altLang="en-US"/>
               <a:t>세 번째 수준</a:t>
             </a:r>
           </a:p>
           <a:p>
             <a:pPr lvl="3"/>
             <a:r>
-              <a:rPr kumimoji="1" lang="ko-KR" altLang="en-US" smtClean="0"/>
+              <a:rPr kumimoji="1" lang="ko-KR" altLang="en-US"/>
               <a:t>네 번째 수준</a:t>
             </a:r>
           </a:p>
           <a:p>
             <a:pPr lvl="4"/>
             <a:r>
-              <a:rPr kumimoji="1" lang="ko-KR" altLang="en-US" smtClean="0"/>
+              <a:rPr kumimoji="1" lang="ko-KR" altLang="en-US"/>
               <a:t>다섯 번째 수준</a:t>
             </a:r>
-            <a:endParaRPr kumimoji="1" lang="ko-KR" altLang="en-US"/>
           </a:p>
         </p:txBody>
       </p:sp>
@@ -8479,7 +8414,7 @@
           <a:p>
             <a:fld id="{2BE5A808-77D6-5449-A32F-C7407678D76D}" type="datetimeFigureOut">
               <a:rPr kumimoji="1" lang="ko-KR" altLang="en-US" smtClean="0"/>
-              <a:t>2017. 3. 26.</a:t>
+              <a:t>2017-03-27</a:t>
             </a:fld>
             <a:endParaRPr kumimoji="1" lang="ko-KR" altLang="en-US"/>
           </a:p>
@@ -8915,39 +8850,24 @@
               </a:rPr>
               <a:t>HIBER NATE 5.x</a:t>
             </a:r>
-            <a:r>
-              <a:rPr lang="en-US" altLang="ko-KR" dirty="0" smtClean="0">
+            <a:br>
+              <a:rPr lang="en-US" altLang="ko-KR" dirty="0">
                 <a:solidFill>
                   <a:schemeClr val="accent1"/>
                 </a:solidFill>
                 <a:effectLst/>
               </a:rPr>
-              <a:t/>
+            </a:br>
+            <a:r>
+              <a:rPr lang="ko-KR" altLang="en-US" b="1" dirty="0">
+                <a:solidFill>
+                  <a:schemeClr val="accent1"/>
+                </a:solidFill>
+              </a:rPr>
+              <a:t>시작하기</a:t>
             </a:r>
             <a:br>
-              <a:rPr lang="en-US" altLang="ko-KR" dirty="0" smtClean="0">
-                <a:solidFill>
-                  <a:schemeClr val="accent1"/>
-                </a:solidFill>
-                <a:effectLst/>
-              </a:rPr>
-            </a:br>
-            <a:r>
-              <a:rPr lang="ko-KR" altLang="en-US" b="1" dirty="0">
-                <a:solidFill>
-                  <a:schemeClr val="accent1"/>
-                </a:solidFill>
-              </a:rPr>
-              <a:t>시작하기</a:t>
-            </a:r>
-            <a:r>
-              <a:rPr lang="en-US" altLang="ko-KR" dirty="0" smtClean="0">
-                <a:effectLst/>
-              </a:rPr>
-              <a:t/>
-            </a:r>
-            <a:br>
-              <a:rPr lang="en-US" altLang="ko-KR" dirty="0" smtClean="0">
+              <a:rPr lang="en-US" altLang="ko-KR" dirty="0">
                 <a:effectLst/>
               </a:rPr>
             </a:br>
@@ -8976,7 +8896,7 @@
           <a:lstStyle/>
           <a:p>
             <a:r>
-              <a:rPr kumimoji="1" lang="en-US" altLang="ko-KR" dirty="0" err="1" smtClean="0">
+              <a:rPr kumimoji="1" lang="en-US" altLang="ko-KR" dirty="0" err="1">
                 <a:solidFill>
                   <a:schemeClr val="bg1">
                     <a:lumMod val="50000"/>
@@ -9046,13 +8966,6 @@
   <p:clrMapOvr>
     <a:masterClrMapping/>
   </p:clrMapOvr>
-  <p:timing>
-    <p:tnLst>
-      <p:par>
-        <p:cTn id="1" dur="indefinite" restart="never" nodeType="tmRoot"/>
-      </p:par>
-    </p:tnLst>
-  </p:timing>
 </p:sld>
 </file>
 
@@ -9089,10 +9002,9 @@
           <a:lstStyle/>
           <a:p>
             <a:r>
-              <a:rPr kumimoji="1" lang="ko-KR" altLang="en-US" dirty="0" smtClean="0"/>
+              <a:rPr kumimoji="1" lang="ko-KR" altLang="en-US" dirty="0"/>
               <a:t>엔티티 생명주기</a:t>
             </a:r>
-            <a:endParaRPr kumimoji="1" lang="ko-KR" altLang="en-US" dirty="0"/>
           </a:p>
         </p:txBody>
       </p:sp>
@@ -9176,15 +9088,15 @@
           <a:lstStyle/>
           <a:p>
             <a:r>
-              <a:rPr kumimoji="1" lang="en-US" altLang="ko-KR" dirty="0" smtClean="0"/>
+              <a:rPr kumimoji="1" lang="en-US" altLang="ko-KR" dirty="0"/>
               <a:t>(</a:t>
             </a:r>
             <a:r>
-              <a:rPr kumimoji="1" lang="ko-KR" altLang="en-US" dirty="0" smtClean="0"/>
+              <a:rPr kumimoji="1" lang="ko-KR" altLang="en-US" dirty="0"/>
               <a:t>비영속</a:t>
             </a:r>
             <a:r>
-              <a:rPr kumimoji="1" lang="en-US" altLang="ko-KR" dirty="0" smtClean="0"/>
+              <a:rPr kumimoji="1" lang="en-US" altLang="ko-KR" dirty="0"/>
               <a:t>)</a:t>
             </a:r>
             <a:endParaRPr kumimoji="1" lang="ko-KR" altLang="en-US" dirty="0"/>
@@ -9214,15 +9126,15 @@
           <a:lstStyle/>
           <a:p>
             <a:r>
-              <a:rPr kumimoji="1" lang="en-US" altLang="ko-KR" dirty="0" smtClean="0"/>
+              <a:rPr kumimoji="1" lang="en-US" altLang="ko-KR" dirty="0"/>
               <a:t>(</a:t>
             </a:r>
             <a:r>
-              <a:rPr kumimoji="1" lang="ko-KR" altLang="en-US" dirty="0" smtClean="0"/>
+              <a:rPr kumimoji="1" lang="ko-KR" altLang="en-US" dirty="0"/>
               <a:t>영속</a:t>
             </a:r>
             <a:r>
-              <a:rPr kumimoji="1" lang="en-US" altLang="ko-KR" dirty="0" smtClean="0"/>
+              <a:rPr kumimoji="1" lang="en-US" altLang="ko-KR" dirty="0"/>
               <a:t>)</a:t>
             </a:r>
             <a:endParaRPr kumimoji="1" lang="ko-KR" altLang="en-US" dirty="0"/>
@@ -9252,15 +9164,15 @@
           <a:lstStyle/>
           <a:p>
             <a:r>
-              <a:rPr kumimoji="1" lang="en-US" altLang="ko-KR" dirty="0" smtClean="0"/>
+              <a:rPr kumimoji="1" lang="en-US" altLang="ko-KR" dirty="0"/>
               <a:t>(</a:t>
             </a:r>
             <a:r>
-              <a:rPr kumimoji="1" lang="ko-KR" altLang="en-US" dirty="0" smtClean="0"/>
+              <a:rPr kumimoji="1" lang="ko-KR" altLang="en-US" dirty="0"/>
               <a:t>준영속</a:t>
             </a:r>
             <a:r>
-              <a:rPr kumimoji="1" lang="en-US" altLang="ko-KR" dirty="0" smtClean="0"/>
+              <a:rPr kumimoji="1" lang="en-US" altLang="ko-KR" dirty="0"/>
               <a:t>)</a:t>
             </a:r>
             <a:endParaRPr kumimoji="1" lang="ko-KR" altLang="en-US" dirty="0"/>
@@ -9310,13 +9222,6 @@
   <p:clrMapOvr>
     <a:masterClrMapping/>
   </p:clrMapOvr>
-  <p:timing>
-    <p:tnLst>
-      <p:par>
-        <p:cTn id="1" dur="indefinite" restart="never" nodeType="tmRoot"/>
-      </p:par>
-    </p:tnLst>
-  </p:timing>
 </p:sld>
 </file>
 
@@ -9355,27 +9260,23 @@
           <a:lstStyle/>
           <a:p>
             <a:r>
-              <a:rPr kumimoji="1" lang="en-US" altLang="ko-KR" dirty="0" smtClean="0"/>
+              <a:rPr kumimoji="1" lang="en-US" altLang="ko-KR" dirty="0"/>
               <a:t>Hibernate </a:t>
             </a:r>
             <a:r>
-              <a:rPr kumimoji="1" lang="ko-KR" altLang="en-US" dirty="0" smtClean="0"/>
+              <a:rPr kumimoji="1" lang="ko-KR" altLang="en-US" dirty="0"/>
               <a:t>셋팅</a:t>
             </a:r>
             <a:r>
-              <a:rPr lang="en-US" altLang="ko-KR" b="1" dirty="0" smtClean="0"/>
+              <a:rPr lang="en-US" altLang="ko-KR" b="1" dirty="0"/>
               <a:t> </a:t>
             </a:r>
             <a:br>
-              <a:rPr lang="en-US" altLang="ko-KR" b="1" dirty="0" smtClean="0"/>
+              <a:rPr lang="en-US" altLang="ko-KR" b="1" dirty="0"/>
             </a:br>
             <a:r>
-              <a:rPr lang="en-US" altLang="ko-KR" sz="1600" b="1" dirty="0" smtClean="0"/>
-              <a:t>compile(group</a:t>
-            </a:r>
-            <a:r>
               <a:rPr lang="en-US" altLang="ko-KR" sz="1600" b="1" dirty="0"/>
-              <a:t>: '</a:t>
+              <a:t>compile(group: '</a:t>
             </a:r>
             <a:r>
               <a:rPr lang="en-US" altLang="ko-KR" sz="1600" b="1" dirty="0" err="1"/>
@@ -9384,10 +9285,6 @@
             <a:r>
               <a:rPr lang="en-US" altLang="ko-KR" sz="1600" b="1" dirty="0"/>
               <a:t>', name: 'hibernate-core', version: '5.2.5.Final')</a:t>
-            </a:r>
-            <a:r>
-              <a:rPr lang="en-US" altLang="ko-KR" b="1" dirty="0"/>
-              <a:t/>
             </a:r>
             <a:br>
               <a:rPr lang="en-US" altLang="ko-KR" b="1" dirty="0"/>
@@ -9417,44 +9314,44 @@
           <a:lstStyle/>
           <a:p>
             <a:r>
-              <a:rPr kumimoji="1" lang="en-US" altLang="ko-KR" dirty="0" smtClean="0"/>
+              <a:rPr kumimoji="1" lang="en-US" altLang="ko-KR" dirty="0"/>
               <a:t>Source </a:t>
             </a:r>
             <a:r>
-              <a:rPr kumimoji="1" lang="ko-KR" altLang="en-US" dirty="0" smtClean="0"/>
+              <a:rPr kumimoji="1" lang="ko-KR" altLang="en-US" dirty="0"/>
               <a:t>레벨에서 가능</a:t>
             </a:r>
-            <a:endParaRPr kumimoji="1" lang="en-US" altLang="ko-KR" dirty="0" smtClean="0"/>
-          </a:p>
-          <a:p>
             <a:endParaRPr kumimoji="1" lang="en-US" altLang="ko-KR" dirty="0"/>
           </a:p>
           <a:p>
-            <a:r>
-              <a:rPr kumimoji="1" lang="en-US" altLang="ko-KR" dirty="0" err="1" smtClean="0"/>
+            <a:endParaRPr kumimoji="1" lang="en-US" altLang="ko-KR" dirty="0"/>
+          </a:p>
+          <a:p>
+            <a:r>
+              <a:rPr kumimoji="1" lang="en-US" altLang="ko-KR" dirty="0" err="1"/>
               <a:t>Config</a:t>
             </a:r>
             <a:r>
-              <a:rPr kumimoji="1" lang="en-US" altLang="ko-KR" dirty="0" smtClean="0"/>
+              <a:rPr kumimoji="1" lang="en-US" altLang="ko-KR" dirty="0"/>
               <a:t> </a:t>
             </a:r>
             <a:r>
-              <a:rPr kumimoji="1" lang="ko-KR" altLang="en-US" dirty="0" smtClean="0"/>
+              <a:rPr kumimoji="1" lang="ko-KR" altLang="en-US" dirty="0"/>
               <a:t>파일로 가능</a:t>
             </a:r>
-            <a:endParaRPr kumimoji="1" lang="en-US" altLang="ko-KR" dirty="0" smtClean="0"/>
+            <a:endParaRPr kumimoji="1" lang="en-US" altLang="ko-KR" dirty="0"/>
           </a:p>
           <a:p>
             <a:pPr lvl="1"/>
             <a:r>
-              <a:rPr kumimoji="1" lang="en-US" altLang="ko-KR" dirty="0" smtClean="0"/>
+              <a:rPr kumimoji="1" lang="en-US" altLang="ko-KR" dirty="0"/>
               <a:t>XML</a:t>
             </a:r>
           </a:p>
           <a:p>
             <a:pPr lvl="1"/>
             <a:r>
-              <a:rPr kumimoji="1" lang="en-US" altLang="ko-KR" dirty="0" smtClean="0"/>
+              <a:rPr kumimoji="1" lang="en-US" altLang="ko-KR" dirty="0"/>
               <a:t>properties</a:t>
             </a:r>
           </a:p>
@@ -9463,10 +9360,9 @@
           </a:p>
           <a:p>
             <a:r>
-              <a:rPr kumimoji="1" lang="ko-KR" altLang="en-US" dirty="0" smtClean="0"/>
+              <a:rPr kumimoji="1" lang="ko-KR" altLang="en-US" dirty="0"/>
               <a:t>매개변수로 가능</a:t>
             </a:r>
-            <a:endParaRPr kumimoji="1" lang="ko-KR" altLang="en-US" dirty="0"/>
           </a:p>
         </p:txBody>
       </p:sp>
@@ -9480,13 +9376,6 @@
   <p:clrMapOvr>
     <a:masterClrMapping/>
   </p:clrMapOvr>
-  <p:timing>
-    <p:tnLst>
-      <p:par>
-        <p:cTn id="1" dur="indefinite" restart="never" nodeType="tmRoot"/>
-      </p:par>
-    </p:tnLst>
-  </p:timing>
 </p:sld>
 </file>
 
@@ -9523,7 +9412,7 @@
           <a:lstStyle/>
           <a:p>
             <a:r>
-              <a:rPr kumimoji="1" lang="en-US" altLang="ko-KR" dirty="0" smtClean="0"/>
+              <a:rPr kumimoji="1" lang="en-US" altLang="ko-KR" dirty="0"/>
               <a:t>@Entity</a:t>
             </a:r>
             <a:endParaRPr kumimoji="1" lang="ko-KR" altLang="en-US" dirty="0"/>
@@ -9546,30 +9435,29 @@
           <a:lstStyle/>
           <a:p>
             <a:r>
-              <a:rPr lang="ko-KR" altLang="en-US" dirty="0" smtClean="0">
+              <a:rPr lang="ko-KR" altLang="en-US" dirty="0">
                 <a:effectLst/>
               </a:rPr>
               <a:t>클래스를 영속화하려면 먼저 엔티티로 정의해야 </a:t>
             </a:r>
             <a:r>
-              <a:rPr lang="ko-KR" altLang="en-US" dirty="0" smtClean="0"/>
+              <a:rPr lang="ko-KR" altLang="en-US" dirty="0"/>
               <a:t>합니다</a:t>
             </a:r>
             <a:r>
-              <a:rPr lang="en-US" altLang="ko-KR" dirty="0" smtClean="0"/>
+              <a:rPr lang="en-US" altLang="ko-KR" dirty="0"/>
               <a:t>.</a:t>
             </a:r>
           </a:p>
           <a:p>
             <a:r>
-              <a:rPr kumimoji="1" lang="en-US" altLang="ko-KR" dirty="0" smtClean="0"/>
+              <a:rPr kumimoji="1" lang="en-US" altLang="ko-KR" dirty="0"/>
               <a:t>@Id(key)</a:t>
             </a:r>
             <a:r>
-              <a:rPr kumimoji="1" lang="ko-KR" altLang="en-US" dirty="0" smtClean="0"/>
+              <a:rPr kumimoji="1" lang="ko-KR" altLang="en-US" dirty="0"/>
               <a:t>는 무조건하나이상 존재해야됨</a:t>
             </a:r>
-            <a:endParaRPr kumimoji="1" lang="ko-KR" altLang="en-US" dirty="0"/>
           </a:p>
         </p:txBody>
       </p:sp>
@@ -9631,13 +9519,6 @@
   <p:clrMapOvr>
     <a:masterClrMapping/>
   </p:clrMapOvr>
-  <p:timing>
-    <p:tnLst>
-      <p:par>
-        <p:cTn id="1" dur="indefinite" restart="never" nodeType="tmRoot"/>
-      </p:par>
-    </p:tnLst>
-  </p:timing>
 </p:sld>
 </file>
 
@@ -9674,11 +9555,11 @@
           <a:lstStyle/>
           <a:p>
             <a:r>
-              <a:rPr kumimoji="1" lang="ko-KR" altLang="en-US" dirty="0" smtClean="0"/>
+              <a:rPr kumimoji="1" lang="ko-KR" altLang="en-US" dirty="0"/>
               <a:t>식별자 </a:t>
             </a:r>
             <a:r>
-              <a:rPr kumimoji="1" lang="en-US" altLang="ko-KR" dirty="0" smtClean="0"/>
+              <a:rPr kumimoji="1" lang="en-US" altLang="ko-KR" dirty="0"/>
               <a:t>key</a:t>
             </a:r>
             <a:endParaRPr kumimoji="1" lang="ko-KR" altLang="en-US" dirty="0"/>
@@ -9701,22 +9582,14 @@
           <a:lstStyle/>
           <a:p>
             <a:r>
-              <a:rPr lang="ko-KR" altLang="en-US" dirty="0" smtClean="0"/>
-              <a:t>각 </a:t>
-            </a:r>
-            <a:r>
               <a:rPr lang="ko-KR" altLang="en-US" dirty="0"/>
-              <a:t>객체는 유일한 식별자를 가지고 데이터베이스에 영속화되어야 </a:t>
-            </a:r>
-            <a:r>
-              <a:rPr lang="ko-KR" altLang="en-US" dirty="0" smtClean="0"/>
-              <a:t>한다</a:t>
+              <a:t>각 객체는 유일한 식별자를 가지고 데이터베이스에 영속화되어야 한다</a:t>
             </a:r>
             <a:r>
               <a:rPr lang="en-US" altLang="ko-KR" dirty="0"/>
               <a:t>.</a:t>
             </a:r>
-            <a:endParaRPr lang="ko-KR" altLang="en-US" dirty="0" smtClean="0">
+            <a:endParaRPr lang="ko-KR" altLang="en-US" dirty="0">
               <a:effectLst/>
             </a:endParaRPr>
           </a:p>
@@ -9747,7 +9620,7 @@
           <a:lstStyle/>
           <a:p>
             <a:r>
-              <a:rPr lang="en-US" altLang="ko-KR" b="1" dirty="0" err="1" smtClean="0">
+              <a:rPr lang="en-US" altLang="ko-KR" b="1" dirty="0" err="1">
                 <a:effectLst/>
                 <a:latin typeface="돋움체" charset="-127"/>
                 <a:cs typeface="Times New Roman" charset="0"/>
@@ -9755,7 +9628,7 @@
               <a:t>GenerationType.AUTO</a:t>
             </a:r>
             <a:r>
-              <a:rPr lang="ko-KR" altLang="ko-KR" dirty="0" smtClean="0">
+              <a:rPr lang="ko-KR" altLang="ko-KR" dirty="0">
                 <a:effectLst/>
               </a:rPr>
               <a:t> </a:t>
@@ -9786,7 +9659,7 @@
           <a:lstStyle/>
           <a:p>
             <a:r>
-              <a:rPr lang="en-US" altLang="ko-KR" b="1" dirty="0" err="1" smtClean="0">
+              <a:rPr lang="en-US" altLang="ko-KR" b="1" dirty="0" err="1">
                 <a:effectLst/>
                 <a:latin typeface="돋움체" charset="-127"/>
                 <a:cs typeface="Times New Roman" charset="0"/>
@@ -9794,7 +9667,7 @@
               <a:t>GenerationType.IDENTITY</a:t>
             </a:r>
             <a:r>
-              <a:rPr lang="ko-KR" altLang="ko-KR" dirty="0" smtClean="0">
+              <a:rPr lang="ko-KR" altLang="ko-KR" dirty="0">
                 <a:effectLst/>
               </a:rPr>
               <a:t> </a:t>
@@ -9825,7 +9698,7 @@
           <a:lstStyle/>
           <a:p>
             <a:r>
-              <a:rPr lang="en-US" altLang="ko-KR" b="1" smtClean="0">
+              <a:rPr lang="en-US" altLang="ko-KR" b="1">
                 <a:effectLst/>
                 <a:latin typeface="돋움체" charset="-127"/>
                 <a:cs typeface="Times New Roman" charset="0"/>
@@ -9833,7 +9706,7 @@
               <a:t>GenerationType.SEQUENCE</a:t>
             </a:r>
             <a:r>
-              <a:rPr lang="ko-KR" altLang="ko-KR" dirty="0" smtClean="0">
+              <a:rPr lang="ko-KR" altLang="ko-KR" dirty="0">
                 <a:effectLst/>
               </a:rPr>
               <a:t> </a:t>
@@ -9864,7 +9737,7 @@
           <a:lstStyle/>
           <a:p>
             <a:r>
-              <a:rPr lang="en-US" altLang="ko-KR" b="1" dirty="0" err="1" smtClean="0">
+              <a:rPr lang="en-US" altLang="ko-KR" b="1" dirty="0" err="1">
                 <a:effectLst/>
                 <a:latin typeface="돋움체" charset="-127"/>
                 <a:cs typeface="Times New Roman" charset="0"/>
@@ -9872,7 +9745,7 @@
               <a:t>GenerationType.TABLE</a:t>
             </a:r>
             <a:r>
-              <a:rPr lang="en-US" altLang="ko-KR" b="1" dirty="0" smtClean="0">
+              <a:rPr lang="en-US" altLang="ko-KR" b="1" dirty="0">
                 <a:effectLst/>
                 <a:latin typeface="돋움체" charset="-127"/>
                 <a:cs typeface="Times New Roman" charset="0"/>
@@ -9917,13 +9790,6 @@
   <p:clrMapOvr>
     <a:masterClrMapping/>
   </p:clrMapOvr>
-  <p:timing>
-    <p:tnLst>
-      <p:par>
-        <p:cTn id="1" dur="indefinite" restart="never" nodeType="tmRoot"/>
-      </p:par>
-    </p:tnLst>
-  </p:timing>
 </p:sld>
 </file>
 
@@ -9960,20 +9826,12 @@
           <a:lstStyle/>
           <a:p>
             <a:r>
-              <a:rPr lang="ko-KR" altLang="mr-IN" dirty="0" smtClean="0"/>
-              <a:t>복합 </a:t>
-            </a:r>
-            <a:r>
               <a:rPr lang="ko-KR" altLang="mr-IN" dirty="0"/>
-              <a:t>식별자 </a:t>
+              <a:t>복합 식별자 </a:t>
             </a:r>
             <a:r>
               <a:rPr lang="mr-IN" altLang="ko-KR" b="1" dirty="0"/>
-              <a:t>ID (KEY</a:t>
-            </a:r>
-            <a:r>
-              <a:rPr lang="mr-IN" altLang="ko-KR" b="1" dirty="0" smtClean="0"/>
-              <a:t>)</a:t>
+              <a:t>ID (KEY)</a:t>
             </a:r>
             <a:endParaRPr kumimoji="1" lang="ko-KR" altLang="en-US" dirty="0"/>
           </a:p>
@@ -10006,7 +9864,7 @@
               </a:spcAft>
             </a:pPr>
             <a:r>
-              <a:rPr lang="ko-KR" altLang="en-US" sz="2800" dirty="0" smtClean="0">
+              <a:rPr lang="ko-KR" altLang="en-US" sz="2800" dirty="0">
                 <a:solidFill>
                   <a:srgbClr val="000000"/>
                 </a:solidFill>
@@ -10015,7 +9873,7 @@
               <a:t>복합 </a:t>
             </a:r>
             <a:r>
-              <a:rPr lang="en-US" altLang="ko-KR" sz="2800" b="0" i="0" dirty="0" smtClean="0">
+              <a:rPr lang="en-US" altLang="ko-KR" sz="2800" b="0" i="0" dirty="0">
                 <a:solidFill>
                   <a:srgbClr val="000000"/>
                 </a:solidFill>
@@ -10025,7 +9883,7 @@
               <a:t>composite-id </a:t>
             </a:r>
             <a:r>
-              <a:rPr lang="ko-KR" altLang="en-US" sz="2800" b="0" i="0" dirty="0" smtClean="0">
+              <a:rPr lang="ko-KR" altLang="en-US" sz="2800" b="0" i="0" dirty="0">
                 <a:solidFill>
                   <a:srgbClr val="000000"/>
                 </a:solidFill>
@@ -10042,7 +9900,7 @@
               </a:spcAft>
             </a:pPr>
             <a:r>
-              <a:rPr lang="en-US" altLang="ko-KR" sz="2000" b="0" i="0" dirty="0" smtClean="0">
+              <a:rPr lang="en-US" altLang="ko-KR" sz="2000" b="0" i="0" dirty="0">
                 <a:solidFill>
                   <a:srgbClr val="000000"/>
                 </a:solidFill>
@@ -10052,7 +9910,7 @@
               <a:t>1.</a:t>
             </a:r>
             <a:r>
-              <a:rPr lang="ko-KR" altLang="en-US" sz="2000" b="0" i="0" dirty="0" smtClean="0">
+              <a:rPr lang="ko-KR" altLang="en-US" sz="2000" b="0" i="0" dirty="0">
                 <a:solidFill>
                   <a:srgbClr val="000000"/>
                 </a:solidFill>
@@ -10062,7 +9920,7 @@
               <a:t>   </a:t>
             </a:r>
             <a:r>
-              <a:rPr lang="en-US" altLang="ko-KR" sz="2000" b="0" i="0" dirty="0" smtClean="0">
+              <a:rPr lang="en-US" altLang="ko-KR" sz="2000" b="0" i="0" dirty="0">
                 <a:solidFill>
                   <a:srgbClr val="000000"/>
                 </a:solidFill>
@@ -10072,7 +9930,7 @@
               <a:t> @</a:t>
             </a:r>
             <a:r>
-              <a:rPr lang="en-US" altLang="ko-KR" sz="2000" b="0" i="0" dirty="0" err="1" smtClean="0">
+              <a:rPr lang="en-US" altLang="ko-KR" sz="2000" b="0" i="0" dirty="0" err="1">
                 <a:solidFill>
                   <a:srgbClr val="000000"/>
                 </a:solidFill>
@@ -10081,7 +9939,7 @@
               </a:rPr>
               <a:t>Embededdable</a:t>
             </a:r>
-            <a:endParaRPr lang="en-US" altLang="ko-KR" sz="2000" b="0" i="0" dirty="0" smtClean="0">
+            <a:endParaRPr lang="en-US" altLang="ko-KR" sz="2000" b="0" i="0" dirty="0">
               <a:solidFill>
                 <a:srgbClr val="000000"/>
               </a:solidFill>
@@ -10096,7 +9954,7 @@
               </a:spcAft>
             </a:pPr>
             <a:r>
-              <a:rPr lang="en-US" altLang="ko-KR" sz="2000" b="0" i="0" dirty="0" smtClean="0">
+              <a:rPr lang="en-US" altLang="ko-KR" sz="2000" b="0" i="0" dirty="0">
                 <a:solidFill>
                   <a:srgbClr val="000000"/>
                 </a:solidFill>
@@ -10106,7 +9964,7 @@
               <a:t>2. </a:t>
             </a:r>
             <a:r>
-              <a:rPr lang="ko-KR" altLang="en-US" sz="2000" b="0" i="0" dirty="0" smtClean="0">
+              <a:rPr lang="ko-KR" altLang="en-US" sz="2000" b="0" i="0" dirty="0">
                 <a:solidFill>
                   <a:srgbClr val="000000"/>
                 </a:solidFill>
@@ -10116,7 +9974,7 @@
               <a:t>   </a:t>
             </a:r>
             <a:r>
-              <a:rPr lang="en-US" altLang="ko-KR" sz="2000" b="0" i="0" dirty="0" smtClean="0">
+              <a:rPr lang="en-US" altLang="ko-KR" sz="2000" b="0" i="0" dirty="0">
                 <a:solidFill>
                   <a:srgbClr val="000000"/>
                 </a:solidFill>
@@ -10126,7 +9984,7 @@
               <a:t>@</a:t>
             </a:r>
             <a:r>
-              <a:rPr lang="en-US" altLang="ko-KR" sz="2000" b="0" i="0" dirty="0" err="1" smtClean="0">
+              <a:rPr lang="en-US" altLang="ko-KR" sz="2000" b="0" i="0" dirty="0" err="1">
                 <a:solidFill>
                   <a:srgbClr val="000000"/>
                 </a:solidFill>
@@ -10135,7 +9993,7 @@
               </a:rPr>
               <a:t>EmbeddedId</a:t>
             </a:r>
-            <a:endParaRPr lang="en-US" altLang="ko-KR" sz="2000" b="0" i="0" dirty="0" smtClean="0">
+            <a:endParaRPr lang="en-US" altLang="ko-KR" sz="2000" b="0" i="0" dirty="0">
               <a:solidFill>
                 <a:srgbClr val="000000"/>
               </a:solidFill>
@@ -10150,7 +10008,7 @@
               </a:spcAft>
             </a:pPr>
             <a:r>
-              <a:rPr lang="en-US" altLang="ko-KR" sz="2000" b="0" i="0" dirty="0" smtClean="0">
+              <a:rPr lang="en-US" altLang="ko-KR" sz="2000" b="0" i="0" dirty="0">
                 <a:solidFill>
                   <a:srgbClr val="000000"/>
                 </a:solidFill>
@@ -10160,7 +10018,7 @@
               <a:t>3. </a:t>
             </a:r>
             <a:r>
-              <a:rPr lang="ko-KR" altLang="en-US" sz="2000" b="0" i="0" dirty="0" smtClean="0">
+              <a:rPr lang="ko-KR" altLang="en-US" sz="2000" b="0" i="0" dirty="0">
                 <a:solidFill>
                   <a:srgbClr val="000000"/>
                 </a:solidFill>
@@ -10170,7 +10028,7 @@
               <a:t>   </a:t>
             </a:r>
             <a:r>
-              <a:rPr lang="en-US" altLang="ko-KR" sz="2000" b="0" i="0" dirty="0" smtClean="0">
+              <a:rPr lang="en-US" altLang="ko-KR" sz="2000" b="0" i="0" dirty="0">
                 <a:solidFill>
                   <a:srgbClr val="000000"/>
                 </a:solidFill>
@@ -10180,7 +10038,7 @@
               <a:t>@</a:t>
             </a:r>
             <a:r>
-              <a:rPr lang="en-US" altLang="ko-KR" sz="2000" b="0" i="0" dirty="0" err="1" smtClean="0">
+              <a:rPr lang="en-US" altLang="ko-KR" sz="2000" b="0" i="0" dirty="0" err="1">
                 <a:solidFill>
                   <a:srgbClr val="000000"/>
                 </a:solidFill>
@@ -10263,24 +10121,16 @@
           <a:p>
             <a:pPr latinLnBrk="0"/>
             <a:r>
-              <a:rPr lang="en-US" altLang="ko-KR" sz="2000" dirty="0" smtClean="0"/>
-              <a:t>4. </a:t>
-            </a:r>
-            <a:r>
               <a:rPr lang="en-US" altLang="ko-KR" sz="2000" dirty="0"/>
-              <a:t>  </a:t>
-            </a:r>
-            <a:r>
-              <a:rPr lang="ko-KR" altLang="en-US" sz="2000" dirty="0" smtClean="0"/>
+              <a:t>4.   </a:t>
+            </a:r>
+            <a:r>
+              <a:rPr lang="ko-KR" altLang="en-US" sz="2000" dirty="0"/>
               <a:t>  </a:t>
             </a:r>
             <a:r>
-              <a:rPr lang="en-US" altLang="ko-KR" sz="2000" dirty="0" smtClean="0"/>
-              <a:t>implements</a:t>
-            </a:r>
-            <a:r>
               <a:rPr lang="en-US" altLang="ko-KR" sz="2000" dirty="0"/>
-              <a:t> Serializable</a:t>
+              <a:t>implements Serializable</a:t>
             </a:r>
           </a:p>
           <a:p>
@@ -10350,13 +10200,6 @@
   <p:clrMapOvr>
     <a:masterClrMapping/>
   </p:clrMapOvr>
-  <p:timing>
-    <p:tnLst>
-      <p:par>
-        <p:cTn id="1" dur="indefinite" restart="never" nodeType="tmRoot"/>
-      </p:par>
-    </p:tnLst>
-  </p:timing>
 </p:sld>
 </file>
 
@@ -10497,13 +10340,6 @@
   <p:clrMapOvr>
     <a:masterClrMapping/>
   </p:clrMapOvr>
-  <p:timing>
-    <p:tnLst>
-      <p:par>
-        <p:cTn id="1" dur="indefinite" restart="never" nodeType="tmRoot"/>
-      </p:par>
-    </p:tnLst>
-  </p:timing>
 </p:sld>
 </file>
 
@@ -10574,7 +10410,7 @@
           <a:lstStyle/>
           <a:p>
             <a:r>
-              <a:rPr kumimoji="1" lang="en-US" altLang="ko-KR" sz="3000" dirty="0" smtClean="0"/>
+              <a:rPr kumimoji="1" lang="en-US" altLang="ko-KR" sz="3000" dirty="0"/>
               <a:t>1:1</a:t>
             </a:r>
           </a:p>
@@ -10583,7 +10419,7 @@
           </a:p>
           <a:p>
             <a:r>
-              <a:rPr kumimoji="1" lang="en-US" altLang="ko-KR" sz="3000" dirty="0" smtClean="0"/>
+              <a:rPr kumimoji="1" lang="en-US" altLang="ko-KR" sz="3000" dirty="0"/>
               <a:t>1:N, N:1</a:t>
             </a:r>
           </a:p>
@@ -10592,7 +10428,7 @@
           </a:p>
           <a:p>
             <a:r>
-              <a:rPr kumimoji="1" lang="en-US" altLang="ko-KR" sz="3000" dirty="0" smtClean="0"/>
+              <a:rPr kumimoji="1" lang="en-US" altLang="ko-KR" sz="3000" dirty="0"/>
               <a:t>N:N</a:t>
             </a:r>
           </a:p>
@@ -10621,11 +10457,11 @@
           <a:lstStyle/>
           <a:p>
             <a:r>
-              <a:rPr kumimoji="1" lang="ko-KR" altLang="en-US" sz="3200" dirty="0" smtClean="0"/>
+              <a:rPr kumimoji="1" lang="ko-KR" altLang="en-US" sz="3200" dirty="0"/>
               <a:t>하이버네이트는 다중성과 방향성을 모두 지원한다</a:t>
             </a:r>
             <a:r>
-              <a:rPr kumimoji="1" lang="en-US" altLang="ko-KR" sz="3200" dirty="0" smtClean="0"/>
+              <a:rPr kumimoji="1" lang="en-US" altLang="ko-KR" sz="3200" dirty="0"/>
               <a:t>.</a:t>
             </a:r>
             <a:endParaRPr kumimoji="1" lang="ko-KR" altLang="en-US" sz="3200" dirty="0"/>
@@ -10642,13 +10478,6 @@
   <p:clrMapOvr>
     <a:masterClrMapping/>
   </p:clrMapOvr>
-  <p:timing>
-    <p:tnLst>
-      <p:par>
-        <p:cTn id="1" dur="indefinite" restart="never" nodeType="tmRoot"/>
-      </p:par>
-    </p:tnLst>
-  </p:timing>
 </p:sld>
 </file>
 
@@ -10741,13 +10570,6 @@
   <p:clrMapOvr>
     <a:masterClrMapping/>
   </p:clrMapOvr>
-  <p:timing>
-    <p:tnLst>
-      <p:par>
-        <p:cTn id="1" dur="indefinite" restart="never" nodeType="tmRoot"/>
-      </p:par>
-    </p:tnLst>
-  </p:timing>
 </p:sld>
 </file>
 
@@ -10864,13 +10686,6 @@
   <p:clrMapOvr>
     <a:masterClrMapping/>
   </p:clrMapOvr>
-  <p:timing>
-    <p:tnLst>
-      <p:par>
-        <p:cTn id="1" dur="indefinite" restart="never" nodeType="tmRoot"/>
-      </p:par>
-    </p:tnLst>
-  </p:timing>
 </p:sld>
 </file>
 
@@ -10963,13 +10778,6 @@
   <p:clrMapOvr>
     <a:masterClrMapping/>
   </p:clrMapOvr>
-  <p:timing>
-    <p:tnLst>
-      <p:par>
-        <p:cTn id="1" dur="indefinite" restart="never" nodeType="tmRoot"/>
-      </p:par>
-    </p:tnLst>
-  </p:timing>
 </p:sld>
 </file>
 
@@ -11018,7 +10826,7 @@
               <a:t>를 쓰는가</a:t>
             </a:r>
             <a:r>
-              <a:rPr lang="en-US" altLang="ko-KR" b="1" dirty="0" smtClean="0"/>
+              <a:rPr lang="en-US" altLang="ko-KR" b="1" dirty="0"/>
               <a:t>?</a:t>
             </a:r>
             <a:endParaRPr kumimoji="1" lang="ko-KR" altLang="en-US" dirty="0"/>
@@ -11054,13 +10862,9 @@
             </a:r>
             <a:r>
               <a:rPr lang="ko-KR" altLang="ko-KR" b="1" dirty="0"/>
-              <a:t>중심적인 개발시 </a:t>
-            </a:r>
-            <a:r>
-              <a:rPr lang="ko-KR" altLang="ko-KR" b="1" dirty="0" smtClean="0"/>
-              <a:t>불편하다</a:t>
-            </a:r>
-            <a:endParaRPr lang="en-US" altLang="ko-KR" b="1" dirty="0" smtClean="0"/>
+              <a:t>중심적인 개발시 불편하다</a:t>
+            </a:r>
+            <a:endParaRPr lang="en-US" altLang="ko-KR" b="1" dirty="0"/>
           </a:p>
           <a:p>
             <a:endParaRPr lang="ko-KR" altLang="ko-KR" b="1" dirty="0"/>
@@ -11077,13 +10881,9 @@
             </a:r>
             <a:r>
               <a:rPr lang="ko-KR" altLang="ko-KR" dirty="0"/>
-              <a:t>객체의 변경도 불가피하게 </a:t>
-            </a:r>
-            <a:r>
-              <a:rPr lang="ko-KR" altLang="ko-KR" dirty="0" smtClean="0"/>
-              <a:t>일어난다</a:t>
-            </a:r>
-            <a:endParaRPr lang="en-US" altLang="ko-KR" dirty="0" smtClean="0"/>
+              <a:t>객체의 변경도 불가피하게 일어난다</a:t>
+            </a:r>
+            <a:endParaRPr lang="en-US" altLang="ko-KR" dirty="0"/>
           </a:p>
           <a:p>
             <a:pPr lvl="1" latinLnBrk="0"/>
@@ -11101,13 +10901,9 @@
             </a:r>
             <a:r>
               <a:rPr lang="ko-KR" altLang="ko-KR" dirty="0"/>
-              <a:t>하는 일이 매번 </a:t>
-            </a:r>
-            <a:r>
-              <a:rPr lang="ko-KR" altLang="ko-KR" dirty="0" smtClean="0"/>
-              <a:t>일어난다</a:t>
-            </a:r>
-            <a:endParaRPr lang="en-US" altLang="ko-KR" dirty="0" smtClean="0"/>
+              <a:t>하는 일이 매번 일어난다</a:t>
+            </a:r>
+            <a:endParaRPr lang="en-US" altLang="ko-KR" dirty="0"/>
           </a:p>
           <a:p>
             <a:pPr lvl="1" latinLnBrk="0"/>
@@ -11144,13 +10940,6 @@
   <p:clrMapOvr>
     <a:masterClrMapping/>
   </p:clrMapOvr>
-  <p:timing>
-    <p:tnLst>
-      <p:par>
-        <p:cTn id="1" dur="indefinite" restart="never" nodeType="tmRoot"/>
-      </p:par>
-    </p:tnLst>
-  </p:timing>
 </p:sld>
 </file>
 
@@ -11187,10 +10976,9 @@
           <a:lstStyle/>
           <a:p>
             <a:r>
-              <a:rPr kumimoji="1" lang="ko-KR" altLang="en-US" dirty="0" smtClean="0"/>
+              <a:rPr kumimoji="1" lang="ko-KR" altLang="en-US" dirty="0"/>
               <a:t>상속 전략</a:t>
             </a:r>
-            <a:endParaRPr kumimoji="1" lang="ko-KR" altLang="en-US" dirty="0"/>
           </a:p>
         </p:txBody>
       </p:sp>
@@ -11226,78 +11014,61 @@
               <a:t>가지 있다</a:t>
             </a:r>
             <a:r>
-              <a:rPr lang="en-US" altLang="ko-KR" dirty="0" smtClean="0"/>
+              <a:rPr lang="en-US" altLang="ko-KR" dirty="0"/>
               <a:t>.</a:t>
             </a:r>
             <a:br>
-              <a:rPr lang="en-US" altLang="ko-KR" dirty="0" smtClean="0"/>
+              <a:rPr lang="en-US" altLang="ko-KR" dirty="0"/>
             </a:br>
-            <a:r>
-              <a:rPr lang="en-US" altLang="ko-KR" dirty="0" smtClean="0"/>
-              <a:t/>
-            </a:r>
+            <a:endParaRPr lang="en-US" altLang="ko-KR" dirty="0"/>
+          </a:p>
+          <a:p>
+            <a:pPr marL="0" indent="0">
+              <a:buNone/>
+            </a:pPr>
+            <a:r>
+              <a:rPr lang="en-US" altLang="ko-KR" dirty="0"/>
+              <a:t> 1.     Table-per-Class </a:t>
+            </a:r>
+            <a:r>
+              <a:rPr lang="ko-KR" altLang="en-US" dirty="0"/>
+              <a:t>전략</a:t>
+            </a:r>
+            <a:endParaRPr lang="en-US" altLang="ko-KR" dirty="0"/>
+          </a:p>
+          <a:p>
+            <a:pPr marL="0" indent="0">
+              <a:buNone/>
+            </a:pPr>
             <a:br>
-              <a:rPr lang="en-US" altLang="ko-KR" dirty="0" smtClean="0"/>
+              <a:rPr lang="en-US" altLang="ko-KR" dirty="0"/>
             </a:br>
-            <a:r>
-              <a:rPr lang="en-US" altLang="ko-KR" dirty="0" smtClean="0"/>
-              <a:t>1</a:t>
-            </a:r>
-            <a:r>
+            <a:br>
               <a:rPr lang="en-US" altLang="ko-KR" dirty="0"/>
-              <a:t>.     Table-per-Class </a:t>
-            </a:r>
-            <a:r>
-              <a:rPr lang="ko-KR" altLang="en-US" dirty="0" smtClean="0"/>
+            </a:br>
+            <a:r>
+              <a:rPr lang="en-US" altLang="ko-KR" dirty="0"/>
+              <a:t> 2.     Table-per-Subclass </a:t>
+            </a:r>
+            <a:r>
+              <a:rPr lang="ko-KR" altLang="en-US" dirty="0"/>
               <a:t>전략</a:t>
             </a:r>
-            <a:r>
-              <a:rPr lang="en-US" altLang="ko-KR" dirty="0" smtClean="0"/>
-              <a:t/>
-            </a:r>
+            <a:endParaRPr lang="en-US" altLang="ko-KR" dirty="0"/>
+          </a:p>
+          <a:p>
+            <a:pPr marL="0" indent="0">
+              <a:buNone/>
+            </a:pPr>
             <a:br>
-              <a:rPr lang="en-US" altLang="ko-KR" dirty="0" smtClean="0"/>
+              <a:rPr lang="en-US" altLang="ko-KR" dirty="0"/>
             </a:br>
-            <a:r>
-              <a:rPr lang="en-US" altLang="ko-KR" dirty="0" smtClean="0"/>
-              <a:t/>
-            </a:r>
             <a:br>
-              <a:rPr lang="en-US" altLang="ko-KR" dirty="0" smtClean="0"/>
+              <a:rPr lang="en-US" altLang="ko-KR" dirty="0"/>
             </a:br>
             <a:r>
-              <a:rPr lang="en-US" altLang="ko-KR" dirty="0" smtClean="0"/>
-              <a:t>2</a:t>
-            </a:r>
-            <a:r>
               <a:rPr lang="en-US" altLang="ko-KR" dirty="0"/>
-              <a:t>.     Table-per-Subclass </a:t>
-            </a:r>
-            <a:r>
-              <a:rPr lang="ko-KR" altLang="en-US" dirty="0" smtClean="0"/>
-              <a:t>전략</a:t>
-            </a:r>
-            <a:r>
-              <a:rPr lang="en-US" altLang="ko-KR" dirty="0" smtClean="0"/>
-              <a:t/>
-            </a:r>
-            <a:br>
-              <a:rPr lang="en-US" altLang="ko-KR" dirty="0" smtClean="0"/>
-            </a:br>
-            <a:r>
-              <a:rPr lang="en-US" altLang="ko-KR" dirty="0" smtClean="0"/>
-              <a:t/>
-            </a:r>
-            <a:br>
-              <a:rPr lang="en-US" altLang="ko-KR" dirty="0" smtClean="0"/>
-            </a:br>
-            <a:r>
-              <a:rPr lang="en-US" altLang="ko-KR" dirty="0" smtClean="0"/>
-              <a:t>3</a:t>
-            </a:r>
-            <a:r>
-              <a:rPr lang="en-US" altLang="ko-KR" dirty="0"/>
-              <a:t>.     Table-per-Concrete-Class </a:t>
+              <a:t> 3.     Table-per-Concrete-Class </a:t>
             </a:r>
             <a:r>
               <a:rPr lang="ko-KR" altLang="en-US" dirty="0"/>
@@ -11319,13 +11090,6 @@
   <p:clrMapOvr>
     <a:masterClrMapping/>
   </p:clrMapOvr>
-  <p:timing>
-    <p:tnLst>
-      <p:par>
-        <p:cTn id="1" dur="indefinite" restart="never" nodeType="tmRoot"/>
-      </p:par>
-    </p:tnLst>
-  </p:timing>
 </p:sld>
 </file>
 
@@ -11440,13 +11204,6 @@
   <p:clrMapOvr>
     <a:masterClrMapping/>
   </p:clrMapOvr>
-  <p:timing>
-    <p:tnLst>
-      <p:par>
-        <p:cTn id="1" dur="indefinite" restart="never" nodeType="tmRoot"/>
-      </p:par>
-    </p:tnLst>
-  </p:timing>
 </p:sld>
 </file>
 
@@ -11561,13 +11318,6 @@
   <p:clrMapOvr>
     <a:masterClrMapping/>
   </p:clrMapOvr>
-  <p:timing>
-    <p:tnLst>
-      <p:par>
-        <p:cTn id="1" dur="indefinite" restart="never" nodeType="tmRoot"/>
-      </p:par>
-    </p:tnLst>
-  </p:timing>
 </p:sld>
 </file>
 
@@ -11682,13 +11432,6 @@
   <p:clrMapOvr>
     <a:masterClrMapping/>
   </p:clrMapOvr>
-  <p:timing>
-    <p:tnLst>
-      <p:par>
-        <p:cTn id="1" dur="indefinite" restart="never" nodeType="tmRoot"/>
-      </p:par>
-    </p:tnLst>
-  </p:timing>
 </p:sld>
 </file>
 
@@ -11725,10 +11468,9 @@
           <a:lstStyle/>
           <a:p>
             <a:r>
-              <a:rPr kumimoji="1" lang="ko-KR" altLang="en-US" dirty="0" smtClean="0"/>
+              <a:rPr kumimoji="1" lang="ko-KR" altLang="en-US" dirty="0"/>
               <a:t>조회하기</a:t>
             </a:r>
-            <a:endParaRPr kumimoji="1" lang="ko-KR" altLang="en-US" dirty="0"/>
           </a:p>
         </p:txBody>
       </p:sp>
@@ -11752,11 +11494,11 @@
           <a:bodyPr/>
           <a:lstStyle/>
           <a:p>
-            <a:endParaRPr kumimoji="1" lang="en-US" altLang="ko-KR" dirty="0" smtClean="0"/>
-          </a:p>
-          <a:p>
-            <a:r>
-              <a:rPr kumimoji="1" lang="en-US" altLang="ko-KR" dirty="0" smtClean="0"/>
+            <a:endParaRPr kumimoji="1" lang="en-US" altLang="ko-KR" dirty="0"/>
+          </a:p>
+          <a:p>
+            <a:r>
+              <a:rPr kumimoji="1" lang="en-US" altLang="ko-KR" dirty="0"/>
               <a:t>1.</a:t>
             </a:r>
             <a:r>
@@ -11776,30 +11518,29 @@
               <a:t>  (</a:t>
             </a:r>
             <a:r>
-              <a:rPr lang="ko-KR" altLang="en-US" b="1" dirty="0" smtClean="0"/>
+              <a:rPr lang="ko-KR" altLang="en-US" b="1" dirty="0"/>
               <a:t>기본값</a:t>
             </a:r>
             <a:r>
-              <a:rPr lang="en-US" altLang="ko-KR" b="1" dirty="0" smtClean="0"/>
+              <a:rPr lang="en-US" altLang="ko-KR" b="1" dirty="0"/>
               <a:t>:</a:t>
             </a:r>
             <a:r>
-              <a:rPr lang="en-US" altLang="ko-KR" b="1" dirty="0" err="1" smtClean="0"/>
+              <a:rPr lang="en-US" altLang="ko-KR" b="1" dirty="0" err="1"/>
               <a:t>OneToMany</a:t>
             </a:r>
             <a:r>
-              <a:rPr lang="en-US" altLang="ko-KR" b="1" dirty="0" smtClean="0"/>
+              <a:rPr lang="en-US" altLang="ko-KR" b="1" dirty="0"/>
               <a:t>, </a:t>
             </a:r>
             <a:r>
-              <a:rPr lang="en-US" altLang="ko-KR" b="1" dirty="0" err="1" smtClean="0"/>
+              <a:rPr lang="en-US" altLang="ko-KR" b="1" dirty="0" err="1"/>
               <a:t>ManyToMany</a:t>
             </a:r>
             <a:r>
-              <a:rPr lang="en-US" altLang="ko-KR" b="1" dirty="0" smtClean="0"/>
+              <a:rPr lang="en-US" altLang="ko-KR" b="1" dirty="0"/>
               <a:t>)</a:t>
             </a:r>
-            <a:endParaRPr lang="en-US" altLang="ko-KR" b="1" dirty="0" smtClean="0"/>
           </a:p>
           <a:p>
             <a:pPr lvl="1"/>
@@ -11836,21 +11577,21 @@
               <a:t>LAZY</a:t>
             </a:r>
             <a:r>
-              <a:rPr lang="en-US" altLang="ko-KR" dirty="0" smtClean="0"/>
+              <a:rPr lang="en-US" altLang="ko-KR" dirty="0"/>
               <a:t>)</a:t>
             </a:r>
             <a:br>
-              <a:rPr lang="en-US" altLang="ko-KR" dirty="0" smtClean="0"/>
+              <a:rPr lang="en-US" altLang="ko-KR" dirty="0"/>
             </a:br>
             <a:endParaRPr kumimoji="1" lang="en-US" altLang="ko-KR" b="1" dirty="0"/>
           </a:p>
           <a:p>
             <a:r>
-              <a:rPr kumimoji="1" lang="en-US" altLang="ko-KR" dirty="0" smtClean="0"/>
+              <a:rPr kumimoji="1" lang="en-US" altLang="ko-KR" dirty="0"/>
               <a:t>2.</a:t>
             </a:r>
             <a:r>
-              <a:rPr kumimoji="1" lang="ko-KR" altLang="en-US" dirty="0" smtClean="0"/>
+              <a:rPr kumimoji="1" lang="ko-KR" altLang="en-US" dirty="0"/>
               <a:t> </a:t>
             </a:r>
             <a:r>
@@ -11858,7 +11599,7 @@
               <a:t>즉시로딩 </a:t>
             </a:r>
             <a:r>
-              <a:rPr lang="de-DE" altLang="ko-KR" b="1" dirty="0" err="1" smtClean="0"/>
+              <a:rPr lang="de-DE" altLang="ko-KR" b="1" dirty="0" err="1"/>
               <a:t>FetchType.EAGER</a:t>
             </a:r>
             <a:r>
@@ -11874,22 +11615,21 @@
               <a:t>:</a:t>
             </a:r>
             <a:r>
-              <a:rPr lang="en-US" altLang="ko-KR" b="1" dirty="0" err="1" smtClean="0"/>
+              <a:rPr lang="en-US" altLang="ko-KR" b="1" dirty="0" err="1"/>
               <a:t>OneToOne</a:t>
             </a:r>
             <a:r>
-              <a:rPr lang="en-US" altLang="ko-KR" b="1" dirty="0" smtClean="0"/>
+              <a:rPr lang="en-US" altLang="ko-KR" b="1" dirty="0"/>
               <a:t>, </a:t>
             </a:r>
             <a:r>
-              <a:rPr lang="en-US" altLang="ko-KR" b="1" dirty="0" err="1" smtClean="0"/>
+              <a:rPr lang="en-US" altLang="ko-KR" b="1" dirty="0" err="1"/>
               <a:t>ManyToOne</a:t>
             </a:r>
             <a:r>
-              <a:rPr lang="en-US" altLang="ko-KR" b="1" dirty="0" smtClean="0"/>
+              <a:rPr lang="en-US" altLang="ko-KR" b="1" dirty="0"/>
               <a:t>)</a:t>
             </a:r>
-            <a:endParaRPr lang="en-US" altLang="ko-KR" b="1" dirty="0"/>
           </a:p>
           <a:p>
             <a:pPr lvl="1"/>
@@ -11971,13 +11711,6 @@
   <p:clrMapOvr>
     <a:masterClrMapping/>
   </p:clrMapOvr>
-  <p:timing>
-    <p:tnLst>
-      <p:par>
-        <p:cTn id="1" dur="indefinite" restart="never" nodeType="tmRoot"/>
-      </p:par>
-    </p:tnLst>
-  </p:timing>
 </p:sld>
 </file>
 
@@ -12125,13 +11858,6 @@
   <p:clrMapOvr>
     <a:masterClrMapping/>
   </p:clrMapOvr>
-  <p:timing>
-    <p:tnLst>
-      <p:par>
-        <p:cTn id="1" dur="indefinite" restart="never" nodeType="tmRoot"/>
-      </p:par>
-    </p:tnLst>
-  </p:timing>
 </p:sld>
 </file>
 
@@ -12169,11 +11895,7 @@
           <a:p>
             <a:r>
               <a:rPr lang="en-US" altLang="ko-KR" b="1" dirty="0"/>
-              <a:t>@Embedded </a:t>
-            </a:r>
-            <a:r>
-              <a:rPr lang="en-US" altLang="ko-KR" b="1" dirty="0" smtClean="0"/>
-              <a:t>Objects</a:t>
+              <a:t>@Embedded Objects</a:t>
             </a:r>
             <a:endParaRPr kumimoji="1" lang="ko-KR" altLang="en-US" dirty="0"/>
           </a:p>
@@ -12208,11 +11930,7 @@
             </a:r>
             <a:r>
               <a:rPr lang="ko-KR" altLang="en-US" dirty="0"/>
-              <a:t>에 속해있는것처럼 할수 </a:t>
-            </a:r>
-            <a:r>
-              <a:rPr lang="ko-KR" altLang="en-US" dirty="0" smtClean="0"/>
-              <a:t>있는 방법</a:t>
+              <a:t>에 속해있는것처럼 할수 있는 방법</a:t>
             </a:r>
             <a:endParaRPr kumimoji="1" lang="ko-KR" altLang="en-US" dirty="0"/>
           </a:p>
@@ -12274,13 +11992,6 @@
   <p:clrMapOvr>
     <a:masterClrMapping/>
   </p:clrMapOvr>
-  <p:timing>
-    <p:tnLst>
-      <p:par>
-        <p:cTn id="1" dur="indefinite" restart="never" nodeType="tmRoot"/>
-      </p:par>
-    </p:tnLst>
-  </p:timing>
 </p:sld>
 </file>
 
@@ -12463,13 +12174,6 @@
   <p:clrMapOvr>
     <a:masterClrMapping/>
   </p:clrMapOvr>
-  <p:timing>
-    <p:tnLst>
-      <p:par>
-        <p:cTn id="1" dur="indefinite" restart="never" nodeType="tmRoot"/>
-      </p:par>
-    </p:tnLst>
-  </p:timing>
 </p:sld>
 </file>
 
@@ -12532,43 +12236,31 @@
               <a:rPr lang="ko-KR" altLang="en-US" dirty="0"/>
               <a:t>몇 개의 레코드만 가져오려면 </a:t>
             </a:r>
-            <a:endParaRPr lang="en-US" altLang="ko-KR" dirty="0" smtClean="0"/>
-          </a:p>
-          <a:p>
-            <a:r>
-              <a:rPr lang="en-US" altLang="ko-KR" dirty="0" err="1" smtClean="0"/>
+            <a:endParaRPr lang="en-US" altLang="ko-KR" dirty="0"/>
+          </a:p>
+          <a:p>
+            <a:r>
+              <a:rPr lang="en-US" altLang="ko-KR" dirty="0" err="1"/>
               <a:t>setFirstResult</a:t>
             </a:r>
             <a:r>
-              <a:rPr lang="en-US" altLang="ko-KR" dirty="0" smtClean="0"/>
+              <a:rPr lang="en-US" altLang="ko-KR" dirty="0"/>
               <a:t>(..), </a:t>
             </a:r>
             <a:r>
-              <a:rPr lang="en-US" altLang="ko-KR" dirty="0" err="1" smtClean="0"/>
+              <a:rPr lang="en-US" altLang="ko-KR" dirty="0" err="1"/>
               <a:t>setMaxResults</a:t>
             </a:r>
             <a:r>
-              <a:rPr lang="en-US" altLang="ko-KR" dirty="0" smtClean="0"/>
-              <a:t>(..)</a:t>
-            </a:r>
-            <a:r>
               <a:rPr lang="en-US" altLang="ko-KR" dirty="0"/>
-              <a:t> </a:t>
-            </a:r>
-            <a:r>
-              <a:rPr lang="en-US" altLang="ko-KR" dirty="0" smtClean="0"/>
-              <a:t/>
+              <a:t>(..) </a:t>
             </a:r>
             <a:br>
-              <a:rPr lang="en-US" altLang="ko-KR" dirty="0" smtClean="0"/>
+              <a:rPr lang="en-US" altLang="ko-KR" dirty="0"/>
             </a:br>
             <a:r>
-              <a:rPr lang="ko-KR" altLang="en-US" dirty="0" smtClean="0"/>
-              <a:t>메소드에 </a:t>
-            </a:r>
-            <a:r>
               <a:rPr lang="ko-KR" altLang="en-US" dirty="0"/>
-              <a:t>한계치와 함께 호출함으 로써 페이지네이션</a:t>
+              <a:t>메소드에 한계치와 함께 호출함으 로써 페이지네이션</a:t>
             </a:r>
             <a:r>
               <a:rPr lang="en-US" altLang="ko-KR" dirty="0"/>
@@ -12686,13 +12378,6 @@
   <p:clrMapOvr>
     <a:masterClrMapping/>
   </p:clrMapOvr>
-  <p:timing>
-    <p:tnLst>
-      <p:par>
-        <p:cTn id="1" dur="indefinite" restart="never" nodeType="tmRoot"/>
-      </p:par>
-    </p:tnLst>
-  </p:timing>
 </p:sld>
 </file>
 
@@ -12868,11 +12553,11 @@
           <a:lstStyle/>
           <a:p>
             <a:r>
-              <a:rPr kumimoji="1" lang="ko-KR" altLang="en-US" dirty="0" smtClean="0"/>
+              <a:rPr kumimoji="1" lang="ko-KR" altLang="en-US" dirty="0"/>
               <a:t>더복잡하게 느껴지는건 기분탓인가</a:t>
             </a:r>
             <a:r>
-              <a:rPr kumimoji="1" lang="en-US" altLang="ko-KR" dirty="0" smtClean="0"/>
+              <a:rPr kumimoji="1" lang="en-US" altLang="ko-KR" dirty="0"/>
               <a:t>??</a:t>
             </a:r>
             <a:endParaRPr kumimoji="1" lang="ko-KR" altLang="en-US" dirty="0"/>
@@ -12889,13 +12574,6 @@
   <p:clrMapOvr>
     <a:masterClrMapping/>
   </p:clrMapOvr>
-  <p:timing>
-    <p:tnLst>
-      <p:par>
-        <p:cTn id="1" dur="indefinite" restart="never" nodeType="tmRoot"/>
-      </p:par>
-    </p:tnLst>
-  </p:timing>
 </p:sld>
 </file>
 
@@ -12944,7 +12622,7 @@
               <a:t>를 쓰는가</a:t>
             </a:r>
             <a:r>
-              <a:rPr lang="en-US" altLang="ko-KR" b="1" dirty="0" smtClean="0"/>
+              <a:rPr lang="en-US" altLang="ko-KR" b="1" dirty="0"/>
               <a:t>?</a:t>
             </a:r>
             <a:endParaRPr kumimoji="1" lang="ko-KR" altLang="en-US" dirty="0"/>
@@ -12980,13 +12658,8 @@
             </a:r>
             <a:r>
               <a:rPr lang="ko-KR" altLang="ko-KR" b="1" dirty="0"/>
-              <a:t>관계 간 모델 </a:t>
-            </a:r>
-            <a:r>
-              <a:rPr lang="ko-KR" altLang="ko-KR" b="1" dirty="0" smtClean="0"/>
-              <a:t>불일치</a:t>
-            </a:r>
-            <a:endParaRPr lang="ko-KR" altLang="ko-KR" b="1" dirty="0"/>
+              <a:t>관계 간 모델 불일치</a:t>
+            </a:r>
           </a:p>
         </p:txBody>
       </p:sp>
@@ -13153,7 +12826,7 @@
           <a:lstStyle/>
           <a:p>
             <a:r>
-              <a:rPr kumimoji="1" lang="en-US" altLang="ko-KR" dirty="0" smtClean="0"/>
+              <a:rPr kumimoji="1" lang="en-US" altLang="ko-KR" dirty="0"/>
               <a:t>DATABASE (1:N)</a:t>
             </a:r>
             <a:endParaRPr kumimoji="1" lang="ko-KR" altLang="en-US" dirty="0"/>
@@ -13189,15 +12862,7 @@
           <a:p>
             <a:r>
               <a:rPr lang="en-US" altLang="ko-KR" dirty="0"/>
-              <a:t>public class User </a:t>
-            </a:r>
-            <a:r>
-              <a:rPr lang="en-US" altLang="ko-KR" dirty="0" smtClean="0"/>
-              <a:t>{ </a:t>
-            </a:r>
-            <a:r>
-              <a:rPr lang="en-US" altLang="ko-KR" dirty="0"/>
-              <a:t/>
+              <a:t>public class User { </a:t>
             </a:r>
             <a:br>
               <a:rPr lang="en-US" altLang="ko-KR" dirty="0"/>
@@ -13226,37 +12891,25 @@
             </a:br>
             <a:r>
               <a:rPr lang="en-US" altLang="ko-KR" dirty="0"/>
-              <a:t>   String password</a:t>
-            </a:r>
-            <a:r>
-              <a:rPr lang="en-US" altLang="ko-KR" dirty="0" smtClean="0"/>
-              <a:t>;</a:t>
+              <a:t>   String password;</a:t>
             </a:r>
           </a:p>
           <a:p>
             <a:endParaRPr lang="en-US" altLang="ko-KR" dirty="0"/>
           </a:p>
           <a:p>
-            <a:endParaRPr lang="en-US" altLang="ko-KR" dirty="0" smtClean="0"/>
-          </a:p>
-          <a:p>
-            <a:r>
-              <a:rPr lang="en-US" altLang="ko-KR" dirty="0"/>
-              <a:t/>
-            </a:r>
+            <a:endParaRPr lang="en-US" altLang="ko-KR" dirty="0"/>
+          </a:p>
+          <a:p>
             <a:br>
               <a:rPr lang="en-US" altLang="ko-KR" dirty="0"/>
             </a:br>
             <a:r>
               <a:rPr lang="en-US" altLang="ko-KR" dirty="0"/>
-              <a:t>   private </a:t>
-            </a:r>
-            <a:r>
-              <a:rPr lang="en-US" altLang="ko-KR" dirty="0" smtClean="0"/>
-              <a:t>List&lt;</a:t>
-            </a:r>
-            <a:r>
-              <a:rPr lang="en-US" altLang="ko-KR" dirty="0" err="1" smtClean="0"/>
+              <a:t>   private List&lt;</a:t>
+            </a:r>
+            <a:r>
+              <a:rPr lang="en-US" altLang="ko-KR" dirty="0" err="1"/>
               <a:t>AuthComposite</a:t>
             </a:r>
             <a:r>
@@ -13275,7 +12928,7 @@
               <a:rPr lang="en-US" altLang="ko-KR" dirty="0"/>
             </a:br>
             <a:r>
-              <a:rPr lang="en-US" altLang="ko-KR" dirty="0" smtClean="0"/>
+              <a:rPr lang="en-US" altLang="ko-KR" dirty="0"/>
               <a:t>}</a:t>
             </a:r>
             <a:endParaRPr kumimoji="1" lang="ko-KR" altLang="en-US" dirty="0"/>
@@ -13319,15 +12972,7 @@
             </a:r>
             <a:r>
               <a:rPr lang="en-US" altLang="ko-KR" dirty="0"/>
-              <a:t> </a:t>
-            </a:r>
-            <a:r>
-              <a:rPr lang="en-US" altLang="ko-KR" dirty="0" smtClean="0"/>
-              <a:t>{</a:t>
-            </a:r>
-            <a:r>
-              <a:rPr lang="en-US" altLang="ko-KR" dirty="0"/>
-              <a:t/>
+              <a:t> {</a:t>
             </a:r>
             <a:br>
               <a:rPr lang="en-US" altLang="ko-KR" dirty="0"/>
@@ -13348,7 +12993,7 @@
               <a:rPr lang="en-US" altLang="ko-KR" dirty="0"/>
             </a:br>
             <a:r>
-              <a:rPr lang="en-US" altLang="ko-KR" dirty="0" smtClean="0"/>
+              <a:rPr lang="en-US" altLang="ko-KR" dirty="0"/>
               <a:t>String </a:t>
             </a:r>
             <a:r>
@@ -13356,43 +13001,31 @@
               <a:t>auth</a:t>
             </a:r>
             <a:r>
-              <a:rPr lang="en-US" altLang="ko-KR" dirty="0" smtClean="0"/>
+              <a:rPr lang="en-US" altLang="ko-KR" dirty="0"/>
               <a:t>;</a:t>
-            </a:r>
-            <a:r>
-              <a:rPr lang="en-US" altLang="ko-KR" dirty="0"/>
-              <a:t/>
             </a:r>
             <a:br>
               <a:rPr lang="en-US" altLang="ko-KR" dirty="0"/>
             </a:br>
             <a:r>
               <a:rPr lang="en-US" altLang="ko-KR" dirty="0"/>
-              <a:t>Date </a:t>
-            </a:r>
-            <a:r>
-              <a:rPr lang="en-US" altLang="ko-KR" dirty="0" smtClean="0"/>
-              <a:t>expiry;</a:t>
-            </a:r>
-          </a:p>
-          <a:p>
-            <a:r>
-              <a:rPr lang="en-US" altLang="ko-KR" dirty="0" smtClean="0"/>
+              <a:t>Date expiry;</a:t>
+            </a:r>
+          </a:p>
+          <a:p>
+            <a:r>
+              <a:rPr lang="en-US" altLang="ko-KR" dirty="0"/>
               <a:t>String </a:t>
             </a:r>
             <a:r>
-              <a:rPr lang="en-US" altLang="ko-KR" dirty="0" err="1" smtClean="0"/>
+              <a:rPr lang="en-US" altLang="ko-KR" dirty="0" err="1"/>
               <a:t>auth_key</a:t>
-            </a:r>
-            <a:r>
-              <a:rPr lang="en-US" altLang="ko-KR" dirty="0"/>
-              <a:t/>
             </a:r>
             <a:br>
               <a:rPr lang="en-US" altLang="ko-KR" dirty="0"/>
             </a:br>
             <a:r>
-              <a:rPr lang="en-US" altLang="ko-KR" dirty="0" smtClean="0"/>
+              <a:rPr lang="en-US" altLang="ko-KR" dirty="0"/>
               <a:t>}</a:t>
             </a:r>
             <a:endParaRPr kumimoji="1" lang="ko-KR" altLang="en-US" dirty="0"/>
@@ -13422,23 +13055,15 @@
           <a:lstStyle/>
           <a:p>
             <a:r>
-              <a:rPr kumimoji="1" lang="en-US" altLang="ko-KR" dirty="0" smtClean="0"/>
-              <a:t>O</a:t>
-            </a:r>
-            <a:r>
-              <a:rPr kumimoji="1" lang="en-US" altLang="ko-KR" dirty="0" smtClean="0"/>
-              <a:t>bject</a:t>
-            </a:r>
-            <a:r>
-              <a:rPr kumimoji="1" lang="en-US" altLang="ko-KR" dirty="0" smtClean="0"/>
-              <a:t> </a:t>
-            </a:r>
-            <a:r>
-              <a:rPr kumimoji="1" lang="en-US" altLang="ko-KR" dirty="0" err="1" smtClean="0"/>
+              <a:rPr kumimoji="1" lang="en-US" altLang="ko-KR" dirty="0"/>
+              <a:t>Object </a:t>
+            </a:r>
+            <a:r>
+              <a:rPr kumimoji="1" lang="en-US" altLang="ko-KR" dirty="0" err="1"/>
               <a:t>Maping</a:t>
             </a:r>
             <a:r>
-              <a:rPr kumimoji="1" lang="en-US" altLang="ko-KR" dirty="0" smtClean="0"/>
+              <a:rPr kumimoji="1" lang="en-US" altLang="ko-KR" dirty="0"/>
               <a:t> (1:N)</a:t>
             </a:r>
             <a:endParaRPr kumimoji="1" lang="ko-KR" altLang="en-US" dirty="0"/>
@@ -13507,13 +13132,6 @@
   <p:clrMapOvr>
     <a:masterClrMapping/>
   </p:clrMapOvr>
-  <p:timing>
-    <p:tnLst>
-      <p:par>
-        <p:cTn id="1" dur="indefinite" restart="never" nodeType="tmRoot"/>
-      </p:par>
-    </p:tnLst>
-  </p:timing>
 </p:sld>
 </file>
 
@@ -13659,11 +13277,11 @@
           <a:p>
             <a:pPr algn="ctr"/>
             <a:r>
-              <a:rPr kumimoji="1" lang="ko-KR" altLang="en-US" sz="3200" dirty="0" smtClean="0"/>
+              <a:rPr kumimoji="1" lang="ko-KR" altLang="en-US" sz="3200" dirty="0"/>
               <a:t>익숙하니 겁나 좋군</a:t>
             </a:r>
             <a:r>
-              <a:rPr kumimoji="1" lang="en-US" altLang="ko-KR" sz="3200" dirty="0" smtClean="0"/>
+              <a:rPr kumimoji="1" lang="en-US" altLang="ko-KR" sz="3200" dirty="0"/>
               <a:t>~</a:t>
             </a:r>
             <a:endParaRPr kumimoji="1" lang="ko-KR" altLang="en-US" sz="3200" dirty="0"/>
@@ -13680,13 +13298,6 @@
   <p:clrMapOvr>
     <a:masterClrMapping/>
   </p:clrMapOvr>
-  <p:timing>
-    <p:tnLst>
-      <p:par>
-        <p:cTn id="1" dur="indefinite" restart="never" nodeType="tmRoot"/>
-      </p:par>
-    </p:tnLst>
-  </p:timing>
 </p:sld>
 </file>
 
@@ -13751,70 +13362,50 @@
           <a:lstStyle/>
           <a:p>
             <a:r>
-              <a:rPr lang="ko-KR" altLang="en-US" dirty="0" smtClean="0"/>
+              <a:rPr lang="ko-KR" altLang="en-US" dirty="0"/>
               <a:t>클래스 레벨에서 엔티티의</a:t>
             </a:r>
-            <a:r>
-              <a:rPr lang="en-US" altLang="ko-KR" dirty="0" smtClean="0"/>
-              <a:t/>
-            </a:r>
             <a:br>
-              <a:rPr lang="en-US" altLang="ko-KR" dirty="0" smtClean="0"/>
+              <a:rPr lang="en-US" altLang="ko-KR" dirty="0"/>
             </a:br>
             <a:r>
-              <a:rPr lang="ko-KR" altLang="en-US" dirty="0" smtClean="0"/>
+              <a:rPr lang="ko-KR" altLang="en-US" dirty="0"/>
               <a:t>쿼리를 사용하기 위해 </a:t>
             </a:r>
-            <a:r>
-              <a:rPr lang="en-US" altLang="ko-KR" dirty="0" smtClean="0"/>
-              <a:t/>
-            </a:r>
             <a:br>
-              <a:rPr lang="en-US" altLang="ko-KR" dirty="0" smtClean="0"/>
+              <a:rPr lang="en-US" altLang="ko-KR" dirty="0"/>
             </a:br>
             <a:r>
-              <a:rPr lang="en-US" altLang="ko-KR" dirty="0" smtClean="0"/>
+              <a:rPr lang="en-US" altLang="ko-KR" dirty="0"/>
               <a:t>@</a:t>
             </a:r>
             <a:r>
-              <a:rPr lang="en-US" altLang="ko-KR" dirty="0" err="1" smtClean="0"/>
+              <a:rPr lang="en-US" altLang="ko-KR" dirty="0" err="1"/>
               <a:t>NamedQuery</a:t>
             </a:r>
             <a:r>
-              <a:rPr lang="ko-KR" altLang="en-US" dirty="0" smtClean="0"/>
+              <a:rPr lang="ko-KR" altLang="en-US" dirty="0"/>
               <a:t>이용</a:t>
             </a:r>
-            <a:r>
-              <a:rPr lang="en-US" altLang="ko-KR" dirty="0" smtClean="0"/>
-              <a:t/>
-            </a:r>
             <a:br>
-              <a:rPr lang="en-US" altLang="ko-KR" dirty="0" smtClean="0"/>
+              <a:rPr lang="en-US" altLang="ko-KR" dirty="0"/>
             </a:br>
-            <a:r>
-              <a:rPr lang="en-US" altLang="ko-KR" dirty="0" smtClean="0"/>
-              <a:t/>
-            </a:r>
             <a:br>
-              <a:rPr lang="en-US" altLang="ko-KR" dirty="0" smtClean="0"/>
+              <a:rPr lang="en-US" altLang="ko-KR" dirty="0"/>
             </a:br>
             <a:r>
-              <a:rPr lang="ko-KR" altLang="en-US" dirty="0" smtClean="0"/>
+              <a:rPr lang="ko-KR" altLang="en-US" dirty="0"/>
               <a:t>매핑 파일에 선언</a:t>
             </a:r>
-            <a:r>
-              <a:rPr lang="en-US" altLang="ko-KR" dirty="0" smtClean="0"/>
-              <a:t/>
-            </a:r>
             <a:br>
-              <a:rPr lang="en-US" altLang="ko-KR" dirty="0" smtClean="0"/>
+              <a:rPr lang="en-US" altLang="ko-KR" dirty="0"/>
             </a:br>
             <a:r>
-              <a:rPr lang="ko-KR" altLang="en-US" dirty="0" smtClean="0"/>
+              <a:rPr lang="ko-KR" altLang="en-US" dirty="0"/>
               <a:t>사용할수 있다</a:t>
             </a:r>
             <a:r>
-              <a:rPr lang="en-US" altLang="ko-KR" dirty="0" smtClean="0"/>
+              <a:rPr lang="en-US" altLang="ko-KR" dirty="0"/>
               <a:t>.</a:t>
             </a:r>
             <a:endParaRPr kumimoji="1" lang="ko-KR" altLang="en-US" dirty="0"/>
@@ -13855,13 +13446,6 @@
   <p:clrMapOvr>
     <a:masterClrMapping/>
   </p:clrMapOvr>
-  <p:timing>
-    <p:tnLst>
-      <p:par>
-        <p:cTn id="1" dur="indefinite" restart="never" nodeType="tmRoot"/>
-      </p:par>
-    </p:tnLst>
-  </p:timing>
 </p:sld>
 </file>
 
@@ -14001,13 +13585,6 @@
   <p:clrMapOvr>
     <a:masterClrMapping/>
   </p:clrMapOvr>
-  <p:timing>
-    <p:tnLst>
-      <p:par>
-        <p:cTn id="1" dur="indefinite" restart="never" nodeType="tmRoot"/>
-      </p:par>
-    </p:tnLst>
-  </p:timing>
 </p:sld>
 </file>
 
@@ -14140,13 +13717,6 @@
   <p:clrMapOvr>
     <a:masterClrMapping/>
   </p:clrMapOvr>
-  <p:timing>
-    <p:tnLst>
-      <p:par>
-        <p:cTn id="1" dur="indefinite" restart="never" nodeType="tmRoot"/>
-      </p:par>
-    </p:tnLst>
-  </p:timing>
 </p:sld>
 </file>
 
@@ -14248,11 +13818,11 @@
               <a:defRPr/>
             </a:pPr>
             <a:r>
-              <a:rPr kumimoji="1" lang="ko-KR" altLang="en-US" dirty="0" smtClean="0"/>
+              <a:rPr kumimoji="1" lang="ko-KR" altLang="en-US" dirty="0"/>
               <a:t>감사합니다</a:t>
             </a:r>
             <a:r>
-              <a:rPr kumimoji="1" lang="en-US" altLang="ko-KR" dirty="0" smtClean="0"/>
+              <a:rPr kumimoji="1" lang="en-US" altLang="ko-KR" dirty="0"/>
               <a:t>.</a:t>
             </a:r>
             <a:endParaRPr kumimoji="1" lang="ko-KR" altLang="en-US" dirty="0"/>
@@ -14269,13 +13839,6 @@
   <p:clrMapOvr>
     <a:masterClrMapping/>
   </p:clrMapOvr>
-  <p:timing>
-    <p:tnLst>
-      <p:par>
-        <p:cTn id="1" dur="indefinite" restart="never" nodeType="tmRoot"/>
-      </p:par>
-    </p:tnLst>
-  </p:timing>
 </p:sld>
 </file>
 
@@ -14324,7 +13887,7 @@
               <a:t>를 쓰는가</a:t>
             </a:r>
             <a:r>
-              <a:rPr lang="en-US" altLang="ko-KR" b="1" dirty="0" smtClean="0"/>
+              <a:rPr lang="en-US" altLang="ko-KR" b="1" dirty="0"/>
               <a:t>?</a:t>
             </a:r>
             <a:endParaRPr kumimoji="1" lang="ko-KR" altLang="en-US" dirty="0"/>
@@ -14373,7 +13936,7 @@
               <a:t>관계형 스키마에서는 지원하지 않는다</a:t>
             </a:r>
             <a:r>
-              <a:rPr lang="en-US" altLang="ko-KR" dirty="0" smtClean="0"/>
+              <a:rPr lang="en-US" altLang="ko-KR" dirty="0"/>
               <a:t>.</a:t>
             </a:r>
           </a:p>
@@ -14393,13 +13956,9 @@
             </a:r>
             <a:r>
               <a:rPr lang="ko-KR" altLang="ko-KR" dirty="0"/>
-              <a:t>특히 자바에서 바늘과 실처럼 뗄 수 없는 </a:t>
-            </a:r>
-            <a:r>
-              <a:rPr lang="ko-KR" altLang="ko-KR" dirty="0" smtClean="0"/>
-              <a:t>특징입니다</a:t>
-            </a:r>
-            <a:endParaRPr lang="en-US" altLang="ko-KR" dirty="0" smtClean="0"/>
+              <a:t>특히 자바에서 바늘과 실처럼 뗄 수 없는 특징입니다</a:t>
+            </a:r>
+            <a:endParaRPr lang="en-US" altLang="ko-KR" dirty="0"/>
           </a:p>
           <a:p>
             <a:pPr lvl="1" latinLnBrk="0"/>
@@ -14408,7 +13967,7 @@
           <a:p>
             <a:pPr lvl="1" latinLnBrk="0"/>
             <a:r>
-              <a:rPr lang="ko-KR" altLang="en-US" dirty="0" smtClean="0"/>
+              <a:rPr lang="ko-KR" altLang="en-US" dirty="0"/>
               <a:t>하이버네이트는 </a:t>
             </a:r>
             <a:r>
@@ -14456,13 +14015,6 @@
   <p:clrMapOvr>
     <a:masterClrMapping/>
   </p:clrMapOvr>
-  <p:timing>
-    <p:tnLst>
-      <p:par>
-        <p:cTn id="1" dur="indefinite" restart="never" nodeType="tmRoot"/>
-      </p:par>
-    </p:tnLst>
-  </p:timing>
 </p:sld>
 </file>
 
@@ -14511,7 +14063,7 @@
               <a:t>를 쓰는가</a:t>
             </a:r>
             <a:r>
-              <a:rPr lang="en-US" altLang="ko-KR" b="1" dirty="0" smtClean="0"/>
+              <a:rPr lang="en-US" altLang="ko-KR" b="1" dirty="0"/>
               <a:t>?</a:t>
             </a:r>
             <a:endParaRPr kumimoji="1" lang="ko-KR" altLang="en-US" dirty="0"/>
@@ -14544,40 +14096,31 @@
             </a:r>
             <a:r>
               <a:rPr lang="ko-KR" altLang="ko-KR" b="1" dirty="0"/>
-              <a:t>관계와 연관 관계의 </a:t>
-            </a:r>
-            <a:r>
-              <a:rPr lang="ko-KR" altLang="ko-KR" b="1" dirty="0" smtClean="0"/>
-              <a:t>불일치</a:t>
-            </a:r>
-            <a:r>
-              <a:rPr lang="en-US" altLang="ko-KR" b="1" dirty="0" smtClean="0"/>
+              <a:t>관계와 연관 관계의 불일치</a:t>
+            </a:r>
+            <a:r>
+              <a:rPr lang="en-US" altLang="ko-KR" b="1" dirty="0"/>
               <a:t> (</a:t>
             </a:r>
             <a:r>
-              <a:rPr lang="en-US" altLang="ko-KR" dirty="0" smtClean="0"/>
+              <a:rPr lang="en-US" altLang="ko-KR" dirty="0"/>
               <a:t>SQL </a:t>
             </a:r>
             <a:r>
               <a:rPr lang="ko-KR" altLang="ko-KR" dirty="0"/>
-              <a:t>중심적인 개발의 </a:t>
-            </a:r>
-            <a:r>
-              <a:rPr lang="ko-KR" altLang="ko-KR" dirty="0" smtClean="0"/>
-              <a:t>문제점</a:t>
-            </a:r>
-            <a:r>
-              <a:rPr lang="en-US" altLang="ko-KR" dirty="0" smtClean="0"/>
+              <a:t>중심적인 개발의 문제점</a:t>
+            </a:r>
+            <a:r>
+              <a:rPr lang="en-US" altLang="ko-KR" dirty="0"/>
               <a:t>)</a:t>
             </a:r>
+          </a:p>
+          <a:p>
             <a:endParaRPr lang="en-US" altLang="ko-KR" dirty="0"/>
           </a:p>
           <a:p>
-            <a:endParaRPr lang="en-US" altLang="ko-KR" dirty="0" smtClean="0"/>
-          </a:p>
-          <a:p>
-            <a:r>
-              <a:rPr lang="en-US" altLang="ko-KR" dirty="0" smtClean="0"/>
+            <a:r>
+              <a:rPr lang="en-US" altLang="ko-KR" dirty="0"/>
               <a:t>field </a:t>
             </a:r>
             <a:r>
@@ -14594,36 +14137,31 @@
             </a:r>
             <a:r>
               <a:rPr lang="en-US" altLang="ko-KR" dirty="0"/>
-              <a:t> </a:t>
-            </a:r>
-            <a:r>
-              <a:rPr lang="en-US" altLang="ko-KR" dirty="0" smtClean="0"/>
-              <a:t>VO</a:t>
+              <a:t> VO</a:t>
             </a:r>
             <a:r>
               <a:rPr lang="ko-KR" altLang="ko-KR" dirty="0"/>
               <a:t>도 바꿔야되고 </a:t>
             </a:r>
             <a:r>
-              <a:rPr lang="en-US" altLang="ko-KR" dirty="0" smtClean="0"/>
+              <a:rPr lang="en-US" altLang="ko-KR" dirty="0"/>
               <a:t>View</a:t>
             </a:r>
             <a:r>
-              <a:rPr lang="ko-KR" altLang="en-US" dirty="0" smtClean="0"/>
+              <a:rPr lang="ko-KR" altLang="en-US" dirty="0"/>
               <a:t>바뀌고</a:t>
             </a:r>
             <a:r>
-              <a:rPr lang="en-US" altLang="ko-KR" dirty="0" smtClean="0"/>
+              <a:rPr lang="en-US" altLang="ko-KR" dirty="0"/>
               <a:t>...</a:t>
             </a:r>
-            <a:endParaRPr lang="en-US" altLang="ko-KR" dirty="0" smtClean="0"/>
           </a:p>
           <a:p>
             <a:endParaRPr lang="ko-KR" altLang="ko-KR" dirty="0"/>
           </a:p>
           <a:p>
             <a:r>
-              <a:rPr lang="en-US" altLang="ko-KR" dirty="0" smtClean="0"/>
+              <a:rPr lang="en-US" altLang="ko-KR" dirty="0"/>
               <a:t>SQL</a:t>
             </a:r>
             <a:r>
@@ -14631,7 +14169,7 @@
               <a:t>에 의존적인 개발을 피하기 어렵다</a:t>
             </a:r>
             <a:r>
-              <a:rPr lang="en-US" altLang="ko-KR" dirty="0" smtClean="0"/>
+              <a:rPr lang="en-US" altLang="ko-KR" dirty="0"/>
               <a:t>.</a:t>
             </a:r>
           </a:p>
@@ -14640,12 +14178,8 @@
           </a:p>
           <a:p>
             <a:r>
-              <a:rPr lang="ko-KR" altLang="ko-KR" dirty="0" smtClean="0"/>
-              <a:t>객체답게 </a:t>
-            </a:r>
-            <a:r>
               <a:rPr lang="ko-KR" altLang="ko-KR" dirty="0"/>
-              <a:t>모델링 할수록 매핑 작업만 늘어난다</a:t>
+              <a:t>객체답게 모델링 할수록 매핑 작업만 늘어난다</a:t>
             </a:r>
           </a:p>
           <a:p>
@@ -14667,13 +14201,6 @@
   <p:clrMapOvr>
     <a:masterClrMapping/>
   </p:clrMapOvr>
-  <p:timing>
-    <p:tnLst>
-      <p:par>
-        <p:cTn id="1" dur="indefinite" restart="never" nodeType="tmRoot"/>
-      </p:par>
-    </p:tnLst>
-  </p:timing>
 </p:sld>
 </file>
 
@@ -14722,7 +14249,7 @@
               <a:t>를 쓰는가</a:t>
             </a:r>
             <a:r>
-              <a:rPr lang="en-US" altLang="ko-KR" b="1" dirty="0" smtClean="0"/>
+              <a:rPr lang="en-US" altLang="ko-KR" b="1" dirty="0"/>
               <a:t>?</a:t>
             </a:r>
             <a:endParaRPr kumimoji="1" lang="ko-KR" altLang="en-US" dirty="0"/>
@@ -14747,10 +14274,9 @@
           <a:lstStyle/>
           <a:p>
             <a:r>
-              <a:rPr lang="ko-KR" altLang="ko-KR" b="1" dirty="0" smtClean="0"/>
+              <a:rPr lang="ko-KR" altLang="ko-KR" b="1" dirty="0"/>
               <a:t>장점</a:t>
             </a:r>
-            <a:endParaRPr lang="ko-KR" altLang="ko-KR" b="1" dirty="0"/>
           </a:p>
           <a:p>
             <a:pPr lvl="0" latinLnBrk="0"/>
@@ -14759,7 +14285,7 @@
               <a:t>객체지향적으로 데이터를 관리할 수 있기 때문에 비즈니스 로직에 집중 할 수 </a:t>
             </a:r>
             <a:r>
-              <a:rPr lang="ko-KR" altLang="en-US" dirty="0" smtClean="0"/>
+              <a:rPr lang="ko-KR" altLang="en-US" dirty="0"/>
               <a:t>있다</a:t>
             </a:r>
             <a:endParaRPr lang="ko-KR" altLang="ko-KR" dirty="0"/>
@@ -14767,12 +14293,8 @@
           <a:p>
             <a:pPr lvl="0" latinLnBrk="0"/>
             <a:r>
-              <a:rPr lang="ko-KR" altLang="ko-KR" dirty="0" smtClean="0"/>
-              <a:t>테이블 </a:t>
-            </a:r>
-            <a:r>
               <a:rPr lang="ko-KR" altLang="ko-KR" dirty="0"/>
-              <a:t>생성</a:t>
+              <a:t>테이블 생성</a:t>
             </a:r>
             <a:r>
               <a:rPr lang="en-US" altLang="ko-KR" dirty="0"/>
@@ -14804,23 +14326,15 @@
             </a:r>
             <a:r>
               <a:rPr lang="ko-KR" altLang="ko-KR" dirty="0"/>
-              <a:t>로직을 쿼리에 집중하기 </a:t>
-            </a:r>
-            <a:r>
-              <a:rPr lang="ko-KR" altLang="ko-KR" dirty="0" smtClean="0"/>
-              <a:t>보다는</a:t>
-            </a:r>
-            <a:r>
-              <a:rPr lang="ko-KR" altLang="en-US" dirty="0" smtClean="0"/>
+              <a:t>로직을 쿼리에 집중하기 보다는</a:t>
+            </a:r>
+            <a:r>
+              <a:rPr lang="ko-KR" altLang="en-US" dirty="0"/>
               <a:t>  </a:t>
             </a:r>
             <a:r>
-              <a:rPr lang="ko-KR" altLang="ko-KR" dirty="0" smtClean="0"/>
-              <a:t>객체자체에 </a:t>
-            </a:r>
-            <a:r>
               <a:rPr lang="ko-KR" altLang="ko-KR" dirty="0"/>
-              <a:t>집중 할 수 있습니다</a:t>
+              <a:t>객체자체에 집중 할 수 있습니다</a:t>
             </a:r>
             <a:r>
               <a:rPr lang="en-US" altLang="ko-KR" dirty="0"/>
@@ -14835,10 +14349,9 @@
               <a:t>빠른 개발이 가능합니다</a:t>
             </a:r>
             <a:r>
-              <a:rPr lang="en-US" altLang="ko-KR" dirty="0" smtClean="0"/>
+              <a:rPr lang="en-US" altLang="ko-KR" dirty="0"/>
               <a:t>.</a:t>
             </a:r>
-            <a:endParaRPr lang="en-US" altLang="ko-KR" dirty="0"/>
           </a:p>
           <a:p>
             <a:pPr lvl="0" latinLnBrk="0"/>
@@ -14881,11 +14394,11 @@
               <a:t>잘 이해하고 사용하지 않으면 </a:t>
             </a:r>
             <a:r>
-              <a:rPr lang="ko-KR" altLang="en-US" dirty="0" smtClean="0"/>
+              <a:rPr lang="ko-KR" altLang="en-US" dirty="0"/>
               <a:t>예상과 다르게 돌아갈수 </a:t>
             </a:r>
             <a:r>
-              <a:rPr lang="ko-KR" altLang="ko-KR" dirty="0" smtClean="0"/>
+              <a:rPr lang="ko-KR" altLang="ko-KR" dirty="0"/>
               <a:t>있습니다</a:t>
             </a:r>
             <a:r>
@@ -14913,13 +14426,6 @@
   <p:clrMapOvr>
     <a:masterClrMapping/>
   </p:clrMapOvr>
-  <p:timing>
-    <p:tnLst>
-      <p:par>
-        <p:cTn id="1" dur="indefinite" restart="never" nodeType="tmRoot"/>
-      </p:par>
-    </p:tnLst>
-  </p:timing>
 </p:sld>
 </file>
 
@@ -14956,19 +14462,19 @@
           <a:lstStyle/>
           <a:p>
             <a:r>
-              <a:rPr kumimoji="1" lang="ko-KR" altLang="en-US" dirty="0" smtClean="0"/>
+              <a:rPr kumimoji="1" lang="ko-KR" altLang="en-US" dirty="0"/>
               <a:t>정리해보자면 왜</a:t>
             </a:r>
             <a:r>
-              <a:rPr kumimoji="1" lang="en-US" altLang="ko-KR" dirty="0" smtClean="0"/>
+              <a:rPr kumimoji="1" lang="en-US" altLang="ko-KR" dirty="0"/>
               <a:t>?</a:t>
             </a:r>
             <a:r>
-              <a:rPr kumimoji="1" lang="ko-KR" altLang="en-US" dirty="0" smtClean="0"/>
+              <a:rPr kumimoji="1" lang="ko-KR" altLang="en-US" dirty="0"/>
               <a:t> </a:t>
             </a:r>
             <a:r>
-              <a:rPr kumimoji="1" lang="en-US" altLang="ko-KR" dirty="0" smtClean="0"/>
+              <a:rPr kumimoji="1" lang="en-US" altLang="ko-KR" dirty="0"/>
               <a:t>Hibernate??</a:t>
             </a:r>
             <a:endParaRPr kumimoji="1" lang="ko-KR" altLang="en-US" dirty="0"/>
@@ -15010,30 +14516,30 @@
               <a:defRPr/>
             </a:pPr>
             <a:r>
-              <a:rPr kumimoji="1" lang="en-US" altLang="ko-KR" sz="4800" dirty="0" smtClean="0"/>
+              <a:rPr kumimoji="1" lang="en-US" altLang="ko-KR" sz="4800" dirty="0"/>
               <a:t>1.</a:t>
             </a:r>
             <a:r>
-              <a:rPr kumimoji="1" lang="ko-KR" altLang="en-US" sz="4800" dirty="0" smtClean="0"/>
+              <a:rPr kumimoji="1" lang="ko-KR" altLang="en-US" sz="4800" dirty="0"/>
               <a:t> </a:t>
             </a:r>
             <a:r>
-              <a:rPr kumimoji="1" lang="en-US" altLang="ko-KR" sz="4800" dirty="0" smtClean="0"/>
+              <a:rPr kumimoji="1" lang="en-US" altLang="ko-KR" sz="4800" dirty="0"/>
               <a:t>SQL </a:t>
             </a:r>
             <a:r>
-              <a:rPr kumimoji="1" lang="ko-KR" altLang="en-US" sz="4800" dirty="0" smtClean="0"/>
+              <a:rPr kumimoji="1" lang="ko-KR" altLang="en-US" sz="4800" dirty="0"/>
               <a:t>짜기 싫어</a:t>
             </a:r>
             <a:r>
-              <a:rPr kumimoji="1" lang="en-US" altLang="ko-KR" sz="4800" dirty="0" smtClean="0"/>
+              <a:rPr kumimoji="1" lang="en-US" altLang="ko-KR" sz="4800" dirty="0"/>
               <a:t>!~</a:t>
             </a:r>
             <a:r>
-              <a:rPr kumimoji="1" lang="ko-KR" altLang="en-US" sz="4800" dirty="0" smtClean="0"/>
+              <a:rPr kumimoji="1" lang="ko-KR" altLang="en-US" sz="4800" dirty="0"/>
               <a:t>ㅠㅠ</a:t>
             </a:r>
-            <a:endParaRPr kumimoji="1" lang="en-US" altLang="ko-KR" sz="4800" dirty="0" smtClean="0"/>
+            <a:endParaRPr kumimoji="1" lang="en-US" altLang="ko-KR" sz="4800" dirty="0"/>
           </a:p>
           <a:p>
             <a:pPr marL="0" marR="0" lvl="0" indent="0" defTabSz="914400" eaLnBrk="1" fontAlgn="auto" latinLnBrk="0" hangingPunct="1">
@@ -15074,15 +14580,15 @@
               <a:defRPr/>
             </a:pPr>
             <a:r>
-              <a:rPr kumimoji="1" lang="en-US" altLang="ko-KR" sz="4800" dirty="0" smtClean="0"/>
+              <a:rPr kumimoji="1" lang="en-US" altLang="ko-KR" sz="4800" dirty="0"/>
               <a:t>2.</a:t>
             </a:r>
             <a:r>
-              <a:rPr kumimoji="1" lang="ko-KR" altLang="en-US" sz="4800" dirty="0" smtClean="0"/>
+              <a:rPr kumimoji="1" lang="ko-KR" altLang="en-US" sz="4800" dirty="0"/>
               <a:t> 매번 객체 맵핑 시키는거 귀찮아</a:t>
             </a:r>
             <a:r>
-              <a:rPr kumimoji="1" lang="en-US" altLang="ko-KR" sz="4800" dirty="0" smtClean="0"/>
+              <a:rPr kumimoji="1" lang="en-US" altLang="ko-KR" sz="4800" dirty="0"/>
               <a:t>~</a:t>
             </a:r>
           </a:p>
@@ -15104,7 +14610,7 @@
               <a:tabLst/>
               <a:defRPr/>
             </a:pPr>
-            <a:endParaRPr kumimoji="1" lang="en-US" altLang="ko-KR" sz="4800" dirty="0" smtClean="0"/>
+            <a:endParaRPr kumimoji="1" lang="en-US" altLang="ko-KR" sz="4800" dirty="0"/>
           </a:p>
           <a:p>
             <a:pPr marL="0" marR="0" lvl="0" indent="0" defTabSz="914400" eaLnBrk="1" fontAlgn="auto" latinLnBrk="0" hangingPunct="1">
@@ -15125,15 +14631,15 @@
               <a:defRPr/>
             </a:pPr>
             <a:r>
-              <a:rPr kumimoji="1" lang="en-US" altLang="ko-KR" sz="4800" dirty="0" smtClean="0"/>
+              <a:rPr kumimoji="1" lang="en-US" altLang="ko-KR" sz="4800" dirty="0"/>
               <a:t>3.</a:t>
             </a:r>
             <a:r>
-              <a:rPr kumimoji="1" lang="ko-KR" altLang="en-US" sz="4800" dirty="0" smtClean="0"/>
+              <a:rPr kumimoji="1" lang="ko-KR" altLang="en-US" sz="4800" dirty="0"/>
               <a:t> 나는 비지니스 로직에 집중할꺼야</a:t>
             </a:r>
             <a:r>
-              <a:rPr kumimoji="1" lang="en-US" altLang="ko-KR" sz="4800" dirty="0" smtClean="0"/>
+              <a:rPr kumimoji="1" lang="en-US" altLang="ko-KR" sz="4800" dirty="0"/>
               <a:t>~</a:t>
             </a:r>
             <a:endParaRPr kumimoji="1" lang="ko-KR" altLang="en-US" sz="4800" dirty="0"/>
@@ -15150,13 +14656,6 @@
   <p:clrMapOvr>
     <a:masterClrMapping/>
   </p:clrMapOvr>
-  <p:timing>
-    <p:tnLst>
-      <p:par>
-        <p:cTn id="1" dur="indefinite" restart="never" nodeType="tmRoot"/>
-      </p:par>
-    </p:tnLst>
-  </p:timing>
 </p:sld>
 </file>
 
@@ -15201,7 +14700,7 @@
           <a:p>
             <a:pPr algn="ctr"/>
             <a:r>
-              <a:rPr lang="ko-KR" altLang="en-US" sz="5400" b="1" cap="none" spc="0" dirty="0" smtClean="0">
+              <a:rPr lang="ko-KR" altLang="en-US" sz="5400" b="1" cap="none" spc="0" dirty="0">
                 <a:ln w="9525">
                   <a:solidFill>
                     <a:schemeClr val="bg1"/>
@@ -15219,10 +14718,10 @@
                   </a:outerShdw>
                 </a:effectLst>
               </a:rPr>
-              <a:t>사람은 이해하지 못하는 </a:t>
-            </a:r>
-            <a:r>
-              <a:rPr lang="ko-KR" altLang="en-US" sz="5400" b="1" cap="none" spc="0" dirty="0" smtClean="0">
+              <a:t>사람은 이해하지 못하는 것에</a:t>
+            </a:r>
+            <a:br>
+              <a:rPr lang="en-US" altLang="ko-KR" sz="5400" b="1" cap="none" spc="0" dirty="0">
                 <a:ln w="9525">
                   <a:solidFill>
                     <a:schemeClr val="bg1"/>
@@ -15240,10 +14739,9 @@
                   </a:outerShdw>
                 </a:effectLst>
               </a:rPr>
-              <a:t>것에</a:t>
-            </a:r>
-            <a:r>
-              <a:rPr lang="en-US" altLang="ko-KR" sz="5400" b="1" cap="none" spc="0" dirty="0" smtClean="0">
+            </a:br>
+            <a:r>
+              <a:rPr lang="ko-KR" altLang="en-US" sz="5400" b="1" cap="none" spc="0" dirty="0">
                 <a:ln w="9525">
                   <a:solidFill>
                     <a:schemeClr val="bg1"/>
@@ -15261,51 +14759,10 @@
                   </a:outerShdw>
                 </a:effectLst>
               </a:rPr>
-              <a:t/>
-            </a:r>
-            <a:br>
-              <a:rPr lang="en-US" altLang="ko-KR" sz="5400" b="1" cap="none" spc="0" dirty="0" smtClean="0">
-                <a:ln w="9525">
-                  <a:solidFill>
-                    <a:schemeClr val="bg1"/>
-                  </a:solidFill>
-                  <a:prstDash val="solid"/>
-                </a:ln>
-                <a:solidFill>
-                  <a:schemeClr val="tx1"/>
-                </a:solidFill>
-                <a:effectLst>
-                  <a:outerShdw blurRad="12700" dist="38100" dir="2700000" algn="tl" rotWithShape="0">
-                    <a:schemeClr val="bg1">
-                      <a:lumMod val="50000"/>
-                    </a:schemeClr>
-                  </a:outerShdw>
-                </a:effectLst>
-              </a:rPr>
-            </a:br>
-            <a:r>
-              <a:rPr lang="ko-KR" altLang="en-US" sz="5400" b="1" cap="none" spc="0" dirty="0" smtClean="0">
-                <a:ln w="9525">
-                  <a:solidFill>
-                    <a:schemeClr val="bg1"/>
-                  </a:solidFill>
-                  <a:prstDash val="solid"/>
-                </a:ln>
-                <a:solidFill>
-                  <a:schemeClr val="tx1"/>
-                </a:solidFill>
-                <a:effectLst>
-                  <a:outerShdw blurRad="12700" dist="38100" dir="2700000" algn="tl" rotWithShape="0">
-                    <a:schemeClr val="bg1">
-                      <a:lumMod val="50000"/>
-                    </a:schemeClr>
-                  </a:outerShdw>
-                </a:effectLst>
-              </a:rPr>
               <a:t>두려움을 느낀다</a:t>
             </a:r>
             <a:r>
-              <a:rPr lang="en-US" altLang="ko-KR" sz="5400" b="1" cap="none" spc="0" dirty="0" smtClean="0">
+              <a:rPr lang="en-US" altLang="ko-KR" sz="5400" b="1" cap="none" spc="0" dirty="0">
                 <a:ln w="9525">
                   <a:solidFill>
                     <a:schemeClr val="bg1"/>
@@ -15375,13 +14832,6 @@
   <p:clrMapOvr>
     <a:masterClrMapping/>
   </p:clrMapOvr>
-  <p:timing>
-    <p:tnLst>
-      <p:par>
-        <p:cTn id="1" dur="indefinite" restart="never" nodeType="tmRoot"/>
-      </p:par>
-    </p:tnLst>
-  </p:timing>
 </p:sld>
 </file>
 
@@ -15418,19 +14868,19 @@
           <a:lstStyle/>
           <a:p>
             <a:r>
-              <a:rPr kumimoji="1" lang="ko-KR" altLang="en-US" dirty="0" smtClean="0"/>
+              <a:rPr kumimoji="1" lang="ko-KR" altLang="en-US" dirty="0"/>
               <a:t>어서 와</a:t>
             </a:r>
             <a:r>
-              <a:rPr kumimoji="1" lang="en-US" altLang="ko-KR" dirty="0" smtClean="0"/>
+              <a:rPr kumimoji="1" lang="en-US" altLang="ko-KR" dirty="0"/>
               <a:t>~~</a:t>
             </a:r>
             <a:r>
-              <a:rPr kumimoji="1" lang="ko-KR" altLang="en-US" dirty="0" smtClean="0"/>
+              <a:rPr kumimoji="1" lang="ko-KR" altLang="en-US" dirty="0"/>
               <a:t> 처음이지</a:t>
             </a:r>
             <a:r>
-              <a:rPr kumimoji="1" lang="en-US" altLang="ko-KR" dirty="0" smtClean="0"/>
+              <a:rPr kumimoji="1" lang="en-US" altLang="ko-KR" dirty="0"/>
               <a:t>~</a:t>
             </a:r>
             <a:endParaRPr kumimoji="1" lang="ko-KR" altLang="en-US" dirty="0"/>
